--- a/presentation/Class_5_Classes/Class_5_Classes.pptx
+++ b/presentation/Class_5_Classes/Class_5_Classes.pptx
@@ -5,29 +5,32 @@
     <p:sldMasterId id="2147483660" r:id="rId1"/>
   </p:sldMasterIdLst>
   <p:notesMasterIdLst>
-    <p:notesMasterId r:id="rId22"/>
+    <p:notesMasterId r:id="rId25"/>
   </p:notesMasterIdLst>
   <p:sldIdLst>
     <p:sldId id="400" r:id="rId2"/>
     <p:sldId id="384" r:id="rId3"/>
-    <p:sldId id="391" r:id="rId4"/>
-    <p:sldId id="414" r:id="rId5"/>
-    <p:sldId id="419" r:id="rId6"/>
-    <p:sldId id="416" r:id="rId7"/>
-    <p:sldId id="417" r:id="rId8"/>
-    <p:sldId id="390" r:id="rId9"/>
-    <p:sldId id="420" r:id="rId10"/>
-    <p:sldId id="388" r:id="rId11"/>
-    <p:sldId id="415" r:id="rId12"/>
-    <p:sldId id="385" r:id="rId13"/>
-    <p:sldId id="386" r:id="rId14"/>
-    <p:sldId id="407" r:id="rId15"/>
-    <p:sldId id="387" r:id="rId16"/>
-    <p:sldId id="408" r:id="rId17"/>
-    <p:sldId id="411" r:id="rId18"/>
-    <p:sldId id="413" r:id="rId19"/>
-    <p:sldId id="412" r:id="rId20"/>
-    <p:sldId id="403" r:id="rId21"/>
+    <p:sldId id="423" r:id="rId4"/>
+    <p:sldId id="422" r:id="rId5"/>
+    <p:sldId id="421" r:id="rId6"/>
+    <p:sldId id="391" r:id="rId7"/>
+    <p:sldId id="414" r:id="rId8"/>
+    <p:sldId id="419" r:id="rId9"/>
+    <p:sldId id="416" r:id="rId10"/>
+    <p:sldId id="417" r:id="rId11"/>
+    <p:sldId id="390" r:id="rId12"/>
+    <p:sldId id="420" r:id="rId13"/>
+    <p:sldId id="388" r:id="rId14"/>
+    <p:sldId id="415" r:id="rId15"/>
+    <p:sldId id="385" r:id="rId16"/>
+    <p:sldId id="386" r:id="rId17"/>
+    <p:sldId id="407" r:id="rId18"/>
+    <p:sldId id="387" r:id="rId19"/>
+    <p:sldId id="408" r:id="rId20"/>
+    <p:sldId id="411" r:id="rId21"/>
+    <p:sldId id="413" r:id="rId22"/>
+    <p:sldId id="412" r:id="rId23"/>
+    <p:sldId id="403" r:id="rId24"/>
   </p:sldIdLst>
   <p:sldSz cx="12192000" cy="6858000"/>
   <p:notesSz cx="6858000" cy="9144000"/>
@@ -216,7 +219,7 @@
           <a:p>
             <a:fld id="{7E78E4E2-C2CB-4D43-84EF-9F4E3E0E651C}" type="datetimeFigureOut">
               <a:rPr lang="en-US" smtClean="0"/>
-              <a:t>2/27/2022</a:t>
+              <a:t>7/13/2022</a:t>
             </a:fld>
             <a:endParaRPr lang="en-US"/>
           </a:p>
@@ -665,7 +668,7 @@
                 <a:tabLst/>
                 <a:defRPr/>
               </a:pPr>
-              <a:t>2/27/2022</a:t>
+              <a:t>7/13/2022</a:t>
             </a:fld>
             <a:endParaRPr kumimoji="0" lang="en-US" sz="1200" b="0" i="0" u="none" strike="noStrike" kern="1200" cap="none" spc="0" normalizeH="0" baseline="0" noProof="0" dirty="0">
               <a:ln>
@@ -876,13 +879,6 @@
           <a:bodyPr/>
           <a:lstStyle/>
           <a:p>
-            <a:pPr defTabSz="942289"/>
-            <a:r>
-              <a:rPr lang="en-US" dirty="0"/>
-              <a:t>"__" leading, and sometimes trailing, double underscore "dunder" – informally reserved for special type variable or function names</a:t>
-            </a:r>
-          </a:p>
-          <a:p>
             <a:endParaRPr lang="en-US" dirty="0"/>
           </a:p>
         </p:txBody>
@@ -1003,7 +999,7 @@
                 <a:tabLst/>
                 <a:defRPr/>
               </a:pPr>
-              <a:t>2/27/2022</a:t>
+              <a:t>7/13/2022</a:t>
             </a:fld>
             <a:endParaRPr kumimoji="0" lang="en-US" sz="1200" b="0" i="0" u="none" strike="noStrike" kern="1200" cap="none" spc="0" normalizeH="0" baseline="0" noProof="0" dirty="0">
               <a:ln>
@@ -1160,7 +1156,7 @@
     </p:spTree>
     <p:extLst>
       <p:ext uri="{BB962C8B-B14F-4D97-AF65-F5344CB8AC3E}">
-        <p14:creationId xmlns:p14="http://schemas.microsoft.com/office/powerpoint/2010/main" val="4014568386"/>
+        <p14:creationId xmlns:p14="http://schemas.microsoft.com/office/powerpoint/2010/main" val="1783054703"/>
       </p:ext>
     </p:extLst>
   </p:cSld>
@@ -1214,60 +1210,14 @@
           <a:bodyPr/>
           <a:lstStyle/>
           <a:p>
+            <a:pPr defTabSz="942289"/>
             <a:r>
               <a:rPr lang="en-US" dirty="0"/>
-              <a:t>__ - double underscore, leading plus trailing (</a:t>
-            </a:r>
-            <a:r>
-              <a:rPr lang="en-US" dirty="0" err="1"/>
-              <a:t>dunder</a:t>
-            </a:r>
-            <a:r>
-              <a:rPr lang="en-US" dirty="0"/>
-              <a:t>) – reserved for </a:t>
-            </a:r>
-            <a:r>
-              <a:rPr lang="en-US" dirty="0" err="1"/>
-              <a:t>builtin</a:t>
-            </a:r>
-            <a:r>
-              <a:rPr lang="en-US" dirty="0"/>
-              <a:t> member functions</a:t>
-            </a:r>
-          </a:p>
-          <a:p>
-            <a:r>
-              <a:rPr lang="en-US" b="1" dirty="0"/>
-              <a:t>self – </a:t>
-            </a:r>
-            <a:r>
-              <a:rPr lang="en-US" b="0" dirty="0"/>
-              <a:t>first </a:t>
-            </a:r>
-            <a:r>
-              <a:rPr lang="en-US" b="0" dirty="0" err="1"/>
-              <a:t>argment</a:t>
-            </a:r>
-            <a:r>
-              <a:rPr lang="en-US" b="0" dirty="0"/>
-              <a:t> for all member functions – implied when called via </a:t>
-            </a:r>
-            <a:r>
-              <a:rPr lang="en-US" b="0" i="1" dirty="0" err="1"/>
-              <a:t>object</a:t>
-            </a:r>
-            <a:r>
-              <a:rPr lang="en-US" sz="4000" b="1" dirty="0" err="1"/>
-              <a:t>.</a:t>
-            </a:r>
-            <a:r>
-              <a:rPr lang="en-US" b="0" i="1" dirty="0" err="1"/>
-              <a:t>member_function_name</a:t>
-            </a:r>
-            <a:r>
-              <a:rPr lang="en-US" b="0" dirty="0"/>
-              <a:t>()</a:t>
-            </a:r>
+              <a:t>"__" leading, and sometimes trailing, double underscore "dunder" – informally reserved for special type variable or function names</a:t>
+            </a:r>
+          </a:p>
+          <a:p>
+            <a:endParaRPr lang="en-US" dirty="0"/>
           </a:p>
         </p:txBody>
       </p:sp>
@@ -1387,338 +1337,7 @@
                 <a:tabLst/>
                 <a:defRPr/>
               </a:pPr>
-              <a:t>2/27/2022</a:t>
-            </a:fld>
-            <a:endParaRPr kumimoji="0" lang="en-US" sz="1200" b="0" i="0" u="none" strike="noStrike" kern="1200" cap="none" spc="0" normalizeH="0" baseline="0" noProof="0" dirty="0">
-              <a:ln>
-                <a:noFill/>
-              </a:ln>
-              <a:solidFill>
-                <a:prstClr val="black"/>
-              </a:solidFill>
-              <a:effectLst/>
-              <a:uLnTx/>
-              <a:uFillTx/>
-              <a:latin typeface="Calibri" panose="020F0502020204030204"/>
-              <a:ea typeface="+mn-ea"/>
-              <a:cs typeface="+mn-cs"/>
-            </a:endParaRPr>
-          </a:p>
-        </p:txBody>
-      </p:sp>
-      <p:sp>
-        <p:nvSpPr>
-          <p:cNvPr id="6" name="Footer Placeholder 5"/>
-          <p:cNvSpPr>
-            <a:spLocks noGrp="1"/>
-          </p:cNvSpPr>
-          <p:nvPr>
-            <p:ph type="ftr" sz="quarter" idx="4"/>
-          </p:nvPr>
-        </p:nvSpPr>
-        <p:spPr/>
-        <p:txBody>
-          <a:bodyPr/>
-          <a:lstStyle/>
-          <a:p>
-            <a:pPr marL="0" marR="0" lvl="0" indent="0" algn="l" defTabSz="457200" rtl="0" eaLnBrk="1" fontAlgn="auto" latinLnBrk="0" hangingPunct="1">
-              <a:lnSpc>
-                <a:spcPct val="100000"/>
-              </a:lnSpc>
-              <a:spcBef>
-                <a:spcPts val="0"/>
-              </a:spcBef>
-              <a:spcAft>
-                <a:spcPts val="0"/>
-              </a:spcAft>
-              <a:buClrTx/>
-              <a:buSzTx/>
-              <a:buFontTx/>
-              <a:buNone/>
-              <a:tabLst/>
-              <a:defRPr/>
-            </a:pPr>
-            <a:r>
-              <a:rPr kumimoji="0" lang="en-US" sz="1200" b="0" i="0" u="none" strike="noStrike" kern="1200" cap="none" spc="0" normalizeH="0" baseline="0" noProof="0" dirty="0">
-                <a:ln>
-                  <a:noFill/>
-                </a:ln>
-                <a:solidFill>
-                  <a:prstClr val="black"/>
-                </a:solidFill>
-                <a:effectLst/>
-                <a:uLnTx/>
-                <a:uFillTx/>
-                <a:latin typeface="Calibri" panose="020F0502020204030204"/>
-                <a:ea typeface="+mn-ea"/>
-                <a:cs typeface="+mn-cs"/>
-              </a:rPr>
-              <a:t>raysmith@alum.mit.edu</a:t>
-            </a:r>
-          </a:p>
-        </p:txBody>
-      </p:sp>
-      <p:sp>
-        <p:nvSpPr>
-          <p:cNvPr id="7" name="Slide Number Placeholder 6"/>
-          <p:cNvSpPr>
-            <a:spLocks noGrp="1"/>
-          </p:cNvSpPr>
-          <p:nvPr>
-            <p:ph type="sldNum" sz="quarter" idx="5"/>
-          </p:nvPr>
-        </p:nvSpPr>
-        <p:spPr/>
-        <p:txBody>
-          <a:bodyPr/>
-          <a:lstStyle/>
-          <a:p>
-            <a:pPr marL="0" marR="0" lvl="0" indent="0" algn="r" defTabSz="457200" rtl="0" eaLnBrk="1" fontAlgn="auto" latinLnBrk="0" hangingPunct="1">
-              <a:lnSpc>
-                <a:spcPct val="100000"/>
-              </a:lnSpc>
-              <a:spcBef>
-                <a:spcPts val="0"/>
-              </a:spcBef>
-              <a:spcAft>
-                <a:spcPts val="0"/>
-              </a:spcAft>
-              <a:buClrTx/>
-              <a:buSzTx/>
-              <a:buFontTx/>
-              <a:buNone/>
-              <a:tabLst/>
-              <a:defRPr/>
-            </a:pPr>
-            <a:fld id="{BA791329-992B-4F83-8435-C33B0EC26DB3}" type="slidenum">
-              <a:rPr kumimoji="0" lang="en-US" sz="1200" b="0" i="0" u="none" strike="noStrike" kern="1200" cap="none" spc="0" normalizeH="0" baseline="0" noProof="0" smtClean="0">
-                <a:ln>
-                  <a:noFill/>
-                </a:ln>
-                <a:solidFill>
-                  <a:prstClr val="black"/>
-                </a:solidFill>
-                <a:effectLst/>
-                <a:uLnTx/>
-                <a:uFillTx/>
-                <a:latin typeface="Calibri" panose="020F0502020204030204"/>
-                <a:ea typeface="+mn-ea"/>
-                <a:cs typeface="+mn-cs"/>
-              </a:rPr>
-              <a:pPr marL="0" marR="0" lvl="0" indent="0" algn="r" defTabSz="457200" rtl="0" eaLnBrk="1" fontAlgn="auto" latinLnBrk="0" hangingPunct="1">
-                <a:lnSpc>
-                  <a:spcPct val="100000"/>
-                </a:lnSpc>
-                <a:spcBef>
-                  <a:spcPts val="0"/>
-                </a:spcBef>
-                <a:spcAft>
-                  <a:spcPts val="0"/>
-                </a:spcAft>
-                <a:buClrTx/>
-                <a:buSzTx/>
-                <a:buFontTx/>
-                <a:buNone/>
-                <a:tabLst/>
-                <a:defRPr/>
-              </a:pPr>
-              <a:t>12</a:t>
-            </a:fld>
-            <a:endParaRPr kumimoji="0" lang="en-US" sz="1200" b="0" i="0" u="none" strike="noStrike" kern="1200" cap="none" spc="0" normalizeH="0" baseline="0" noProof="0" dirty="0">
-              <a:ln>
-                <a:noFill/>
-              </a:ln>
-              <a:solidFill>
-                <a:prstClr val="black"/>
-              </a:solidFill>
-              <a:effectLst/>
-              <a:uLnTx/>
-              <a:uFillTx/>
-              <a:latin typeface="Calibri" panose="020F0502020204030204"/>
-              <a:ea typeface="+mn-ea"/>
-              <a:cs typeface="+mn-cs"/>
-            </a:endParaRPr>
-          </a:p>
-        </p:txBody>
-      </p:sp>
-    </p:spTree>
-    <p:extLst>
-      <p:ext uri="{BB962C8B-B14F-4D97-AF65-F5344CB8AC3E}">
-        <p14:creationId xmlns:p14="http://schemas.microsoft.com/office/powerpoint/2010/main" val="1582505327"/>
-      </p:ext>
-    </p:extLst>
-  </p:cSld>
-  <p:clrMapOvr>
-    <a:masterClrMapping/>
-  </p:clrMapOvr>
-</p:notes>
-</file>
-
-<file path=ppt/notesSlides/notesSlide12.xml><?xml version="1.0" encoding="utf-8"?>
-<p:notes xmlns:a="http://schemas.openxmlformats.org/drawingml/2006/main" xmlns:r="http://schemas.openxmlformats.org/officeDocument/2006/relationships" xmlns:p="http://schemas.openxmlformats.org/presentationml/2006/main">
-  <p:cSld>
-    <p:spTree>
-      <p:nvGrpSpPr>
-        <p:cNvPr id="1" name=""/>
-        <p:cNvGrpSpPr/>
-        <p:nvPr/>
-      </p:nvGrpSpPr>
-      <p:grpSpPr>
-        <a:xfrm>
-          <a:off x="0" y="0"/>
-          <a:ext cx="0" cy="0"/>
-          <a:chOff x="0" y="0"/>
-          <a:chExt cx="0" cy="0"/>
-        </a:xfrm>
-      </p:grpSpPr>
-      <p:sp>
-        <p:nvSpPr>
-          <p:cNvPr id="2" name="Slide Image Placeholder 1"/>
-          <p:cNvSpPr>
-            <a:spLocks noGrp="1" noRot="1" noChangeAspect="1"/>
-          </p:cNvSpPr>
-          <p:nvPr>
-            <p:ph type="sldImg"/>
-          </p:nvPr>
-        </p:nvSpPr>
-        <p:spPr/>
-      </p:sp>
-      <p:sp>
-        <p:nvSpPr>
-          <p:cNvPr id="3" name="Notes Placeholder 2"/>
-          <p:cNvSpPr>
-            <a:spLocks noGrp="1"/>
-          </p:cNvSpPr>
-          <p:nvPr>
-            <p:ph type="body" idx="1"/>
-          </p:nvPr>
-        </p:nvSpPr>
-        <p:spPr/>
-        <p:txBody>
-          <a:bodyPr/>
-          <a:lstStyle/>
-          <a:p>
-            <a:endParaRPr lang="en-US" dirty="0"/>
-          </a:p>
-        </p:txBody>
-      </p:sp>
-      <p:sp>
-        <p:nvSpPr>
-          <p:cNvPr id="4" name="Header Placeholder 3"/>
-          <p:cNvSpPr>
-            <a:spLocks noGrp="1"/>
-          </p:cNvSpPr>
-          <p:nvPr>
-            <p:ph type="hdr" sz="quarter"/>
-          </p:nvPr>
-        </p:nvSpPr>
-        <p:spPr/>
-        <p:txBody>
-          <a:bodyPr/>
-          <a:lstStyle/>
-          <a:p>
-            <a:pPr marL="0" marR="0" lvl="0" indent="0" algn="l" defTabSz="457200" rtl="0" eaLnBrk="1" fontAlgn="auto" latinLnBrk="0" hangingPunct="1">
-              <a:lnSpc>
-                <a:spcPct val="100000"/>
-              </a:lnSpc>
-              <a:spcBef>
-                <a:spcPts val="0"/>
-              </a:spcBef>
-              <a:spcAft>
-                <a:spcPts val="0"/>
-              </a:spcAft>
-              <a:buClrTx/>
-              <a:buSzTx/>
-              <a:buFontTx/>
-              <a:buNone/>
-              <a:tabLst/>
-              <a:defRPr/>
-            </a:pPr>
-            <a:r>
-              <a:rPr kumimoji="0" lang="en-US" sz="1200" b="0" i="0" u="none" strike="noStrike" kern="1200" cap="none" spc="0" normalizeH="0" baseline="0" noProof="0" dirty="0">
-                <a:ln>
-                  <a:noFill/>
-                </a:ln>
-                <a:solidFill>
-                  <a:prstClr val="black"/>
-                </a:solidFill>
-                <a:effectLst/>
-                <a:uLnTx/>
-                <a:uFillTx/>
-                <a:latin typeface="Calibri" panose="020F0502020204030204"/>
-                <a:ea typeface="+mn-ea"/>
-                <a:cs typeface="+mn-cs"/>
-              </a:rPr>
-              <a:t>Introduction to Programming using Python</a:t>
-            </a:r>
-          </a:p>
-        </p:txBody>
-      </p:sp>
-      <p:sp>
-        <p:nvSpPr>
-          <p:cNvPr id="5" name="Date Placeholder 4"/>
-          <p:cNvSpPr>
-            <a:spLocks noGrp="1"/>
-          </p:cNvSpPr>
-          <p:nvPr>
-            <p:ph type="dt" idx="1"/>
-          </p:nvPr>
-        </p:nvSpPr>
-        <p:spPr/>
-        <p:txBody>
-          <a:bodyPr/>
-          <a:lstStyle/>
-          <a:p>
-            <a:pPr marL="0" marR="0" lvl="0" indent="0" algn="r" defTabSz="457200" rtl="0" eaLnBrk="1" fontAlgn="auto" latinLnBrk="0" hangingPunct="1">
-              <a:lnSpc>
-                <a:spcPct val="100000"/>
-              </a:lnSpc>
-              <a:spcBef>
-                <a:spcPts val="0"/>
-              </a:spcBef>
-              <a:spcAft>
-                <a:spcPts val="0"/>
-              </a:spcAft>
-              <a:buClrTx/>
-              <a:buSzTx/>
-              <a:buFontTx/>
-              <a:buNone/>
-              <a:tabLst/>
-              <a:defRPr/>
-            </a:pPr>
-            <a:fld id="{A596092B-28C7-44D1-B902-5437B333DFB7}" type="datetime1">
-              <a:rPr kumimoji="0" lang="en-US" sz="1200" b="0" i="0" u="none" strike="noStrike" kern="1200" cap="none" spc="0" normalizeH="0" baseline="0" noProof="0" smtClean="0">
-                <a:ln>
-                  <a:noFill/>
-                </a:ln>
-                <a:solidFill>
-                  <a:prstClr val="black"/>
-                </a:solidFill>
-                <a:effectLst/>
-                <a:uLnTx/>
-                <a:uFillTx/>
-                <a:latin typeface="Calibri" panose="020F0502020204030204"/>
-                <a:ea typeface="+mn-ea"/>
-                <a:cs typeface="+mn-cs"/>
-              </a:rPr>
-              <a:pPr marL="0" marR="0" lvl="0" indent="0" algn="r" defTabSz="457200" rtl="0" eaLnBrk="1" fontAlgn="auto" latinLnBrk="0" hangingPunct="1">
-                <a:lnSpc>
-                  <a:spcPct val="100000"/>
-                </a:lnSpc>
-                <a:spcBef>
-                  <a:spcPts val="0"/>
-                </a:spcBef>
-                <a:spcAft>
-                  <a:spcPts val="0"/>
-                </a:spcAft>
-                <a:buClrTx/>
-                <a:buSzTx/>
-                <a:buFontTx/>
-                <a:buNone/>
-                <a:tabLst/>
-                <a:defRPr/>
-              </a:pPr>
-              <a:t>2/27/2022</a:t>
+              <a:t>7/13/2022</a:t>
             </a:fld>
             <a:endParaRPr kumimoji="0" lang="en-US" sz="1200" b="0" i="0" u="none" strike="noStrike" kern="1200" cap="none" spc="0" normalizeH="0" baseline="0" noProof="0" dirty="0">
               <a:ln>
@@ -1875,7 +1494,7 @@
     </p:spTree>
     <p:extLst>
       <p:ext uri="{BB962C8B-B14F-4D97-AF65-F5344CB8AC3E}">
-        <p14:creationId xmlns:p14="http://schemas.microsoft.com/office/powerpoint/2010/main" val="3061068349"/>
+        <p14:creationId xmlns:p14="http://schemas.microsoft.com/office/powerpoint/2010/main" val="1541664981"/>
       </p:ext>
     </p:extLst>
   </p:cSld>
@@ -1885,7 +1504,7 @@
 </p:notes>
 </file>
 
-<file path=ppt/notesSlides/notesSlide13.xml><?xml version="1.0" encoding="utf-8"?>
+<file path=ppt/notesSlides/notesSlide12.xml><?xml version="1.0" encoding="utf-8"?>
 <p:notes xmlns:a="http://schemas.openxmlformats.org/drawingml/2006/main" xmlns:r="http://schemas.openxmlformats.org/officeDocument/2006/relationships" xmlns:p="http://schemas.openxmlformats.org/presentationml/2006/main">
   <p:cSld>
     <p:spTree>
@@ -1928,6 +1547,13 @@
         <p:txBody>
           <a:bodyPr/>
           <a:lstStyle/>
+          <a:p>
+            <a:pPr defTabSz="942289"/>
+            <a:r>
+              <a:rPr lang="en-US" dirty="0"/>
+              <a:t>"__" leading, and sometimes trailing, double underscore "dunder" – informally reserved for special type variable or function names</a:t>
+            </a:r>
+          </a:p>
           <a:p>
             <a:endParaRPr lang="en-US" dirty="0"/>
           </a:p>
@@ -2049,7 +1675,7 @@
                 <a:tabLst/>
                 <a:defRPr/>
               </a:pPr>
-              <a:t>2/27/2022</a:t>
+              <a:t>7/13/2022</a:t>
             </a:fld>
             <a:endParaRPr kumimoji="0" lang="en-US" sz="1200" b="0" i="0" u="none" strike="noStrike" kern="1200" cap="none" spc="0" normalizeH="0" baseline="0" noProof="0" dirty="0">
               <a:ln>
@@ -2206,7 +1832,7 @@
     </p:spTree>
     <p:extLst>
       <p:ext uri="{BB962C8B-B14F-4D97-AF65-F5344CB8AC3E}">
-        <p14:creationId xmlns:p14="http://schemas.microsoft.com/office/powerpoint/2010/main" val="1200525574"/>
+        <p14:creationId xmlns:p14="http://schemas.microsoft.com/office/powerpoint/2010/main" val="4014568386"/>
       </p:ext>
     </p:extLst>
   </p:cSld>
@@ -2216,7 +1842,7 @@
 </p:notes>
 </file>
 
-<file path=ppt/notesSlides/notesSlide14.xml><?xml version="1.0" encoding="utf-8"?>
+<file path=ppt/notesSlides/notesSlide13.xml><?xml version="1.0" encoding="utf-8"?>
 <p:notes xmlns:a="http://schemas.openxmlformats.org/drawingml/2006/main" xmlns:r="http://schemas.openxmlformats.org/officeDocument/2006/relationships" xmlns:p="http://schemas.openxmlformats.org/presentationml/2006/main">
   <p:cSld>
     <p:spTree>
@@ -2260,7 +1886,60 @@
           <a:bodyPr/>
           <a:lstStyle/>
           <a:p>
-            <a:endParaRPr lang="en-US" dirty="0"/>
+            <a:r>
+              <a:rPr lang="en-US" dirty="0"/>
+              <a:t>__ - double underscore, leading plus trailing (</a:t>
+            </a:r>
+            <a:r>
+              <a:rPr lang="en-US" dirty="0" err="1"/>
+              <a:t>dunder</a:t>
+            </a:r>
+            <a:r>
+              <a:rPr lang="en-US" dirty="0"/>
+              <a:t>) – reserved for </a:t>
+            </a:r>
+            <a:r>
+              <a:rPr lang="en-US" dirty="0" err="1"/>
+              <a:t>builtin</a:t>
+            </a:r>
+            <a:r>
+              <a:rPr lang="en-US" dirty="0"/>
+              <a:t> member functions</a:t>
+            </a:r>
+          </a:p>
+          <a:p>
+            <a:r>
+              <a:rPr lang="en-US" b="1" dirty="0"/>
+              <a:t>self – </a:t>
+            </a:r>
+            <a:r>
+              <a:rPr lang="en-US" b="0" dirty="0"/>
+              <a:t>first </a:t>
+            </a:r>
+            <a:r>
+              <a:rPr lang="en-US" b="0" dirty="0" err="1"/>
+              <a:t>argment</a:t>
+            </a:r>
+            <a:r>
+              <a:rPr lang="en-US" b="0" dirty="0"/>
+              <a:t> for all member functions – implied when called via </a:t>
+            </a:r>
+            <a:r>
+              <a:rPr lang="en-US" b="0" i="1" dirty="0" err="1"/>
+              <a:t>object</a:t>
+            </a:r>
+            <a:r>
+              <a:rPr lang="en-US" sz="4000" b="1" dirty="0" err="1"/>
+              <a:t>.</a:t>
+            </a:r>
+            <a:r>
+              <a:rPr lang="en-US" b="0" i="1" dirty="0" err="1"/>
+              <a:t>member_function_name</a:t>
+            </a:r>
+            <a:r>
+              <a:rPr lang="en-US" b="0" dirty="0"/>
+              <a:t>()</a:t>
+            </a:r>
           </a:p>
         </p:txBody>
       </p:sp>
@@ -2380,7 +2059,7 @@
                 <a:tabLst/>
                 <a:defRPr/>
               </a:pPr>
-              <a:t>2/27/2022</a:t>
+              <a:t>7/13/2022</a:t>
             </a:fld>
             <a:endParaRPr kumimoji="0" lang="en-US" sz="1200" b="0" i="0" u="none" strike="noStrike" kern="1200" cap="none" spc="0" normalizeH="0" baseline="0" noProof="0" dirty="0">
               <a:ln>
@@ -2537,7 +2216,7 @@
     </p:spTree>
     <p:extLst>
       <p:ext uri="{BB962C8B-B14F-4D97-AF65-F5344CB8AC3E}">
-        <p14:creationId xmlns:p14="http://schemas.microsoft.com/office/powerpoint/2010/main" val="2936901666"/>
+        <p14:creationId xmlns:p14="http://schemas.microsoft.com/office/powerpoint/2010/main" val="1582505327"/>
       </p:ext>
     </p:extLst>
   </p:cSld>
@@ -2547,7 +2226,7 @@
 </p:notes>
 </file>
 
-<file path=ppt/notesSlides/notesSlide15.xml><?xml version="1.0" encoding="utf-8"?>
+<file path=ppt/notesSlides/notesSlide14.xml><?xml version="1.0" encoding="utf-8"?>
 <p:notes xmlns:a="http://schemas.openxmlformats.org/drawingml/2006/main" xmlns:r="http://schemas.openxmlformats.org/officeDocument/2006/relationships" xmlns:p="http://schemas.openxmlformats.org/presentationml/2006/main">
   <p:cSld>
     <p:spTree>
@@ -2711,7 +2390,7 @@
                 <a:tabLst/>
                 <a:defRPr/>
               </a:pPr>
-              <a:t>2/27/2022</a:t>
+              <a:t>7/13/2022</a:t>
             </a:fld>
             <a:endParaRPr kumimoji="0" lang="en-US" sz="1200" b="0" i="0" u="none" strike="noStrike" kern="1200" cap="none" spc="0" normalizeH="0" baseline="0" noProof="0" dirty="0">
               <a:ln>
@@ -2868,7 +2547,7 @@
     </p:spTree>
     <p:extLst>
       <p:ext uri="{BB962C8B-B14F-4D97-AF65-F5344CB8AC3E}">
-        <p14:creationId xmlns:p14="http://schemas.microsoft.com/office/powerpoint/2010/main" val="3694156179"/>
+        <p14:creationId xmlns:p14="http://schemas.microsoft.com/office/powerpoint/2010/main" val="3061068349"/>
       </p:ext>
     </p:extLst>
   </p:cSld>
@@ -2878,7 +2557,7 @@
 </p:notes>
 </file>
 
-<file path=ppt/notesSlides/notesSlide16.xml><?xml version="1.0" encoding="utf-8"?>
+<file path=ppt/notesSlides/notesSlide15.xml><?xml version="1.0" encoding="utf-8"?>
 <p:notes xmlns:a="http://schemas.openxmlformats.org/drawingml/2006/main" xmlns:r="http://schemas.openxmlformats.org/officeDocument/2006/relationships" xmlns:p="http://schemas.openxmlformats.org/presentationml/2006/main">
   <p:cSld>
     <p:spTree>
@@ -3042,7 +2721,7 @@
                 <a:tabLst/>
                 <a:defRPr/>
               </a:pPr>
-              <a:t>2/27/2022</a:t>
+              <a:t>7/13/2022</a:t>
             </a:fld>
             <a:endParaRPr kumimoji="0" lang="en-US" sz="1200" b="0" i="0" u="none" strike="noStrike" kern="1200" cap="none" spc="0" normalizeH="0" baseline="0" noProof="0" dirty="0">
               <a:ln>
@@ -3199,7 +2878,7 @@
     </p:spTree>
     <p:extLst>
       <p:ext uri="{BB962C8B-B14F-4D97-AF65-F5344CB8AC3E}">
-        <p14:creationId xmlns:p14="http://schemas.microsoft.com/office/powerpoint/2010/main" val="2254318825"/>
+        <p14:creationId xmlns:p14="http://schemas.microsoft.com/office/powerpoint/2010/main" val="1200525574"/>
       </p:ext>
     </p:extLst>
   </p:cSld>
@@ -3209,7 +2888,7 @@
 </p:notes>
 </file>
 
-<file path=ppt/notesSlides/notesSlide17.xml><?xml version="1.0" encoding="utf-8"?>
+<file path=ppt/notesSlides/notesSlide16.xml><?xml version="1.0" encoding="utf-8"?>
 <p:notes xmlns:a="http://schemas.openxmlformats.org/drawingml/2006/main" xmlns:r="http://schemas.openxmlformats.org/officeDocument/2006/relationships" xmlns:p="http://schemas.openxmlformats.org/presentationml/2006/main">
   <p:cSld>
     <p:spTree>
@@ -3373,7 +3052,7 @@
                 <a:tabLst/>
                 <a:defRPr/>
               </a:pPr>
-              <a:t>2/27/2022</a:t>
+              <a:t>7/13/2022</a:t>
             </a:fld>
             <a:endParaRPr kumimoji="0" lang="en-US" sz="1200" b="0" i="0" u="none" strike="noStrike" kern="1200" cap="none" spc="0" normalizeH="0" baseline="0" noProof="0" dirty="0">
               <a:ln>
@@ -3530,7 +3209,7 @@
     </p:spTree>
     <p:extLst>
       <p:ext uri="{BB962C8B-B14F-4D97-AF65-F5344CB8AC3E}">
-        <p14:creationId xmlns:p14="http://schemas.microsoft.com/office/powerpoint/2010/main" val="936666378"/>
+        <p14:creationId xmlns:p14="http://schemas.microsoft.com/office/powerpoint/2010/main" val="2936901666"/>
       </p:ext>
     </p:extLst>
   </p:cSld>
@@ -3540,7 +3219,7 @@
 </p:notes>
 </file>
 
-<file path=ppt/notesSlides/notesSlide18.xml><?xml version="1.0" encoding="utf-8"?>
+<file path=ppt/notesSlides/notesSlide17.xml><?xml version="1.0" encoding="utf-8"?>
 <p:notes xmlns:a="http://schemas.openxmlformats.org/drawingml/2006/main" xmlns:r="http://schemas.openxmlformats.org/officeDocument/2006/relationships" xmlns:p="http://schemas.openxmlformats.org/presentationml/2006/main">
   <p:cSld>
     <p:spTree>
@@ -3704,7 +3383,7 @@
                 <a:tabLst/>
                 <a:defRPr/>
               </a:pPr>
-              <a:t>2/27/2022</a:t>
+              <a:t>7/13/2022</a:t>
             </a:fld>
             <a:endParaRPr kumimoji="0" lang="en-US" sz="1200" b="0" i="0" u="none" strike="noStrike" kern="1200" cap="none" spc="0" normalizeH="0" baseline="0" noProof="0" dirty="0">
               <a:ln>
@@ -3861,7 +3540,338 @@
     </p:spTree>
     <p:extLst>
       <p:ext uri="{BB962C8B-B14F-4D97-AF65-F5344CB8AC3E}">
-        <p14:creationId xmlns:p14="http://schemas.microsoft.com/office/powerpoint/2010/main" val="4266362203"/>
+        <p14:creationId xmlns:p14="http://schemas.microsoft.com/office/powerpoint/2010/main" val="3694156179"/>
+      </p:ext>
+    </p:extLst>
+  </p:cSld>
+  <p:clrMapOvr>
+    <a:masterClrMapping/>
+  </p:clrMapOvr>
+</p:notes>
+</file>
+
+<file path=ppt/notesSlides/notesSlide18.xml><?xml version="1.0" encoding="utf-8"?>
+<p:notes xmlns:a="http://schemas.openxmlformats.org/drawingml/2006/main" xmlns:r="http://schemas.openxmlformats.org/officeDocument/2006/relationships" xmlns:p="http://schemas.openxmlformats.org/presentationml/2006/main">
+  <p:cSld>
+    <p:spTree>
+      <p:nvGrpSpPr>
+        <p:cNvPr id="1" name=""/>
+        <p:cNvGrpSpPr/>
+        <p:nvPr/>
+      </p:nvGrpSpPr>
+      <p:grpSpPr>
+        <a:xfrm>
+          <a:off x="0" y="0"/>
+          <a:ext cx="0" cy="0"/>
+          <a:chOff x="0" y="0"/>
+          <a:chExt cx="0" cy="0"/>
+        </a:xfrm>
+      </p:grpSpPr>
+      <p:sp>
+        <p:nvSpPr>
+          <p:cNvPr id="2" name="Slide Image Placeholder 1"/>
+          <p:cNvSpPr>
+            <a:spLocks noGrp="1" noRot="1" noChangeAspect="1"/>
+          </p:cNvSpPr>
+          <p:nvPr>
+            <p:ph type="sldImg"/>
+          </p:nvPr>
+        </p:nvSpPr>
+        <p:spPr/>
+      </p:sp>
+      <p:sp>
+        <p:nvSpPr>
+          <p:cNvPr id="3" name="Notes Placeholder 2"/>
+          <p:cNvSpPr>
+            <a:spLocks noGrp="1"/>
+          </p:cNvSpPr>
+          <p:nvPr>
+            <p:ph type="body" idx="1"/>
+          </p:nvPr>
+        </p:nvSpPr>
+        <p:spPr/>
+        <p:txBody>
+          <a:bodyPr/>
+          <a:lstStyle/>
+          <a:p>
+            <a:endParaRPr lang="en-US" dirty="0"/>
+          </a:p>
+        </p:txBody>
+      </p:sp>
+      <p:sp>
+        <p:nvSpPr>
+          <p:cNvPr id="4" name="Header Placeholder 3"/>
+          <p:cNvSpPr>
+            <a:spLocks noGrp="1"/>
+          </p:cNvSpPr>
+          <p:nvPr>
+            <p:ph type="hdr" sz="quarter"/>
+          </p:nvPr>
+        </p:nvSpPr>
+        <p:spPr/>
+        <p:txBody>
+          <a:bodyPr/>
+          <a:lstStyle/>
+          <a:p>
+            <a:pPr marL="0" marR="0" lvl="0" indent="0" algn="l" defTabSz="457200" rtl="0" eaLnBrk="1" fontAlgn="auto" latinLnBrk="0" hangingPunct="1">
+              <a:lnSpc>
+                <a:spcPct val="100000"/>
+              </a:lnSpc>
+              <a:spcBef>
+                <a:spcPts val="0"/>
+              </a:spcBef>
+              <a:spcAft>
+                <a:spcPts val="0"/>
+              </a:spcAft>
+              <a:buClrTx/>
+              <a:buSzTx/>
+              <a:buFontTx/>
+              <a:buNone/>
+              <a:tabLst/>
+              <a:defRPr/>
+            </a:pPr>
+            <a:r>
+              <a:rPr kumimoji="0" lang="en-US" sz="1200" b="0" i="0" u="none" strike="noStrike" kern="1200" cap="none" spc="0" normalizeH="0" baseline="0" noProof="0" dirty="0">
+                <a:ln>
+                  <a:noFill/>
+                </a:ln>
+                <a:solidFill>
+                  <a:prstClr val="black"/>
+                </a:solidFill>
+                <a:effectLst/>
+                <a:uLnTx/>
+                <a:uFillTx/>
+                <a:latin typeface="Calibri" panose="020F0502020204030204"/>
+                <a:ea typeface="+mn-ea"/>
+                <a:cs typeface="+mn-cs"/>
+              </a:rPr>
+              <a:t>Introduction to Programming using Python</a:t>
+            </a:r>
+          </a:p>
+        </p:txBody>
+      </p:sp>
+      <p:sp>
+        <p:nvSpPr>
+          <p:cNvPr id="5" name="Date Placeholder 4"/>
+          <p:cNvSpPr>
+            <a:spLocks noGrp="1"/>
+          </p:cNvSpPr>
+          <p:nvPr>
+            <p:ph type="dt" idx="1"/>
+          </p:nvPr>
+        </p:nvSpPr>
+        <p:spPr/>
+        <p:txBody>
+          <a:bodyPr/>
+          <a:lstStyle/>
+          <a:p>
+            <a:pPr marL="0" marR="0" lvl="0" indent="0" algn="r" defTabSz="457200" rtl="0" eaLnBrk="1" fontAlgn="auto" latinLnBrk="0" hangingPunct="1">
+              <a:lnSpc>
+                <a:spcPct val="100000"/>
+              </a:lnSpc>
+              <a:spcBef>
+                <a:spcPts val="0"/>
+              </a:spcBef>
+              <a:spcAft>
+                <a:spcPts val="0"/>
+              </a:spcAft>
+              <a:buClrTx/>
+              <a:buSzTx/>
+              <a:buFontTx/>
+              <a:buNone/>
+              <a:tabLst/>
+              <a:defRPr/>
+            </a:pPr>
+            <a:fld id="{A596092B-28C7-44D1-B902-5437B333DFB7}" type="datetime1">
+              <a:rPr kumimoji="0" lang="en-US" sz="1200" b="0" i="0" u="none" strike="noStrike" kern="1200" cap="none" spc="0" normalizeH="0" baseline="0" noProof="0" smtClean="0">
+                <a:ln>
+                  <a:noFill/>
+                </a:ln>
+                <a:solidFill>
+                  <a:prstClr val="black"/>
+                </a:solidFill>
+                <a:effectLst/>
+                <a:uLnTx/>
+                <a:uFillTx/>
+                <a:latin typeface="Calibri" panose="020F0502020204030204"/>
+                <a:ea typeface="+mn-ea"/>
+                <a:cs typeface="+mn-cs"/>
+              </a:rPr>
+              <a:pPr marL="0" marR="0" lvl="0" indent="0" algn="r" defTabSz="457200" rtl="0" eaLnBrk="1" fontAlgn="auto" latinLnBrk="0" hangingPunct="1">
+                <a:lnSpc>
+                  <a:spcPct val="100000"/>
+                </a:lnSpc>
+                <a:spcBef>
+                  <a:spcPts val="0"/>
+                </a:spcBef>
+                <a:spcAft>
+                  <a:spcPts val="0"/>
+                </a:spcAft>
+                <a:buClrTx/>
+                <a:buSzTx/>
+                <a:buFontTx/>
+                <a:buNone/>
+                <a:tabLst/>
+                <a:defRPr/>
+              </a:pPr>
+              <a:t>7/13/2022</a:t>
+            </a:fld>
+            <a:endParaRPr kumimoji="0" lang="en-US" sz="1200" b="0" i="0" u="none" strike="noStrike" kern="1200" cap="none" spc="0" normalizeH="0" baseline="0" noProof="0" dirty="0">
+              <a:ln>
+                <a:noFill/>
+              </a:ln>
+              <a:solidFill>
+                <a:prstClr val="black"/>
+              </a:solidFill>
+              <a:effectLst/>
+              <a:uLnTx/>
+              <a:uFillTx/>
+              <a:latin typeface="Calibri" panose="020F0502020204030204"/>
+              <a:ea typeface="+mn-ea"/>
+              <a:cs typeface="+mn-cs"/>
+            </a:endParaRPr>
+          </a:p>
+        </p:txBody>
+      </p:sp>
+      <p:sp>
+        <p:nvSpPr>
+          <p:cNvPr id="6" name="Footer Placeholder 5"/>
+          <p:cNvSpPr>
+            <a:spLocks noGrp="1"/>
+          </p:cNvSpPr>
+          <p:nvPr>
+            <p:ph type="ftr" sz="quarter" idx="4"/>
+          </p:nvPr>
+        </p:nvSpPr>
+        <p:spPr/>
+        <p:txBody>
+          <a:bodyPr/>
+          <a:lstStyle/>
+          <a:p>
+            <a:pPr marL="0" marR="0" lvl="0" indent="0" algn="l" defTabSz="457200" rtl="0" eaLnBrk="1" fontAlgn="auto" latinLnBrk="0" hangingPunct="1">
+              <a:lnSpc>
+                <a:spcPct val="100000"/>
+              </a:lnSpc>
+              <a:spcBef>
+                <a:spcPts val="0"/>
+              </a:spcBef>
+              <a:spcAft>
+                <a:spcPts val="0"/>
+              </a:spcAft>
+              <a:buClrTx/>
+              <a:buSzTx/>
+              <a:buFontTx/>
+              <a:buNone/>
+              <a:tabLst/>
+              <a:defRPr/>
+            </a:pPr>
+            <a:r>
+              <a:rPr kumimoji="0" lang="en-US" sz="1200" b="0" i="0" u="none" strike="noStrike" kern="1200" cap="none" spc="0" normalizeH="0" baseline="0" noProof="0" dirty="0">
+                <a:ln>
+                  <a:noFill/>
+                </a:ln>
+                <a:solidFill>
+                  <a:prstClr val="black"/>
+                </a:solidFill>
+                <a:effectLst/>
+                <a:uLnTx/>
+                <a:uFillTx/>
+                <a:latin typeface="Calibri" panose="020F0502020204030204"/>
+                <a:ea typeface="+mn-ea"/>
+                <a:cs typeface="+mn-cs"/>
+              </a:rPr>
+              <a:t>raysmith@alum.mit.edu</a:t>
+            </a:r>
+          </a:p>
+        </p:txBody>
+      </p:sp>
+      <p:sp>
+        <p:nvSpPr>
+          <p:cNvPr id="7" name="Slide Number Placeholder 6"/>
+          <p:cNvSpPr>
+            <a:spLocks noGrp="1"/>
+          </p:cNvSpPr>
+          <p:nvPr>
+            <p:ph type="sldNum" sz="quarter" idx="5"/>
+          </p:nvPr>
+        </p:nvSpPr>
+        <p:spPr/>
+        <p:txBody>
+          <a:bodyPr/>
+          <a:lstStyle/>
+          <a:p>
+            <a:pPr marL="0" marR="0" lvl="0" indent="0" algn="r" defTabSz="457200" rtl="0" eaLnBrk="1" fontAlgn="auto" latinLnBrk="0" hangingPunct="1">
+              <a:lnSpc>
+                <a:spcPct val="100000"/>
+              </a:lnSpc>
+              <a:spcBef>
+                <a:spcPts val="0"/>
+              </a:spcBef>
+              <a:spcAft>
+                <a:spcPts val="0"/>
+              </a:spcAft>
+              <a:buClrTx/>
+              <a:buSzTx/>
+              <a:buFontTx/>
+              <a:buNone/>
+              <a:tabLst/>
+              <a:defRPr/>
+            </a:pPr>
+            <a:fld id="{BA791329-992B-4F83-8435-C33B0EC26DB3}" type="slidenum">
+              <a:rPr kumimoji="0" lang="en-US" sz="1200" b="0" i="0" u="none" strike="noStrike" kern="1200" cap="none" spc="0" normalizeH="0" baseline="0" noProof="0" smtClean="0">
+                <a:ln>
+                  <a:noFill/>
+                </a:ln>
+                <a:solidFill>
+                  <a:prstClr val="black"/>
+                </a:solidFill>
+                <a:effectLst/>
+                <a:uLnTx/>
+                <a:uFillTx/>
+                <a:latin typeface="Calibri" panose="020F0502020204030204"/>
+                <a:ea typeface="+mn-ea"/>
+                <a:cs typeface="+mn-cs"/>
+              </a:rPr>
+              <a:pPr marL="0" marR="0" lvl="0" indent="0" algn="r" defTabSz="457200" rtl="0" eaLnBrk="1" fontAlgn="auto" latinLnBrk="0" hangingPunct="1">
+                <a:lnSpc>
+                  <a:spcPct val="100000"/>
+                </a:lnSpc>
+                <a:spcBef>
+                  <a:spcPts val="0"/>
+                </a:spcBef>
+                <a:spcAft>
+                  <a:spcPts val="0"/>
+                </a:spcAft>
+                <a:buClrTx/>
+                <a:buSzTx/>
+                <a:buFontTx/>
+                <a:buNone/>
+                <a:tabLst/>
+                <a:defRPr/>
+              </a:pPr>
+              <a:t>20</a:t>
+            </a:fld>
+            <a:endParaRPr kumimoji="0" lang="en-US" sz="1200" b="0" i="0" u="none" strike="noStrike" kern="1200" cap="none" spc="0" normalizeH="0" baseline="0" noProof="0" dirty="0">
+              <a:ln>
+                <a:noFill/>
+              </a:ln>
+              <a:solidFill>
+                <a:prstClr val="black"/>
+              </a:solidFill>
+              <a:effectLst/>
+              <a:uLnTx/>
+              <a:uFillTx/>
+              <a:latin typeface="Calibri" panose="020F0502020204030204"/>
+              <a:ea typeface="+mn-ea"/>
+              <a:cs typeface="+mn-cs"/>
+            </a:endParaRPr>
+          </a:p>
+        </p:txBody>
+      </p:sp>
+    </p:spTree>
+    <p:extLst>
+      <p:ext uri="{BB962C8B-B14F-4D97-AF65-F5344CB8AC3E}">
+        <p14:creationId xmlns:p14="http://schemas.microsoft.com/office/powerpoint/2010/main" val="2254318825"/>
       </p:ext>
     </p:extLst>
   </p:cSld>
@@ -3915,24 +3925,6 @@
           <a:bodyPr/>
           <a:lstStyle/>
           <a:p>
-            <a:r>
-              <a:rPr lang="en-US" dirty="0"/>
-              <a:t>Use the previous iteration as a start to the next.</a:t>
-            </a:r>
-          </a:p>
-          <a:p>
-            <a:r>
-              <a:rPr lang="en-US" dirty="0"/>
-              <a:t>I'll go around and watch.</a:t>
-            </a:r>
-          </a:p>
-          <a:p>
-            <a:r>
-              <a:rPr lang="en-US" dirty="0"/>
-              <a:t>Raise had if a question.</a:t>
-            </a:r>
-          </a:p>
-          <a:p>
             <a:endParaRPr lang="en-US" dirty="0"/>
           </a:p>
         </p:txBody>
@@ -3944,16 +3936,46 @@
             <a:spLocks noGrp="1"/>
           </p:cNvSpPr>
           <p:nvPr>
-            <p:ph type="hdr" sz="quarter" idx="10"/>
-          </p:nvPr>
-        </p:nvSpPr>
-        <p:spPr/>
-        <p:txBody>
-          <a:bodyPr/>
-          <a:lstStyle/>
-          <a:p>
-            <a:r>
-              <a:rPr lang="en-US" dirty="0"/>
+            <p:ph type="hdr" sz="quarter"/>
+          </p:nvPr>
+        </p:nvSpPr>
+        <p:spPr/>
+        <p:txBody>
+          <a:bodyPr/>
+          <a:lstStyle/>
+          <a:p>
+            <a:pPr marL="0" marR="0" lvl="0" indent="0" algn="l" defTabSz="457200" rtl="0" eaLnBrk="1" fontAlgn="auto" latinLnBrk="0" hangingPunct="1">
+              <a:lnSpc>
+                <a:spcPct val="100000"/>
+              </a:lnSpc>
+              <a:spcBef>
+                <a:spcPts val="0"/>
+              </a:spcBef>
+              <a:spcAft>
+                <a:spcPts val="0"/>
+              </a:spcAft>
+              <a:buClrTx/>
+              <a:buSzTx/>
+              <a:buFontTx/>
+              <a:buNone/>
+              <a:tabLst/>
+              <a:defRPr/>
+            </a:pPr>
+            <a:r>
+              <a:rPr kumimoji="0" lang="en-US" sz="1200" b="0" i="0" u="none" strike="noStrike" kern="1200" cap="none" spc="0" normalizeH="0" baseline="0" noProof="0" dirty="0">
+                <a:ln>
+                  <a:noFill/>
+                </a:ln>
+                <a:solidFill>
+                  <a:prstClr val="black"/>
+                </a:solidFill>
+                <a:effectLst/>
+                <a:uLnTx/>
+                <a:uFillTx/>
+                <a:latin typeface="Calibri" panose="020F0502020204030204"/>
+                <a:ea typeface="+mn-ea"/>
+                <a:cs typeface="+mn-cs"/>
+              </a:rPr>
               <a:t>Introduction to Programming using Python</a:t>
             </a:r>
           </a:p>
@@ -3966,19 +3988,79 @@
             <a:spLocks noGrp="1"/>
           </p:cNvSpPr>
           <p:nvPr>
-            <p:ph type="dt" idx="11"/>
-          </p:nvPr>
-        </p:nvSpPr>
-        <p:spPr/>
-        <p:txBody>
-          <a:bodyPr/>
-          <a:lstStyle/>
-          <a:p>
+            <p:ph type="dt" idx="1"/>
+          </p:nvPr>
+        </p:nvSpPr>
+        <p:spPr/>
+        <p:txBody>
+          <a:bodyPr/>
+          <a:lstStyle/>
+          <a:p>
+            <a:pPr marL="0" marR="0" lvl="0" indent="0" algn="r" defTabSz="457200" rtl="0" eaLnBrk="1" fontAlgn="auto" latinLnBrk="0" hangingPunct="1">
+              <a:lnSpc>
+                <a:spcPct val="100000"/>
+              </a:lnSpc>
+              <a:spcBef>
+                <a:spcPts val="0"/>
+              </a:spcBef>
+              <a:spcAft>
+                <a:spcPts val="0"/>
+              </a:spcAft>
+              <a:buClrTx/>
+              <a:buSzTx/>
+              <a:buFontTx/>
+              <a:buNone/>
+              <a:tabLst/>
+              <a:defRPr/>
+            </a:pPr>
             <a:fld id="{A596092B-28C7-44D1-B902-5437B333DFB7}" type="datetime1">
-              <a:rPr lang="en-US" smtClean="0"/>
-              <a:t>2/27/2022</a:t>
+              <a:rPr kumimoji="0" lang="en-US" sz="1200" b="0" i="0" u="none" strike="noStrike" kern="1200" cap="none" spc="0" normalizeH="0" baseline="0" noProof="0" smtClean="0">
+                <a:ln>
+                  <a:noFill/>
+                </a:ln>
+                <a:solidFill>
+                  <a:prstClr val="black"/>
+                </a:solidFill>
+                <a:effectLst/>
+                <a:uLnTx/>
+                <a:uFillTx/>
+                <a:latin typeface="Calibri" panose="020F0502020204030204"/>
+                <a:ea typeface="+mn-ea"/>
+                <a:cs typeface="+mn-cs"/>
+              </a:rPr>
+              <a:pPr marL="0" marR="0" lvl="0" indent="0" algn="r" defTabSz="457200" rtl="0" eaLnBrk="1" fontAlgn="auto" latinLnBrk="0" hangingPunct="1">
+                <a:lnSpc>
+                  <a:spcPct val="100000"/>
+                </a:lnSpc>
+                <a:spcBef>
+                  <a:spcPts val="0"/>
+                </a:spcBef>
+                <a:spcAft>
+                  <a:spcPts val="0"/>
+                </a:spcAft>
+                <a:buClrTx/>
+                <a:buSzTx/>
+                <a:buFontTx/>
+                <a:buNone/>
+                <a:tabLst/>
+                <a:defRPr/>
+              </a:pPr>
+              <a:t>7/13/2022</a:t>
             </a:fld>
-            <a:endParaRPr lang="en-US" dirty="0"/>
+            <a:endParaRPr kumimoji="0" lang="en-US" sz="1200" b="0" i="0" u="none" strike="noStrike" kern="1200" cap="none" spc="0" normalizeH="0" baseline="0" noProof="0" dirty="0">
+              <a:ln>
+                <a:noFill/>
+              </a:ln>
+              <a:solidFill>
+                <a:prstClr val="black"/>
+              </a:solidFill>
+              <a:effectLst/>
+              <a:uLnTx/>
+              <a:uFillTx/>
+              <a:latin typeface="Calibri" panose="020F0502020204030204"/>
+              <a:ea typeface="+mn-ea"/>
+              <a:cs typeface="+mn-cs"/>
+            </a:endParaRPr>
           </a:p>
         </p:txBody>
       </p:sp>
@@ -3989,16 +4071,46 @@
             <a:spLocks noGrp="1"/>
           </p:cNvSpPr>
           <p:nvPr>
-            <p:ph type="ftr" sz="quarter" idx="12"/>
-          </p:nvPr>
-        </p:nvSpPr>
-        <p:spPr/>
-        <p:txBody>
-          <a:bodyPr/>
-          <a:lstStyle/>
-          <a:p>
-            <a:r>
-              <a:rPr lang="en-US" dirty="0"/>
+            <p:ph type="ftr" sz="quarter" idx="4"/>
+          </p:nvPr>
+        </p:nvSpPr>
+        <p:spPr/>
+        <p:txBody>
+          <a:bodyPr/>
+          <a:lstStyle/>
+          <a:p>
+            <a:pPr marL="0" marR="0" lvl="0" indent="0" algn="l" defTabSz="457200" rtl="0" eaLnBrk="1" fontAlgn="auto" latinLnBrk="0" hangingPunct="1">
+              <a:lnSpc>
+                <a:spcPct val="100000"/>
+              </a:lnSpc>
+              <a:spcBef>
+                <a:spcPts val="0"/>
+              </a:spcBef>
+              <a:spcAft>
+                <a:spcPts val="0"/>
+              </a:spcAft>
+              <a:buClrTx/>
+              <a:buSzTx/>
+              <a:buFontTx/>
+              <a:buNone/>
+              <a:tabLst/>
+              <a:defRPr/>
+            </a:pPr>
+            <a:r>
+              <a:rPr kumimoji="0" lang="en-US" sz="1200" b="0" i="0" u="none" strike="noStrike" kern="1200" cap="none" spc="0" normalizeH="0" baseline="0" noProof="0" dirty="0">
+                <a:ln>
+                  <a:noFill/>
+                </a:ln>
+                <a:solidFill>
+                  <a:prstClr val="black"/>
+                </a:solidFill>
+                <a:effectLst/>
+                <a:uLnTx/>
+                <a:uFillTx/>
+                <a:latin typeface="Calibri" panose="020F0502020204030204"/>
+                <a:ea typeface="+mn-ea"/>
+                <a:cs typeface="+mn-cs"/>
+              </a:rPr>
               <a:t>raysmith@alum.mit.edu</a:t>
             </a:r>
           </a:p>
@@ -4011,26 +4123,86 @@
             <a:spLocks noGrp="1"/>
           </p:cNvSpPr>
           <p:nvPr>
-            <p:ph type="sldNum" sz="quarter" idx="13"/>
-          </p:nvPr>
-        </p:nvSpPr>
-        <p:spPr/>
-        <p:txBody>
-          <a:bodyPr/>
-          <a:lstStyle/>
-          <a:p>
+            <p:ph type="sldNum" sz="quarter" idx="5"/>
+          </p:nvPr>
+        </p:nvSpPr>
+        <p:spPr/>
+        <p:txBody>
+          <a:bodyPr/>
+          <a:lstStyle/>
+          <a:p>
+            <a:pPr marL="0" marR="0" lvl="0" indent="0" algn="r" defTabSz="457200" rtl="0" eaLnBrk="1" fontAlgn="auto" latinLnBrk="0" hangingPunct="1">
+              <a:lnSpc>
+                <a:spcPct val="100000"/>
+              </a:lnSpc>
+              <a:spcBef>
+                <a:spcPts val="0"/>
+              </a:spcBef>
+              <a:spcAft>
+                <a:spcPts val="0"/>
+              </a:spcAft>
+              <a:buClrTx/>
+              <a:buSzTx/>
+              <a:buFontTx/>
+              <a:buNone/>
+              <a:tabLst/>
+              <a:defRPr/>
+            </a:pPr>
             <a:fld id="{BA791329-992B-4F83-8435-C33B0EC26DB3}" type="slidenum">
-              <a:rPr lang="en-US" smtClean="0"/>
-              <a:t>20</a:t>
+              <a:rPr kumimoji="0" lang="en-US" sz="1200" b="0" i="0" u="none" strike="noStrike" kern="1200" cap="none" spc="0" normalizeH="0" baseline="0" noProof="0" smtClean="0">
+                <a:ln>
+                  <a:noFill/>
+                </a:ln>
+                <a:solidFill>
+                  <a:prstClr val="black"/>
+                </a:solidFill>
+                <a:effectLst/>
+                <a:uLnTx/>
+                <a:uFillTx/>
+                <a:latin typeface="Calibri" panose="020F0502020204030204"/>
+                <a:ea typeface="+mn-ea"/>
+                <a:cs typeface="+mn-cs"/>
+              </a:rPr>
+              <a:pPr marL="0" marR="0" lvl="0" indent="0" algn="r" defTabSz="457200" rtl="0" eaLnBrk="1" fontAlgn="auto" latinLnBrk="0" hangingPunct="1">
+                <a:lnSpc>
+                  <a:spcPct val="100000"/>
+                </a:lnSpc>
+                <a:spcBef>
+                  <a:spcPts val="0"/>
+                </a:spcBef>
+                <a:spcAft>
+                  <a:spcPts val="0"/>
+                </a:spcAft>
+                <a:buClrTx/>
+                <a:buSzTx/>
+                <a:buFontTx/>
+                <a:buNone/>
+                <a:tabLst/>
+                <a:defRPr/>
+              </a:pPr>
+              <a:t>21</a:t>
             </a:fld>
-            <a:endParaRPr lang="en-US" dirty="0"/>
+            <a:endParaRPr kumimoji="0" lang="en-US" sz="1200" b="0" i="0" u="none" strike="noStrike" kern="1200" cap="none" spc="0" normalizeH="0" baseline="0" noProof="0" dirty="0">
+              <a:ln>
+                <a:noFill/>
+              </a:ln>
+              <a:solidFill>
+                <a:prstClr val="black"/>
+              </a:solidFill>
+              <a:effectLst/>
+              <a:uLnTx/>
+              <a:uFillTx/>
+              <a:latin typeface="Calibri" panose="020F0502020204030204"/>
+              <a:ea typeface="+mn-ea"/>
+              <a:cs typeface="+mn-cs"/>
+            </a:endParaRPr>
           </a:p>
         </p:txBody>
       </p:sp>
     </p:spTree>
     <p:extLst>
       <p:ext uri="{BB962C8B-B14F-4D97-AF65-F5344CB8AC3E}">
-        <p14:creationId xmlns:p14="http://schemas.microsoft.com/office/powerpoint/2010/main" val="130976200"/>
+        <p14:creationId xmlns:p14="http://schemas.microsoft.com/office/powerpoint/2010/main" val="936666378"/>
       </p:ext>
     </p:extLst>
   </p:cSld>
@@ -4204,7 +4376,7 @@
                 <a:tabLst/>
                 <a:defRPr/>
               </a:pPr>
-              <a:t>2/27/2022</a:t>
+              <a:t>7/13/2022</a:t>
             </a:fld>
             <a:endParaRPr kumimoji="0" lang="en-US" sz="1200" b="0" i="0" u="none" strike="noStrike" kern="1200" cap="none" spc="0" normalizeH="0" baseline="0" noProof="0" dirty="0">
               <a:ln>
@@ -4371,6 +4543,506 @@
 </p:notes>
 </file>
 
+<file path=ppt/notesSlides/notesSlide20.xml><?xml version="1.0" encoding="utf-8"?>
+<p:notes xmlns:a="http://schemas.openxmlformats.org/drawingml/2006/main" xmlns:r="http://schemas.openxmlformats.org/officeDocument/2006/relationships" xmlns:p="http://schemas.openxmlformats.org/presentationml/2006/main">
+  <p:cSld>
+    <p:spTree>
+      <p:nvGrpSpPr>
+        <p:cNvPr id="1" name=""/>
+        <p:cNvGrpSpPr/>
+        <p:nvPr/>
+      </p:nvGrpSpPr>
+      <p:grpSpPr>
+        <a:xfrm>
+          <a:off x="0" y="0"/>
+          <a:ext cx="0" cy="0"/>
+          <a:chOff x="0" y="0"/>
+          <a:chExt cx="0" cy="0"/>
+        </a:xfrm>
+      </p:grpSpPr>
+      <p:sp>
+        <p:nvSpPr>
+          <p:cNvPr id="2" name="Slide Image Placeholder 1"/>
+          <p:cNvSpPr>
+            <a:spLocks noGrp="1" noRot="1" noChangeAspect="1"/>
+          </p:cNvSpPr>
+          <p:nvPr>
+            <p:ph type="sldImg"/>
+          </p:nvPr>
+        </p:nvSpPr>
+        <p:spPr/>
+      </p:sp>
+      <p:sp>
+        <p:nvSpPr>
+          <p:cNvPr id="3" name="Notes Placeholder 2"/>
+          <p:cNvSpPr>
+            <a:spLocks noGrp="1"/>
+          </p:cNvSpPr>
+          <p:nvPr>
+            <p:ph type="body" idx="1"/>
+          </p:nvPr>
+        </p:nvSpPr>
+        <p:spPr/>
+        <p:txBody>
+          <a:bodyPr/>
+          <a:lstStyle/>
+          <a:p>
+            <a:endParaRPr lang="en-US" dirty="0"/>
+          </a:p>
+        </p:txBody>
+      </p:sp>
+      <p:sp>
+        <p:nvSpPr>
+          <p:cNvPr id="4" name="Header Placeholder 3"/>
+          <p:cNvSpPr>
+            <a:spLocks noGrp="1"/>
+          </p:cNvSpPr>
+          <p:nvPr>
+            <p:ph type="hdr" sz="quarter"/>
+          </p:nvPr>
+        </p:nvSpPr>
+        <p:spPr/>
+        <p:txBody>
+          <a:bodyPr/>
+          <a:lstStyle/>
+          <a:p>
+            <a:pPr marL="0" marR="0" lvl="0" indent="0" algn="l" defTabSz="457200" rtl="0" eaLnBrk="1" fontAlgn="auto" latinLnBrk="0" hangingPunct="1">
+              <a:lnSpc>
+                <a:spcPct val="100000"/>
+              </a:lnSpc>
+              <a:spcBef>
+                <a:spcPts val="0"/>
+              </a:spcBef>
+              <a:spcAft>
+                <a:spcPts val="0"/>
+              </a:spcAft>
+              <a:buClrTx/>
+              <a:buSzTx/>
+              <a:buFontTx/>
+              <a:buNone/>
+              <a:tabLst/>
+              <a:defRPr/>
+            </a:pPr>
+            <a:r>
+              <a:rPr kumimoji="0" lang="en-US" sz="1200" b="0" i="0" u="none" strike="noStrike" kern="1200" cap="none" spc="0" normalizeH="0" baseline="0" noProof="0" dirty="0">
+                <a:ln>
+                  <a:noFill/>
+                </a:ln>
+                <a:solidFill>
+                  <a:prstClr val="black"/>
+                </a:solidFill>
+                <a:effectLst/>
+                <a:uLnTx/>
+                <a:uFillTx/>
+                <a:latin typeface="Calibri" panose="020F0502020204030204"/>
+                <a:ea typeface="+mn-ea"/>
+                <a:cs typeface="+mn-cs"/>
+              </a:rPr>
+              <a:t>Introduction to Programming using Python</a:t>
+            </a:r>
+          </a:p>
+        </p:txBody>
+      </p:sp>
+      <p:sp>
+        <p:nvSpPr>
+          <p:cNvPr id="5" name="Date Placeholder 4"/>
+          <p:cNvSpPr>
+            <a:spLocks noGrp="1"/>
+          </p:cNvSpPr>
+          <p:nvPr>
+            <p:ph type="dt" idx="1"/>
+          </p:nvPr>
+        </p:nvSpPr>
+        <p:spPr/>
+        <p:txBody>
+          <a:bodyPr/>
+          <a:lstStyle/>
+          <a:p>
+            <a:pPr marL="0" marR="0" lvl="0" indent="0" algn="r" defTabSz="457200" rtl="0" eaLnBrk="1" fontAlgn="auto" latinLnBrk="0" hangingPunct="1">
+              <a:lnSpc>
+                <a:spcPct val="100000"/>
+              </a:lnSpc>
+              <a:spcBef>
+                <a:spcPts val="0"/>
+              </a:spcBef>
+              <a:spcAft>
+                <a:spcPts val="0"/>
+              </a:spcAft>
+              <a:buClrTx/>
+              <a:buSzTx/>
+              <a:buFontTx/>
+              <a:buNone/>
+              <a:tabLst/>
+              <a:defRPr/>
+            </a:pPr>
+            <a:fld id="{A596092B-28C7-44D1-B902-5437B333DFB7}" type="datetime1">
+              <a:rPr kumimoji="0" lang="en-US" sz="1200" b="0" i="0" u="none" strike="noStrike" kern="1200" cap="none" spc="0" normalizeH="0" baseline="0" noProof="0" smtClean="0">
+                <a:ln>
+                  <a:noFill/>
+                </a:ln>
+                <a:solidFill>
+                  <a:prstClr val="black"/>
+                </a:solidFill>
+                <a:effectLst/>
+                <a:uLnTx/>
+                <a:uFillTx/>
+                <a:latin typeface="Calibri" panose="020F0502020204030204"/>
+                <a:ea typeface="+mn-ea"/>
+                <a:cs typeface="+mn-cs"/>
+              </a:rPr>
+              <a:pPr marL="0" marR="0" lvl="0" indent="0" algn="r" defTabSz="457200" rtl="0" eaLnBrk="1" fontAlgn="auto" latinLnBrk="0" hangingPunct="1">
+                <a:lnSpc>
+                  <a:spcPct val="100000"/>
+                </a:lnSpc>
+                <a:spcBef>
+                  <a:spcPts val="0"/>
+                </a:spcBef>
+                <a:spcAft>
+                  <a:spcPts val="0"/>
+                </a:spcAft>
+                <a:buClrTx/>
+                <a:buSzTx/>
+                <a:buFontTx/>
+                <a:buNone/>
+                <a:tabLst/>
+                <a:defRPr/>
+              </a:pPr>
+              <a:t>7/13/2022</a:t>
+            </a:fld>
+            <a:endParaRPr kumimoji="0" lang="en-US" sz="1200" b="0" i="0" u="none" strike="noStrike" kern="1200" cap="none" spc="0" normalizeH="0" baseline="0" noProof="0" dirty="0">
+              <a:ln>
+                <a:noFill/>
+              </a:ln>
+              <a:solidFill>
+                <a:prstClr val="black"/>
+              </a:solidFill>
+              <a:effectLst/>
+              <a:uLnTx/>
+              <a:uFillTx/>
+              <a:latin typeface="Calibri" panose="020F0502020204030204"/>
+              <a:ea typeface="+mn-ea"/>
+              <a:cs typeface="+mn-cs"/>
+            </a:endParaRPr>
+          </a:p>
+        </p:txBody>
+      </p:sp>
+      <p:sp>
+        <p:nvSpPr>
+          <p:cNvPr id="6" name="Footer Placeholder 5"/>
+          <p:cNvSpPr>
+            <a:spLocks noGrp="1"/>
+          </p:cNvSpPr>
+          <p:nvPr>
+            <p:ph type="ftr" sz="quarter" idx="4"/>
+          </p:nvPr>
+        </p:nvSpPr>
+        <p:spPr/>
+        <p:txBody>
+          <a:bodyPr/>
+          <a:lstStyle/>
+          <a:p>
+            <a:pPr marL="0" marR="0" lvl="0" indent="0" algn="l" defTabSz="457200" rtl="0" eaLnBrk="1" fontAlgn="auto" latinLnBrk="0" hangingPunct="1">
+              <a:lnSpc>
+                <a:spcPct val="100000"/>
+              </a:lnSpc>
+              <a:spcBef>
+                <a:spcPts val="0"/>
+              </a:spcBef>
+              <a:spcAft>
+                <a:spcPts val="0"/>
+              </a:spcAft>
+              <a:buClrTx/>
+              <a:buSzTx/>
+              <a:buFontTx/>
+              <a:buNone/>
+              <a:tabLst/>
+              <a:defRPr/>
+            </a:pPr>
+            <a:r>
+              <a:rPr kumimoji="0" lang="en-US" sz="1200" b="0" i="0" u="none" strike="noStrike" kern="1200" cap="none" spc="0" normalizeH="0" baseline="0" noProof="0" dirty="0">
+                <a:ln>
+                  <a:noFill/>
+                </a:ln>
+                <a:solidFill>
+                  <a:prstClr val="black"/>
+                </a:solidFill>
+                <a:effectLst/>
+                <a:uLnTx/>
+                <a:uFillTx/>
+                <a:latin typeface="Calibri" panose="020F0502020204030204"/>
+                <a:ea typeface="+mn-ea"/>
+                <a:cs typeface="+mn-cs"/>
+              </a:rPr>
+              <a:t>raysmith@alum.mit.edu</a:t>
+            </a:r>
+          </a:p>
+        </p:txBody>
+      </p:sp>
+      <p:sp>
+        <p:nvSpPr>
+          <p:cNvPr id="7" name="Slide Number Placeholder 6"/>
+          <p:cNvSpPr>
+            <a:spLocks noGrp="1"/>
+          </p:cNvSpPr>
+          <p:nvPr>
+            <p:ph type="sldNum" sz="quarter" idx="5"/>
+          </p:nvPr>
+        </p:nvSpPr>
+        <p:spPr/>
+        <p:txBody>
+          <a:bodyPr/>
+          <a:lstStyle/>
+          <a:p>
+            <a:pPr marL="0" marR="0" lvl="0" indent="0" algn="r" defTabSz="457200" rtl="0" eaLnBrk="1" fontAlgn="auto" latinLnBrk="0" hangingPunct="1">
+              <a:lnSpc>
+                <a:spcPct val="100000"/>
+              </a:lnSpc>
+              <a:spcBef>
+                <a:spcPts val="0"/>
+              </a:spcBef>
+              <a:spcAft>
+                <a:spcPts val="0"/>
+              </a:spcAft>
+              <a:buClrTx/>
+              <a:buSzTx/>
+              <a:buFontTx/>
+              <a:buNone/>
+              <a:tabLst/>
+              <a:defRPr/>
+            </a:pPr>
+            <a:fld id="{BA791329-992B-4F83-8435-C33B0EC26DB3}" type="slidenum">
+              <a:rPr kumimoji="0" lang="en-US" sz="1200" b="0" i="0" u="none" strike="noStrike" kern="1200" cap="none" spc="0" normalizeH="0" baseline="0" noProof="0" smtClean="0">
+                <a:ln>
+                  <a:noFill/>
+                </a:ln>
+                <a:solidFill>
+                  <a:prstClr val="black"/>
+                </a:solidFill>
+                <a:effectLst/>
+                <a:uLnTx/>
+                <a:uFillTx/>
+                <a:latin typeface="Calibri" panose="020F0502020204030204"/>
+                <a:ea typeface="+mn-ea"/>
+                <a:cs typeface="+mn-cs"/>
+              </a:rPr>
+              <a:pPr marL="0" marR="0" lvl="0" indent="0" algn="r" defTabSz="457200" rtl="0" eaLnBrk="1" fontAlgn="auto" latinLnBrk="0" hangingPunct="1">
+                <a:lnSpc>
+                  <a:spcPct val="100000"/>
+                </a:lnSpc>
+                <a:spcBef>
+                  <a:spcPts val="0"/>
+                </a:spcBef>
+                <a:spcAft>
+                  <a:spcPts val="0"/>
+                </a:spcAft>
+                <a:buClrTx/>
+                <a:buSzTx/>
+                <a:buFontTx/>
+                <a:buNone/>
+                <a:tabLst/>
+                <a:defRPr/>
+              </a:pPr>
+              <a:t>22</a:t>
+            </a:fld>
+            <a:endParaRPr kumimoji="0" lang="en-US" sz="1200" b="0" i="0" u="none" strike="noStrike" kern="1200" cap="none" spc="0" normalizeH="0" baseline="0" noProof="0" dirty="0">
+              <a:ln>
+                <a:noFill/>
+              </a:ln>
+              <a:solidFill>
+                <a:prstClr val="black"/>
+              </a:solidFill>
+              <a:effectLst/>
+              <a:uLnTx/>
+              <a:uFillTx/>
+              <a:latin typeface="Calibri" panose="020F0502020204030204"/>
+              <a:ea typeface="+mn-ea"/>
+              <a:cs typeface="+mn-cs"/>
+            </a:endParaRPr>
+          </a:p>
+        </p:txBody>
+      </p:sp>
+    </p:spTree>
+    <p:extLst>
+      <p:ext uri="{BB962C8B-B14F-4D97-AF65-F5344CB8AC3E}">
+        <p14:creationId xmlns:p14="http://schemas.microsoft.com/office/powerpoint/2010/main" val="4266362203"/>
+      </p:ext>
+    </p:extLst>
+  </p:cSld>
+  <p:clrMapOvr>
+    <a:masterClrMapping/>
+  </p:clrMapOvr>
+</p:notes>
+</file>
+
+<file path=ppt/notesSlides/notesSlide21.xml><?xml version="1.0" encoding="utf-8"?>
+<p:notes xmlns:a="http://schemas.openxmlformats.org/drawingml/2006/main" xmlns:r="http://schemas.openxmlformats.org/officeDocument/2006/relationships" xmlns:p="http://schemas.openxmlformats.org/presentationml/2006/main">
+  <p:cSld>
+    <p:spTree>
+      <p:nvGrpSpPr>
+        <p:cNvPr id="1" name=""/>
+        <p:cNvGrpSpPr/>
+        <p:nvPr/>
+      </p:nvGrpSpPr>
+      <p:grpSpPr>
+        <a:xfrm>
+          <a:off x="0" y="0"/>
+          <a:ext cx="0" cy="0"/>
+          <a:chOff x="0" y="0"/>
+          <a:chExt cx="0" cy="0"/>
+        </a:xfrm>
+      </p:grpSpPr>
+      <p:sp>
+        <p:nvSpPr>
+          <p:cNvPr id="2" name="Slide Image Placeholder 1"/>
+          <p:cNvSpPr>
+            <a:spLocks noGrp="1" noRot="1" noChangeAspect="1"/>
+          </p:cNvSpPr>
+          <p:nvPr>
+            <p:ph type="sldImg"/>
+          </p:nvPr>
+        </p:nvSpPr>
+        <p:spPr/>
+      </p:sp>
+      <p:sp>
+        <p:nvSpPr>
+          <p:cNvPr id="3" name="Notes Placeholder 2"/>
+          <p:cNvSpPr>
+            <a:spLocks noGrp="1"/>
+          </p:cNvSpPr>
+          <p:nvPr>
+            <p:ph type="body" idx="1"/>
+          </p:nvPr>
+        </p:nvSpPr>
+        <p:spPr/>
+        <p:txBody>
+          <a:bodyPr/>
+          <a:lstStyle/>
+          <a:p>
+            <a:r>
+              <a:rPr lang="en-US" dirty="0"/>
+              <a:t>Use the previous iteration as a start to the next.</a:t>
+            </a:r>
+          </a:p>
+          <a:p>
+            <a:r>
+              <a:rPr lang="en-US" dirty="0"/>
+              <a:t>I'll go around and watch.</a:t>
+            </a:r>
+          </a:p>
+          <a:p>
+            <a:r>
+              <a:rPr lang="en-US" dirty="0"/>
+              <a:t>Raise had if a question.</a:t>
+            </a:r>
+          </a:p>
+          <a:p>
+            <a:endParaRPr lang="en-US" dirty="0"/>
+          </a:p>
+        </p:txBody>
+      </p:sp>
+      <p:sp>
+        <p:nvSpPr>
+          <p:cNvPr id="4" name="Header Placeholder 3"/>
+          <p:cNvSpPr>
+            <a:spLocks noGrp="1"/>
+          </p:cNvSpPr>
+          <p:nvPr>
+            <p:ph type="hdr" sz="quarter" idx="10"/>
+          </p:nvPr>
+        </p:nvSpPr>
+        <p:spPr/>
+        <p:txBody>
+          <a:bodyPr/>
+          <a:lstStyle/>
+          <a:p>
+            <a:r>
+              <a:rPr lang="en-US" dirty="0"/>
+              <a:t>Introduction to Programming using Python</a:t>
+            </a:r>
+          </a:p>
+        </p:txBody>
+      </p:sp>
+      <p:sp>
+        <p:nvSpPr>
+          <p:cNvPr id="5" name="Date Placeholder 4"/>
+          <p:cNvSpPr>
+            <a:spLocks noGrp="1"/>
+          </p:cNvSpPr>
+          <p:nvPr>
+            <p:ph type="dt" idx="11"/>
+          </p:nvPr>
+        </p:nvSpPr>
+        <p:spPr/>
+        <p:txBody>
+          <a:bodyPr/>
+          <a:lstStyle/>
+          <a:p>
+            <a:fld id="{A596092B-28C7-44D1-B902-5437B333DFB7}" type="datetime1">
+              <a:rPr lang="en-US" smtClean="0"/>
+              <a:t>7/13/2022</a:t>
+            </a:fld>
+            <a:endParaRPr lang="en-US" dirty="0"/>
+          </a:p>
+        </p:txBody>
+      </p:sp>
+      <p:sp>
+        <p:nvSpPr>
+          <p:cNvPr id="6" name="Footer Placeholder 5"/>
+          <p:cNvSpPr>
+            <a:spLocks noGrp="1"/>
+          </p:cNvSpPr>
+          <p:nvPr>
+            <p:ph type="ftr" sz="quarter" idx="12"/>
+          </p:nvPr>
+        </p:nvSpPr>
+        <p:spPr/>
+        <p:txBody>
+          <a:bodyPr/>
+          <a:lstStyle/>
+          <a:p>
+            <a:r>
+              <a:rPr lang="en-US" dirty="0"/>
+              <a:t>raysmith@alum.mit.edu</a:t>
+            </a:r>
+          </a:p>
+        </p:txBody>
+      </p:sp>
+      <p:sp>
+        <p:nvSpPr>
+          <p:cNvPr id="7" name="Slide Number Placeholder 6"/>
+          <p:cNvSpPr>
+            <a:spLocks noGrp="1"/>
+          </p:cNvSpPr>
+          <p:nvPr>
+            <p:ph type="sldNum" sz="quarter" idx="13"/>
+          </p:nvPr>
+        </p:nvSpPr>
+        <p:spPr/>
+        <p:txBody>
+          <a:bodyPr/>
+          <a:lstStyle/>
+          <a:p>
+            <a:fld id="{BA791329-992B-4F83-8435-C33B0EC26DB3}" type="slidenum">
+              <a:rPr lang="en-US" smtClean="0"/>
+              <a:t>23</a:t>
+            </a:fld>
+            <a:endParaRPr lang="en-US" dirty="0"/>
+          </a:p>
+        </p:txBody>
+      </p:sp>
+    </p:spTree>
+    <p:extLst>
+      <p:ext uri="{BB962C8B-B14F-4D97-AF65-F5344CB8AC3E}">
+        <p14:creationId xmlns:p14="http://schemas.microsoft.com/office/powerpoint/2010/main" val="130976200"/>
+      </p:ext>
+    </p:extLst>
+  </p:cSld>
+  <p:clrMapOvr>
+    <a:masterClrMapping/>
+  </p:clrMapOvr>
+</p:notes>
+</file>
+
 <file path=ppt/notesSlides/notesSlide3.xml><?xml version="1.0" encoding="utf-8"?>
 <p:notes xmlns:a="http://schemas.openxmlformats.org/drawingml/2006/main" xmlns:r="http://schemas.openxmlformats.org/officeDocument/2006/relationships" xmlns:p="http://schemas.openxmlformats.org/presentationml/2006/main">
   <p:cSld>
@@ -4415,28 +5087,7 @@
           <a:bodyPr/>
           <a:lstStyle/>
           <a:p>
-            <a:r>
-              <a:rPr lang="en-US" dirty="0"/>
-              <a:t>Can the students provide examples?</a:t>
-            </a:r>
-          </a:p>
-          <a:p>
-            <a:pPr marL="235572" indent="-235572">
-              <a:buAutoNum type="arabicPeriod"/>
-            </a:pPr>
-            <a:r>
-              <a:rPr lang="en-US" dirty="0"/>
-              <a:t>Data types</a:t>
-            </a:r>
-          </a:p>
-          <a:p>
-            <a:pPr marL="235572" indent="-235572">
-              <a:buAutoNum type="arabicPeriod"/>
-            </a:pPr>
-            <a:r>
-              <a:rPr lang="en-US" dirty="0"/>
-              <a:t>Activity/Organization</a:t>
-            </a:r>
+            <a:endParaRPr lang="en-US" dirty="0"/>
           </a:p>
         </p:txBody>
       </p:sp>
@@ -4556,7 +5207,7 @@
                 <a:tabLst/>
                 <a:defRPr/>
               </a:pPr>
-              <a:t>2/27/2022</a:t>
+              <a:t>7/13/2022</a:t>
             </a:fld>
             <a:endParaRPr kumimoji="0" lang="en-US" sz="1200" b="0" i="0" u="none" strike="noStrike" kern="1200" cap="none" spc="0" normalizeH="0" baseline="0" noProof="0" dirty="0">
               <a:ln>
@@ -4713,7 +5364,7 @@
     </p:spTree>
     <p:extLst>
       <p:ext uri="{BB962C8B-B14F-4D97-AF65-F5344CB8AC3E}">
-        <p14:creationId xmlns:p14="http://schemas.microsoft.com/office/powerpoint/2010/main" val="749845694"/>
+        <p14:creationId xmlns:p14="http://schemas.microsoft.com/office/powerpoint/2010/main" val="3290664453"/>
       </p:ext>
     </p:extLst>
   </p:cSld>
@@ -4887,7 +5538,7 @@
                 <a:tabLst/>
                 <a:defRPr/>
               </a:pPr>
-              <a:t>2/27/2022</a:t>
+              <a:t>7/13/2022</a:t>
             </a:fld>
             <a:endParaRPr kumimoji="0" lang="en-US" sz="1200" b="0" i="0" u="none" strike="noStrike" kern="1200" cap="none" spc="0" normalizeH="0" baseline="0" noProof="0" dirty="0">
               <a:ln>
@@ -5044,7 +5695,7 @@
     </p:spTree>
     <p:extLst>
       <p:ext uri="{BB962C8B-B14F-4D97-AF65-F5344CB8AC3E}">
-        <p14:creationId xmlns:p14="http://schemas.microsoft.com/office/powerpoint/2010/main" val="2948991411"/>
+        <p14:creationId xmlns:p14="http://schemas.microsoft.com/office/powerpoint/2010/main" val="1938476734"/>
       </p:ext>
     </p:extLst>
   </p:cSld>
@@ -5098,7 +5749,28 @@
           <a:bodyPr/>
           <a:lstStyle/>
           <a:p>
-            <a:endParaRPr lang="en-US" dirty="0"/>
+            <a:r>
+              <a:rPr lang="en-US" dirty="0"/>
+              <a:t>Can the students provide examples?</a:t>
+            </a:r>
+          </a:p>
+          <a:p>
+            <a:pPr marL="235572" indent="-235572">
+              <a:buAutoNum type="arabicPeriod"/>
+            </a:pPr>
+            <a:r>
+              <a:rPr lang="en-US" dirty="0"/>
+              <a:t>Data types</a:t>
+            </a:r>
+          </a:p>
+          <a:p>
+            <a:pPr marL="235572" indent="-235572">
+              <a:buAutoNum type="arabicPeriod"/>
+            </a:pPr>
+            <a:r>
+              <a:rPr lang="en-US" dirty="0"/>
+              <a:t>Activity/Organization</a:t>
+            </a:r>
           </a:p>
         </p:txBody>
       </p:sp>
@@ -5218,338 +5890,7 @@
                 <a:tabLst/>
                 <a:defRPr/>
               </a:pPr>
-              <a:t>2/27/2022</a:t>
-            </a:fld>
-            <a:endParaRPr kumimoji="0" lang="en-US" sz="1200" b="0" i="0" u="none" strike="noStrike" kern="1200" cap="none" spc="0" normalizeH="0" baseline="0" noProof="0" dirty="0">
-              <a:ln>
-                <a:noFill/>
-              </a:ln>
-              <a:solidFill>
-                <a:prstClr val="black"/>
-              </a:solidFill>
-              <a:effectLst/>
-              <a:uLnTx/>
-              <a:uFillTx/>
-              <a:latin typeface="Calibri" panose="020F0502020204030204"/>
-              <a:ea typeface="+mn-ea"/>
-              <a:cs typeface="+mn-cs"/>
-            </a:endParaRPr>
-          </a:p>
-        </p:txBody>
-      </p:sp>
-      <p:sp>
-        <p:nvSpPr>
-          <p:cNvPr id="6" name="Footer Placeholder 5"/>
-          <p:cNvSpPr>
-            <a:spLocks noGrp="1"/>
-          </p:cNvSpPr>
-          <p:nvPr>
-            <p:ph type="ftr" sz="quarter" idx="4"/>
-          </p:nvPr>
-        </p:nvSpPr>
-        <p:spPr/>
-        <p:txBody>
-          <a:bodyPr/>
-          <a:lstStyle/>
-          <a:p>
-            <a:pPr marL="0" marR="0" lvl="0" indent="0" algn="l" defTabSz="457200" rtl="0" eaLnBrk="1" fontAlgn="auto" latinLnBrk="0" hangingPunct="1">
-              <a:lnSpc>
-                <a:spcPct val="100000"/>
-              </a:lnSpc>
-              <a:spcBef>
-                <a:spcPts val="0"/>
-              </a:spcBef>
-              <a:spcAft>
-                <a:spcPts val="0"/>
-              </a:spcAft>
-              <a:buClrTx/>
-              <a:buSzTx/>
-              <a:buFontTx/>
-              <a:buNone/>
-              <a:tabLst/>
-              <a:defRPr/>
-            </a:pPr>
-            <a:r>
-              <a:rPr kumimoji="0" lang="en-US" sz="1200" b="0" i="0" u="none" strike="noStrike" kern="1200" cap="none" spc="0" normalizeH="0" baseline="0" noProof="0" dirty="0">
-                <a:ln>
-                  <a:noFill/>
-                </a:ln>
-                <a:solidFill>
-                  <a:prstClr val="black"/>
-                </a:solidFill>
-                <a:effectLst/>
-                <a:uLnTx/>
-                <a:uFillTx/>
-                <a:latin typeface="Calibri" panose="020F0502020204030204"/>
-                <a:ea typeface="+mn-ea"/>
-                <a:cs typeface="+mn-cs"/>
-              </a:rPr>
-              <a:t>raysmith@alum.mit.edu</a:t>
-            </a:r>
-          </a:p>
-        </p:txBody>
-      </p:sp>
-      <p:sp>
-        <p:nvSpPr>
-          <p:cNvPr id="7" name="Slide Number Placeholder 6"/>
-          <p:cNvSpPr>
-            <a:spLocks noGrp="1"/>
-          </p:cNvSpPr>
-          <p:nvPr>
-            <p:ph type="sldNum" sz="quarter" idx="5"/>
-          </p:nvPr>
-        </p:nvSpPr>
-        <p:spPr/>
-        <p:txBody>
-          <a:bodyPr/>
-          <a:lstStyle/>
-          <a:p>
-            <a:pPr marL="0" marR="0" lvl="0" indent="0" algn="r" defTabSz="457200" rtl="0" eaLnBrk="1" fontAlgn="auto" latinLnBrk="0" hangingPunct="1">
-              <a:lnSpc>
-                <a:spcPct val="100000"/>
-              </a:lnSpc>
-              <a:spcBef>
-                <a:spcPts val="0"/>
-              </a:spcBef>
-              <a:spcAft>
-                <a:spcPts val="0"/>
-              </a:spcAft>
-              <a:buClrTx/>
-              <a:buSzTx/>
-              <a:buFontTx/>
-              <a:buNone/>
-              <a:tabLst/>
-              <a:defRPr/>
-            </a:pPr>
-            <a:fld id="{BA791329-992B-4F83-8435-C33B0EC26DB3}" type="slidenum">
-              <a:rPr kumimoji="0" lang="en-US" sz="1200" b="0" i="0" u="none" strike="noStrike" kern="1200" cap="none" spc="0" normalizeH="0" baseline="0" noProof="0" smtClean="0">
-                <a:ln>
-                  <a:noFill/>
-                </a:ln>
-                <a:solidFill>
-                  <a:prstClr val="black"/>
-                </a:solidFill>
-                <a:effectLst/>
-                <a:uLnTx/>
-                <a:uFillTx/>
-                <a:latin typeface="Calibri" panose="020F0502020204030204"/>
-                <a:ea typeface="+mn-ea"/>
-                <a:cs typeface="+mn-cs"/>
-              </a:rPr>
-              <a:pPr marL="0" marR="0" lvl="0" indent="0" algn="r" defTabSz="457200" rtl="0" eaLnBrk="1" fontAlgn="auto" latinLnBrk="0" hangingPunct="1">
-                <a:lnSpc>
-                  <a:spcPct val="100000"/>
-                </a:lnSpc>
-                <a:spcBef>
-                  <a:spcPts val="0"/>
-                </a:spcBef>
-                <a:spcAft>
-                  <a:spcPts val="0"/>
-                </a:spcAft>
-                <a:buClrTx/>
-                <a:buSzTx/>
-                <a:buFontTx/>
-                <a:buNone/>
-                <a:tabLst/>
-                <a:defRPr/>
-              </a:pPr>
-              <a:t>5</a:t>
-            </a:fld>
-            <a:endParaRPr kumimoji="0" lang="en-US" sz="1200" b="0" i="0" u="none" strike="noStrike" kern="1200" cap="none" spc="0" normalizeH="0" baseline="0" noProof="0" dirty="0">
-              <a:ln>
-                <a:noFill/>
-              </a:ln>
-              <a:solidFill>
-                <a:prstClr val="black"/>
-              </a:solidFill>
-              <a:effectLst/>
-              <a:uLnTx/>
-              <a:uFillTx/>
-              <a:latin typeface="Calibri" panose="020F0502020204030204"/>
-              <a:ea typeface="+mn-ea"/>
-              <a:cs typeface="+mn-cs"/>
-            </a:endParaRPr>
-          </a:p>
-        </p:txBody>
-      </p:sp>
-    </p:spTree>
-    <p:extLst>
-      <p:ext uri="{BB962C8B-B14F-4D97-AF65-F5344CB8AC3E}">
-        <p14:creationId xmlns:p14="http://schemas.microsoft.com/office/powerpoint/2010/main" val="432759737"/>
-      </p:ext>
-    </p:extLst>
-  </p:cSld>
-  <p:clrMapOvr>
-    <a:masterClrMapping/>
-  </p:clrMapOvr>
-</p:notes>
-</file>
-
-<file path=ppt/notesSlides/notesSlide6.xml><?xml version="1.0" encoding="utf-8"?>
-<p:notes xmlns:a="http://schemas.openxmlformats.org/drawingml/2006/main" xmlns:r="http://schemas.openxmlformats.org/officeDocument/2006/relationships" xmlns:p="http://schemas.openxmlformats.org/presentationml/2006/main">
-  <p:cSld>
-    <p:spTree>
-      <p:nvGrpSpPr>
-        <p:cNvPr id="1" name=""/>
-        <p:cNvGrpSpPr/>
-        <p:nvPr/>
-      </p:nvGrpSpPr>
-      <p:grpSpPr>
-        <a:xfrm>
-          <a:off x="0" y="0"/>
-          <a:ext cx="0" cy="0"/>
-          <a:chOff x="0" y="0"/>
-          <a:chExt cx="0" cy="0"/>
-        </a:xfrm>
-      </p:grpSpPr>
-      <p:sp>
-        <p:nvSpPr>
-          <p:cNvPr id="2" name="Slide Image Placeholder 1"/>
-          <p:cNvSpPr>
-            <a:spLocks noGrp="1" noRot="1" noChangeAspect="1"/>
-          </p:cNvSpPr>
-          <p:nvPr>
-            <p:ph type="sldImg"/>
-          </p:nvPr>
-        </p:nvSpPr>
-        <p:spPr/>
-      </p:sp>
-      <p:sp>
-        <p:nvSpPr>
-          <p:cNvPr id="3" name="Notes Placeholder 2"/>
-          <p:cNvSpPr>
-            <a:spLocks noGrp="1"/>
-          </p:cNvSpPr>
-          <p:nvPr>
-            <p:ph type="body" idx="1"/>
-          </p:nvPr>
-        </p:nvSpPr>
-        <p:spPr/>
-        <p:txBody>
-          <a:bodyPr/>
-          <a:lstStyle/>
-          <a:p>
-            <a:endParaRPr lang="en-US" dirty="0"/>
-          </a:p>
-        </p:txBody>
-      </p:sp>
-      <p:sp>
-        <p:nvSpPr>
-          <p:cNvPr id="4" name="Header Placeholder 3"/>
-          <p:cNvSpPr>
-            <a:spLocks noGrp="1"/>
-          </p:cNvSpPr>
-          <p:nvPr>
-            <p:ph type="hdr" sz="quarter"/>
-          </p:nvPr>
-        </p:nvSpPr>
-        <p:spPr/>
-        <p:txBody>
-          <a:bodyPr/>
-          <a:lstStyle/>
-          <a:p>
-            <a:pPr marL="0" marR="0" lvl="0" indent="0" algn="l" defTabSz="457200" rtl="0" eaLnBrk="1" fontAlgn="auto" latinLnBrk="0" hangingPunct="1">
-              <a:lnSpc>
-                <a:spcPct val="100000"/>
-              </a:lnSpc>
-              <a:spcBef>
-                <a:spcPts val="0"/>
-              </a:spcBef>
-              <a:spcAft>
-                <a:spcPts val="0"/>
-              </a:spcAft>
-              <a:buClrTx/>
-              <a:buSzTx/>
-              <a:buFontTx/>
-              <a:buNone/>
-              <a:tabLst/>
-              <a:defRPr/>
-            </a:pPr>
-            <a:r>
-              <a:rPr kumimoji="0" lang="en-US" sz="1200" b="0" i="0" u="none" strike="noStrike" kern="1200" cap="none" spc="0" normalizeH="0" baseline="0" noProof="0" dirty="0">
-                <a:ln>
-                  <a:noFill/>
-                </a:ln>
-                <a:solidFill>
-                  <a:prstClr val="black"/>
-                </a:solidFill>
-                <a:effectLst/>
-                <a:uLnTx/>
-                <a:uFillTx/>
-                <a:latin typeface="Calibri" panose="020F0502020204030204"/>
-                <a:ea typeface="+mn-ea"/>
-                <a:cs typeface="+mn-cs"/>
-              </a:rPr>
-              <a:t>Introduction to Programming using Python</a:t>
-            </a:r>
-          </a:p>
-        </p:txBody>
-      </p:sp>
-      <p:sp>
-        <p:nvSpPr>
-          <p:cNvPr id="5" name="Date Placeholder 4"/>
-          <p:cNvSpPr>
-            <a:spLocks noGrp="1"/>
-          </p:cNvSpPr>
-          <p:nvPr>
-            <p:ph type="dt" idx="1"/>
-          </p:nvPr>
-        </p:nvSpPr>
-        <p:spPr/>
-        <p:txBody>
-          <a:bodyPr/>
-          <a:lstStyle/>
-          <a:p>
-            <a:pPr marL="0" marR="0" lvl="0" indent="0" algn="r" defTabSz="457200" rtl="0" eaLnBrk="1" fontAlgn="auto" latinLnBrk="0" hangingPunct="1">
-              <a:lnSpc>
-                <a:spcPct val="100000"/>
-              </a:lnSpc>
-              <a:spcBef>
-                <a:spcPts val="0"/>
-              </a:spcBef>
-              <a:spcAft>
-                <a:spcPts val="0"/>
-              </a:spcAft>
-              <a:buClrTx/>
-              <a:buSzTx/>
-              <a:buFontTx/>
-              <a:buNone/>
-              <a:tabLst/>
-              <a:defRPr/>
-            </a:pPr>
-            <a:fld id="{A596092B-28C7-44D1-B902-5437B333DFB7}" type="datetime1">
-              <a:rPr kumimoji="0" lang="en-US" sz="1200" b="0" i="0" u="none" strike="noStrike" kern="1200" cap="none" spc="0" normalizeH="0" baseline="0" noProof="0" smtClean="0">
-                <a:ln>
-                  <a:noFill/>
-                </a:ln>
-                <a:solidFill>
-                  <a:prstClr val="black"/>
-                </a:solidFill>
-                <a:effectLst/>
-                <a:uLnTx/>
-                <a:uFillTx/>
-                <a:latin typeface="Calibri" panose="020F0502020204030204"/>
-                <a:ea typeface="+mn-ea"/>
-                <a:cs typeface="+mn-cs"/>
-              </a:rPr>
-              <a:pPr marL="0" marR="0" lvl="0" indent="0" algn="r" defTabSz="457200" rtl="0" eaLnBrk="1" fontAlgn="auto" latinLnBrk="0" hangingPunct="1">
-                <a:lnSpc>
-                  <a:spcPct val="100000"/>
-                </a:lnSpc>
-                <a:spcBef>
-                  <a:spcPts val="0"/>
-                </a:spcBef>
-                <a:spcAft>
-                  <a:spcPts val="0"/>
-                </a:spcAft>
-                <a:buClrTx/>
-                <a:buSzTx/>
-                <a:buFontTx/>
-                <a:buNone/>
-                <a:tabLst/>
-                <a:defRPr/>
-              </a:pPr>
-              <a:t>2/27/2022</a:t>
+              <a:t>7/13/2022</a:t>
             </a:fld>
             <a:endParaRPr kumimoji="0" lang="en-US" sz="1200" b="0" i="0" u="none" strike="noStrike" kern="1200" cap="none" spc="0" normalizeH="0" baseline="0" noProof="0" dirty="0">
               <a:ln>
@@ -5706,7 +6047,7 @@
     </p:spTree>
     <p:extLst>
       <p:ext uri="{BB962C8B-B14F-4D97-AF65-F5344CB8AC3E}">
-        <p14:creationId xmlns:p14="http://schemas.microsoft.com/office/powerpoint/2010/main" val="3994075935"/>
+        <p14:creationId xmlns:p14="http://schemas.microsoft.com/office/powerpoint/2010/main" val="749845694"/>
       </p:ext>
     </p:extLst>
   </p:cSld>
@@ -5716,7 +6057,7 @@
 </p:notes>
 </file>
 
-<file path=ppt/notesSlides/notesSlide7.xml><?xml version="1.0" encoding="utf-8"?>
+<file path=ppt/notesSlides/notesSlide6.xml><?xml version="1.0" encoding="utf-8"?>
 <p:notes xmlns:a="http://schemas.openxmlformats.org/drawingml/2006/main" xmlns:r="http://schemas.openxmlformats.org/officeDocument/2006/relationships" xmlns:p="http://schemas.openxmlformats.org/presentationml/2006/main">
   <p:cSld>
     <p:spTree>
@@ -5880,7 +6221,7 @@
                 <a:tabLst/>
                 <a:defRPr/>
               </a:pPr>
-              <a:t>2/27/2022</a:t>
+              <a:t>7/13/2022</a:t>
             </a:fld>
             <a:endParaRPr kumimoji="0" lang="en-US" sz="1200" b="0" i="0" u="none" strike="noStrike" kern="1200" cap="none" spc="0" normalizeH="0" baseline="0" noProof="0" dirty="0">
               <a:ln>
@@ -6037,7 +6378,7 @@
     </p:spTree>
     <p:extLst>
       <p:ext uri="{BB962C8B-B14F-4D97-AF65-F5344CB8AC3E}">
-        <p14:creationId xmlns:p14="http://schemas.microsoft.com/office/powerpoint/2010/main" val="285832740"/>
+        <p14:creationId xmlns:p14="http://schemas.microsoft.com/office/powerpoint/2010/main" val="2948991411"/>
       </p:ext>
     </p:extLst>
   </p:cSld>
@@ -6047,7 +6388,7 @@
 </p:notes>
 </file>
 
-<file path=ppt/notesSlides/notesSlide8.xml><?xml version="1.0" encoding="utf-8"?>
+<file path=ppt/notesSlides/notesSlide7.xml><?xml version="1.0" encoding="utf-8"?>
 <p:notes xmlns:a="http://schemas.openxmlformats.org/drawingml/2006/main" xmlns:r="http://schemas.openxmlformats.org/officeDocument/2006/relationships" xmlns:p="http://schemas.openxmlformats.org/presentationml/2006/main">
   <p:cSld>
     <p:spTree>
@@ -6211,7 +6552,7 @@
                 <a:tabLst/>
                 <a:defRPr/>
               </a:pPr>
-              <a:t>2/27/2022</a:t>
+              <a:t>7/13/2022</a:t>
             </a:fld>
             <a:endParaRPr kumimoji="0" lang="en-US" sz="1200" b="0" i="0" u="none" strike="noStrike" kern="1200" cap="none" spc="0" normalizeH="0" baseline="0" noProof="0" dirty="0">
               <a:ln>
@@ -6368,7 +6709,338 @@
     </p:spTree>
     <p:extLst>
       <p:ext uri="{BB962C8B-B14F-4D97-AF65-F5344CB8AC3E}">
-        <p14:creationId xmlns:p14="http://schemas.microsoft.com/office/powerpoint/2010/main" val="1783054703"/>
+        <p14:creationId xmlns:p14="http://schemas.microsoft.com/office/powerpoint/2010/main" val="432759737"/>
+      </p:ext>
+    </p:extLst>
+  </p:cSld>
+  <p:clrMapOvr>
+    <a:masterClrMapping/>
+  </p:clrMapOvr>
+</p:notes>
+</file>
+
+<file path=ppt/notesSlides/notesSlide8.xml><?xml version="1.0" encoding="utf-8"?>
+<p:notes xmlns:a="http://schemas.openxmlformats.org/drawingml/2006/main" xmlns:r="http://schemas.openxmlformats.org/officeDocument/2006/relationships" xmlns:p="http://schemas.openxmlformats.org/presentationml/2006/main">
+  <p:cSld>
+    <p:spTree>
+      <p:nvGrpSpPr>
+        <p:cNvPr id="1" name=""/>
+        <p:cNvGrpSpPr/>
+        <p:nvPr/>
+      </p:nvGrpSpPr>
+      <p:grpSpPr>
+        <a:xfrm>
+          <a:off x="0" y="0"/>
+          <a:ext cx="0" cy="0"/>
+          <a:chOff x="0" y="0"/>
+          <a:chExt cx="0" cy="0"/>
+        </a:xfrm>
+      </p:grpSpPr>
+      <p:sp>
+        <p:nvSpPr>
+          <p:cNvPr id="2" name="Slide Image Placeholder 1"/>
+          <p:cNvSpPr>
+            <a:spLocks noGrp="1" noRot="1" noChangeAspect="1"/>
+          </p:cNvSpPr>
+          <p:nvPr>
+            <p:ph type="sldImg"/>
+          </p:nvPr>
+        </p:nvSpPr>
+        <p:spPr/>
+      </p:sp>
+      <p:sp>
+        <p:nvSpPr>
+          <p:cNvPr id="3" name="Notes Placeholder 2"/>
+          <p:cNvSpPr>
+            <a:spLocks noGrp="1"/>
+          </p:cNvSpPr>
+          <p:nvPr>
+            <p:ph type="body" idx="1"/>
+          </p:nvPr>
+        </p:nvSpPr>
+        <p:spPr/>
+        <p:txBody>
+          <a:bodyPr/>
+          <a:lstStyle/>
+          <a:p>
+            <a:endParaRPr lang="en-US" dirty="0"/>
+          </a:p>
+        </p:txBody>
+      </p:sp>
+      <p:sp>
+        <p:nvSpPr>
+          <p:cNvPr id="4" name="Header Placeholder 3"/>
+          <p:cNvSpPr>
+            <a:spLocks noGrp="1"/>
+          </p:cNvSpPr>
+          <p:nvPr>
+            <p:ph type="hdr" sz="quarter"/>
+          </p:nvPr>
+        </p:nvSpPr>
+        <p:spPr/>
+        <p:txBody>
+          <a:bodyPr/>
+          <a:lstStyle/>
+          <a:p>
+            <a:pPr marL="0" marR="0" lvl="0" indent="0" algn="l" defTabSz="457200" rtl="0" eaLnBrk="1" fontAlgn="auto" latinLnBrk="0" hangingPunct="1">
+              <a:lnSpc>
+                <a:spcPct val="100000"/>
+              </a:lnSpc>
+              <a:spcBef>
+                <a:spcPts val="0"/>
+              </a:spcBef>
+              <a:spcAft>
+                <a:spcPts val="0"/>
+              </a:spcAft>
+              <a:buClrTx/>
+              <a:buSzTx/>
+              <a:buFontTx/>
+              <a:buNone/>
+              <a:tabLst/>
+              <a:defRPr/>
+            </a:pPr>
+            <a:r>
+              <a:rPr kumimoji="0" lang="en-US" sz="1200" b="0" i="0" u="none" strike="noStrike" kern="1200" cap="none" spc="0" normalizeH="0" baseline="0" noProof="0" dirty="0">
+                <a:ln>
+                  <a:noFill/>
+                </a:ln>
+                <a:solidFill>
+                  <a:prstClr val="black"/>
+                </a:solidFill>
+                <a:effectLst/>
+                <a:uLnTx/>
+                <a:uFillTx/>
+                <a:latin typeface="Calibri" panose="020F0502020204030204"/>
+                <a:ea typeface="+mn-ea"/>
+                <a:cs typeface="+mn-cs"/>
+              </a:rPr>
+              <a:t>Introduction to Programming using Python</a:t>
+            </a:r>
+          </a:p>
+        </p:txBody>
+      </p:sp>
+      <p:sp>
+        <p:nvSpPr>
+          <p:cNvPr id="5" name="Date Placeholder 4"/>
+          <p:cNvSpPr>
+            <a:spLocks noGrp="1"/>
+          </p:cNvSpPr>
+          <p:nvPr>
+            <p:ph type="dt" idx="1"/>
+          </p:nvPr>
+        </p:nvSpPr>
+        <p:spPr/>
+        <p:txBody>
+          <a:bodyPr/>
+          <a:lstStyle/>
+          <a:p>
+            <a:pPr marL="0" marR="0" lvl="0" indent="0" algn="r" defTabSz="457200" rtl="0" eaLnBrk="1" fontAlgn="auto" latinLnBrk="0" hangingPunct="1">
+              <a:lnSpc>
+                <a:spcPct val="100000"/>
+              </a:lnSpc>
+              <a:spcBef>
+                <a:spcPts val="0"/>
+              </a:spcBef>
+              <a:spcAft>
+                <a:spcPts val="0"/>
+              </a:spcAft>
+              <a:buClrTx/>
+              <a:buSzTx/>
+              <a:buFontTx/>
+              <a:buNone/>
+              <a:tabLst/>
+              <a:defRPr/>
+            </a:pPr>
+            <a:fld id="{A596092B-28C7-44D1-B902-5437B333DFB7}" type="datetime1">
+              <a:rPr kumimoji="0" lang="en-US" sz="1200" b="0" i="0" u="none" strike="noStrike" kern="1200" cap="none" spc="0" normalizeH="0" baseline="0" noProof="0" smtClean="0">
+                <a:ln>
+                  <a:noFill/>
+                </a:ln>
+                <a:solidFill>
+                  <a:prstClr val="black"/>
+                </a:solidFill>
+                <a:effectLst/>
+                <a:uLnTx/>
+                <a:uFillTx/>
+                <a:latin typeface="Calibri" panose="020F0502020204030204"/>
+                <a:ea typeface="+mn-ea"/>
+                <a:cs typeface="+mn-cs"/>
+              </a:rPr>
+              <a:pPr marL="0" marR="0" lvl="0" indent="0" algn="r" defTabSz="457200" rtl="0" eaLnBrk="1" fontAlgn="auto" latinLnBrk="0" hangingPunct="1">
+                <a:lnSpc>
+                  <a:spcPct val="100000"/>
+                </a:lnSpc>
+                <a:spcBef>
+                  <a:spcPts val="0"/>
+                </a:spcBef>
+                <a:spcAft>
+                  <a:spcPts val="0"/>
+                </a:spcAft>
+                <a:buClrTx/>
+                <a:buSzTx/>
+                <a:buFontTx/>
+                <a:buNone/>
+                <a:tabLst/>
+                <a:defRPr/>
+              </a:pPr>
+              <a:t>7/13/2022</a:t>
+            </a:fld>
+            <a:endParaRPr kumimoji="0" lang="en-US" sz="1200" b="0" i="0" u="none" strike="noStrike" kern="1200" cap="none" spc="0" normalizeH="0" baseline="0" noProof="0" dirty="0">
+              <a:ln>
+                <a:noFill/>
+              </a:ln>
+              <a:solidFill>
+                <a:prstClr val="black"/>
+              </a:solidFill>
+              <a:effectLst/>
+              <a:uLnTx/>
+              <a:uFillTx/>
+              <a:latin typeface="Calibri" panose="020F0502020204030204"/>
+              <a:ea typeface="+mn-ea"/>
+              <a:cs typeface="+mn-cs"/>
+            </a:endParaRPr>
+          </a:p>
+        </p:txBody>
+      </p:sp>
+      <p:sp>
+        <p:nvSpPr>
+          <p:cNvPr id="6" name="Footer Placeholder 5"/>
+          <p:cNvSpPr>
+            <a:spLocks noGrp="1"/>
+          </p:cNvSpPr>
+          <p:nvPr>
+            <p:ph type="ftr" sz="quarter" idx="4"/>
+          </p:nvPr>
+        </p:nvSpPr>
+        <p:spPr/>
+        <p:txBody>
+          <a:bodyPr/>
+          <a:lstStyle/>
+          <a:p>
+            <a:pPr marL="0" marR="0" lvl="0" indent="0" algn="l" defTabSz="457200" rtl="0" eaLnBrk="1" fontAlgn="auto" latinLnBrk="0" hangingPunct="1">
+              <a:lnSpc>
+                <a:spcPct val="100000"/>
+              </a:lnSpc>
+              <a:spcBef>
+                <a:spcPts val="0"/>
+              </a:spcBef>
+              <a:spcAft>
+                <a:spcPts val="0"/>
+              </a:spcAft>
+              <a:buClrTx/>
+              <a:buSzTx/>
+              <a:buFontTx/>
+              <a:buNone/>
+              <a:tabLst/>
+              <a:defRPr/>
+            </a:pPr>
+            <a:r>
+              <a:rPr kumimoji="0" lang="en-US" sz="1200" b="0" i="0" u="none" strike="noStrike" kern="1200" cap="none" spc="0" normalizeH="0" baseline="0" noProof="0" dirty="0">
+                <a:ln>
+                  <a:noFill/>
+                </a:ln>
+                <a:solidFill>
+                  <a:prstClr val="black"/>
+                </a:solidFill>
+                <a:effectLst/>
+                <a:uLnTx/>
+                <a:uFillTx/>
+                <a:latin typeface="Calibri" panose="020F0502020204030204"/>
+                <a:ea typeface="+mn-ea"/>
+                <a:cs typeface="+mn-cs"/>
+              </a:rPr>
+              <a:t>raysmith@alum.mit.edu</a:t>
+            </a:r>
+          </a:p>
+        </p:txBody>
+      </p:sp>
+      <p:sp>
+        <p:nvSpPr>
+          <p:cNvPr id="7" name="Slide Number Placeholder 6"/>
+          <p:cNvSpPr>
+            <a:spLocks noGrp="1"/>
+          </p:cNvSpPr>
+          <p:nvPr>
+            <p:ph type="sldNum" sz="quarter" idx="5"/>
+          </p:nvPr>
+        </p:nvSpPr>
+        <p:spPr/>
+        <p:txBody>
+          <a:bodyPr/>
+          <a:lstStyle/>
+          <a:p>
+            <a:pPr marL="0" marR="0" lvl="0" indent="0" algn="r" defTabSz="457200" rtl="0" eaLnBrk="1" fontAlgn="auto" latinLnBrk="0" hangingPunct="1">
+              <a:lnSpc>
+                <a:spcPct val="100000"/>
+              </a:lnSpc>
+              <a:spcBef>
+                <a:spcPts val="0"/>
+              </a:spcBef>
+              <a:spcAft>
+                <a:spcPts val="0"/>
+              </a:spcAft>
+              <a:buClrTx/>
+              <a:buSzTx/>
+              <a:buFontTx/>
+              <a:buNone/>
+              <a:tabLst/>
+              <a:defRPr/>
+            </a:pPr>
+            <a:fld id="{BA791329-992B-4F83-8435-C33B0EC26DB3}" type="slidenum">
+              <a:rPr kumimoji="0" lang="en-US" sz="1200" b="0" i="0" u="none" strike="noStrike" kern="1200" cap="none" spc="0" normalizeH="0" baseline="0" noProof="0" smtClean="0">
+                <a:ln>
+                  <a:noFill/>
+                </a:ln>
+                <a:solidFill>
+                  <a:prstClr val="black"/>
+                </a:solidFill>
+                <a:effectLst/>
+                <a:uLnTx/>
+                <a:uFillTx/>
+                <a:latin typeface="Calibri" panose="020F0502020204030204"/>
+                <a:ea typeface="+mn-ea"/>
+                <a:cs typeface="+mn-cs"/>
+              </a:rPr>
+              <a:pPr marL="0" marR="0" lvl="0" indent="0" algn="r" defTabSz="457200" rtl="0" eaLnBrk="1" fontAlgn="auto" latinLnBrk="0" hangingPunct="1">
+                <a:lnSpc>
+                  <a:spcPct val="100000"/>
+                </a:lnSpc>
+                <a:spcBef>
+                  <a:spcPts val="0"/>
+                </a:spcBef>
+                <a:spcAft>
+                  <a:spcPts val="0"/>
+                </a:spcAft>
+                <a:buClrTx/>
+                <a:buSzTx/>
+                <a:buFontTx/>
+                <a:buNone/>
+                <a:tabLst/>
+                <a:defRPr/>
+              </a:pPr>
+              <a:t>9</a:t>
+            </a:fld>
+            <a:endParaRPr kumimoji="0" lang="en-US" sz="1200" b="0" i="0" u="none" strike="noStrike" kern="1200" cap="none" spc="0" normalizeH="0" baseline="0" noProof="0" dirty="0">
+              <a:ln>
+                <a:noFill/>
+              </a:ln>
+              <a:solidFill>
+                <a:prstClr val="black"/>
+              </a:solidFill>
+              <a:effectLst/>
+              <a:uLnTx/>
+              <a:uFillTx/>
+              <a:latin typeface="Calibri" panose="020F0502020204030204"/>
+              <a:ea typeface="+mn-ea"/>
+              <a:cs typeface="+mn-cs"/>
+            </a:endParaRPr>
+          </a:p>
+        </p:txBody>
+      </p:sp>
+    </p:spTree>
+    <p:extLst>
+      <p:ext uri="{BB962C8B-B14F-4D97-AF65-F5344CB8AC3E}">
+        <p14:creationId xmlns:p14="http://schemas.microsoft.com/office/powerpoint/2010/main" val="3994075935"/>
       </p:ext>
     </p:extLst>
   </p:cSld>
@@ -6422,13 +7094,6 @@
           <a:bodyPr/>
           <a:lstStyle/>
           <a:p>
-            <a:pPr defTabSz="942289"/>
-            <a:r>
-              <a:rPr lang="en-US" dirty="0"/>
-              <a:t>"__" leading, and sometimes trailing, double underscore "dunder" – informally reserved for special type variable or function names</a:t>
-            </a:r>
-          </a:p>
-          <a:p>
             <a:endParaRPr lang="en-US" dirty="0"/>
           </a:p>
         </p:txBody>
@@ -6549,7 +7214,7 @@
                 <a:tabLst/>
                 <a:defRPr/>
               </a:pPr>
-              <a:t>2/27/2022</a:t>
+              <a:t>7/13/2022</a:t>
             </a:fld>
             <a:endParaRPr kumimoji="0" lang="en-US" sz="1200" b="0" i="0" u="none" strike="noStrike" kern="1200" cap="none" spc="0" normalizeH="0" baseline="0" noProof="0" dirty="0">
               <a:ln>
@@ -6706,7 +7371,7 @@
     </p:spTree>
     <p:extLst>
       <p:ext uri="{BB962C8B-B14F-4D97-AF65-F5344CB8AC3E}">
-        <p14:creationId xmlns:p14="http://schemas.microsoft.com/office/powerpoint/2010/main" val="1541664981"/>
+        <p14:creationId xmlns:p14="http://schemas.microsoft.com/office/powerpoint/2010/main" val="285832740"/>
       </p:ext>
     </p:extLst>
   </p:cSld>
@@ -7438,7 +8103,7 @@
           <a:p>
             <a:fld id="{B1DF5501-EE91-4443-9D3B-24E6F28D34E2}" type="datetime1">
               <a:rPr lang="en-US" smtClean="0"/>
-              <a:t>2/27/2022</a:t>
+              <a:t>7/13/2022</a:t>
             </a:fld>
             <a:endParaRPr lang="en-US" dirty="0"/>
           </a:p>
@@ -7704,7 +8369,7 @@
           <a:p>
             <a:fld id="{E954E1E9-8456-43AD-BA28-861520D256B9}" type="datetime1">
               <a:rPr lang="en-US" smtClean="0"/>
-              <a:t>2/27/2022</a:t>
+              <a:t>7/13/2022</a:t>
             </a:fld>
             <a:endParaRPr lang="en-US" dirty="0"/>
           </a:p>
@@ -8022,7 +8687,7 @@
           <a:p>
             <a:fld id="{FAF31E0C-AAFD-4E63-B3AE-16CD757951F4}" type="datetime1">
               <a:rPr lang="en-US" smtClean="0"/>
-              <a:t>2/27/2022</a:t>
+              <a:t>7/13/2022</a:t>
             </a:fld>
             <a:endParaRPr lang="en-US" dirty="0"/>
           </a:p>
@@ -8367,7 +9032,7 @@
           <a:p>
             <a:fld id="{000084FF-4715-4B6E-BD22-453621E5873F}" type="datetime1">
               <a:rPr lang="en-US" smtClean="0"/>
-              <a:t>2/27/2022</a:t>
+              <a:t>7/13/2022</a:t>
             </a:fld>
             <a:endParaRPr lang="en-US" dirty="0"/>
           </a:p>
@@ -8685,7 +9350,7 @@
           <a:p>
             <a:fld id="{6AC37F8D-4DF5-4AB6-A766-5A84B3D74A3B}" type="datetime1">
               <a:rPr lang="en-US" smtClean="0"/>
-              <a:t>2/27/2022</a:t>
+              <a:t>7/13/2022</a:t>
             </a:fld>
             <a:endParaRPr lang="en-US" dirty="0"/>
           </a:p>
@@ -9082,7 +9747,7 @@
           <a:p>
             <a:fld id="{1BF3CD1A-162D-40B2-9B22-9056F77C27F2}" type="datetime1">
               <a:rPr lang="en-US" smtClean="0"/>
-              <a:t>2/27/2022</a:t>
+              <a:t>7/13/2022</a:t>
             </a:fld>
             <a:endParaRPr lang="en-US" dirty="0"/>
           </a:p>
@@ -9256,7 +9921,7 @@
           <a:p>
             <a:fld id="{D42E4200-B1E5-4E39-8279-05DD69810A37}" type="datetime1">
               <a:rPr lang="en-US" smtClean="0"/>
-              <a:t>2/27/2022</a:t>
+              <a:t>7/13/2022</a:t>
             </a:fld>
             <a:endParaRPr lang="en-US" dirty="0"/>
           </a:p>
@@ -9439,7 +10104,7 @@
           <a:p>
             <a:fld id="{47CF7895-00AC-42E5-9790-7B0E3CE09DF2}" type="datetime1">
               <a:rPr lang="en-US" smtClean="0"/>
-              <a:t>2/27/2022</a:t>
+              <a:t>7/13/2022</a:t>
             </a:fld>
             <a:endParaRPr lang="en-US" dirty="0"/>
           </a:p>
@@ -9618,7 +10283,7 @@
           <a:p>
             <a:fld id="{A7119916-CD40-456D-ABE3-55F8822671F7}" type="datetime1">
               <a:rPr lang="en-US" smtClean="0"/>
-              <a:t>2/27/2022</a:t>
+              <a:t>7/13/2022</a:t>
             </a:fld>
             <a:endParaRPr lang="en-US" dirty="0"/>
           </a:p>
@@ -9868,7 +10533,7 @@
           <a:p>
             <a:fld id="{3F9A13D6-B8C2-463B-B3F7-C62E098B328E}" type="datetime1">
               <a:rPr lang="en-US" smtClean="0"/>
-              <a:t>2/27/2022</a:t>
+              <a:t>7/13/2022</a:t>
             </a:fld>
             <a:endParaRPr lang="en-US" dirty="0"/>
           </a:p>
@@ -10103,7 +10768,7 @@
           <a:p>
             <a:fld id="{D2B63420-31EE-4E4B-911C-2601B14D9FDD}" type="datetime1">
               <a:rPr lang="en-US" smtClean="0"/>
-              <a:t>2/27/2022</a:t>
+              <a:t>7/13/2022</a:t>
             </a:fld>
             <a:endParaRPr lang="en-US" dirty="0"/>
           </a:p>
@@ -10480,7 +11145,7 @@
           <a:p>
             <a:fld id="{2DD8986D-86F8-41E6-8CFF-8C91AEF92622}" type="datetime1">
               <a:rPr lang="en-US" smtClean="0"/>
-              <a:t>2/27/2022</a:t>
+              <a:t>7/13/2022</a:t>
             </a:fld>
             <a:endParaRPr lang="en-US" dirty="0"/>
           </a:p>
@@ -10606,7 +11271,7 @@
           <a:p>
             <a:fld id="{BA885161-032E-4C6A-8EDA-39D168DF18E4}" type="datetime1">
               <a:rPr lang="en-US" smtClean="0"/>
-              <a:t>2/27/2022</a:t>
+              <a:t>7/13/2022</a:t>
             </a:fld>
             <a:endParaRPr lang="en-US" dirty="0"/>
           </a:p>
@@ -10704,7 +11369,7 @@
           <a:p>
             <a:fld id="{958E6740-E523-48D9-9C4E-6F218E87BAF3}" type="datetime1">
               <a:rPr lang="en-US" smtClean="0"/>
-              <a:t>2/27/2022</a:t>
+              <a:t>7/13/2022</a:t>
             </a:fld>
             <a:endParaRPr lang="en-US" dirty="0"/>
           </a:p>
@@ -10962,7 +11627,7 @@
           <a:p>
             <a:fld id="{6121D4CA-FF09-4CB8-8D51-2613D19A0F2E}" type="datetime1">
               <a:rPr lang="en-US" smtClean="0"/>
-              <a:t>2/27/2022</a:t>
+              <a:t>7/13/2022</a:t>
             </a:fld>
             <a:endParaRPr lang="en-US" dirty="0"/>
           </a:p>
@@ -11227,7 +11892,7 @@
           <a:p>
             <a:fld id="{8C4779EA-AEA7-43B3-9B65-A77E9A890421}" type="datetime1">
               <a:rPr lang="en-US" smtClean="0"/>
-              <a:t>2/27/2022</a:t>
+              <a:t>7/13/2022</a:t>
             </a:fld>
             <a:endParaRPr lang="en-US" dirty="0"/>
           </a:p>
@@ -11973,7 +12638,7 @@
           <a:p>
             <a:fld id="{059A67F1-3EA0-4026-BE6A-31EE4E1B1DB5}" type="datetime1">
               <a:rPr lang="en-US" smtClean="0"/>
-              <a:t>2/27/2022</a:t>
+              <a:t>7/13/2022</a:t>
             </a:fld>
             <a:endParaRPr lang="en-US" dirty="0"/>
           </a:p>
@@ -12708,7 +13373,7 @@
                 <a:tabLst/>
                 <a:defRPr/>
               </a:pPr>
-              <a:t>2/27/2022</a:t>
+              <a:t>7/13/2022</a:t>
             </a:fld>
             <a:endParaRPr kumimoji="0" lang="en-US" sz="900" b="0" i="0" u="none" strike="noStrike" kern="1200" cap="none" spc="0" normalizeH="0" baseline="0" noProof="0" dirty="0">
               <a:ln>
@@ -12924,12 +13589,7 @@
             <p:ph type="title"/>
           </p:nvPr>
         </p:nvSpPr>
-        <p:spPr>
-          <a:xfrm>
-            <a:off x="677334" y="609600"/>
-            <a:ext cx="8596668" cy="843815"/>
-          </a:xfrm>
-        </p:spPr>
+        <p:spPr/>
         <p:txBody>
           <a:bodyPr>
             <a:normAutofit/>
@@ -12938,7 +13598,14 @@
           <a:p>
             <a:r>
               <a:rPr lang="en-US" dirty="0"/>
-              <a:t>Classes – definition</a:t>
+              <a:t>Module Object Example</a:t>
+            </a:r>
+            <a:br>
+              <a:rPr lang="en-US" dirty="0"/>
+            </a:br>
+            <a:r>
+              <a:rPr lang="en-US" dirty="0"/>
+              <a:t>- using turtle</a:t>
             </a:r>
             <a:endParaRPr lang="en-US" sz="2800" dirty="0"/>
           </a:p>
@@ -12962,114 +13629,77 @@
         </p:nvSpPr>
         <p:spPr>
           <a:xfrm>
-            <a:off x="677333" y="1453415"/>
-            <a:ext cx="9815965" cy="4587947"/>
+            <a:off x="677333" y="2160589"/>
+            <a:ext cx="9815965" cy="3880773"/>
           </a:xfrm>
         </p:spPr>
         <p:txBody>
           <a:bodyPr>
-            <a:normAutofit lnSpcReduction="10000"/>
+            <a:normAutofit/>
           </a:bodyPr>
           <a:lstStyle/>
           <a:p>
             <a:r>
-              <a:rPr lang="en-US" sz="3600" dirty="0"/>
-              <a:t>Definition - member functions:</a:t>
+              <a:rPr lang="en-US" sz="3400" dirty="0">
+                <a:cs typeface="Courier New" panose="02070309020205020404" pitchFamily="49" charset="0"/>
+              </a:rPr>
+              <a:t>exercises/</a:t>
             </a:r>
           </a:p>
           <a:p>
             <a:pPr lvl="1"/>
             <a:r>
-              <a:rPr lang="en-US" sz="3400" dirty="0"/>
-              <a:t>Predefined functions</a:t>
-            </a:r>
-          </a:p>
-          <a:p>
-            <a:pPr lvl="2"/>
-            <a:r>
               <a:rPr lang="en-US" sz="3200" dirty="0">
-                <a:solidFill>
-                  <a:schemeClr val="accent4"/>
-                </a:solidFill>
-              </a:rPr>
-              <a:t>def</a:t>
-            </a:r>
-            <a:r>
-              <a:rPr lang="en-US" sz="3200" dirty="0"/>
-              <a:t> </a:t>
-            </a:r>
-            <a:r>
-              <a:rPr lang="en-US" sz="3200" b="1" dirty="0"/>
-              <a:t>__init__</a:t>
-            </a:r>
-            <a:r>
-              <a:rPr lang="en-US" sz="3200" dirty="0"/>
-              <a:t>(self,…): - initialize data</a:t>
-            </a:r>
-          </a:p>
-          <a:p>
-            <a:pPr lvl="2"/>
+                <a:cs typeface="Courier New" panose="02070309020205020404" pitchFamily="49" charset="0"/>
+              </a:rPr>
+              <a:t>turtle/obj_multiple.py</a:t>
+            </a:r>
+          </a:p>
+          <a:p>
+            <a:pPr marL="857250" lvl="2" indent="0">
+              <a:buNone/>
+            </a:pPr>
+            <a:r>
+              <a:rPr lang="en-US" sz="3000" dirty="0">
+                <a:cs typeface="Courier New" panose="02070309020205020404" pitchFamily="49" charset="0"/>
+              </a:rPr>
+              <a:t>several turtles</a:t>
+            </a:r>
+          </a:p>
+          <a:p>
+            <a:endParaRPr lang="en-US" sz="3400" dirty="0">
+              <a:latin typeface="Courier New" panose="02070309020205020404" pitchFamily="49" charset="0"/>
+              <a:cs typeface="Courier New" panose="02070309020205020404" pitchFamily="49" charset="0"/>
+            </a:endParaRPr>
+          </a:p>
+          <a:p>
+            <a:pPr lvl="1"/>
             <a:r>
               <a:rPr lang="en-US" sz="3200" dirty="0">
-                <a:solidFill>
-                  <a:schemeClr val="accent4"/>
-                </a:solidFill>
-              </a:rPr>
-              <a:t>def</a:t>
-            </a:r>
-            <a:r>
-              <a:rPr lang="en-US" sz="3200" dirty="0"/>
-              <a:t> </a:t>
-            </a:r>
-            <a:r>
-              <a:rPr lang="en-US" sz="3200" b="1" dirty="0"/>
-              <a:t>__str__</a:t>
-            </a:r>
-            <a:r>
-              <a:rPr lang="en-US" sz="3200" dirty="0"/>
-              <a:t>(self,…): - used show as string</a:t>
-            </a:r>
-          </a:p>
-          <a:p>
-            <a:pPr lvl="2"/>
-            <a:endParaRPr lang="en-US" sz="3200" dirty="0"/>
-          </a:p>
-          <a:p>
-            <a:pPr lvl="1"/>
-            <a:r>
-              <a:rPr lang="en-US" sz="3400" dirty="0"/>
-              <a:t>User defined functions</a:t>
-            </a:r>
-          </a:p>
-          <a:p>
-            <a:pPr lvl="2"/>
-            <a:r>
-              <a:rPr lang="en-US" sz="3200" dirty="0"/>
-              <a:t> </a:t>
-            </a:r>
-            <a:r>
-              <a:rPr lang="en-US" sz="3200" dirty="0">
-                <a:solidFill>
-                  <a:schemeClr val="accent4"/>
-                </a:solidFill>
-              </a:rPr>
-              <a:t>def</a:t>
-            </a:r>
-            <a:r>
-              <a:rPr lang="en-US" sz="3200" dirty="0"/>
-              <a:t> my_</a:t>
-            </a:r>
-            <a:r>
-              <a:rPr lang="en-US" sz="3200" i="1" dirty="0"/>
-              <a:t>names</a:t>
-            </a:r>
-            <a:r>
-              <a:rPr lang="en-US" sz="3200" dirty="0"/>
-              <a:t>(self,…): –do my object's actions</a:t>
-            </a:r>
-          </a:p>
-          <a:p>
-            <a:endParaRPr lang="en-US" sz="3600" dirty="0"/>
+                <a:cs typeface="Courier New" panose="02070309020205020404" pitchFamily="49" charset="0"/>
+              </a:rPr>
+              <a:t>turtle/obj_multiple_2.py</a:t>
+            </a:r>
+          </a:p>
+          <a:p>
+            <a:pPr marL="0" indent="0">
+              <a:buNone/>
+            </a:pPr>
+            <a:r>
+              <a:rPr lang="en-US" sz="3400" dirty="0">
+                <a:cs typeface="Courier New" panose="02070309020205020404" pitchFamily="49" charset="0"/>
+              </a:rPr>
+              <a:t>		showing object independence</a:t>
+            </a:r>
+          </a:p>
+          <a:p>
+            <a:pPr marL="0" indent="0">
+              <a:buNone/>
+            </a:pPr>
+            <a:endParaRPr lang="en-US" sz="3400" dirty="0">
+              <a:latin typeface="Courier New" panose="02070309020205020404" pitchFamily="49" charset="0"/>
+              <a:cs typeface="Courier New" panose="02070309020205020404" pitchFamily="49" charset="0"/>
+            </a:endParaRPr>
           </a:p>
         </p:txBody>
       </p:sp>
@@ -13145,7 +13775,7 @@
                 <a:tabLst/>
                 <a:defRPr/>
               </a:pPr>
-              <a:t>2/27/2022</a:t>
+              <a:t>7/13/2022</a:t>
             </a:fld>
             <a:endParaRPr kumimoji="0" lang="en-US" sz="900" b="0" i="0" u="none" strike="noStrike" kern="1200" cap="none" spc="0" normalizeH="0" baseline="0" noProof="0" dirty="0">
               <a:ln>
@@ -13318,7 +13948,7 @@
     </p:spTree>
     <p:extLst>
       <p:ext uri="{BB962C8B-B14F-4D97-AF65-F5344CB8AC3E}">
-        <p14:creationId xmlns:p14="http://schemas.microsoft.com/office/powerpoint/2010/main" val="1898181837"/>
+        <p14:creationId xmlns:p14="http://schemas.microsoft.com/office/powerpoint/2010/main" val="2355352730"/>
       </p:ext>
     </p:extLst>
   </p:cSld>
@@ -13361,12 +13991,7 @@
             <p:ph type="title"/>
           </p:nvPr>
         </p:nvSpPr>
-        <p:spPr>
-          <a:xfrm>
-            <a:off x="677334" y="609600"/>
-            <a:ext cx="8596668" cy="843815"/>
-          </a:xfrm>
-        </p:spPr>
+        <p:spPr/>
         <p:txBody>
           <a:bodyPr>
             <a:normAutofit/>
@@ -13375,7 +14000,7 @@
           <a:p>
             <a:r>
               <a:rPr lang="en-US" dirty="0"/>
-              <a:t>Classes – definition - continued</a:t>
+              <a:t>Classes – Usage Details</a:t>
             </a:r>
             <a:endParaRPr lang="en-US" sz="2800" dirty="0"/>
           </a:p>
@@ -13399,47 +14024,66 @@
         </p:nvSpPr>
         <p:spPr>
           <a:xfrm>
-            <a:off x="677333" y="1453415"/>
-            <a:ext cx="9815965" cy="4587947"/>
+            <a:off x="677333" y="2160589"/>
+            <a:ext cx="9815965" cy="3880773"/>
           </a:xfrm>
         </p:spPr>
         <p:txBody>
           <a:bodyPr>
-            <a:normAutofit lnSpcReduction="10000"/>
+            <a:normAutofit/>
           </a:bodyPr>
           <a:lstStyle/>
           <a:p>
             <a:r>
               <a:rPr lang="en-US" sz="3600" dirty="0"/>
-              <a:t>__init__, __str__ - You write them but, if and when you do, Python uses them in a predefined special way</a:t>
+              <a:t>Create object:</a:t>
+            </a:r>
+          </a:p>
+          <a:p>
+            <a:pPr lvl="1"/>
+            <a:r>
+              <a:rPr lang="en-US" sz="3400" i="1" dirty="0"/>
+              <a:t>obj</a:t>
+            </a:r>
+            <a:r>
+              <a:rPr lang="en-US" sz="3400" dirty="0"/>
+              <a:t> = </a:t>
+            </a:r>
+            <a:r>
+              <a:rPr lang="en-US" sz="3400" i="1" dirty="0"/>
+              <a:t>ClassName</a:t>
+            </a:r>
+            <a:r>
+              <a:rPr lang="en-US" sz="3400" dirty="0"/>
+              <a:t>(</a:t>
+            </a:r>
+            <a:r>
+              <a:rPr lang="en-US" sz="3400" i="1" dirty="0"/>
+              <a:t>values…</a:t>
+            </a:r>
+            <a:r>
+              <a:rPr lang="en-US" sz="3400" dirty="0"/>
+              <a:t>)</a:t>
             </a:r>
           </a:p>
           <a:p>
             <a:r>
               <a:rPr lang="en-US" sz="3600" dirty="0"/>
-              <a:t>__init__ - called when Python sees </a:t>
-            </a:r>
-            <a:r>
-              <a:rPr lang="en-US" sz="3600" i="1" dirty="0"/>
-              <a:t>ClassName</a:t>
-            </a:r>
-            <a:r>
-              <a:rPr lang="en-US" sz="3600" dirty="0"/>
-              <a:t>(…) to setup your object</a:t>
-            </a:r>
-          </a:p>
-          <a:p>
-            <a:r>
-              <a:rPr lang="en-US" sz="3600" dirty="0"/>
-              <a:t>__str__ - called when Python sees your object called as a string .e.g., print(</a:t>
-            </a:r>
-            <a:r>
-              <a:rPr lang="en-US" sz="3600" i="1" dirty="0"/>
-              <a:t>your_obj</a:t>
-            </a:r>
-            <a:r>
-              <a:rPr lang="en-US" sz="3600" dirty="0"/>
-              <a:t>)</a:t>
+              <a:t>Use object:</a:t>
+            </a:r>
+          </a:p>
+          <a:p>
+            <a:pPr lvl="1"/>
+            <a:r>
+              <a:rPr lang="en-US" sz="3400" dirty="0"/>
+              <a:t>obj.list()   # list object</a:t>
+            </a:r>
+          </a:p>
+          <a:p>
+            <a:pPr lvl="1"/>
+            <a:r>
+              <a:rPr lang="en-US" sz="3400" dirty="0"/>
+              <a:t>obj.add(obj2)	# add obj2 to object</a:t>
             </a:r>
           </a:p>
         </p:txBody>
@@ -13516,7 +14160,7 @@
                 <a:tabLst/>
                 <a:defRPr/>
               </a:pPr>
-              <a:t>2/27/2022</a:t>
+              <a:t>7/13/2022</a:t>
             </a:fld>
             <a:endParaRPr kumimoji="0" lang="en-US" sz="900" b="0" i="0" u="none" strike="noStrike" kern="1200" cap="none" spc="0" normalizeH="0" baseline="0" noProof="0" dirty="0">
               <a:ln>
@@ -13689,7 +14333,7 @@
     </p:spTree>
     <p:extLst>
       <p:ext uri="{BB962C8B-B14F-4D97-AF65-F5344CB8AC3E}">
-        <p14:creationId xmlns:p14="http://schemas.microsoft.com/office/powerpoint/2010/main" val="1559433135"/>
+        <p14:creationId xmlns:p14="http://schemas.microsoft.com/office/powerpoint/2010/main" val="3738358300"/>
       </p:ext>
     </p:extLst>
   </p:cSld>
@@ -13721,7 +14365,7 @@
           <p:cNvPr id="2" name="Title 1">
             <a:extLst>
               <a:ext uri="{FF2B5EF4-FFF2-40B4-BE49-F238E27FC236}">
-                <a16:creationId xmlns:a16="http://schemas.microsoft.com/office/drawing/2014/main" id="{00C99C45-A655-40FD-BF53-F03EF1F5E416}"/>
+                <a16:creationId xmlns:a16="http://schemas.microsoft.com/office/drawing/2014/main" id="{38E976DE-37DD-4E01-A276-BDE269D30524}"/>
               </a:ext>
             </a:extLst>
           </p:cNvPr>
@@ -13734,16 +14378,13 @@
         </p:nvSpPr>
         <p:spPr/>
         <p:txBody>
-          <a:bodyPr>
-            <a:normAutofit/>
-          </a:bodyPr>
+          <a:bodyPr/>
           <a:lstStyle/>
           <a:p>
             <a:r>
               <a:rPr lang="en-US" dirty="0"/>
-              <a:t>Classes – definition</a:t>
-            </a:r>
-            <a:endParaRPr lang="en-US" sz="2800" dirty="0"/>
+              <a:t>Writing a Class</a:t>
+            </a:r>
           </a:p>
         </p:txBody>
       </p:sp>
@@ -13752,7 +14393,7 @@
           <p:cNvPr id="3" name="Content Placeholder 2">
             <a:extLst>
               <a:ext uri="{FF2B5EF4-FFF2-40B4-BE49-F238E27FC236}">
-                <a16:creationId xmlns:a16="http://schemas.microsoft.com/office/drawing/2014/main" id="{AAE989A4-422F-4666-8E03-249076443C19}"/>
+                <a16:creationId xmlns:a16="http://schemas.microsoft.com/office/drawing/2014/main" id="{34D38A03-BAB6-41D4-8C8D-A87703DBBD7D}"/>
               </a:ext>
             </a:extLst>
           </p:cNvPr>
@@ -13763,32 +14404,16 @@
             <p:ph idx="1"/>
           </p:nvPr>
         </p:nvSpPr>
-        <p:spPr>
-          <a:xfrm>
-            <a:off x="677333" y="2160589"/>
-            <a:ext cx="9815965" cy="3880773"/>
-          </a:xfrm>
-        </p:spPr>
-        <p:txBody>
-          <a:bodyPr>
-            <a:normAutofit fontScale="85000" lnSpcReduction="20000"/>
-          </a:bodyPr>
-          <a:lstStyle/>
-          <a:p>
-            <a:r>
-              <a:rPr lang="en-US" sz="3600" dirty="0"/>
-              <a:t>Definition:</a:t>
-            </a:r>
-          </a:p>
+        <p:spPr/>
+        <p:txBody>
+          <a:bodyPr/>
+          <a:lstStyle/>
           <a:p>
             <a:pPr marL="0" indent="0">
               <a:buNone/>
             </a:pPr>
             <a:r>
-              <a:rPr lang="en-US" sz="3600" dirty="0">
-                <a:solidFill>
-                  <a:schemeClr val="accent4"/>
-                </a:solidFill>
+              <a:rPr lang="en-US" sz="3600" b="1" dirty="0">
                 <a:latin typeface="Courier New" panose="02070309020205020404" pitchFamily="49" charset="0"/>
                 <a:cs typeface="Courier New" panose="02070309020205020404" pitchFamily="49" charset="0"/>
               </a:rPr>
@@ -13799,104 +14424,59 @@
                 <a:latin typeface="Courier New" panose="02070309020205020404" pitchFamily="49" charset="0"/>
                 <a:cs typeface="Courier New" panose="02070309020205020404" pitchFamily="49" charset="0"/>
               </a:rPr>
-              <a:t> Person:</a:t>
-            </a:r>
-          </a:p>
-          <a:p>
-            <a:pPr marL="400050" lvl="1" indent="0">
-              <a:buNone/>
-            </a:pPr>
-            <a:r>
-              <a:rPr lang="en-US" sz="3400" dirty="0">
-                <a:solidFill>
-                  <a:schemeClr val="accent4"/>
-                </a:solidFill>
+              <a:t> </a:t>
+            </a:r>
+            <a:r>
+              <a:rPr lang="en-US" sz="3600" i="1" dirty="0">
                 <a:latin typeface="Courier New" panose="02070309020205020404" pitchFamily="49" charset="0"/>
                 <a:cs typeface="Courier New" panose="02070309020205020404" pitchFamily="49" charset="0"/>
               </a:rPr>
-              <a:t>def</a:t>
-            </a:r>
-            <a:r>
-              <a:rPr lang="en-US" sz="3400" dirty="0">
+              <a:t>Name</a:t>
+            </a:r>
+            <a:r>
+              <a:rPr lang="en-US" sz="3600" dirty="0">
                 <a:latin typeface="Courier New" panose="02070309020205020404" pitchFamily="49" charset="0"/>
                 <a:cs typeface="Courier New" panose="02070309020205020404" pitchFamily="49" charset="0"/>
               </a:rPr>
-              <a:t> __init__(</a:t>
-            </a:r>
-            <a:r>
-              <a:rPr lang="en-US" sz="3400" b="1" dirty="0">
-                <a:latin typeface="Courier New" panose="02070309020205020404" pitchFamily="49" charset="0"/>
-                <a:cs typeface="Courier New" panose="02070309020205020404" pitchFamily="49" charset="0"/>
-              </a:rPr>
-              <a:t>self</a:t>
-            </a:r>
-            <a:r>
-              <a:rPr lang="en-US" sz="3400" dirty="0">
-                <a:latin typeface="Courier New" panose="02070309020205020404" pitchFamily="49" charset="0"/>
-                <a:cs typeface="Courier New" panose="02070309020205020404" pitchFamily="49" charset="0"/>
-              </a:rPr>
-              <a:t>,</a:t>
-            </a:r>
-          </a:p>
-          <a:p>
-            <a:pPr marL="400050" lvl="1" indent="0">
+              <a:t>():</a:t>
+            </a:r>
+          </a:p>
+          <a:p>
+            <a:pPr marL="457200" lvl="1" indent="0">
               <a:buNone/>
             </a:pPr>
             <a:r>
-              <a:rPr lang="en-US" sz="3400" dirty="0">
-                <a:latin typeface="Courier New" panose="02070309020205020404" pitchFamily="49" charset="0"/>
-                <a:cs typeface="Courier New" panose="02070309020205020404" pitchFamily="49" charset="0"/>
-              </a:rPr>
-              <a:t>					name,</a:t>
-            </a:r>
-          </a:p>
-          <a:p>
-            <a:pPr marL="400050" lvl="1" indent="0">
+              <a:rPr lang="en-US" sz="3600" dirty="0"/>
+              <a:t>""" </a:t>
+            </a:r>
+            <a:r>
+              <a:rPr lang="en-US" sz="3600" i="1" dirty="0"/>
+              <a:t>comments</a:t>
+            </a:r>
+          </a:p>
+          <a:p>
+            <a:pPr marL="457200" lvl="1" indent="0">
               <a:buNone/>
             </a:pPr>
             <a:r>
-              <a:rPr lang="en-US" sz="3400" dirty="0">
-                <a:latin typeface="Courier New" panose="02070309020205020404" pitchFamily="49" charset="0"/>
-                <a:cs typeface="Courier New" panose="02070309020205020404" pitchFamily="49" charset="0"/>
-              </a:rPr>
-              <a:t>					is_friend=False,</a:t>
-            </a:r>
-          </a:p>
-          <a:p>
-            <a:pPr marL="400050" lvl="1" indent="0">
+              <a:rPr lang="en-US" sz="3600" dirty="0"/>
+              <a:t>"""</a:t>
+            </a:r>
+          </a:p>
+          <a:p>
+            <a:pPr marL="457200" lvl="1" indent="0">
               <a:buNone/>
             </a:pPr>
             <a:r>
-              <a:rPr lang="en-US" sz="3400" dirty="0">
-                <a:latin typeface="Courier New" panose="02070309020205020404" pitchFamily="49" charset="0"/>
-                <a:cs typeface="Courier New" panose="02070309020205020404" pitchFamily="49" charset="0"/>
-              </a:rPr>
-              <a:t>					is_family=False,</a:t>
-            </a:r>
-          </a:p>
-          <a:p>
-            <a:pPr marL="400050" lvl="1" indent="0">
+              <a:rPr lang="en-US" sz="3600" i="1" dirty="0"/>
+              <a:t>data / functions</a:t>
+            </a:r>
+          </a:p>
+          <a:p>
+            <a:pPr marL="457200" lvl="1" indent="0">
               <a:buNone/>
             </a:pPr>
-            <a:r>
-              <a:rPr lang="en-US" sz="3400" dirty="0">
-                <a:latin typeface="Courier New" panose="02070309020205020404" pitchFamily="49" charset="0"/>
-                <a:cs typeface="Courier New" panose="02070309020205020404" pitchFamily="49" charset="0"/>
-              </a:rPr>
-              <a:t>					address=None):</a:t>
-            </a:r>
-          </a:p>
-          <a:p>
-            <a:pPr marL="400050" lvl="1" indent="0">
-              <a:buNone/>
-            </a:pPr>
-            <a:r>
-              <a:rPr lang="en-US" sz="3400" i="1" dirty="0">
-                <a:latin typeface="Courier New" panose="02070309020205020404" pitchFamily="49" charset="0"/>
-                <a:cs typeface="Courier New" panose="02070309020205020404" pitchFamily="49" charset="0"/>
-              </a:rPr>
-              <a:t>		… setup person … </a:t>
-            </a:r>
+            <a:endParaRPr lang="en-US" dirty="0"/>
           </a:p>
         </p:txBody>
       </p:sp>
@@ -13905,7 +14485,7 @@
           <p:cNvPr id="4" name="Date Placeholder 3">
             <a:extLst>
               <a:ext uri="{FF2B5EF4-FFF2-40B4-BE49-F238E27FC236}">
-                <a16:creationId xmlns:a16="http://schemas.microsoft.com/office/drawing/2014/main" id="{D4B58B9C-2101-47C6-B21D-A9C4C0222113}"/>
+                <a16:creationId xmlns:a16="http://schemas.microsoft.com/office/drawing/2014/main" id="{A6E3689C-2A10-4164-8BD9-DFAC07180BCE}"/>
               </a:ext>
             </a:extLst>
           </p:cNvPr>
@@ -13921,75 +14501,11 @@
           <a:bodyPr/>
           <a:lstStyle/>
           <a:p>
-            <a:pPr marL="0" marR="0" lvl="0" indent="0" algn="r" defTabSz="457200" rtl="0" eaLnBrk="1" fontAlgn="auto" latinLnBrk="0" hangingPunct="1">
-              <a:lnSpc>
-                <a:spcPct val="100000"/>
-              </a:lnSpc>
-              <a:spcBef>
-                <a:spcPts val="0"/>
-              </a:spcBef>
-              <a:spcAft>
-                <a:spcPts val="0"/>
-              </a:spcAft>
-              <a:buClrTx/>
-              <a:buSzTx/>
-              <a:buFontTx/>
-              <a:buNone/>
-              <a:tabLst/>
-              <a:defRPr/>
-            </a:pPr>
             <a:fld id="{A7119916-CD40-456D-ABE3-55F8822671F7}" type="datetime1">
-              <a:rPr kumimoji="0" lang="en-US" sz="900" b="0" i="0" u="none" strike="noStrike" kern="1200" cap="none" spc="0" normalizeH="0" baseline="0" noProof="0" smtClean="0">
-                <a:ln>
-                  <a:noFill/>
-                </a:ln>
-                <a:solidFill>
-                  <a:prstClr val="black">
-                    <a:tint val="75000"/>
-                  </a:prstClr>
-                </a:solidFill>
-                <a:effectLst/>
-                <a:uLnTx/>
-                <a:uFillTx/>
-                <a:latin typeface="Trebuchet MS" panose="020B0603020202020204"/>
-                <a:ea typeface="+mn-ea"/>
-                <a:cs typeface="+mn-cs"/>
-              </a:rPr>
-              <a:pPr marL="0" marR="0" lvl="0" indent="0" algn="r" defTabSz="457200" rtl="0" eaLnBrk="1" fontAlgn="auto" latinLnBrk="0" hangingPunct="1">
-                <a:lnSpc>
-                  <a:spcPct val="100000"/>
-                </a:lnSpc>
-                <a:spcBef>
-                  <a:spcPts val="0"/>
-                </a:spcBef>
-                <a:spcAft>
-                  <a:spcPts val="0"/>
-                </a:spcAft>
-                <a:buClrTx/>
-                <a:buSzTx/>
-                <a:buFontTx/>
-                <a:buNone/>
-                <a:tabLst/>
-                <a:defRPr/>
-              </a:pPr>
-              <a:t>2/27/2022</a:t>
+              <a:rPr lang="en-US" smtClean="0"/>
+              <a:t>7/13/2022</a:t>
             </a:fld>
-            <a:endParaRPr kumimoji="0" lang="en-US" sz="900" b="0" i="0" u="none" strike="noStrike" kern="1200" cap="none" spc="0" normalizeH="0" baseline="0" noProof="0" dirty="0">
-              <a:ln>
-                <a:noFill/>
-              </a:ln>
-              <a:solidFill>
-                <a:prstClr val="black">
-                  <a:tint val="75000"/>
-                </a:prstClr>
-              </a:solidFill>
-              <a:effectLst/>
-              <a:uLnTx/>
-              <a:uFillTx/>
-              <a:latin typeface="Trebuchet MS" panose="020B0603020202020204"/>
-              <a:ea typeface="+mn-ea"/>
-              <a:cs typeface="+mn-cs"/>
-            </a:endParaRPr>
+            <a:endParaRPr lang="en-US" dirty="0"/>
           </a:p>
         </p:txBody>
       </p:sp>
@@ -13998,7 +14514,7 @@
           <p:cNvPr id="5" name="Footer Placeholder 4">
             <a:extLst>
               <a:ext uri="{FF2B5EF4-FFF2-40B4-BE49-F238E27FC236}">
-                <a16:creationId xmlns:a16="http://schemas.microsoft.com/office/drawing/2014/main" id="{EB3CE92E-DA4C-49CE-8437-22304F783D2B}"/>
+                <a16:creationId xmlns:a16="http://schemas.microsoft.com/office/drawing/2014/main" id="{84856060-9556-4193-BA8E-CB5515200B71}"/>
               </a:ext>
             </a:extLst>
           </p:cNvPr>
@@ -14014,42 +14530,11 @@
           <a:bodyPr/>
           <a:lstStyle/>
           <a:p>
-            <a:pPr marL="0" marR="0" lvl="0" indent="0" algn="l" defTabSz="457200" rtl="0" eaLnBrk="1" fontAlgn="auto" latinLnBrk="0" hangingPunct="1">
-              <a:lnSpc>
-                <a:spcPct val="100000"/>
-              </a:lnSpc>
-              <a:spcBef>
-                <a:spcPts val="0"/>
-              </a:spcBef>
-              <a:spcAft>
-                <a:spcPts val="0"/>
-              </a:spcAft>
-              <a:buClrTx/>
-              <a:buSzTx/>
-              <a:buFontTx/>
-              <a:buNone/>
-              <a:tabLst/>
-              <a:defRPr/>
-            </a:pPr>
-            <a:r>
-              <a:rPr kumimoji="0" lang="en-US" sz="900" b="0" i="0" u="none" strike="noStrike" kern="1200" cap="none" spc="0" normalizeH="0" baseline="0" noProof="0" dirty="0">
-                <a:ln>
-                  <a:noFill/>
-                </a:ln>
-                <a:solidFill>
-                  <a:prstClr val="black">
-                    <a:tint val="75000"/>
-                  </a:prstClr>
-                </a:solidFill>
-                <a:effectLst/>
-                <a:uLnTx/>
-                <a:uFillTx/>
-                <a:latin typeface="Trebuchet MS" panose="020B0603020202020204"/>
-                <a:ea typeface="+mn-ea"/>
-                <a:cs typeface="+mn-cs"/>
-              </a:rPr>
+            <a:r>
+              <a:rPr lang="en-US"/>
               <a:t>raysmith@alum.mit.edu</a:t>
             </a:r>
+            <a:endParaRPr lang="en-US" dirty="0"/>
           </a:p>
         </p:txBody>
       </p:sp>
@@ -14058,7 +14543,7 @@
           <p:cNvPr id="6" name="Slide Number Placeholder 5">
             <a:extLst>
               <a:ext uri="{FF2B5EF4-FFF2-40B4-BE49-F238E27FC236}">
-                <a16:creationId xmlns:a16="http://schemas.microsoft.com/office/drawing/2014/main" id="{B555E688-FCD7-4E06-BD33-DA64AB1C3FA4}"/>
+                <a16:creationId xmlns:a16="http://schemas.microsoft.com/office/drawing/2014/main" id="{4164F0ED-AC6F-4096-A5FB-AD5BE407DD61}"/>
               </a:ext>
             </a:extLst>
           </p:cNvPr>
@@ -14074,78 +14559,18 @@
           <a:bodyPr/>
           <a:lstStyle/>
           <a:p>
-            <a:pPr marL="0" marR="0" lvl="0" indent="0" algn="r" defTabSz="457200" rtl="0" eaLnBrk="1" fontAlgn="auto" latinLnBrk="0" hangingPunct="1">
-              <a:lnSpc>
-                <a:spcPct val="100000"/>
-              </a:lnSpc>
-              <a:spcBef>
-                <a:spcPts val="0"/>
-              </a:spcBef>
-              <a:spcAft>
-                <a:spcPts val="0"/>
-              </a:spcAft>
-              <a:buClrTx/>
-              <a:buSzTx/>
-              <a:buFontTx/>
-              <a:buNone/>
-              <a:tabLst/>
-              <a:defRPr/>
-            </a:pPr>
             <a:fld id="{6D22F896-40B5-4ADD-8801-0D06FADFA095}" type="slidenum">
-              <a:rPr kumimoji="0" lang="en-US" sz="900" b="0" i="0" u="none" strike="noStrike" kern="1200" cap="none" spc="0" normalizeH="0" baseline="0" noProof="0" smtClean="0">
-                <a:ln>
-                  <a:noFill/>
-                </a:ln>
-                <a:solidFill>
-                  <a:srgbClr val="90C226"/>
-                </a:solidFill>
-                <a:effectLst/>
-                <a:uLnTx/>
-                <a:uFillTx/>
-                <a:latin typeface="Trebuchet MS" panose="020B0603020202020204"/>
-                <a:ea typeface="+mn-ea"/>
-                <a:cs typeface="+mn-cs"/>
-              </a:rPr>
-              <a:pPr marL="0" marR="0" lvl="0" indent="0" algn="r" defTabSz="457200" rtl="0" eaLnBrk="1" fontAlgn="auto" latinLnBrk="0" hangingPunct="1">
-                <a:lnSpc>
-                  <a:spcPct val="100000"/>
-                </a:lnSpc>
-                <a:spcBef>
-                  <a:spcPts val="0"/>
-                </a:spcBef>
-                <a:spcAft>
-                  <a:spcPts val="0"/>
-                </a:spcAft>
-                <a:buClrTx/>
-                <a:buSzTx/>
-                <a:buFontTx/>
-                <a:buNone/>
-                <a:tabLst/>
-                <a:defRPr/>
-              </a:pPr>
+              <a:rPr lang="en-US" smtClean="0"/>
               <a:t>12</a:t>
             </a:fld>
-            <a:endParaRPr kumimoji="0" lang="en-US" sz="900" b="0" i="0" u="none" strike="noStrike" kern="1200" cap="none" spc="0" normalizeH="0" baseline="0" noProof="0" dirty="0">
-              <a:ln>
-                <a:noFill/>
-              </a:ln>
-              <a:solidFill>
-                <a:srgbClr val="90C226"/>
-              </a:solidFill>
-              <a:effectLst/>
-              <a:uLnTx/>
-              <a:uFillTx/>
-              <a:latin typeface="Trebuchet MS" panose="020B0603020202020204"/>
-              <a:ea typeface="+mn-ea"/>
-              <a:cs typeface="+mn-cs"/>
-            </a:endParaRPr>
+            <a:endParaRPr lang="en-US" dirty="0"/>
           </a:p>
         </p:txBody>
       </p:sp>
     </p:spTree>
     <p:extLst>
       <p:ext uri="{BB962C8B-B14F-4D97-AF65-F5344CB8AC3E}">
-        <p14:creationId xmlns:p14="http://schemas.microsoft.com/office/powerpoint/2010/main" val="1252384277"/>
+        <p14:creationId xmlns:p14="http://schemas.microsoft.com/office/powerpoint/2010/main" val="3191356822"/>
       </p:ext>
     </p:extLst>
   </p:cSld>
@@ -14191,38 +14616,19 @@
         <p:spPr>
           <a:xfrm>
             <a:off x="677334" y="609600"/>
-            <a:ext cx="8596668" cy="776438"/>
+            <a:ext cx="8596668" cy="843815"/>
           </a:xfrm>
         </p:spPr>
         <p:txBody>
           <a:bodyPr>
-            <a:normAutofit fontScale="90000"/>
+            <a:normAutofit/>
           </a:bodyPr>
           <a:lstStyle/>
           <a:p>
             <a:r>
               <a:rPr lang="en-US" dirty="0"/>
-              <a:t>Classes – </a:t>
-            </a:r>
-            <a:r>
-              <a:rPr lang="en-US" sz="2800" dirty="0"/>
-              <a:t>Example: </a:t>
-            </a:r>
-            <a:r>
-              <a:rPr lang="en-US" sz="2800" b="1" dirty="0">
-                <a:solidFill>
-                  <a:srgbClr val="00B0F0"/>
-                </a:solidFill>
-              </a:rPr>
-              <a:t>Person</a:t>
-            </a:r>
-            <a:br>
-              <a:rPr lang="en-US" dirty="0">
-                <a:solidFill>
-                  <a:srgbClr val="00B0F0"/>
-                </a:solidFill>
-              </a:rPr>
-            </a:br>
+              <a:t>Classes – details</a:t>
+            </a:r>
             <a:endParaRPr lang="en-US" sz="2800" dirty="0"/>
           </a:p>
         </p:txBody>
@@ -14245,105 +14651,114 @@
         </p:nvSpPr>
         <p:spPr>
           <a:xfrm>
-            <a:off x="677333" y="1386039"/>
-            <a:ext cx="9815965" cy="4655324"/>
+            <a:off x="677333" y="1453415"/>
+            <a:ext cx="9815965" cy="4587947"/>
           </a:xfrm>
         </p:spPr>
         <p:txBody>
           <a:bodyPr>
-            <a:normAutofit/>
+            <a:normAutofit lnSpcReduction="10000"/>
           </a:bodyPr>
           <a:lstStyle/>
           <a:p>
-            <a:pPr marL="0" indent="0">
-              <a:buNone/>
-            </a:pPr>
-            <a:r>
-              <a:rPr lang="en-US" sz="3600" b="1" i="1" dirty="0">
-                <a:solidFill>
-                  <a:srgbClr val="00B0F0"/>
-                </a:solidFill>
-                <a:latin typeface="Courier New" panose="02070309020205020404" pitchFamily="49" charset="0"/>
-                <a:cs typeface="Courier New" panose="02070309020205020404" pitchFamily="49" charset="0"/>
-              </a:rPr>
-              <a:t>exercises/</a:t>
-            </a:r>
-          </a:p>
-          <a:p>
-            <a:pPr marL="0" indent="0">
-              <a:buNone/>
-            </a:pPr>
-            <a:r>
-              <a:rPr lang="en-US" sz="3600" b="1" i="1" dirty="0">
-                <a:solidFill>
-                  <a:srgbClr val="00B0F0"/>
-                </a:solidFill>
-                <a:latin typeface="Courier New" panose="02070309020205020404" pitchFamily="49" charset="0"/>
-                <a:cs typeface="Courier New" panose="02070309020205020404" pitchFamily="49" charset="0"/>
-              </a:rPr>
-              <a:t>   classes/person_classes/person.py</a:t>
-            </a:r>
-          </a:p>
-          <a:p>
-            <a:pPr marL="0" indent="0">
-              <a:buNone/>
-            </a:pPr>
-            <a:endParaRPr lang="en-US" sz="3400" i="1" dirty="0">
-              <a:latin typeface="Courier New" panose="02070309020205020404" pitchFamily="49" charset="0"/>
-              <a:cs typeface="Courier New" panose="02070309020205020404" pitchFamily="49" charset="0"/>
-            </a:endParaRPr>
-          </a:p>
-          <a:p>
-            <a:pPr marL="0" indent="0">
-              <a:buNone/>
-            </a:pPr>
-            <a:r>
-              <a:rPr lang="en-US" sz="3400" i="1" dirty="0">
-                <a:latin typeface="Courier New" panose="02070309020205020404" pitchFamily="49" charset="0"/>
-                <a:cs typeface="Courier New" panose="02070309020205020404" pitchFamily="49" charset="0"/>
-              </a:rPr>
-              <a:t>class </a:t>
-            </a:r>
-            <a:r>
-              <a:rPr lang="en-US" sz="3400" b="1" i="1" dirty="0">
-                <a:solidFill>
-                  <a:schemeClr val="tx1"/>
-                </a:solidFill>
-                <a:latin typeface="Courier New" panose="02070309020205020404" pitchFamily="49" charset="0"/>
-                <a:cs typeface="Courier New" panose="02070309020205020404" pitchFamily="49" charset="0"/>
-              </a:rPr>
-              <a:t>Person</a:t>
+            <a:r>
+              <a:rPr lang="en-US" sz="3600" dirty="0"/>
+              <a:t>Definition - member functions:</a:t>
             </a:r>
           </a:p>
           <a:p>
             <a:pPr lvl="1"/>
             <a:r>
-              <a:rPr lang="en-US" sz="3200" i="1" dirty="0">
-                <a:latin typeface="Courier New" panose="02070309020205020404" pitchFamily="49" charset="0"/>
-                <a:cs typeface="Courier New" panose="02070309020205020404" pitchFamily="49" charset="0"/>
-              </a:rPr>
-              <a:t>Person's information</a:t>
-            </a:r>
+              <a:rPr lang="en-US" sz="3400" dirty="0"/>
+              <a:t>Predefined functions</a:t>
+            </a:r>
+          </a:p>
+          <a:p>
+            <a:pPr lvl="2"/>
+            <a:r>
+              <a:rPr lang="en-US" sz="3200" dirty="0">
+                <a:solidFill>
+                  <a:schemeClr val="accent4"/>
+                </a:solidFill>
+              </a:rPr>
+              <a:t>def</a:t>
+            </a:r>
+            <a:r>
+              <a:rPr lang="en-US" sz="3200" dirty="0"/>
+              <a:t> </a:t>
+            </a:r>
+            <a:r>
+              <a:rPr lang="en-US" sz="3200" b="1" dirty="0"/>
+              <a:t>__init__</a:t>
+            </a:r>
+            <a:r>
+              <a:rPr lang="en-US" sz="3200" dirty="0"/>
+              <a:t>(self,…): - initialize data</a:t>
+            </a:r>
+          </a:p>
+          <a:p>
+            <a:pPr lvl="2"/>
+            <a:r>
+              <a:rPr lang="en-US" sz="3200" dirty="0">
+                <a:solidFill>
+                  <a:schemeClr val="accent4"/>
+                </a:solidFill>
+              </a:rPr>
+              <a:t>def</a:t>
+            </a:r>
+            <a:r>
+              <a:rPr lang="en-US" sz="3200" dirty="0"/>
+              <a:t> </a:t>
+            </a:r>
+            <a:r>
+              <a:rPr lang="en-US" sz="3200" b="1" dirty="0"/>
+              <a:t>__str__</a:t>
+            </a:r>
+            <a:r>
+              <a:rPr lang="en-US" sz="3200" dirty="0"/>
+              <a:t>(self,…): - used show as string</a:t>
+            </a:r>
+          </a:p>
+          <a:p>
+            <a:pPr lvl="2"/>
+            <a:endParaRPr lang="en-US" sz="3200" dirty="0"/>
           </a:p>
           <a:p>
             <a:pPr lvl="1"/>
             <a:r>
-              <a:rPr lang="en-US" sz="3200" i="1" dirty="0">
-                <a:latin typeface="Courier New" panose="02070309020205020404" pitchFamily="49" charset="0"/>
-                <a:cs typeface="Courier New" panose="02070309020205020404" pitchFamily="49" charset="0"/>
-              </a:rPr>
-              <a:t>Person's setup / initialization</a:t>
-            </a:r>
-          </a:p>
-          <a:p>
-            <a:pPr lvl="1"/>
-            <a:r>
-              <a:rPr lang="en-US" sz="3200" i="1" dirty="0">
-                <a:latin typeface="Courier New" panose="02070309020205020404" pitchFamily="49" charset="0"/>
-                <a:cs typeface="Courier New" panose="02070309020205020404" pitchFamily="49" charset="0"/>
-              </a:rPr>
-              <a:t>Person's actions</a:t>
-            </a:r>
+              <a:rPr lang="en-US" sz="3400" dirty="0"/>
+              <a:t>User defined functions</a:t>
+            </a:r>
+          </a:p>
+          <a:p>
+            <a:pPr lvl="2"/>
+            <a:r>
+              <a:rPr lang="en-US" sz="3200" dirty="0"/>
+              <a:t> </a:t>
+            </a:r>
+            <a:r>
+              <a:rPr lang="en-US" sz="3200" dirty="0">
+                <a:solidFill>
+                  <a:schemeClr val="accent4"/>
+                </a:solidFill>
+              </a:rPr>
+              <a:t>def</a:t>
+            </a:r>
+            <a:r>
+              <a:rPr lang="en-US" sz="3200" dirty="0"/>
+              <a:t> my_</a:t>
+            </a:r>
+            <a:r>
+              <a:rPr lang="en-US" sz="3200" i="1" dirty="0"/>
+              <a:t>names</a:t>
+            </a:r>
+            <a:r>
+              <a:rPr lang="en-US" sz="3200" dirty="0"/>
+              <a:t>(self,…): –do my object's actions</a:t>
+            </a:r>
+          </a:p>
+          <a:p>
+            <a:endParaRPr lang="en-US" sz="3600" dirty="0"/>
           </a:p>
         </p:txBody>
       </p:sp>
@@ -14419,7 +14834,7 @@
                 <a:tabLst/>
                 <a:defRPr/>
               </a:pPr>
-              <a:t>2/27/2022</a:t>
+              <a:t>7/13/2022</a:t>
             </a:fld>
             <a:endParaRPr kumimoji="0" lang="en-US" sz="900" b="0" i="0" u="none" strike="noStrike" kern="1200" cap="none" spc="0" normalizeH="0" baseline="0" noProof="0" dirty="0">
               <a:ln>
@@ -14592,7 +15007,7 @@
     </p:spTree>
     <p:extLst>
       <p:ext uri="{BB962C8B-B14F-4D97-AF65-F5344CB8AC3E}">
-        <p14:creationId xmlns:p14="http://schemas.microsoft.com/office/powerpoint/2010/main" val="4241878085"/>
+        <p14:creationId xmlns:p14="http://schemas.microsoft.com/office/powerpoint/2010/main" val="1898181837"/>
       </p:ext>
     </p:extLst>
   </p:cSld>
@@ -14603,7 +15018,7 @@
 </file>
 
 <file path=ppt/slides/slide14.xml><?xml version="1.0" encoding="utf-8"?>
-<p:sld xmlns:a="http://schemas.openxmlformats.org/drawingml/2006/main" xmlns:r="http://schemas.openxmlformats.org/officeDocument/2006/relationships" xmlns:p="http://schemas.openxmlformats.org/presentationml/2006/main" showMasterSp="0">
+<p:sld xmlns:a="http://schemas.openxmlformats.org/drawingml/2006/main" xmlns:r="http://schemas.openxmlformats.org/officeDocument/2006/relationships" xmlns:p="http://schemas.openxmlformats.org/presentationml/2006/main">
   <p:cSld>
     <p:spTree>
       <p:nvGrpSpPr>
@@ -14635,7 +15050,12 @@
             <p:ph type="title"/>
           </p:nvPr>
         </p:nvSpPr>
-        <p:spPr/>
+        <p:spPr>
+          <a:xfrm>
+            <a:off x="677334" y="609600"/>
+            <a:ext cx="8596668" cy="843815"/>
+          </a:xfrm>
+        </p:spPr>
         <p:txBody>
           <a:bodyPr>
             <a:normAutofit/>
@@ -14644,27 +15064,8 @@
           <a:p>
             <a:r>
               <a:rPr lang="en-US" dirty="0"/>
-              <a:t>Classes – </a:t>
-            </a:r>
-            <a:r>
-              <a:rPr lang="en-US" sz="2800" dirty="0"/>
-              <a:t>Example: </a:t>
-            </a:r>
-            <a:r>
-              <a:rPr lang="en-US" sz="2800" b="1" dirty="0">
-                <a:solidFill>
-                  <a:srgbClr val="00B0F0"/>
-                </a:solidFill>
-              </a:rPr>
-              <a:t>PersonGroup</a:t>
-            </a:r>
-            <a:br>
-              <a:rPr lang="en-US" dirty="0">
-                <a:solidFill>
-                  <a:srgbClr val="00B0F0"/>
-                </a:solidFill>
-              </a:rPr>
-            </a:br>
+              <a:t>Classes – predefined functions</a:t>
+            </a:r>
             <a:endParaRPr lang="en-US" sz="2800" dirty="0"/>
           </a:p>
         </p:txBody>
@@ -14687,8 +15088,8 @@
         </p:nvSpPr>
         <p:spPr>
           <a:xfrm>
-            <a:off x="677333" y="2160589"/>
-            <a:ext cx="9815965" cy="3880773"/>
+            <a:off x="677333" y="1453415"/>
+            <a:ext cx="9815965" cy="4587947"/>
           </a:xfrm>
         </p:spPr>
         <p:txBody>
@@ -14697,50 +15098,53 @@
           </a:bodyPr>
           <a:lstStyle/>
           <a:p>
-            <a:pPr marL="0" indent="0">
-              <a:buNone/>
-            </a:pPr>
-            <a:r>
-              <a:rPr lang="en-US" sz="3200" b="1" i="1" dirty="0">
-                <a:solidFill>
-                  <a:srgbClr val="00B0F0"/>
-                </a:solidFill>
-                <a:latin typeface="Courier New" panose="02070309020205020404" pitchFamily="49" charset="0"/>
-                <a:cs typeface="Courier New" panose="02070309020205020404" pitchFamily="49" charset="0"/>
-              </a:rPr>
-              <a:t>exercises/</a:t>
-            </a:r>
-          </a:p>
-          <a:p>
-            <a:pPr marL="0" indent="0">
-              <a:buNone/>
-            </a:pPr>
-            <a:r>
-              <a:rPr lang="en-US" sz="3200" b="1" i="1" dirty="0">
-                <a:solidFill>
-                  <a:srgbClr val="00B0F0"/>
-                </a:solidFill>
-                <a:latin typeface="Courier New" panose="02070309020205020404" pitchFamily="49" charset="0"/>
-                <a:cs typeface="Courier New" panose="02070309020205020404" pitchFamily="49" charset="0"/>
-              </a:rPr>
-              <a:t>classes/person_classes/person_group.py</a:t>
-            </a:r>
-          </a:p>
-          <a:p>
-            <a:pPr marL="0" indent="0">
-              <a:buNone/>
-            </a:pPr>
-            <a:r>
-              <a:rPr lang="en-US" sz="3200" dirty="0"/>
-              <a:t>Generalizing previously mentioned friends_family</a:t>
-            </a:r>
-            <a:endParaRPr lang="en-US" sz="3200" b="1" i="1" dirty="0">
-              <a:solidFill>
-                <a:srgbClr val="00B0F0"/>
-              </a:solidFill>
-              <a:latin typeface="Courier New" panose="02070309020205020404" pitchFamily="49" charset="0"/>
-              <a:cs typeface="Courier New" panose="02070309020205020404" pitchFamily="49" charset="0"/>
-            </a:endParaRPr>
+            <a:r>
+              <a:rPr lang="en-US" sz="3600" dirty="0"/>
+              <a:t>When you write them</a:t>
+            </a:r>
+          </a:p>
+          <a:p>
+            <a:pPr lvl="1"/>
+            <a:r>
+              <a:rPr lang="en-US" sz="3400" dirty="0"/>
+              <a:t>Python calls them</a:t>
+            </a:r>
+          </a:p>
+          <a:p>
+            <a:r>
+              <a:rPr lang="en-US" sz="3600" b="1" dirty="0"/>
+              <a:t>__init__</a:t>
+            </a:r>
+            <a:r>
+              <a:rPr lang="en-US" sz="3600" dirty="0"/>
+              <a:t> - called when Python sees </a:t>
+            </a:r>
+            <a:r>
+              <a:rPr lang="en-US" sz="3600" i="1" dirty="0"/>
+              <a:t>ClassName</a:t>
+            </a:r>
+            <a:r>
+              <a:rPr lang="en-US" sz="3600" dirty="0"/>
+              <a:t>(…) to setup your object</a:t>
+            </a:r>
+          </a:p>
+          <a:p>
+            <a:r>
+              <a:rPr lang="en-US" sz="3600" b="1" dirty="0"/>
+              <a:t>__str__ </a:t>
+            </a:r>
+            <a:r>
+              <a:rPr lang="en-US" sz="3600" dirty="0"/>
+              <a:t>- called when your object is used as a string .e.g., print(</a:t>
+            </a:r>
+            <a:r>
+              <a:rPr lang="en-US" sz="3600" i="1" dirty="0"/>
+              <a:t>your_obj</a:t>
+            </a:r>
+            <a:r>
+              <a:rPr lang="en-US" sz="3600" dirty="0"/>
+              <a:t>)</a:t>
+            </a:r>
           </a:p>
         </p:txBody>
       </p:sp>
@@ -14816,7 +15220,7 @@
                 <a:tabLst/>
                 <a:defRPr/>
               </a:pPr>
-              <a:t>2/27/2022</a:t>
+              <a:t>7/13/2022</a:t>
             </a:fld>
             <a:endParaRPr kumimoji="0" lang="en-US" sz="900" b="0" i="0" u="none" strike="noStrike" kern="1200" cap="none" spc="0" normalizeH="0" baseline="0" noProof="0" dirty="0">
               <a:ln>
@@ -14989,7 +15393,7 @@
     </p:spTree>
     <p:extLst>
       <p:ext uri="{BB962C8B-B14F-4D97-AF65-F5344CB8AC3E}">
-        <p14:creationId xmlns:p14="http://schemas.microsoft.com/office/powerpoint/2010/main" val="239866005"/>
+        <p14:creationId xmlns:p14="http://schemas.microsoft.com/office/powerpoint/2010/main" val="1559433135"/>
       </p:ext>
     </p:extLst>
   </p:cSld>
@@ -15041,24 +15445,7 @@
           <a:p>
             <a:r>
               <a:rPr lang="en-US" dirty="0"/>
-              <a:t>Classes – Example </a:t>
-            </a:r>
-            <a:r>
-              <a:rPr lang="en-US" sz="2800" i="1" dirty="0">
-                <a:latin typeface="Courier New" panose="02070309020205020404" pitchFamily="49" charset="0"/>
-                <a:cs typeface="Courier New" panose="02070309020205020404" pitchFamily="49" charset="0"/>
-              </a:rPr>
-              <a:t>Class </a:t>
-            </a:r>
-            <a:r>
-              <a:rPr lang="en-US" sz="2800" b="1" i="1" dirty="0">
-                <a:solidFill>
-                  <a:srgbClr val="00B0F0"/>
-                </a:solidFill>
-                <a:latin typeface="Courier New" panose="02070309020205020404" pitchFamily="49" charset="0"/>
-                <a:cs typeface="Courier New" panose="02070309020205020404" pitchFamily="49" charset="0"/>
-              </a:rPr>
-              <a:t>PersonGroup</a:t>
+              <a:t>Classes – Definition Example</a:t>
             </a:r>
             <a:endParaRPr lang="en-US" sz="2800" dirty="0"/>
           </a:p>
@@ -15083,68 +15470,130 @@
         <p:spPr>
           <a:xfrm>
             <a:off x="677333" y="2160589"/>
-            <a:ext cx="9263621" cy="3880773"/>
+            <a:ext cx="9815965" cy="3880773"/>
           </a:xfrm>
         </p:spPr>
         <p:txBody>
           <a:bodyPr>
-            <a:normAutofit/>
+            <a:normAutofit fontScale="92500" lnSpcReduction="10000"/>
           </a:bodyPr>
           <a:lstStyle/>
           <a:p>
+            <a:pPr marL="0" indent="0">
+              <a:buNone/>
+            </a:pPr>
+            <a:r>
+              <a:rPr lang="en-US" sz="3600" dirty="0">
+                <a:solidFill>
+                  <a:schemeClr val="accent4"/>
+                </a:solidFill>
+                <a:latin typeface="Courier New" panose="02070309020205020404" pitchFamily="49" charset="0"/>
+                <a:cs typeface="Courier New" panose="02070309020205020404" pitchFamily="49" charset="0"/>
+              </a:rPr>
+              <a:t>class</a:t>
+            </a:r>
+            <a:r>
+              <a:rPr lang="en-US" sz="3600" dirty="0">
+                <a:latin typeface="Courier New" panose="02070309020205020404" pitchFamily="49" charset="0"/>
+                <a:cs typeface="Courier New" panose="02070309020205020404" pitchFamily="49" charset="0"/>
+              </a:rPr>
+              <a:t> Person:</a:t>
+            </a:r>
+          </a:p>
+          <a:p>
+            <a:pPr marL="400050" lvl="1" indent="0">
+              <a:buNone/>
+            </a:pPr>
+            <a:r>
+              <a:rPr lang="en-US" sz="3400" dirty="0">
+                <a:solidFill>
+                  <a:schemeClr val="accent4"/>
+                </a:solidFill>
+                <a:latin typeface="Courier New" panose="02070309020205020404" pitchFamily="49" charset="0"/>
+                <a:cs typeface="Courier New" panose="02070309020205020404" pitchFamily="49" charset="0"/>
+              </a:rPr>
+              <a:t>def</a:t>
+            </a:r>
+            <a:r>
+              <a:rPr lang="en-US" sz="3400" dirty="0">
+                <a:latin typeface="Courier New" panose="02070309020205020404" pitchFamily="49" charset="0"/>
+                <a:cs typeface="Courier New" panose="02070309020205020404" pitchFamily="49" charset="0"/>
+              </a:rPr>
+              <a:t> __init__(</a:t>
+            </a:r>
+            <a:r>
+              <a:rPr lang="en-US" sz="3400" b="1" dirty="0">
+                <a:latin typeface="Courier New" panose="02070309020205020404" pitchFamily="49" charset="0"/>
+                <a:cs typeface="Courier New" panose="02070309020205020404" pitchFamily="49" charset="0"/>
+              </a:rPr>
+              <a:t>self</a:t>
+            </a:r>
+            <a:r>
+              <a:rPr lang="en-US" sz="3400" dirty="0">
+                <a:latin typeface="Courier New" panose="02070309020205020404" pitchFamily="49" charset="0"/>
+                <a:cs typeface="Courier New" panose="02070309020205020404" pitchFamily="49" charset="0"/>
+              </a:rPr>
+              <a:t>,</a:t>
+            </a:r>
+          </a:p>
+          <a:p>
+            <a:pPr marL="400050" lvl="1" indent="0">
+              <a:buNone/>
+            </a:pPr>
+            <a:r>
+              <a:rPr lang="en-US" sz="3400" dirty="0">
+                <a:latin typeface="Courier New" panose="02070309020205020404" pitchFamily="49" charset="0"/>
+                <a:cs typeface="Courier New" panose="02070309020205020404" pitchFamily="49" charset="0"/>
+              </a:rPr>
+              <a:t>					name,</a:t>
+            </a:r>
+          </a:p>
+          <a:p>
+            <a:pPr marL="400050" lvl="1" indent="0">
+              <a:buNone/>
+            </a:pPr>
+            <a:r>
+              <a:rPr lang="en-US" sz="3400" dirty="0">
+                <a:latin typeface="Courier New" panose="02070309020205020404" pitchFamily="49" charset="0"/>
+                <a:cs typeface="Courier New" panose="02070309020205020404" pitchFamily="49" charset="0"/>
+              </a:rPr>
+              <a:t>					is_friend=False,</a:t>
+            </a:r>
+          </a:p>
+          <a:p>
+            <a:pPr marL="400050" lvl="1" indent="0">
+              <a:buNone/>
+            </a:pPr>
+            <a:r>
+              <a:rPr lang="en-US" sz="3400" dirty="0">
+                <a:latin typeface="Courier New" panose="02070309020205020404" pitchFamily="49" charset="0"/>
+                <a:cs typeface="Courier New" panose="02070309020205020404" pitchFamily="49" charset="0"/>
+              </a:rPr>
+              <a:t>					is_family=False,</a:t>
+            </a:r>
+          </a:p>
+          <a:p>
+            <a:pPr marL="400050" lvl="1" indent="0">
+              <a:buNone/>
+            </a:pPr>
+            <a:r>
+              <a:rPr lang="en-US" sz="3400" dirty="0">
+                <a:latin typeface="Courier New" panose="02070309020205020404" pitchFamily="49" charset="0"/>
+                <a:cs typeface="Courier New" panose="02070309020205020404" pitchFamily="49" charset="0"/>
+              </a:rPr>
+              <a:t>					address=None):</a:t>
+            </a:r>
+          </a:p>
+          <a:p>
+            <a:pPr marL="400050" lvl="1" indent="0">
+              <a:buNone/>
+            </a:pPr>
             <a:r>
               <a:rPr lang="en-US" sz="3400" i="1" dirty="0">
                 <a:latin typeface="Courier New" panose="02070309020205020404" pitchFamily="49" charset="0"/>
                 <a:cs typeface="Courier New" panose="02070309020205020404" pitchFamily="49" charset="0"/>
               </a:rPr>
-              <a:t>Class </a:t>
-            </a:r>
-            <a:r>
-              <a:rPr lang="en-US" sz="3400" b="1" i="1" dirty="0">
-                <a:solidFill>
-                  <a:srgbClr val="00B0F0"/>
-                </a:solidFill>
-                <a:latin typeface="Courier New" panose="02070309020205020404" pitchFamily="49" charset="0"/>
-                <a:cs typeface="Courier New" panose="02070309020205020404" pitchFamily="49" charset="0"/>
-              </a:rPr>
-              <a:t>PersonGroup</a:t>
-            </a:r>
-            <a:r>
-              <a:rPr lang="en-US" sz="3400" i="1" dirty="0">
-                <a:latin typeface="Courier New" panose="02070309020205020404" pitchFamily="49" charset="0"/>
-                <a:cs typeface="Courier New" panose="02070309020205020404" pitchFamily="49" charset="0"/>
-              </a:rPr>
-              <a:t>, in file person_group.py</a:t>
-            </a:r>
-          </a:p>
-          <a:p>
-            <a:pPr lvl="1"/>
-            <a:r>
-              <a:rPr lang="en-US" sz="3200" i="1" dirty="0">
-                <a:latin typeface="Courier New" panose="02070309020205020404" pitchFamily="49" charset="0"/>
-                <a:cs typeface="Courier New" panose="02070309020205020404" pitchFamily="49" charset="0"/>
-              </a:rPr>
-              <a:t>Group's information</a:t>
-            </a:r>
-          </a:p>
-          <a:p>
-            <a:pPr lvl="1"/>
-            <a:r>
-              <a:rPr lang="en-US" sz="3200" i="1" dirty="0">
-                <a:latin typeface="Courier New" panose="02070309020205020404" pitchFamily="49" charset="0"/>
-                <a:cs typeface="Courier New" panose="02070309020205020404" pitchFamily="49" charset="0"/>
-              </a:rPr>
-              <a:t>Group's setup / initialization</a:t>
-            </a:r>
-          </a:p>
-          <a:p>
-            <a:pPr lvl="1"/>
-            <a:r>
-              <a:rPr lang="en-US" sz="3200" i="1" dirty="0">
-                <a:latin typeface="Courier New" panose="02070309020205020404" pitchFamily="49" charset="0"/>
-                <a:cs typeface="Courier New" panose="02070309020205020404" pitchFamily="49" charset="0"/>
-              </a:rPr>
-              <a:t>Group's actions e.g. list, add, test for membership</a:t>
+              <a:t>		… setup person … </a:t>
             </a:r>
           </a:p>
         </p:txBody>
@@ -15221,7 +15670,7 @@
                 <a:tabLst/>
                 <a:defRPr/>
               </a:pPr>
-              <a:t>2/27/2022</a:t>
+              <a:t>7/13/2022</a:t>
             </a:fld>
             <a:endParaRPr kumimoji="0" lang="en-US" sz="900" b="0" i="0" u="none" strike="noStrike" kern="1200" cap="none" spc="0" normalizeH="0" baseline="0" noProof="0" dirty="0">
               <a:ln>
@@ -15394,7 +15843,7 @@
     </p:spTree>
     <p:extLst>
       <p:ext uri="{BB962C8B-B14F-4D97-AF65-F5344CB8AC3E}">
-        <p14:creationId xmlns:p14="http://schemas.microsoft.com/office/powerpoint/2010/main" val="106574174"/>
+        <p14:creationId xmlns:p14="http://schemas.microsoft.com/office/powerpoint/2010/main" val="1252384277"/>
       </p:ext>
     </p:extLst>
   </p:cSld>
@@ -15405,7 +15854,7 @@
 </file>
 
 <file path=ppt/slides/slide16.xml><?xml version="1.0" encoding="utf-8"?>
-<p:sld xmlns:a="http://schemas.openxmlformats.org/drawingml/2006/main" xmlns:r="http://schemas.openxmlformats.org/officeDocument/2006/relationships" xmlns:p="http://schemas.openxmlformats.org/presentationml/2006/main" showMasterSp="0">
+<p:sld xmlns:a="http://schemas.openxmlformats.org/drawingml/2006/main" xmlns:r="http://schemas.openxmlformats.org/officeDocument/2006/relationships" xmlns:p="http://schemas.openxmlformats.org/presentationml/2006/main">
   <p:cSld>
     <p:spTree>
       <p:nvGrpSpPr>
@@ -15439,37 +15888,39 @@
         </p:nvSpPr>
         <p:spPr>
           <a:xfrm>
-            <a:off x="677334" y="573024"/>
-            <a:ext cx="10222314" cy="1320800"/>
+            <a:off x="677334" y="609600"/>
+            <a:ext cx="8596668" cy="776438"/>
           </a:xfrm>
         </p:spPr>
         <p:txBody>
           <a:bodyPr>
-            <a:normAutofit/>
+            <a:normAutofit fontScale="90000"/>
           </a:bodyPr>
           <a:lstStyle/>
           <a:p>
             <a:r>
               <a:rPr lang="en-US" dirty="0"/>
-              <a:t>Classes – Example </a:t>
-            </a:r>
-            <a:r>
-              <a:rPr lang="en-US" sz="3600" i="1" dirty="0">
-                <a:latin typeface="Courier New" panose="02070309020205020404" pitchFamily="49" charset="0"/>
-                <a:cs typeface="Courier New" panose="02070309020205020404" pitchFamily="49" charset="0"/>
-              </a:rPr>
-              <a:t>Class </a:t>
-            </a:r>
-            <a:r>
-              <a:rPr lang="en-US" sz="3600" b="1" i="1" dirty="0">
+              <a:t>Classes – </a:t>
+            </a:r>
+            <a:r>
+              <a:rPr lang="en-US" sz="2800" dirty="0"/>
+              <a:t>Example: </a:t>
+            </a:r>
+            <a:r>
+              <a:rPr lang="en-US" sz="2800" b="1" dirty="0">
                 <a:solidFill>
                   <a:srgbClr val="00B0F0"/>
                 </a:solidFill>
-                <a:latin typeface="Courier New" panose="02070309020205020404" pitchFamily="49" charset="0"/>
-                <a:cs typeface="Courier New" panose="02070309020205020404" pitchFamily="49" charset="0"/>
-              </a:rPr>
-              <a:t>PersonGroup</a:t>
-            </a:r>
+              </a:rPr>
+              <a:t>Person</a:t>
+            </a:r>
+            <a:br>
+              <a:rPr lang="en-US" dirty="0">
+                <a:solidFill>
+                  <a:srgbClr val="00B0F0"/>
+                </a:solidFill>
+              </a:rPr>
+            </a:br>
             <a:endParaRPr lang="en-US" sz="2800" dirty="0"/>
           </a:p>
         </p:txBody>
@@ -15492,13 +15943,13 @@
         </p:nvSpPr>
         <p:spPr>
           <a:xfrm>
-            <a:off x="677333" y="2160589"/>
-            <a:ext cx="9263621" cy="3880773"/>
+            <a:off x="677333" y="1386039"/>
+            <a:ext cx="9815965" cy="4655324"/>
           </a:xfrm>
         </p:spPr>
         <p:txBody>
           <a:bodyPr>
-            <a:normAutofit/>
+            <a:normAutofit fontScale="92500" lnSpcReduction="20000"/>
           </a:bodyPr>
           <a:lstStyle/>
           <a:p>
@@ -15506,17 +15957,125 @@
               <a:buNone/>
             </a:pPr>
             <a:r>
-              <a:rPr lang="en-US" sz="3200" b="1" i="1" dirty="0">
-                <a:solidFill>
-                  <a:srgbClr val="00B0F0"/>
-                </a:solidFill>
+              <a:rPr lang="en-US" sz="3500" b="1" i="1" dirty="0">
                 <a:latin typeface="Courier New" panose="02070309020205020404" pitchFamily="49" charset="0"/>
                 <a:cs typeface="Courier New" panose="02070309020205020404" pitchFamily="49" charset="0"/>
               </a:rPr>
-              <a:t>exercises/person_classes/person_group.py</a:t>
-            </a:r>
-          </a:p>
-          <a:p>
+              <a:t>class</a:t>
+            </a:r>
+            <a:r>
+              <a:rPr lang="en-US" sz="3500" i="1" dirty="0">
+                <a:latin typeface="Courier New" panose="02070309020205020404" pitchFamily="49" charset="0"/>
+                <a:cs typeface="Courier New" panose="02070309020205020404" pitchFamily="49" charset="0"/>
+              </a:rPr>
+              <a:t> </a:t>
+            </a:r>
+            <a:r>
+              <a:rPr lang="en-US" sz="3500" dirty="0">
+                <a:solidFill>
+                  <a:schemeClr val="tx1"/>
+                </a:solidFill>
+                <a:latin typeface="Courier New" panose="02070309020205020404" pitchFamily="49" charset="0"/>
+                <a:cs typeface="Courier New" panose="02070309020205020404" pitchFamily="49" charset="0"/>
+              </a:rPr>
+              <a:t>Person</a:t>
+            </a:r>
+          </a:p>
+          <a:p>
+            <a:pPr lvl="1"/>
+            <a:r>
+              <a:rPr lang="en-US" sz="3500" i="1" dirty="0">
+                <a:latin typeface="Courier New" panose="02070309020205020404" pitchFamily="49" charset="0"/>
+                <a:cs typeface="Courier New" panose="02070309020205020404" pitchFamily="49" charset="0"/>
+              </a:rPr>
+              <a:t>Person's information</a:t>
+            </a:r>
+          </a:p>
+          <a:p>
+            <a:pPr lvl="1"/>
+            <a:r>
+              <a:rPr lang="en-US" sz="3500" i="1" dirty="0">
+                <a:latin typeface="Courier New" panose="02070309020205020404" pitchFamily="49" charset="0"/>
+                <a:cs typeface="Courier New" panose="02070309020205020404" pitchFamily="49" charset="0"/>
+              </a:rPr>
+              <a:t>Person's setup / initialization</a:t>
+            </a:r>
+          </a:p>
+          <a:p>
+            <a:pPr lvl="1"/>
+            <a:r>
+              <a:rPr lang="en-US" sz="3500" i="1" dirty="0">
+                <a:latin typeface="Courier New" panose="02070309020205020404" pitchFamily="49" charset="0"/>
+                <a:cs typeface="Courier New" panose="02070309020205020404" pitchFamily="49" charset="0"/>
+              </a:rPr>
+              <a:t>Person's actions</a:t>
+            </a:r>
+          </a:p>
+          <a:p>
+            <a:pPr marL="0" indent="0">
+              <a:buNone/>
+            </a:pPr>
+            <a:endParaRPr lang="en-US" sz="3500" b="1" i="1" dirty="0">
+              <a:solidFill>
+                <a:srgbClr val="00B0F0"/>
+              </a:solidFill>
+              <a:latin typeface="Courier New" panose="02070309020205020404" pitchFamily="49" charset="0"/>
+              <a:cs typeface="Courier New" panose="02070309020205020404" pitchFamily="49" charset="0"/>
+            </a:endParaRPr>
+          </a:p>
+          <a:p>
+            <a:pPr marL="0" indent="0">
+              <a:buNone/>
+            </a:pPr>
+            <a:r>
+              <a:rPr lang="en-US" sz="3500" b="1" i="1" dirty="0">
+                <a:solidFill>
+                  <a:srgbClr val="00B0F0"/>
+                </a:solidFill>
+                <a:latin typeface="Courier New" panose="02070309020205020404" pitchFamily="49" charset="0"/>
+                <a:cs typeface="Courier New" panose="02070309020205020404" pitchFamily="49" charset="0"/>
+              </a:rPr>
+              <a:t>exercises/   classes/person_classes/person_1.py</a:t>
+            </a:r>
+          </a:p>
+          <a:p>
+            <a:pPr marL="0" indent="0">
+              <a:buNone/>
+            </a:pPr>
+            <a:r>
+              <a:rPr lang="en-US" sz="3500" i="1" dirty="0">
+                <a:latin typeface="Courier New" panose="02070309020205020404" pitchFamily="49" charset="0"/>
+                <a:cs typeface="Courier New" panose="02070309020205020404" pitchFamily="49" charset="0"/>
+              </a:rPr>
+              <a:t>					</a:t>
+            </a:r>
+            <a:r>
+              <a:rPr lang="en-US" sz="3500" b="1" i="1" dirty="0">
+                <a:solidFill>
+                  <a:srgbClr val="00B0F0"/>
+                </a:solidFill>
+                <a:latin typeface="Courier New" panose="02070309020205020404" pitchFamily="49" charset="0"/>
+                <a:cs typeface="Courier New" panose="02070309020205020404" pitchFamily="49" charset="0"/>
+              </a:rPr>
+              <a:t>person_2.py, person.py</a:t>
+            </a:r>
+          </a:p>
+          <a:p>
+            <a:pPr marL="0" indent="0">
+              <a:buNone/>
+            </a:pPr>
+            <a:r>
+              <a:rPr lang="en-US" sz="3400" i="1" dirty="0">
+                <a:latin typeface="Courier New" panose="02070309020205020404" pitchFamily="49" charset="0"/>
+                <a:cs typeface="Courier New" panose="02070309020205020404" pitchFamily="49" charset="0"/>
+              </a:rPr>
+              <a:t>	</a:t>
+            </a:r>
+          </a:p>
+          <a:p>
+            <a:pPr marL="457200" lvl="1" indent="0">
+              <a:buNone/>
+            </a:pPr>
             <a:endParaRPr lang="en-US" sz="3200" i="1" dirty="0">
               <a:latin typeface="Courier New" panose="02070309020205020404" pitchFamily="49" charset="0"/>
               <a:cs typeface="Courier New" panose="02070309020205020404" pitchFamily="49" charset="0"/>
@@ -15596,7 +16155,7 @@
                 <a:tabLst/>
                 <a:defRPr/>
               </a:pPr>
-              <a:t>2/27/2022</a:t>
+              <a:t>7/13/2022</a:t>
             </a:fld>
             <a:endParaRPr kumimoji="0" lang="en-US" sz="900" b="0" i="0" u="none" strike="noStrike" kern="1200" cap="none" spc="0" normalizeH="0" baseline="0" noProof="0" dirty="0">
               <a:ln>
@@ -15769,7 +16328,7 @@
     </p:spTree>
     <p:extLst>
       <p:ext uri="{BB962C8B-B14F-4D97-AF65-F5344CB8AC3E}">
-        <p14:creationId xmlns:p14="http://schemas.microsoft.com/office/powerpoint/2010/main" val="812325861"/>
+        <p14:creationId xmlns:p14="http://schemas.microsoft.com/office/powerpoint/2010/main" val="4241878085"/>
       </p:ext>
     </p:extLst>
   </p:cSld>
@@ -15812,15 +16371,10 @@
             <p:ph type="title"/>
           </p:nvPr>
         </p:nvSpPr>
-        <p:spPr>
-          <a:xfrm>
-            <a:off x="677334" y="609600"/>
-            <a:ext cx="8596668" cy="776438"/>
-          </a:xfrm>
-        </p:spPr>
+        <p:spPr/>
         <p:txBody>
           <a:bodyPr>
-            <a:normAutofit fontScale="90000"/>
+            <a:normAutofit/>
           </a:bodyPr>
           <a:lstStyle/>
           <a:p>
@@ -15838,7 +16392,7 @@
                   <a:srgbClr val="00B0F0"/>
                 </a:solidFill>
               </a:rPr>
-              <a:t>Ball2d</a:t>
+              <a:t>PersonGroup</a:t>
             </a:r>
             <a:br>
               <a:rPr lang="en-US" dirty="0">
@@ -15869,8 +16423,8 @@
         </p:nvSpPr>
         <p:spPr>
           <a:xfrm>
-            <a:off x="677333" y="1386039"/>
-            <a:ext cx="11013924" cy="4655324"/>
+            <a:off x="677333" y="2160589"/>
+            <a:ext cx="9815965" cy="3880773"/>
           </a:xfrm>
         </p:spPr>
         <p:txBody>
@@ -15883,14 +16437,14 @@
               <a:buNone/>
             </a:pPr>
             <a:r>
-              <a:rPr lang="en-US" sz="3400" i="1" dirty="0">
-                <a:solidFill>
-                  <a:srgbClr val="0070C0"/>
+              <a:rPr lang="en-US" sz="3200" b="1" i="1" dirty="0">
+                <a:solidFill>
+                  <a:srgbClr val="00B0F0"/>
                 </a:solidFill>
                 <a:latin typeface="Courier New" panose="02070309020205020404" pitchFamily="49" charset="0"/>
                 <a:cs typeface="Courier New" panose="02070309020205020404" pitchFamily="49" charset="0"/>
               </a:rPr>
-              <a:t>exercises/classes/ball_classes/ball2d.py</a:t>
+              <a:t>exercises/</a:t>
             </a:r>
           </a:p>
           <a:p>
@@ -15898,58 +16452,14 @@
               <a:buNone/>
             </a:pPr>
             <a:r>
-              <a:rPr lang="en-US" sz="3400" b="1" i="1" dirty="0">
+              <a:rPr lang="en-US" sz="3200" b="1" i="1" dirty="0">
+                <a:solidFill>
+                  <a:srgbClr val="00B0F0"/>
+                </a:solidFill>
                 <a:latin typeface="Courier New" panose="02070309020205020404" pitchFamily="49" charset="0"/>
                 <a:cs typeface="Courier New" panose="02070309020205020404" pitchFamily="49" charset="0"/>
               </a:rPr>
-              <a:t>class</a:t>
-            </a:r>
-            <a:r>
-              <a:rPr lang="en-US" sz="3400" i="1" dirty="0">
-                <a:latin typeface="Courier New" panose="02070309020205020404" pitchFamily="49" charset="0"/>
-                <a:cs typeface="Courier New" panose="02070309020205020404" pitchFamily="49" charset="0"/>
-              </a:rPr>
-              <a:t> </a:t>
-            </a:r>
-            <a:r>
-              <a:rPr lang="en-US" sz="3400" i="1" dirty="0">
-                <a:solidFill>
-                  <a:srgbClr val="00B0F0"/>
-                </a:solidFill>
-                <a:latin typeface="Courier New" panose="02070309020205020404" pitchFamily="49" charset="0"/>
-                <a:cs typeface="Courier New" panose="02070309020205020404" pitchFamily="49" charset="0"/>
-              </a:rPr>
-              <a:t>Ball2d</a:t>
-            </a:r>
-          </a:p>
-          <a:p>
-            <a:pPr lvl="1"/>
-            <a:r>
-              <a:rPr lang="en-US" sz="3200" i="1" dirty="0">
-                <a:latin typeface="Courier New" panose="02070309020205020404" pitchFamily="49" charset="0"/>
-                <a:cs typeface="Courier New" panose="02070309020205020404" pitchFamily="49" charset="0"/>
-              </a:rPr>
-              <a:t>ball's information: size, color, position, velocity</a:t>
-            </a:r>
-          </a:p>
-          <a:p>
-            <a:pPr lvl="1"/>
-            <a:r>
-              <a:rPr lang="en-US" sz="3200" i="1" dirty="0">
-                <a:latin typeface="Courier New" panose="02070309020205020404" pitchFamily="49" charset="0"/>
-                <a:cs typeface="Courier New" panose="02070309020205020404" pitchFamily="49" charset="0"/>
-              </a:rPr>
-              <a:t>ball's setup size, color, …</a:t>
-            </a:r>
-          </a:p>
-          <a:p>
-            <a:pPr lvl="1"/>
-            <a:r>
-              <a:rPr lang="en-US" sz="3200" i="1" dirty="0">
-                <a:latin typeface="Courier New" panose="02070309020205020404" pitchFamily="49" charset="0"/>
-                <a:cs typeface="Courier New" panose="02070309020205020404" pitchFamily="49" charset="0"/>
-              </a:rPr>
-              <a:t>ball's actions: move, bounce, …</a:t>
+              <a:t>classes/person_classes/person_group.py</a:t>
             </a:r>
           </a:p>
         </p:txBody>
@@ -16026,7 +16536,7 @@
                 <a:tabLst/>
                 <a:defRPr/>
               </a:pPr>
-              <a:t>2/27/2022</a:t>
+              <a:t>7/13/2022</a:t>
             </a:fld>
             <a:endParaRPr kumimoji="0" lang="en-US" sz="900" b="0" i="0" u="none" strike="noStrike" kern="1200" cap="none" spc="0" normalizeH="0" baseline="0" noProof="0" dirty="0">
               <a:ln>
@@ -16199,7 +16709,7 @@
     </p:spTree>
     <p:extLst>
       <p:ext uri="{BB962C8B-B14F-4D97-AF65-F5344CB8AC3E}">
-        <p14:creationId xmlns:p14="http://schemas.microsoft.com/office/powerpoint/2010/main" val="2561158165"/>
+        <p14:creationId xmlns:p14="http://schemas.microsoft.com/office/powerpoint/2010/main" val="239866005"/>
       </p:ext>
     </p:extLst>
   </p:cSld>
@@ -16212,19 +16722,6 @@
 <file path=ppt/slides/slide18.xml><?xml version="1.0" encoding="utf-8"?>
 <p:sld xmlns:a="http://schemas.openxmlformats.org/drawingml/2006/main" xmlns:r="http://schemas.openxmlformats.org/officeDocument/2006/relationships" xmlns:p="http://schemas.openxmlformats.org/presentationml/2006/main">
   <p:cSld>
-    <p:bg>
-      <p:bgPr>
-        <a:pattFill prst="smConfetti">
-          <a:fgClr>
-            <a:schemeClr val="accent1"/>
-          </a:fgClr>
-          <a:bgClr>
-            <a:schemeClr val="bg1"/>
-          </a:bgClr>
-        </a:pattFill>
-        <a:effectLst/>
-      </p:bgPr>
-    </p:bg>
     <p:spTree>
       <p:nvGrpSpPr>
         <p:cNvPr id="1" name=""/>
@@ -16255,7 +16752,12 @@
             <p:ph type="title"/>
           </p:nvPr>
         </p:nvSpPr>
-        <p:spPr/>
+        <p:spPr>
+          <a:xfrm>
+            <a:off x="677334" y="609600"/>
+            <a:ext cx="8596668" cy="739140"/>
+          </a:xfrm>
+        </p:spPr>
         <p:txBody>
           <a:bodyPr>
             <a:normAutofit/>
@@ -16264,7 +16766,24 @@
           <a:p>
             <a:r>
               <a:rPr lang="en-US" dirty="0"/>
-              <a:t>Classes – Exercise – Add to class</a:t>
+              <a:t>Classes – Example </a:t>
+            </a:r>
+            <a:r>
+              <a:rPr lang="en-US" sz="2800" i="1" dirty="0">
+                <a:latin typeface="Courier New" panose="02070309020205020404" pitchFamily="49" charset="0"/>
+                <a:cs typeface="Courier New" panose="02070309020205020404" pitchFamily="49" charset="0"/>
+              </a:rPr>
+              <a:t>Class </a:t>
+            </a:r>
+            <a:r>
+              <a:rPr lang="en-US" sz="2800" b="1" i="1" dirty="0">
+                <a:solidFill>
+                  <a:srgbClr val="00B0F0"/>
+                </a:solidFill>
+                <a:latin typeface="Courier New" panose="02070309020205020404" pitchFamily="49" charset="0"/>
+                <a:cs typeface="Courier New" panose="02070309020205020404" pitchFamily="49" charset="0"/>
+              </a:rPr>
+              <a:t>PersonGroup</a:t>
             </a:r>
             <a:endParaRPr lang="en-US" sz="2800" dirty="0"/>
           </a:p>
@@ -16288,13 +16807,13 @@
         </p:nvSpPr>
         <p:spPr>
           <a:xfrm>
-            <a:off x="677333" y="2160589"/>
-            <a:ext cx="9263621" cy="3880773"/>
+            <a:off x="677333" y="1543051"/>
+            <a:ext cx="9263621" cy="4498312"/>
           </a:xfrm>
         </p:spPr>
         <p:txBody>
           <a:bodyPr>
-            <a:normAutofit/>
+            <a:normAutofit lnSpcReduction="10000"/>
           </a:bodyPr>
           <a:lstStyle/>
           <a:p>
@@ -16303,8 +16822,14 @@
                 <a:latin typeface="Courier New" panose="02070309020205020404" pitchFamily="49" charset="0"/>
                 <a:cs typeface="Courier New" panose="02070309020205020404" pitchFamily="49" charset="0"/>
               </a:rPr>
-              <a:t>Make a new class Ball2dN</a:t>
-            </a:r>
+              <a:t>Generalizing friends_family</a:t>
+            </a:r>
+          </a:p>
+          <a:p>
+            <a:endParaRPr lang="en-US" sz="3400" i="1" dirty="0">
+              <a:latin typeface="Courier New" panose="02070309020205020404" pitchFamily="49" charset="0"/>
+              <a:cs typeface="Courier New" panose="02070309020205020404" pitchFamily="49" charset="0"/>
+            </a:endParaRPr>
           </a:p>
           <a:p>
             <a:r>
@@ -16312,62 +16837,55 @@
                 <a:latin typeface="Courier New" panose="02070309020205020404" pitchFamily="49" charset="0"/>
                 <a:cs typeface="Courier New" panose="02070309020205020404" pitchFamily="49" charset="0"/>
               </a:rPr>
-              <a:t>Same as Ball2d but ball has a number</a:t>
-            </a:r>
-          </a:p>
-          <a:p>
+              <a:t>Class </a:t>
+            </a:r>
+            <a:r>
+              <a:rPr lang="en-US" sz="3400" b="1" i="1" dirty="0">
+                <a:solidFill>
+                  <a:srgbClr val="00B0F0"/>
+                </a:solidFill>
+                <a:latin typeface="Courier New" panose="02070309020205020404" pitchFamily="49" charset="0"/>
+                <a:cs typeface="Courier New" panose="02070309020205020404" pitchFamily="49" charset="0"/>
+              </a:rPr>
+              <a:t>PersonGroup</a:t>
+            </a:r>
             <a:r>
               <a:rPr lang="en-US" sz="3400" i="1" dirty="0">
                 <a:latin typeface="Courier New" panose="02070309020205020404" pitchFamily="49" charset="0"/>
                 <a:cs typeface="Courier New" panose="02070309020205020404" pitchFamily="49" charset="0"/>
               </a:rPr>
-              <a:t>New file ball_2d_n.py</a:t>
-            </a:r>
-          </a:p>
-          <a:p>
-            <a:r>
-              <a:rPr lang="en-US" sz="3400" i="1" dirty="0">
+              <a:t>, in file person_group.py</a:t>
+            </a:r>
+          </a:p>
+          <a:p>
+            <a:pPr lvl="1"/>
+            <a:r>
+              <a:rPr lang="en-US" sz="3200" i="1" dirty="0">
                 <a:latin typeface="Courier New" panose="02070309020205020404" pitchFamily="49" charset="0"/>
                 <a:cs typeface="Courier New" panose="02070309020205020404" pitchFamily="49" charset="0"/>
               </a:rPr>
-              <a:t>Start with ball_2d.py </a:t>
-            </a:r>
-            <a:r>
-              <a:rPr lang="en-US" sz="3400" i="1" dirty="0">
+              <a:t>Group's information</a:t>
+            </a:r>
+          </a:p>
+          <a:p>
+            <a:pPr lvl="1"/>
+            <a:r>
+              <a:rPr lang="en-US" sz="3200" i="1" dirty="0">
                 <a:latin typeface="Courier New" panose="02070309020205020404" pitchFamily="49" charset="0"/>
                 <a:cs typeface="Courier New" panose="02070309020205020404" pitchFamily="49" charset="0"/>
-                <a:sym typeface="Wingdings" panose="05000000000000000000" pitchFamily="2" charset="2"/>
-              </a:rPr>
-              <a:t> </a:t>
-            </a:r>
-            <a:r>
-              <a:rPr lang="en-US" sz="3400" i="1" dirty="0" err="1">
+              </a:rPr>
+              <a:t>Group's setup / initialization</a:t>
+            </a:r>
+          </a:p>
+          <a:p>
+            <a:pPr lvl="1"/>
+            <a:r>
+              <a:rPr lang="en-US" sz="3200" i="1" dirty="0">
                 <a:latin typeface="Courier New" panose="02070309020205020404" pitchFamily="49" charset="0"/>
                 <a:cs typeface="Courier New" panose="02070309020205020404" pitchFamily="49" charset="0"/>
-                <a:sym typeface="Wingdings" panose="05000000000000000000" pitchFamily="2" charset="2"/>
-              </a:rPr>
-              <a:t>SaveAs</a:t>
-            </a:r>
-            <a:r>
-              <a:rPr lang="en-US" sz="3400" i="1" dirty="0">
-                <a:latin typeface="Courier New" panose="02070309020205020404" pitchFamily="49" charset="0"/>
-                <a:cs typeface="Courier New" panose="02070309020205020404" pitchFamily="49" charset="0"/>
-                <a:sym typeface="Wingdings" panose="05000000000000000000" pitchFamily="2" charset="2"/>
-              </a:rPr>
-              <a:t> </a:t>
-            </a:r>
-            <a:r>
-              <a:rPr lang="en-US" sz="3400" b="1" i="1" dirty="0">
-                <a:latin typeface="Courier New" panose="02070309020205020404" pitchFamily="49" charset="0"/>
-                <a:cs typeface="Courier New" panose="02070309020205020404" pitchFamily="49" charset="0"/>
-                <a:sym typeface="Wingdings" panose="05000000000000000000" pitchFamily="2" charset="2"/>
-              </a:rPr>
-              <a:t>ball_2d_n.py</a:t>
-            </a:r>
-            <a:endParaRPr lang="en-US" sz="3200" b="1" i="1" dirty="0">
-              <a:latin typeface="Courier New" panose="02070309020205020404" pitchFamily="49" charset="0"/>
-              <a:cs typeface="Courier New" panose="02070309020205020404" pitchFamily="49" charset="0"/>
-            </a:endParaRPr>
+              </a:rPr>
+              <a:t>Group's actions e.g. list, add, test for membership</a:t>
+            </a:r>
           </a:p>
         </p:txBody>
       </p:sp>
@@ -16443,7 +16961,7 @@
                 <a:tabLst/>
                 <a:defRPr/>
               </a:pPr>
-              <a:t>2/27/2022</a:t>
+              <a:t>7/13/2022</a:t>
             </a:fld>
             <a:endParaRPr kumimoji="0" lang="en-US" sz="900" b="0" i="0" u="none" strike="noStrike" kern="1200" cap="none" spc="0" normalizeH="0" baseline="0" noProof="0" dirty="0">
               <a:ln>
@@ -16616,7 +17134,7 @@
     </p:spTree>
     <p:extLst>
       <p:ext uri="{BB962C8B-B14F-4D97-AF65-F5344CB8AC3E}">
-        <p14:creationId xmlns:p14="http://schemas.microsoft.com/office/powerpoint/2010/main" val="4038173884"/>
+        <p14:creationId xmlns:p14="http://schemas.microsoft.com/office/powerpoint/2010/main" val="106574174"/>
       </p:ext>
     </p:extLst>
   </p:cSld>
@@ -16627,7 +17145,7 @@
 </file>
 
 <file path=ppt/slides/slide19.xml><?xml version="1.0" encoding="utf-8"?>
-<p:sld xmlns:a="http://schemas.openxmlformats.org/drawingml/2006/main" xmlns:r="http://schemas.openxmlformats.org/officeDocument/2006/relationships" xmlns:p="http://schemas.openxmlformats.org/presentationml/2006/main">
+<p:sld xmlns:a="http://schemas.openxmlformats.org/drawingml/2006/main" xmlns:r="http://schemas.openxmlformats.org/officeDocument/2006/relationships" xmlns:p="http://schemas.openxmlformats.org/presentationml/2006/main" showMasterSp="0">
   <p:cSld>
     <p:spTree>
       <p:nvGrpSpPr>
@@ -16661,8 +17179,8 @@
         </p:nvSpPr>
         <p:spPr>
           <a:xfrm>
-            <a:off x="677334" y="609600"/>
-            <a:ext cx="8596668" cy="776438"/>
+            <a:off x="677334" y="573024"/>
+            <a:ext cx="10222314" cy="1320800"/>
           </a:xfrm>
         </p:spPr>
         <p:txBody>
@@ -16673,12 +17191,26 @@
           <a:p>
             <a:r>
               <a:rPr lang="en-US" dirty="0"/>
-              <a:t>Classes – </a:t>
-            </a:r>
-            <a:r>
-              <a:rPr lang="en-US" sz="2800" dirty="0"/>
-              <a:t>Ball2dTable</a:t>
-            </a:r>
+              <a:t>Classes – Example </a:t>
+            </a:r>
+            <a:r>
+              <a:rPr lang="en-US" sz="3600" i="1" dirty="0">
+                <a:latin typeface="Courier New" panose="02070309020205020404" pitchFamily="49" charset="0"/>
+                <a:cs typeface="Courier New" panose="02070309020205020404" pitchFamily="49" charset="0"/>
+              </a:rPr>
+              <a:t>Class </a:t>
+            </a:r>
+            <a:r>
+              <a:rPr lang="en-US" sz="3600" b="1" i="1" dirty="0">
+                <a:solidFill>
+                  <a:srgbClr val="00B0F0"/>
+                </a:solidFill>
+                <a:latin typeface="Courier New" panose="02070309020205020404" pitchFamily="49" charset="0"/>
+                <a:cs typeface="Courier New" panose="02070309020205020404" pitchFamily="49" charset="0"/>
+              </a:rPr>
+              <a:t>PersonGroup</a:t>
+            </a:r>
+            <a:endParaRPr lang="en-US" sz="2800" dirty="0"/>
           </a:p>
         </p:txBody>
       </p:sp>
@@ -16700,8 +17232,8 @@
         </p:nvSpPr>
         <p:spPr>
           <a:xfrm>
-            <a:off x="677333" y="1386039"/>
-            <a:ext cx="9361189" cy="4655324"/>
+            <a:off x="677333" y="2160589"/>
+            <a:ext cx="9263621" cy="3880773"/>
           </a:xfrm>
         </p:spPr>
         <p:txBody>
@@ -16710,65 +17242,21 @@
           </a:bodyPr>
           <a:lstStyle/>
           <a:p>
-            <a:r>
-              <a:rPr lang="en-US" sz="3200" i="1" dirty="0">
+            <a:pPr marL="0" indent="0">
+              <a:buNone/>
+            </a:pPr>
+            <a:r>
+              <a:rPr lang="en-US" sz="3200" b="1" i="1" dirty="0">
+                <a:solidFill>
+                  <a:srgbClr val="00B0F0"/>
+                </a:solidFill>
                 <a:latin typeface="Courier New" panose="02070309020205020404" pitchFamily="49" charset="0"/>
                 <a:cs typeface="Courier New" panose="02070309020205020404" pitchFamily="49" charset="0"/>
               </a:rPr>
-              <a:t>How would we extend our "ball world" to create a "billiard table" ?</a:t>
-            </a:r>
-          </a:p>
-          <a:p>
-            <a:pPr lvl="1"/>
-            <a:r>
-              <a:rPr lang="en-US" sz="3000" i="1" dirty="0">
-                <a:latin typeface="Courier New" panose="02070309020205020404" pitchFamily="49" charset="0"/>
-                <a:cs typeface="Courier New" panose="02070309020205020404" pitchFamily="49" charset="0"/>
-              </a:rPr>
-              <a:t>Ball2dTable features / attributes</a:t>
-            </a:r>
-          </a:p>
-          <a:p>
-            <a:pPr lvl="2"/>
-            <a:r>
-              <a:rPr lang="en-US" sz="2800" i="1" dirty="0">
-                <a:latin typeface="Courier New" panose="02070309020205020404" pitchFamily="49" charset="0"/>
-                <a:cs typeface="Courier New" panose="02070309020205020404" pitchFamily="49" charset="0"/>
-              </a:rPr>
-              <a:t>width, length, balls (on table) </a:t>
-            </a:r>
-          </a:p>
-          <a:p>
-            <a:pPr lvl="1"/>
-            <a:r>
-              <a:rPr lang="en-US" sz="3000" i="1" dirty="0">
-                <a:latin typeface="Courier New" panose="02070309020205020404" pitchFamily="49" charset="0"/>
-                <a:cs typeface="Courier New" panose="02070309020205020404" pitchFamily="49" charset="0"/>
-              </a:rPr>
-              <a:t>Ball2D features / attributes</a:t>
-            </a:r>
-          </a:p>
-          <a:p>
-            <a:pPr lvl="2"/>
-            <a:r>
-              <a:rPr lang="en-US" sz="2800" i="1" dirty="0">
-                <a:latin typeface="Courier New" panose="02070309020205020404" pitchFamily="49" charset="0"/>
-                <a:cs typeface="Courier New" panose="02070309020205020404" pitchFamily="49" charset="0"/>
-              </a:rPr>
-              <a:t>Collision with table edge, another ball</a:t>
-            </a:r>
-          </a:p>
-          <a:p>
-            <a:pPr lvl="2"/>
-            <a:endParaRPr lang="en-US" sz="2800" i="1" dirty="0">
-              <a:latin typeface="Courier New" panose="02070309020205020404" pitchFamily="49" charset="0"/>
-              <a:cs typeface="Courier New" panose="02070309020205020404" pitchFamily="49" charset="0"/>
-            </a:endParaRPr>
-          </a:p>
-          <a:p>
-            <a:pPr marL="0" indent="0">
-              <a:buNone/>
-            </a:pPr>
+              <a:t>exercises/person_classes/person_group.py</a:t>
+            </a:r>
+          </a:p>
+          <a:p>
             <a:endParaRPr lang="en-US" sz="3200" i="1" dirty="0">
               <a:latin typeface="Courier New" panose="02070309020205020404" pitchFamily="49" charset="0"/>
               <a:cs typeface="Courier New" panose="02070309020205020404" pitchFamily="49" charset="0"/>
@@ -16848,7 +17336,7 @@
                 <a:tabLst/>
                 <a:defRPr/>
               </a:pPr>
-              <a:t>2/27/2022</a:t>
+              <a:t>7/13/2022</a:t>
             </a:fld>
             <a:endParaRPr kumimoji="0" lang="en-US" sz="900" b="0" i="0" u="none" strike="noStrike" kern="1200" cap="none" spc="0" normalizeH="0" baseline="0" noProof="0" dirty="0">
               <a:ln>
@@ -17021,7 +17509,7 @@
     </p:spTree>
     <p:extLst>
       <p:ext uri="{BB962C8B-B14F-4D97-AF65-F5344CB8AC3E}">
-        <p14:creationId xmlns:p14="http://schemas.microsoft.com/office/powerpoint/2010/main" val="237766102"/>
+        <p14:creationId xmlns:p14="http://schemas.microsoft.com/office/powerpoint/2010/main" val="812325861"/>
       </p:ext>
     </p:extLst>
   </p:cSld>
@@ -17108,40 +17596,40 @@
           <a:lstStyle/>
           <a:p>
             <a:r>
-              <a:rPr lang="en-US" sz="3600" dirty="0"/>
-              <a:t>Functions: group actions performed as a unit</a:t>
-            </a:r>
-          </a:p>
-          <a:p>
-            <a:r>
-              <a:rPr lang="en-US" sz="3600" dirty="0"/>
-              <a:t>Classes: group </a:t>
-            </a:r>
-            <a:r>
-              <a:rPr lang="en-US" sz="3600" b="1" dirty="0"/>
-              <a:t>data</a:t>
-            </a:r>
-            <a:r>
-              <a:rPr lang="en-US" sz="3600" dirty="0"/>
-              <a:t> and </a:t>
-            </a:r>
-            <a:r>
-              <a:rPr lang="en-US" sz="3600" b="1" dirty="0"/>
-              <a:t>function</a:t>
+              <a:rPr lang="en-US" sz="4000" dirty="0">
+                <a:solidFill>
+                  <a:schemeClr val="accent1"/>
+                </a:solidFill>
+              </a:rPr>
+              <a:t>World is full of objects</a:t>
+            </a:r>
+            <a:endParaRPr lang="en-US" sz="4000" dirty="0"/>
+          </a:p>
+          <a:p>
+            <a:r>
+              <a:rPr lang="en-US" sz="4000" dirty="0"/>
+              <a:t>Objects can be:</a:t>
             </a:r>
           </a:p>
           <a:p>
             <a:pPr lvl="1"/>
             <a:r>
-              <a:rPr lang="en-US" sz="3400" dirty="0"/>
-              <a:t>Data – object's state</a:t>
+              <a:rPr lang="en-US" sz="4000" dirty="0"/>
+              <a:t>Held</a:t>
             </a:r>
           </a:p>
           <a:p>
             <a:pPr lvl="1"/>
             <a:r>
-              <a:rPr lang="en-US" sz="3400" dirty="0"/>
-              <a:t>Function – object's actions</a:t>
+              <a:rPr lang="en-US" sz="4000" dirty="0"/>
+              <a:t>Used</a:t>
+            </a:r>
+          </a:p>
+          <a:p>
+            <a:pPr lvl="1"/>
+            <a:r>
+              <a:rPr lang="en-US" sz="4000" dirty="0"/>
+              <a:t>Moved</a:t>
             </a:r>
           </a:p>
         </p:txBody>
@@ -17218,7 +17706,7 @@
                 <a:tabLst/>
                 <a:defRPr/>
               </a:pPr>
-              <a:t>2/27/2022</a:t>
+              <a:t>7/13/2022</a:t>
             </a:fld>
             <a:endParaRPr kumimoji="0" lang="en-US" sz="900" b="0" i="0" u="none" strike="noStrike" kern="1200" cap="none" spc="0" normalizeH="0" baseline="0" noProof="0" dirty="0">
               <a:ln>
@@ -17402,6 +17890,853 @@
 </file>
 
 <file path=ppt/slides/slide20.xml><?xml version="1.0" encoding="utf-8"?>
+<p:sld xmlns:a="http://schemas.openxmlformats.org/drawingml/2006/main" xmlns:r="http://schemas.openxmlformats.org/officeDocument/2006/relationships" xmlns:p="http://schemas.openxmlformats.org/presentationml/2006/main" showMasterSp="0">
+  <p:cSld>
+    <p:spTree>
+      <p:nvGrpSpPr>
+        <p:cNvPr id="1" name=""/>
+        <p:cNvGrpSpPr/>
+        <p:nvPr/>
+      </p:nvGrpSpPr>
+      <p:grpSpPr>
+        <a:xfrm>
+          <a:off x="0" y="0"/>
+          <a:ext cx="0" cy="0"/>
+          <a:chOff x="0" y="0"/>
+          <a:chExt cx="0" cy="0"/>
+        </a:xfrm>
+      </p:grpSpPr>
+      <p:sp>
+        <p:nvSpPr>
+          <p:cNvPr id="2" name="Title 1">
+            <a:extLst>
+              <a:ext uri="{FF2B5EF4-FFF2-40B4-BE49-F238E27FC236}">
+                <a16:creationId xmlns:a16="http://schemas.microsoft.com/office/drawing/2014/main" id="{00C99C45-A655-40FD-BF53-F03EF1F5E416}"/>
+              </a:ext>
+            </a:extLst>
+          </p:cNvPr>
+          <p:cNvSpPr>
+            <a:spLocks noGrp="1"/>
+          </p:cNvSpPr>
+          <p:nvPr>
+            <p:ph type="title"/>
+          </p:nvPr>
+        </p:nvSpPr>
+        <p:spPr>
+          <a:xfrm>
+            <a:off x="677334" y="609600"/>
+            <a:ext cx="8596668" cy="776438"/>
+          </a:xfrm>
+        </p:spPr>
+        <p:txBody>
+          <a:bodyPr>
+            <a:normAutofit fontScale="90000"/>
+          </a:bodyPr>
+          <a:lstStyle/>
+          <a:p>
+            <a:r>
+              <a:rPr lang="en-US" dirty="0"/>
+              <a:t>Classes – </a:t>
+            </a:r>
+            <a:r>
+              <a:rPr lang="en-US" sz="2800" dirty="0"/>
+              <a:t>Example: </a:t>
+            </a:r>
+            <a:r>
+              <a:rPr lang="en-US" sz="2800" b="1" dirty="0">
+                <a:solidFill>
+                  <a:srgbClr val="00B0F0"/>
+                </a:solidFill>
+              </a:rPr>
+              <a:t>Ball2d</a:t>
+            </a:r>
+            <a:br>
+              <a:rPr lang="en-US" dirty="0">
+                <a:solidFill>
+                  <a:srgbClr val="00B0F0"/>
+                </a:solidFill>
+              </a:rPr>
+            </a:br>
+            <a:endParaRPr lang="en-US" sz="2800" dirty="0"/>
+          </a:p>
+        </p:txBody>
+      </p:sp>
+      <p:sp>
+        <p:nvSpPr>
+          <p:cNvPr id="3" name="Content Placeholder 2">
+            <a:extLst>
+              <a:ext uri="{FF2B5EF4-FFF2-40B4-BE49-F238E27FC236}">
+                <a16:creationId xmlns:a16="http://schemas.microsoft.com/office/drawing/2014/main" id="{AAE989A4-422F-4666-8E03-249076443C19}"/>
+              </a:ext>
+            </a:extLst>
+          </p:cNvPr>
+          <p:cNvSpPr>
+            <a:spLocks noGrp="1"/>
+          </p:cNvSpPr>
+          <p:nvPr>
+            <p:ph idx="1"/>
+          </p:nvPr>
+        </p:nvSpPr>
+        <p:spPr>
+          <a:xfrm>
+            <a:off x="677333" y="1386039"/>
+            <a:ext cx="11013924" cy="4655324"/>
+          </a:xfrm>
+        </p:spPr>
+        <p:txBody>
+          <a:bodyPr>
+            <a:normAutofit/>
+          </a:bodyPr>
+          <a:lstStyle/>
+          <a:p>
+            <a:pPr marL="0" indent="0">
+              <a:buNone/>
+            </a:pPr>
+            <a:r>
+              <a:rPr lang="en-US" sz="3400" i="1" dirty="0">
+                <a:solidFill>
+                  <a:srgbClr val="0070C0"/>
+                </a:solidFill>
+                <a:latin typeface="Courier New" panose="02070309020205020404" pitchFamily="49" charset="0"/>
+                <a:cs typeface="Courier New" panose="02070309020205020404" pitchFamily="49" charset="0"/>
+              </a:rPr>
+              <a:t>exercises/classes/ball_classes/ball2d.py</a:t>
+            </a:r>
+          </a:p>
+          <a:p>
+            <a:pPr marL="0" indent="0">
+              <a:buNone/>
+            </a:pPr>
+            <a:r>
+              <a:rPr lang="en-US" sz="3400" b="1" i="1" dirty="0">
+                <a:latin typeface="Courier New" panose="02070309020205020404" pitchFamily="49" charset="0"/>
+                <a:cs typeface="Courier New" panose="02070309020205020404" pitchFamily="49" charset="0"/>
+              </a:rPr>
+              <a:t>class</a:t>
+            </a:r>
+            <a:r>
+              <a:rPr lang="en-US" sz="3400" i="1" dirty="0">
+                <a:latin typeface="Courier New" panose="02070309020205020404" pitchFamily="49" charset="0"/>
+                <a:cs typeface="Courier New" panose="02070309020205020404" pitchFamily="49" charset="0"/>
+              </a:rPr>
+              <a:t> </a:t>
+            </a:r>
+            <a:r>
+              <a:rPr lang="en-US" sz="3400" i="1" dirty="0">
+                <a:solidFill>
+                  <a:srgbClr val="00B0F0"/>
+                </a:solidFill>
+                <a:latin typeface="Courier New" panose="02070309020205020404" pitchFamily="49" charset="0"/>
+                <a:cs typeface="Courier New" panose="02070309020205020404" pitchFamily="49" charset="0"/>
+              </a:rPr>
+              <a:t>Ball2d</a:t>
+            </a:r>
+          </a:p>
+          <a:p>
+            <a:pPr lvl="1"/>
+            <a:r>
+              <a:rPr lang="en-US" sz="3200" i="1" dirty="0">
+                <a:latin typeface="Courier New" panose="02070309020205020404" pitchFamily="49" charset="0"/>
+                <a:cs typeface="Courier New" panose="02070309020205020404" pitchFamily="49" charset="0"/>
+              </a:rPr>
+              <a:t>ball's information: size, color, position, velocity</a:t>
+            </a:r>
+          </a:p>
+          <a:p>
+            <a:pPr lvl="1"/>
+            <a:r>
+              <a:rPr lang="en-US" sz="3200" i="1" dirty="0">
+                <a:latin typeface="Courier New" panose="02070309020205020404" pitchFamily="49" charset="0"/>
+                <a:cs typeface="Courier New" panose="02070309020205020404" pitchFamily="49" charset="0"/>
+              </a:rPr>
+              <a:t>ball's setup size, color, …</a:t>
+            </a:r>
+          </a:p>
+          <a:p>
+            <a:pPr lvl="1"/>
+            <a:r>
+              <a:rPr lang="en-US" sz="3200" i="1" dirty="0">
+                <a:latin typeface="Courier New" panose="02070309020205020404" pitchFamily="49" charset="0"/>
+                <a:cs typeface="Courier New" panose="02070309020205020404" pitchFamily="49" charset="0"/>
+              </a:rPr>
+              <a:t>ball's actions: move, bounce, …</a:t>
+            </a:r>
+          </a:p>
+        </p:txBody>
+      </p:sp>
+      <p:sp>
+        <p:nvSpPr>
+          <p:cNvPr id="4" name="Date Placeholder 3">
+            <a:extLst>
+              <a:ext uri="{FF2B5EF4-FFF2-40B4-BE49-F238E27FC236}">
+                <a16:creationId xmlns:a16="http://schemas.microsoft.com/office/drawing/2014/main" id="{D4B58B9C-2101-47C6-B21D-A9C4C0222113}"/>
+              </a:ext>
+            </a:extLst>
+          </p:cNvPr>
+          <p:cNvSpPr>
+            <a:spLocks noGrp="1"/>
+          </p:cNvSpPr>
+          <p:nvPr>
+            <p:ph type="dt" sz="half" idx="10"/>
+          </p:nvPr>
+        </p:nvSpPr>
+        <p:spPr/>
+        <p:txBody>
+          <a:bodyPr/>
+          <a:lstStyle/>
+          <a:p>
+            <a:pPr marL="0" marR="0" lvl="0" indent="0" algn="r" defTabSz="457200" rtl="0" eaLnBrk="1" fontAlgn="auto" latinLnBrk="0" hangingPunct="1">
+              <a:lnSpc>
+                <a:spcPct val="100000"/>
+              </a:lnSpc>
+              <a:spcBef>
+                <a:spcPts val="0"/>
+              </a:spcBef>
+              <a:spcAft>
+                <a:spcPts val="0"/>
+              </a:spcAft>
+              <a:buClrTx/>
+              <a:buSzTx/>
+              <a:buFontTx/>
+              <a:buNone/>
+              <a:tabLst/>
+              <a:defRPr/>
+            </a:pPr>
+            <a:fld id="{A7119916-CD40-456D-ABE3-55F8822671F7}" type="datetime1">
+              <a:rPr kumimoji="0" lang="en-US" sz="900" b="0" i="0" u="none" strike="noStrike" kern="1200" cap="none" spc="0" normalizeH="0" baseline="0" noProof="0" smtClean="0">
+                <a:ln>
+                  <a:noFill/>
+                </a:ln>
+                <a:solidFill>
+                  <a:prstClr val="black">
+                    <a:tint val="75000"/>
+                  </a:prstClr>
+                </a:solidFill>
+                <a:effectLst/>
+                <a:uLnTx/>
+                <a:uFillTx/>
+                <a:latin typeface="Trebuchet MS" panose="020B0603020202020204"/>
+                <a:ea typeface="+mn-ea"/>
+                <a:cs typeface="+mn-cs"/>
+              </a:rPr>
+              <a:pPr marL="0" marR="0" lvl="0" indent="0" algn="r" defTabSz="457200" rtl="0" eaLnBrk="1" fontAlgn="auto" latinLnBrk="0" hangingPunct="1">
+                <a:lnSpc>
+                  <a:spcPct val="100000"/>
+                </a:lnSpc>
+                <a:spcBef>
+                  <a:spcPts val="0"/>
+                </a:spcBef>
+                <a:spcAft>
+                  <a:spcPts val="0"/>
+                </a:spcAft>
+                <a:buClrTx/>
+                <a:buSzTx/>
+                <a:buFontTx/>
+                <a:buNone/>
+                <a:tabLst/>
+                <a:defRPr/>
+              </a:pPr>
+              <a:t>7/13/2022</a:t>
+            </a:fld>
+            <a:endParaRPr kumimoji="0" lang="en-US" sz="900" b="0" i="0" u="none" strike="noStrike" kern="1200" cap="none" spc="0" normalizeH="0" baseline="0" noProof="0" dirty="0">
+              <a:ln>
+                <a:noFill/>
+              </a:ln>
+              <a:solidFill>
+                <a:prstClr val="black">
+                  <a:tint val="75000"/>
+                </a:prstClr>
+              </a:solidFill>
+              <a:effectLst/>
+              <a:uLnTx/>
+              <a:uFillTx/>
+              <a:latin typeface="Trebuchet MS" panose="020B0603020202020204"/>
+              <a:ea typeface="+mn-ea"/>
+              <a:cs typeface="+mn-cs"/>
+            </a:endParaRPr>
+          </a:p>
+        </p:txBody>
+      </p:sp>
+      <p:sp>
+        <p:nvSpPr>
+          <p:cNvPr id="5" name="Footer Placeholder 4">
+            <a:extLst>
+              <a:ext uri="{FF2B5EF4-FFF2-40B4-BE49-F238E27FC236}">
+                <a16:creationId xmlns:a16="http://schemas.microsoft.com/office/drawing/2014/main" id="{EB3CE92E-DA4C-49CE-8437-22304F783D2B}"/>
+              </a:ext>
+            </a:extLst>
+          </p:cNvPr>
+          <p:cNvSpPr>
+            <a:spLocks noGrp="1"/>
+          </p:cNvSpPr>
+          <p:nvPr>
+            <p:ph type="ftr" sz="quarter" idx="11"/>
+          </p:nvPr>
+        </p:nvSpPr>
+        <p:spPr/>
+        <p:txBody>
+          <a:bodyPr/>
+          <a:lstStyle/>
+          <a:p>
+            <a:pPr marL="0" marR="0" lvl="0" indent="0" algn="l" defTabSz="457200" rtl="0" eaLnBrk="1" fontAlgn="auto" latinLnBrk="0" hangingPunct="1">
+              <a:lnSpc>
+                <a:spcPct val="100000"/>
+              </a:lnSpc>
+              <a:spcBef>
+                <a:spcPts val="0"/>
+              </a:spcBef>
+              <a:spcAft>
+                <a:spcPts val="0"/>
+              </a:spcAft>
+              <a:buClrTx/>
+              <a:buSzTx/>
+              <a:buFontTx/>
+              <a:buNone/>
+              <a:tabLst/>
+              <a:defRPr/>
+            </a:pPr>
+            <a:r>
+              <a:rPr kumimoji="0" lang="en-US" sz="900" b="0" i="0" u="none" strike="noStrike" kern="1200" cap="none" spc="0" normalizeH="0" baseline="0" noProof="0" dirty="0">
+                <a:ln>
+                  <a:noFill/>
+                </a:ln>
+                <a:solidFill>
+                  <a:prstClr val="black">
+                    <a:tint val="75000"/>
+                  </a:prstClr>
+                </a:solidFill>
+                <a:effectLst/>
+                <a:uLnTx/>
+                <a:uFillTx/>
+                <a:latin typeface="Trebuchet MS" panose="020B0603020202020204"/>
+                <a:ea typeface="+mn-ea"/>
+                <a:cs typeface="+mn-cs"/>
+              </a:rPr>
+              <a:t>raysmith@alum.mit.edu</a:t>
+            </a:r>
+          </a:p>
+        </p:txBody>
+      </p:sp>
+      <p:sp>
+        <p:nvSpPr>
+          <p:cNvPr id="6" name="Slide Number Placeholder 5">
+            <a:extLst>
+              <a:ext uri="{FF2B5EF4-FFF2-40B4-BE49-F238E27FC236}">
+                <a16:creationId xmlns:a16="http://schemas.microsoft.com/office/drawing/2014/main" id="{B555E688-FCD7-4E06-BD33-DA64AB1C3FA4}"/>
+              </a:ext>
+            </a:extLst>
+          </p:cNvPr>
+          <p:cNvSpPr>
+            <a:spLocks noGrp="1"/>
+          </p:cNvSpPr>
+          <p:nvPr>
+            <p:ph type="sldNum" sz="quarter" idx="12"/>
+          </p:nvPr>
+        </p:nvSpPr>
+        <p:spPr/>
+        <p:txBody>
+          <a:bodyPr/>
+          <a:lstStyle/>
+          <a:p>
+            <a:pPr marL="0" marR="0" lvl="0" indent="0" algn="r" defTabSz="457200" rtl="0" eaLnBrk="1" fontAlgn="auto" latinLnBrk="0" hangingPunct="1">
+              <a:lnSpc>
+                <a:spcPct val="100000"/>
+              </a:lnSpc>
+              <a:spcBef>
+                <a:spcPts val="0"/>
+              </a:spcBef>
+              <a:spcAft>
+                <a:spcPts val="0"/>
+              </a:spcAft>
+              <a:buClrTx/>
+              <a:buSzTx/>
+              <a:buFontTx/>
+              <a:buNone/>
+              <a:tabLst/>
+              <a:defRPr/>
+            </a:pPr>
+            <a:fld id="{6D22F896-40B5-4ADD-8801-0D06FADFA095}" type="slidenum">
+              <a:rPr kumimoji="0" lang="en-US" sz="900" b="0" i="0" u="none" strike="noStrike" kern="1200" cap="none" spc="0" normalizeH="0" baseline="0" noProof="0" smtClean="0">
+                <a:ln>
+                  <a:noFill/>
+                </a:ln>
+                <a:solidFill>
+                  <a:srgbClr val="90C226"/>
+                </a:solidFill>
+                <a:effectLst/>
+                <a:uLnTx/>
+                <a:uFillTx/>
+                <a:latin typeface="Trebuchet MS" panose="020B0603020202020204"/>
+                <a:ea typeface="+mn-ea"/>
+                <a:cs typeface="+mn-cs"/>
+              </a:rPr>
+              <a:pPr marL="0" marR="0" lvl="0" indent="0" algn="r" defTabSz="457200" rtl="0" eaLnBrk="1" fontAlgn="auto" latinLnBrk="0" hangingPunct="1">
+                <a:lnSpc>
+                  <a:spcPct val="100000"/>
+                </a:lnSpc>
+                <a:spcBef>
+                  <a:spcPts val="0"/>
+                </a:spcBef>
+                <a:spcAft>
+                  <a:spcPts val="0"/>
+                </a:spcAft>
+                <a:buClrTx/>
+                <a:buSzTx/>
+                <a:buFontTx/>
+                <a:buNone/>
+                <a:tabLst/>
+                <a:defRPr/>
+              </a:pPr>
+              <a:t>20</a:t>
+            </a:fld>
+            <a:endParaRPr kumimoji="0" lang="en-US" sz="900" b="0" i="0" u="none" strike="noStrike" kern="1200" cap="none" spc="0" normalizeH="0" baseline="0" noProof="0" dirty="0">
+              <a:ln>
+                <a:noFill/>
+              </a:ln>
+              <a:solidFill>
+                <a:srgbClr val="90C226"/>
+              </a:solidFill>
+              <a:effectLst/>
+              <a:uLnTx/>
+              <a:uFillTx/>
+              <a:latin typeface="Trebuchet MS" panose="020B0603020202020204"/>
+              <a:ea typeface="+mn-ea"/>
+              <a:cs typeface="+mn-cs"/>
+            </a:endParaRPr>
+          </a:p>
+        </p:txBody>
+      </p:sp>
+    </p:spTree>
+    <p:extLst>
+      <p:ext uri="{BB962C8B-B14F-4D97-AF65-F5344CB8AC3E}">
+        <p14:creationId xmlns:p14="http://schemas.microsoft.com/office/powerpoint/2010/main" val="2561158165"/>
+      </p:ext>
+    </p:extLst>
+  </p:cSld>
+  <p:clrMapOvr>
+    <a:masterClrMapping/>
+  </p:clrMapOvr>
+</p:sld>
+</file>
+
+<file path=ppt/slides/slide21.xml><?xml version="1.0" encoding="utf-8"?>
+<p:sld xmlns:a="http://schemas.openxmlformats.org/drawingml/2006/main" xmlns:r="http://schemas.openxmlformats.org/officeDocument/2006/relationships" xmlns:p="http://schemas.openxmlformats.org/presentationml/2006/main">
+  <p:cSld>
+    <p:bg>
+      <p:bgPr>
+        <a:pattFill prst="smConfetti">
+          <a:fgClr>
+            <a:schemeClr val="accent1"/>
+          </a:fgClr>
+          <a:bgClr>
+            <a:schemeClr val="bg1"/>
+          </a:bgClr>
+        </a:pattFill>
+        <a:effectLst/>
+      </p:bgPr>
+    </p:bg>
+    <p:spTree>
+      <p:nvGrpSpPr>
+        <p:cNvPr id="1" name=""/>
+        <p:cNvGrpSpPr/>
+        <p:nvPr/>
+      </p:nvGrpSpPr>
+      <p:grpSpPr>
+        <a:xfrm>
+          <a:off x="0" y="0"/>
+          <a:ext cx="0" cy="0"/>
+          <a:chOff x="0" y="0"/>
+          <a:chExt cx="0" cy="0"/>
+        </a:xfrm>
+      </p:grpSpPr>
+      <p:sp>
+        <p:nvSpPr>
+          <p:cNvPr id="2" name="Title 1">
+            <a:extLst>
+              <a:ext uri="{FF2B5EF4-FFF2-40B4-BE49-F238E27FC236}">
+                <a16:creationId xmlns:a16="http://schemas.microsoft.com/office/drawing/2014/main" id="{00C99C45-A655-40FD-BF53-F03EF1F5E416}"/>
+              </a:ext>
+            </a:extLst>
+          </p:cNvPr>
+          <p:cNvSpPr>
+            <a:spLocks noGrp="1"/>
+          </p:cNvSpPr>
+          <p:nvPr>
+            <p:ph type="title"/>
+          </p:nvPr>
+        </p:nvSpPr>
+        <p:spPr/>
+        <p:txBody>
+          <a:bodyPr>
+            <a:normAutofit/>
+          </a:bodyPr>
+          <a:lstStyle/>
+          <a:p>
+            <a:r>
+              <a:rPr lang="en-US" dirty="0"/>
+              <a:t>Classes – Exercise – Add to class</a:t>
+            </a:r>
+            <a:endParaRPr lang="en-US" sz="2800" dirty="0"/>
+          </a:p>
+        </p:txBody>
+      </p:sp>
+      <p:sp>
+        <p:nvSpPr>
+          <p:cNvPr id="3" name="Content Placeholder 2">
+            <a:extLst>
+              <a:ext uri="{FF2B5EF4-FFF2-40B4-BE49-F238E27FC236}">
+                <a16:creationId xmlns:a16="http://schemas.microsoft.com/office/drawing/2014/main" id="{AAE989A4-422F-4666-8E03-249076443C19}"/>
+              </a:ext>
+            </a:extLst>
+          </p:cNvPr>
+          <p:cNvSpPr>
+            <a:spLocks noGrp="1"/>
+          </p:cNvSpPr>
+          <p:nvPr>
+            <p:ph idx="1"/>
+          </p:nvPr>
+        </p:nvSpPr>
+        <p:spPr>
+          <a:xfrm>
+            <a:off x="677333" y="2160589"/>
+            <a:ext cx="9263621" cy="3880773"/>
+          </a:xfrm>
+        </p:spPr>
+        <p:txBody>
+          <a:bodyPr>
+            <a:normAutofit/>
+          </a:bodyPr>
+          <a:lstStyle/>
+          <a:p>
+            <a:r>
+              <a:rPr lang="en-US" sz="3400" i="1" dirty="0">
+                <a:latin typeface="Courier New" panose="02070309020205020404" pitchFamily="49" charset="0"/>
+                <a:cs typeface="Courier New" panose="02070309020205020404" pitchFamily="49" charset="0"/>
+              </a:rPr>
+              <a:t>Make a new class Ball2dN</a:t>
+            </a:r>
+          </a:p>
+          <a:p>
+            <a:r>
+              <a:rPr lang="en-US" sz="3400" i="1" dirty="0">
+                <a:latin typeface="Courier New" panose="02070309020205020404" pitchFamily="49" charset="0"/>
+                <a:cs typeface="Courier New" panose="02070309020205020404" pitchFamily="49" charset="0"/>
+              </a:rPr>
+              <a:t>Same as Ball2d but ball has a number</a:t>
+            </a:r>
+          </a:p>
+          <a:p>
+            <a:r>
+              <a:rPr lang="en-US" sz="3400" i="1" dirty="0">
+                <a:latin typeface="Courier New" panose="02070309020205020404" pitchFamily="49" charset="0"/>
+                <a:cs typeface="Courier New" panose="02070309020205020404" pitchFamily="49" charset="0"/>
+              </a:rPr>
+              <a:t>New file ball_2d_n.py</a:t>
+            </a:r>
+          </a:p>
+          <a:p>
+            <a:r>
+              <a:rPr lang="en-US" sz="3400" i="1" dirty="0">
+                <a:latin typeface="Courier New" panose="02070309020205020404" pitchFamily="49" charset="0"/>
+                <a:cs typeface="Courier New" panose="02070309020205020404" pitchFamily="49" charset="0"/>
+              </a:rPr>
+              <a:t>Start with ball_2d.py </a:t>
+            </a:r>
+            <a:r>
+              <a:rPr lang="en-US" sz="3400" i="1" dirty="0">
+                <a:latin typeface="Courier New" panose="02070309020205020404" pitchFamily="49" charset="0"/>
+                <a:cs typeface="Courier New" panose="02070309020205020404" pitchFamily="49" charset="0"/>
+                <a:sym typeface="Wingdings" panose="05000000000000000000" pitchFamily="2" charset="2"/>
+              </a:rPr>
+              <a:t> </a:t>
+            </a:r>
+            <a:r>
+              <a:rPr lang="en-US" sz="3400" i="1" dirty="0" err="1">
+                <a:latin typeface="Courier New" panose="02070309020205020404" pitchFamily="49" charset="0"/>
+                <a:cs typeface="Courier New" panose="02070309020205020404" pitchFamily="49" charset="0"/>
+                <a:sym typeface="Wingdings" panose="05000000000000000000" pitchFamily="2" charset="2"/>
+              </a:rPr>
+              <a:t>SaveAs</a:t>
+            </a:r>
+            <a:r>
+              <a:rPr lang="en-US" sz="3400" i="1" dirty="0">
+                <a:latin typeface="Courier New" panose="02070309020205020404" pitchFamily="49" charset="0"/>
+                <a:cs typeface="Courier New" panose="02070309020205020404" pitchFamily="49" charset="0"/>
+                <a:sym typeface="Wingdings" panose="05000000000000000000" pitchFamily="2" charset="2"/>
+              </a:rPr>
+              <a:t> </a:t>
+            </a:r>
+            <a:r>
+              <a:rPr lang="en-US" sz="3400" b="1" i="1" dirty="0">
+                <a:latin typeface="Courier New" panose="02070309020205020404" pitchFamily="49" charset="0"/>
+                <a:cs typeface="Courier New" panose="02070309020205020404" pitchFamily="49" charset="0"/>
+                <a:sym typeface="Wingdings" panose="05000000000000000000" pitchFamily="2" charset="2"/>
+              </a:rPr>
+              <a:t>ball_2d_n.py</a:t>
+            </a:r>
+            <a:endParaRPr lang="en-US" sz="3200" b="1" i="1" dirty="0">
+              <a:latin typeface="Courier New" panose="02070309020205020404" pitchFamily="49" charset="0"/>
+              <a:cs typeface="Courier New" panose="02070309020205020404" pitchFamily="49" charset="0"/>
+            </a:endParaRPr>
+          </a:p>
+        </p:txBody>
+      </p:sp>
+      <p:sp>
+        <p:nvSpPr>
+          <p:cNvPr id="4" name="Date Placeholder 3">
+            <a:extLst>
+              <a:ext uri="{FF2B5EF4-FFF2-40B4-BE49-F238E27FC236}">
+                <a16:creationId xmlns:a16="http://schemas.microsoft.com/office/drawing/2014/main" id="{D4B58B9C-2101-47C6-B21D-A9C4C0222113}"/>
+              </a:ext>
+            </a:extLst>
+          </p:cNvPr>
+          <p:cNvSpPr>
+            <a:spLocks noGrp="1"/>
+          </p:cNvSpPr>
+          <p:nvPr>
+            <p:ph type="dt" sz="half" idx="10"/>
+          </p:nvPr>
+        </p:nvSpPr>
+        <p:spPr/>
+        <p:txBody>
+          <a:bodyPr/>
+          <a:lstStyle/>
+          <a:p>
+            <a:pPr marL="0" marR="0" lvl="0" indent="0" algn="r" defTabSz="457200" rtl="0" eaLnBrk="1" fontAlgn="auto" latinLnBrk="0" hangingPunct="1">
+              <a:lnSpc>
+                <a:spcPct val="100000"/>
+              </a:lnSpc>
+              <a:spcBef>
+                <a:spcPts val="0"/>
+              </a:spcBef>
+              <a:spcAft>
+                <a:spcPts val="0"/>
+              </a:spcAft>
+              <a:buClrTx/>
+              <a:buSzTx/>
+              <a:buFontTx/>
+              <a:buNone/>
+              <a:tabLst/>
+              <a:defRPr/>
+            </a:pPr>
+            <a:fld id="{A7119916-CD40-456D-ABE3-55F8822671F7}" type="datetime1">
+              <a:rPr kumimoji="0" lang="en-US" sz="900" b="0" i="0" u="none" strike="noStrike" kern="1200" cap="none" spc="0" normalizeH="0" baseline="0" noProof="0" smtClean="0">
+                <a:ln>
+                  <a:noFill/>
+                </a:ln>
+                <a:solidFill>
+                  <a:prstClr val="black">
+                    <a:tint val="75000"/>
+                  </a:prstClr>
+                </a:solidFill>
+                <a:effectLst/>
+                <a:uLnTx/>
+                <a:uFillTx/>
+                <a:latin typeface="Trebuchet MS" panose="020B0603020202020204"/>
+                <a:ea typeface="+mn-ea"/>
+                <a:cs typeface="+mn-cs"/>
+              </a:rPr>
+              <a:pPr marL="0" marR="0" lvl="0" indent="0" algn="r" defTabSz="457200" rtl="0" eaLnBrk="1" fontAlgn="auto" latinLnBrk="0" hangingPunct="1">
+                <a:lnSpc>
+                  <a:spcPct val="100000"/>
+                </a:lnSpc>
+                <a:spcBef>
+                  <a:spcPts val="0"/>
+                </a:spcBef>
+                <a:spcAft>
+                  <a:spcPts val="0"/>
+                </a:spcAft>
+                <a:buClrTx/>
+                <a:buSzTx/>
+                <a:buFontTx/>
+                <a:buNone/>
+                <a:tabLst/>
+                <a:defRPr/>
+              </a:pPr>
+              <a:t>7/13/2022</a:t>
+            </a:fld>
+            <a:endParaRPr kumimoji="0" lang="en-US" sz="900" b="0" i="0" u="none" strike="noStrike" kern="1200" cap="none" spc="0" normalizeH="0" baseline="0" noProof="0" dirty="0">
+              <a:ln>
+                <a:noFill/>
+              </a:ln>
+              <a:solidFill>
+                <a:prstClr val="black">
+                  <a:tint val="75000"/>
+                </a:prstClr>
+              </a:solidFill>
+              <a:effectLst/>
+              <a:uLnTx/>
+              <a:uFillTx/>
+              <a:latin typeface="Trebuchet MS" panose="020B0603020202020204"/>
+              <a:ea typeface="+mn-ea"/>
+              <a:cs typeface="+mn-cs"/>
+            </a:endParaRPr>
+          </a:p>
+        </p:txBody>
+      </p:sp>
+      <p:sp>
+        <p:nvSpPr>
+          <p:cNvPr id="5" name="Footer Placeholder 4">
+            <a:extLst>
+              <a:ext uri="{FF2B5EF4-FFF2-40B4-BE49-F238E27FC236}">
+                <a16:creationId xmlns:a16="http://schemas.microsoft.com/office/drawing/2014/main" id="{EB3CE92E-DA4C-49CE-8437-22304F783D2B}"/>
+              </a:ext>
+            </a:extLst>
+          </p:cNvPr>
+          <p:cNvSpPr>
+            <a:spLocks noGrp="1"/>
+          </p:cNvSpPr>
+          <p:nvPr>
+            <p:ph type="ftr" sz="quarter" idx="11"/>
+          </p:nvPr>
+        </p:nvSpPr>
+        <p:spPr/>
+        <p:txBody>
+          <a:bodyPr/>
+          <a:lstStyle/>
+          <a:p>
+            <a:pPr marL="0" marR="0" lvl="0" indent="0" algn="l" defTabSz="457200" rtl="0" eaLnBrk="1" fontAlgn="auto" latinLnBrk="0" hangingPunct="1">
+              <a:lnSpc>
+                <a:spcPct val="100000"/>
+              </a:lnSpc>
+              <a:spcBef>
+                <a:spcPts val="0"/>
+              </a:spcBef>
+              <a:spcAft>
+                <a:spcPts val="0"/>
+              </a:spcAft>
+              <a:buClrTx/>
+              <a:buSzTx/>
+              <a:buFontTx/>
+              <a:buNone/>
+              <a:tabLst/>
+              <a:defRPr/>
+            </a:pPr>
+            <a:r>
+              <a:rPr kumimoji="0" lang="en-US" sz="900" b="0" i="0" u="none" strike="noStrike" kern="1200" cap="none" spc="0" normalizeH="0" baseline="0" noProof="0" dirty="0">
+                <a:ln>
+                  <a:noFill/>
+                </a:ln>
+                <a:solidFill>
+                  <a:prstClr val="black">
+                    <a:tint val="75000"/>
+                  </a:prstClr>
+                </a:solidFill>
+                <a:effectLst/>
+                <a:uLnTx/>
+                <a:uFillTx/>
+                <a:latin typeface="Trebuchet MS" panose="020B0603020202020204"/>
+                <a:ea typeface="+mn-ea"/>
+                <a:cs typeface="+mn-cs"/>
+              </a:rPr>
+              <a:t>raysmith@alum.mit.edu</a:t>
+            </a:r>
+          </a:p>
+        </p:txBody>
+      </p:sp>
+      <p:sp>
+        <p:nvSpPr>
+          <p:cNvPr id="6" name="Slide Number Placeholder 5">
+            <a:extLst>
+              <a:ext uri="{FF2B5EF4-FFF2-40B4-BE49-F238E27FC236}">
+                <a16:creationId xmlns:a16="http://schemas.microsoft.com/office/drawing/2014/main" id="{B555E688-FCD7-4E06-BD33-DA64AB1C3FA4}"/>
+              </a:ext>
+            </a:extLst>
+          </p:cNvPr>
+          <p:cNvSpPr>
+            <a:spLocks noGrp="1"/>
+          </p:cNvSpPr>
+          <p:nvPr>
+            <p:ph type="sldNum" sz="quarter" idx="12"/>
+          </p:nvPr>
+        </p:nvSpPr>
+        <p:spPr/>
+        <p:txBody>
+          <a:bodyPr/>
+          <a:lstStyle/>
+          <a:p>
+            <a:pPr marL="0" marR="0" lvl="0" indent="0" algn="r" defTabSz="457200" rtl="0" eaLnBrk="1" fontAlgn="auto" latinLnBrk="0" hangingPunct="1">
+              <a:lnSpc>
+                <a:spcPct val="100000"/>
+              </a:lnSpc>
+              <a:spcBef>
+                <a:spcPts val="0"/>
+              </a:spcBef>
+              <a:spcAft>
+                <a:spcPts val="0"/>
+              </a:spcAft>
+              <a:buClrTx/>
+              <a:buSzTx/>
+              <a:buFontTx/>
+              <a:buNone/>
+              <a:tabLst/>
+              <a:defRPr/>
+            </a:pPr>
+            <a:fld id="{6D22F896-40B5-4ADD-8801-0D06FADFA095}" type="slidenum">
+              <a:rPr kumimoji="0" lang="en-US" sz="900" b="0" i="0" u="none" strike="noStrike" kern="1200" cap="none" spc="0" normalizeH="0" baseline="0" noProof="0" smtClean="0">
+                <a:ln>
+                  <a:noFill/>
+                </a:ln>
+                <a:solidFill>
+                  <a:srgbClr val="90C226"/>
+                </a:solidFill>
+                <a:effectLst/>
+                <a:uLnTx/>
+                <a:uFillTx/>
+                <a:latin typeface="Trebuchet MS" panose="020B0603020202020204"/>
+                <a:ea typeface="+mn-ea"/>
+                <a:cs typeface="+mn-cs"/>
+              </a:rPr>
+              <a:pPr marL="0" marR="0" lvl="0" indent="0" algn="r" defTabSz="457200" rtl="0" eaLnBrk="1" fontAlgn="auto" latinLnBrk="0" hangingPunct="1">
+                <a:lnSpc>
+                  <a:spcPct val="100000"/>
+                </a:lnSpc>
+                <a:spcBef>
+                  <a:spcPts val="0"/>
+                </a:spcBef>
+                <a:spcAft>
+                  <a:spcPts val="0"/>
+                </a:spcAft>
+                <a:buClrTx/>
+                <a:buSzTx/>
+                <a:buFontTx/>
+                <a:buNone/>
+                <a:tabLst/>
+                <a:defRPr/>
+              </a:pPr>
+              <a:t>21</a:t>
+            </a:fld>
+            <a:endParaRPr kumimoji="0" lang="en-US" sz="900" b="0" i="0" u="none" strike="noStrike" kern="1200" cap="none" spc="0" normalizeH="0" baseline="0" noProof="0" dirty="0">
+              <a:ln>
+                <a:noFill/>
+              </a:ln>
+              <a:solidFill>
+                <a:srgbClr val="90C226"/>
+              </a:solidFill>
+              <a:effectLst/>
+              <a:uLnTx/>
+              <a:uFillTx/>
+              <a:latin typeface="Trebuchet MS" panose="020B0603020202020204"/>
+              <a:ea typeface="+mn-ea"/>
+              <a:cs typeface="+mn-cs"/>
+            </a:endParaRPr>
+          </a:p>
+        </p:txBody>
+      </p:sp>
+    </p:spTree>
+    <p:extLst>
+      <p:ext uri="{BB962C8B-B14F-4D97-AF65-F5344CB8AC3E}">
+        <p14:creationId xmlns:p14="http://schemas.microsoft.com/office/powerpoint/2010/main" val="4038173884"/>
+      </p:ext>
+    </p:extLst>
+  </p:cSld>
+  <p:clrMapOvr>
+    <a:masterClrMapping/>
+  </p:clrMapOvr>
+</p:sld>
+</file>
+
+<file path=ppt/slides/slide22.xml><?xml version="1.0" encoding="utf-8"?>
 <p:sld xmlns:a="http://schemas.openxmlformats.org/drawingml/2006/main" xmlns:r="http://schemas.openxmlformats.org/officeDocument/2006/relationships" xmlns:p="http://schemas.openxmlformats.org/presentationml/2006/main">
   <p:cSld>
     <p:spTree>
@@ -17423,6 +18758,411 @@
           <p:cNvPr id="2" name="Title 1">
             <a:extLst>
               <a:ext uri="{FF2B5EF4-FFF2-40B4-BE49-F238E27FC236}">
+                <a16:creationId xmlns:a16="http://schemas.microsoft.com/office/drawing/2014/main" id="{00C99C45-A655-40FD-BF53-F03EF1F5E416}"/>
+              </a:ext>
+            </a:extLst>
+          </p:cNvPr>
+          <p:cNvSpPr>
+            <a:spLocks noGrp="1"/>
+          </p:cNvSpPr>
+          <p:nvPr>
+            <p:ph type="title"/>
+          </p:nvPr>
+        </p:nvSpPr>
+        <p:spPr>
+          <a:xfrm>
+            <a:off x="677334" y="609600"/>
+            <a:ext cx="8596668" cy="776438"/>
+          </a:xfrm>
+        </p:spPr>
+        <p:txBody>
+          <a:bodyPr>
+            <a:normAutofit/>
+          </a:bodyPr>
+          <a:lstStyle/>
+          <a:p>
+            <a:r>
+              <a:rPr lang="en-US" dirty="0"/>
+              <a:t>Classes – </a:t>
+            </a:r>
+            <a:r>
+              <a:rPr lang="en-US" sz="2800" dirty="0"/>
+              <a:t>Ball2dTable</a:t>
+            </a:r>
+          </a:p>
+        </p:txBody>
+      </p:sp>
+      <p:sp>
+        <p:nvSpPr>
+          <p:cNvPr id="3" name="Content Placeholder 2">
+            <a:extLst>
+              <a:ext uri="{FF2B5EF4-FFF2-40B4-BE49-F238E27FC236}">
+                <a16:creationId xmlns:a16="http://schemas.microsoft.com/office/drawing/2014/main" id="{AAE989A4-422F-4666-8E03-249076443C19}"/>
+              </a:ext>
+            </a:extLst>
+          </p:cNvPr>
+          <p:cNvSpPr>
+            <a:spLocks noGrp="1"/>
+          </p:cNvSpPr>
+          <p:nvPr>
+            <p:ph idx="1"/>
+          </p:nvPr>
+        </p:nvSpPr>
+        <p:spPr>
+          <a:xfrm>
+            <a:off x="677333" y="1386039"/>
+            <a:ext cx="9361189" cy="4655324"/>
+          </a:xfrm>
+        </p:spPr>
+        <p:txBody>
+          <a:bodyPr>
+            <a:normAutofit/>
+          </a:bodyPr>
+          <a:lstStyle/>
+          <a:p>
+            <a:r>
+              <a:rPr lang="en-US" sz="3200" i="1" dirty="0">
+                <a:latin typeface="Courier New" panose="02070309020205020404" pitchFamily="49" charset="0"/>
+                <a:cs typeface="Courier New" panose="02070309020205020404" pitchFamily="49" charset="0"/>
+              </a:rPr>
+              <a:t>How would we extend our "ball world" to create a "billiard table" ?</a:t>
+            </a:r>
+          </a:p>
+          <a:p>
+            <a:pPr lvl="1"/>
+            <a:r>
+              <a:rPr lang="en-US" sz="3000" i="1" dirty="0">
+                <a:latin typeface="Courier New" panose="02070309020205020404" pitchFamily="49" charset="0"/>
+                <a:cs typeface="Courier New" panose="02070309020205020404" pitchFamily="49" charset="0"/>
+              </a:rPr>
+              <a:t>Ball2dTable features / attributes</a:t>
+            </a:r>
+          </a:p>
+          <a:p>
+            <a:pPr lvl="2"/>
+            <a:r>
+              <a:rPr lang="en-US" sz="2800" i="1" dirty="0">
+                <a:latin typeface="Courier New" panose="02070309020205020404" pitchFamily="49" charset="0"/>
+                <a:cs typeface="Courier New" panose="02070309020205020404" pitchFamily="49" charset="0"/>
+              </a:rPr>
+              <a:t>width, length, balls (on table) </a:t>
+            </a:r>
+          </a:p>
+          <a:p>
+            <a:pPr lvl="1"/>
+            <a:r>
+              <a:rPr lang="en-US" sz="3000" i="1" dirty="0">
+                <a:latin typeface="Courier New" panose="02070309020205020404" pitchFamily="49" charset="0"/>
+                <a:cs typeface="Courier New" panose="02070309020205020404" pitchFamily="49" charset="0"/>
+              </a:rPr>
+              <a:t>Ball2D features / attributes</a:t>
+            </a:r>
+          </a:p>
+          <a:p>
+            <a:pPr lvl="2"/>
+            <a:r>
+              <a:rPr lang="en-US" sz="2800" i="1" dirty="0">
+                <a:latin typeface="Courier New" panose="02070309020205020404" pitchFamily="49" charset="0"/>
+                <a:cs typeface="Courier New" panose="02070309020205020404" pitchFamily="49" charset="0"/>
+              </a:rPr>
+              <a:t>Collision with table edge, another ball</a:t>
+            </a:r>
+          </a:p>
+          <a:p>
+            <a:pPr lvl="2"/>
+            <a:endParaRPr lang="en-US" sz="2800" i="1" dirty="0">
+              <a:latin typeface="Courier New" panose="02070309020205020404" pitchFamily="49" charset="0"/>
+              <a:cs typeface="Courier New" panose="02070309020205020404" pitchFamily="49" charset="0"/>
+            </a:endParaRPr>
+          </a:p>
+          <a:p>
+            <a:pPr marL="0" indent="0">
+              <a:buNone/>
+            </a:pPr>
+            <a:endParaRPr lang="en-US" sz="3200" i="1" dirty="0">
+              <a:latin typeface="Courier New" panose="02070309020205020404" pitchFamily="49" charset="0"/>
+              <a:cs typeface="Courier New" panose="02070309020205020404" pitchFamily="49" charset="0"/>
+            </a:endParaRPr>
+          </a:p>
+        </p:txBody>
+      </p:sp>
+      <p:sp>
+        <p:nvSpPr>
+          <p:cNvPr id="4" name="Date Placeholder 3">
+            <a:extLst>
+              <a:ext uri="{FF2B5EF4-FFF2-40B4-BE49-F238E27FC236}">
+                <a16:creationId xmlns:a16="http://schemas.microsoft.com/office/drawing/2014/main" id="{D4B58B9C-2101-47C6-B21D-A9C4C0222113}"/>
+              </a:ext>
+            </a:extLst>
+          </p:cNvPr>
+          <p:cNvSpPr>
+            <a:spLocks noGrp="1"/>
+          </p:cNvSpPr>
+          <p:nvPr>
+            <p:ph type="dt" sz="half" idx="10"/>
+          </p:nvPr>
+        </p:nvSpPr>
+        <p:spPr/>
+        <p:txBody>
+          <a:bodyPr/>
+          <a:lstStyle/>
+          <a:p>
+            <a:pPr marL="0" marR="0" lvl="0" indent="0" algn="r" defTabSz="457200" rtl="0" eaLnBrk="1" fontAlgn="auto" latinLnBrk="0" hangingPunct="1">
+              <a:lnSpc>
+                <a:spcPct val="100000"/>
+              </a:lnSpc>
+              <a:spcBef>
+                <a:spcPts val="0"/>
+              </a:spcBef>
+              <a:spcAft>
+                <a:spcPts val="0"/>
+              </a:spcAft>
+              <a:buClrTx/>
+              <a:buSzTx/>
+              <a:buFontTx/>
+              <a:buNone/>
+              <a:tabLst/>
+              <a:defRPr/>
+            </a:pPr>
+            <a:fld id="{A7119916-CD40-456D-ABE3-55F8822671F7}" type="datetime1">
+              <a:rPr kumimoji="0" lang="en-US" sz="900" b="0" i="0" u="none" strike="noStrike" kern="1200" cap="none" spc="0" normalizeH="0" baseline="0" noProof="0" smtClean="0">
+                <a:ln>
+                  <a:noFill/>
+                </a:ln>
+                <a:solidFill>
+                  <a:prstClr val="black">
+                    <a:tint val="75000"/>
+                  </a:prstClr>
+                </a:solidFill>
+                <a:effectLst/>
+                <a:uLnTx/>
+                <a:uFillTx/>
+                <a:latin typeface="Trebuchet MS" panose="020B0603020202020204"/>
+                <a:ea typeface="+mn-ea"/>
+                <a:cs typeface="+mn-cs"/>
+              </a:rPr>
+              <a:pPr marL="0" marR="0" lvl="0" indent="0" algn="r" defTabSz="457200" rtl="0" eaLnBrk="1" fontAlgn="auto" latinLnBrk="0" hangingPunct="1">
+                <a:lnSpc>
+                  <a:spcPct val="100000"/>
+                </a:lnSpc>
+                <a:spcBef>
+                  <a:spcPts val="0"/>
+                </a:spcBef>
+                <a:spcAft>
+                  <a:spcPts val="0"/>
+                </a:spcAft>
+                <a:buClrTx/>
+                <a:buSzTx/>
+                <a:buFontTx/>
+                <a:buNone/>
+                <a:tabLst/>
+                <a:defRPr/>
+              </a:pPr>
+              <a:t>7/13/2022</a:t>
+            </a:fld>
+            <a:endParaRPr kumimoji="0" lang="en-US" sz="900" b="0" i="0" u="none" strike="noStrike" kern="1200" cap="none" spc="0" normalizeH="0" baseline="0" noProof="0" dirty="0">
+              <a:ln>
+                <a:noFill/>
+              </a:ln>
+              <a:solidFill>
+                <a:prstClr val="black">
+                  <a:tint val="75000"/>
+                </a:prstClr>
+              </a:solidFill>
+              <a:effectLst/>
+              <a:uLnTx/>
+              <a:uFillTx/>
+              <a:latin typeface="Trebuchet MS" panose="020B0603020202020204"/>
+              <a:ea typeface="+mn-ea"/>
+              <a:cs typeface="+mn-cs"/>
+            </a:endParaRPr>
+          </a:p>
+        </p:txBody>
+      </p:sp>
+      <p:sp>
+        <p:nvSpPr>
+          <p:cNvPr id="5" name="Footer Placeholder 4">
+            <a:extLst>
+              <a:ext uri="{FF2B5EF4-FFF2-40B4-BE49-F238E27FC236}">
+                <a16:creationId xmlns:a16="http://schemas.microsoft.com/office/drawing/2014/main" id="{EB3CE92E-DA4C-49CE-8437-22304F783D2B}"/>
+              </a:ext>
+            </a:extLst>
+          </p:cNvPr>
+          <p:cNvSpPr>
+            <a:spLocks noGrp="1"/>
+          </p:cNvSpPr>
+          <p:nvPr>
+            <p:ph type="ftr" sz="quarter" idx="11"/>
+          </p:nvPr>
+        </p:nvSpPr>
+        <p:spPr/>
+        <p:txBody>
+          <a:bodyPr/>
+          <a:lstStyle/>
+          <a:p>
+            <a:pPr marL="0" marR="0" lvl="0" indent="0" algn="l" defTabSz="457200" rtl="0" eaLnBrk="1" fontAlgn="auto" latinLnBrk="0" hangingPunct="1">
+              <a:lnSpc>
+                <a:spcPct val="100000"/>
+              </a:lnSpc>
+              <a:spcBef>
+                <a:spcPts val="0"/>
+              </a:spcBef>
+              <a:spcAft>
+                <a:spcPts val="0"/>
+              </a:spcAft>
+              <a:buClrTx/>
+              <a:buSzTx/>
+              <a:buFontTx/>
+              <a:buNone/>
+              <a:tabLst/>
+              <a:defRPr/>
+            </a:pPr>
+            <a:r>
+              <a:rPr kumimoji="0" lang="en-US" sz="900" b="0" i="0" u="none" strike="noStrike" kern="1200" cap="none" spc="0" normalizeH="0" baseline="0" noProof="0" dirty="0">
+                <a:ln>
+                  <a:noFill/>
+                </a:ln>
+                <a:solidFill>
+                  <a:prstClr val="black">
+                    <a:tint val="75000"/>
+                  </a:prstClr>
+                </a:solidFill>
+                <a:effectLst/>
+                <a:uLnTx/>
+                <a:uFillTx/>
+                <a:latin typeface="Trebuchet MS" panose="020B0603020202020204"/>
+                <a:ea typeface="+mn-ea"/>
+                <a:cs typeface="+mn-cs"/>
+              </a:rPr>
+              <a:t>raysmith@alum.mit.edu</a:t>
+            </a:r>
+          </a:p>
+        </p:txBody>
+      </p:sp>
+      <p:sp>
+        <p:nvSpPr>
+          <p:cNvPr id="6" name="Slide Number Placeholder 5">
+            <a:extLst>
+              <a:ext uri="{FF2B5EF4-FFF2-40B4-BE49-F238E27FC236}">
+                <a16:creationId xmlns:a16="http://schemas.microsoft.com/office/drawing/2014/main" id="{B555E688-FCD7-4E06-BD33-DA64AB1C3FA4}"/>
+              </a:ext>
+            </a:extLst>
+          </p:cNvPr>
+          <p:cNvSpPr>
+            <a:spLocks noGrp="1"/>
+          </p:cNvSpPr>
+          <p:nvPr>
+            <p:ph type="sldNum" sz="quarter" idx="12"/>
+          </p:nvPr>
+        </p:nvSpPr>
+        <p:spPr/>
+        <p:txBody>
+          <a:bodyPr/>
+          <a:lstStyle/>
+          <a:p>
+            <a:pPr marL="0" marR="0" lvl="0" indent="0" algn="r" defTabSz="457200" rtl="0" eaLnBrk="1" fontAlgn="auto" latinLnBrk="0" hangingPunct="1">
+              <a:lnSpc>
+                <a:spcPct val="100000"/>
+              </a:lnSpc>
+              <a:spcBef>
+                <a:spcPts val="0"/>
+              </a:spcBef>
+              <a:spcAft>
+                <a:spcPts val="0"/>
+              </a:spcAft>
+              <a:buClrTx/>
+              <a:buSzTx/>
+              <a:buFontTx/>
+              <a:buNone/>
+              <a:tabLst/>
+              <a:defRPr/>
+            </a:pPr>
+            <a:fld id="{6D22F896-40B5-4ADD-8801-0D06FADFA095}" type="slidenum">
+              <a:rPr kumimoji="0" lang="en-US" sz="900" b="0" i="0" u="none" strike="noStrike" kern="1200" cap="none" spc="0" normalizeH="0" baseline="0" noProof="0" smtClean="0">
+                <a:ln>
+                  <a:noFill/>
+                </a:ln>
+                <a:solidFill>
+                  <a:srgbClr val="90C226"/>
+                </a:solidFill>
+                <a:effectLst/>
+                <a:uLnTx/>
+                <a:uFillTx/>
+                <a:latin typeface="Trebuchet MS" panose="020B0603020202020204"/>
+                <a:ea typeface="+mn-ea"/>
+                <a:cs typeface="+mn-cs"/>
+              </a:rPr>
+              <a:pPr marL="0" marR="0" lvl="0" indent="0" algn="r" defTabSz="457200" rtl="0" eaLnBrk="1" fontAlgn="auto" latinLnBrk="0" hangingPunct="1">
+                <a:lnSpc>
+                  <a:spcPct val="100000"/>
+                </a:lnSpc>
+                <a:spcBef>
+                  <a:spcPts val="0"/>
+                </a:spcBef>
+                <a:spcAft>
+                  <a:spcPts val="0"/>
+                </a:spcAft>
+                <a:buClrTx/>
+                <a:buSzTx/>
+                <a:buFontTx/>
+                <a:buNone/>
+                <a:tabLst/>
+                <a:defRPr/>
+              </a:pPr>
+              <a:t>22</a:t>
+            </a:fld>
+            <a:endParaRPr kumimoji="0" lang="en-US" sz="900" b="0" i="0" u="none" strike="noStrike" kern="1200" cap="none" spc="0" normalizeH="0" baseline="0" noProof="0" dirty="0">
+              <a:ln>
+                <a:noFill/>
+              </a:ln>
+              <a:solidFill>
+                <a:srgbClr val="90C226"/>
+              </a:solidFill>
+              <a:effectLst/>
+              <a:uLnTx/>
+              <a:uFillTx/>
+              <a:latin typeface="Trebuchet MS" panose="020B0603020202020204"/>
+              <a:ea typeface="+mn-ea"/>
+              <a:cs typeface="+mn-cs"/>
+            </a:endParaRPr>
+          </a:p>
+        </p:txBody>
+      </p:sp>
+    </p:spTree>
+    <p:extLst>
+      <p:ext uri="{BB962C8B-B14F-4D97-AF65-F5344CB8AC3E}">
+        <p14:creationId xmlns:p14="http://schemas.microsoft.com/office/powerpoint/2010/main" val="237766102"/>
+      </p:ext>
+    </p:extLst>
+  </p:cSld>
+  <p:clrMapOvr>
+    <a:masterClrMapping/>
+  </p:clrMapOvr>
+</p:sld>
+</file>
+
+<file path=ppt/slides/slide23.xml><?xml version="1.0" encoding="utf-8"?>
+<p:sld xmlns:a="http://schemas.openxmlformats.org/drawingml/2006/main" xmlns:r="http://schemas.openxmlformats.org/officeDocument/2006/relationships" xmlns:p="http://schemas.openxmlformats.org/presentationml/2006/main">
+  <p:cSld>
+    <p:spTree>
+      <p:nvGrpSpPr>
+        <p:cNvPr id="1" name=""/>
+        <p:cNvGrpSpPr/>
+        <p:nvPr/>
+      </p:nvGrpSpPr>
+      <p:grpSpPr>
+        <a:xfrm>
+          <a:off x="0" y="0"/>
+          <a:ext cx="0" cy="0"/>
+          <a:chOff x="0" y="0"/>
+          <a:chExt cx="0" cy="0"/>
+        </a:xfrm>
+      </p:grpSpPr>
+      <p:sp>
+        <p:nvSpPr>
+          <p:cNvPr id="2" name="Title 1">
+            <a:extLst>
+              <a:ext uri="{FF2B5EF4-FFF2-40B4-BE49-F238E27FC236}">
                 <a16:creationId xmlns:a16="http://schemas.microsoft.com/office/drawing/2014/main" id="{F7E90694-AA7F-451B-A875-1D23D1FDBA32}"/>
               </a:ext>
             </a:extLst>
@@ -17476,7 +19216,7 @@
           <a:p>
             <a:fld id="{A7119916-CD40-456D-ABE3-55F8822671F7}" type="datetime1">
               <a:rPr lang="en-US" smtClean="0"/>
-              <a:t>2/27/2022</a:t>
+              <a:t>7/13/2022</a:t>
             </a:fld>
             <a:endParaRPr lang="en-US" dirty="0"/>
           </a:p>
@@ -17533,7 +19273,7 @@
           <a:p>
             <a:fld id="{6D22F896-40B5-4ADD-8801-0D06FADFA095}" type="slidenum">
               <a:rPr lang="en-US" smtClean="0"/>
-              <a:t>20</a:t>
+              <a:t>23</a:t>
             </a:fld>
             <a:endParaRPr lang="en-US" dirty="0"/>
           </a:p>
@@ -17594,7 +19334,7 @@
           <a:p>
             <a:r>
               <a:rPr lang="en-US" dirty="0"/>
-              <a:t>Classes – Programmer Defined Objects</a:t>
+              <a:t>Classes – Structure – Object Oriented</a:t>
             </a:r>
             <a:endParaRPr lang="en-US" sz="2800" dirty="0"/>
           </a:p>
@@ -17624,48 +19364,66 @@
         </p:spPr>
         <p:txBody>
           <a:bodyPr>
-            <a:normAutofit lnSpcReduction="10000"/>
+            <a:normAutofit/>
           </a:bodyPr>
           <a:lstStyle/>
           <a:p>
-            <a:r>
-              <a:rPr lang="en-US" sz="3600" dirty="0"/>
-              <a:t>Complex data types</a:t>
-            </a:r>
-          </a:p>
-          <a:p>
-            <a:pPr lvl="1"/>
-            <a:r>
-              <a:rPr lang="en-US" sz="3400" dirty="0"/>
-              <a:t>Person: name, home_address, work_address</a:t>
-            </a:r>
-          </a:p>
-          <a:p>
-            <a:pPr lvl="1"/>
-            <a:r>
-              <a:rPr lang="en-US" sz="3400" dirty="0"/>
-              <a:t> Address: number, street, state</a:t>
-            </a:r>
-          </a:p>
-          <a:p>
-            <a:r>
-              <a:rPr lang="en-US" sz="3800" dirty="0"/>
-              <a:t>Complex Activity /Organization</a:t>
-            </a:r>
-          </a:p>
-          <a:p>
-            <a:pPr lvl="1"/>
-            <a:r>
-              <a:rPr lang="en-US" sz="3600" dirty="0"/>
-              <a:t>AirPort: name, address, runways</a:t>
-            </a:r>
-          </a:p>
-          <a:p>
-            <a:pPr lvl="1"/>
-            <a:r>
-              <a:rPr lang="en-US" sz="3600" dirty="0"/>
-              <a:t>Runway: length, width, location, direction</a:t>
-            </a:r>
+            <a:pPr marL="0" indent="0">
+              <a:buNone/>
+            </a:pPr>
+            <a:r>
+              <a:rPr lang="en-US" sz="4000" dirty="0">
+                <a:solidFill>
+                  <a:schemeClr val="accent1"/>
+                </a:solidFill>
+              </a:rPr>
+              <a:t>Software Objects  </a:t>
+            </a:r>
+            <a:r>
+              <a:rPr lang="en-US" sz="4000" dirty="0">
+                <a:solidFill>
+                  <a:schemeClr val="accent1"/>
+                </a:solidFill>
+                <a:sym typeface="Wingdings" panose="05000000000000000000" pitchFamily="2" charset="2"/>
+              </a:rPr>
+              <a:t> World Objects</a:t>
+            </a:r>
+            <a:endParaRPr lang="en-US" sz="4000" dirty="0">
+              <a:solidFill>
+                <a:schemeClr val="accent1"/>
+              </a:solidFill>
+            </a:endParaRPr>
+          </a:p>
+          <a:p>
+            <a:r>
+              <a:rPr lang="en-US" sz="4000" dirty="0">
+                <a:solidFill>
+                  <a:schemeClr val="accent1"/>
+                </a:solidFill>
+              </a:rPr>
+              <a:t>Record</a:t>
+            </a:r>
+          </a:p>
+          <a:p>
+            <a:r>
+              <a:rPr lang="en-US" sz="4000" dirty="0">
+                <a:solidFill>
+                  <a:schemeClr val="accent1"/>
+                </a:solidFill>
+              </a:rPr>
+              <a:t>Model</a:t>
+            </a:r>
+          </a:p>
+          <a:p>
+            <a:r>
+              <a:rPr lang="en-US" sz="4000" dirty="0">
+                <a:solidFill>
+                  <a:schemeClr val="accent1"/>
+                </a:solidFill>
+              </a:rPr>
+              <a:t>Control</a:t>
+            </a:r>
+            <a:endParaRPr lang="en-US" sz="4000" dirty="0"/>
           </a:p>
         </p:txBody>
       </p:sp>
@@ -17741,7 +19499,7 @@
                 <a:tabLst/>
                 <a:defRPr/>
               </a:pPr>
-              <a:t>2/27/2022</a:t>
+              <a:t>7/13/2022</a:t>
             </a:fld>
             <a:endParaRPr kumimoji="0" lang="en-US" sz="900" b="0" i="0" u="none" strike="noStrike" kern="1200" cap="none" spc="0" normalizeH="0" baseline="0" noProof="0" dirty="0">
               <a:ln>
@@ -17914,7 +19672,7 @@
     </p:spTree>
     <p:extLst>
       <p:ext uri="{BB962C8B-B14F-4D97-AF65-F5344CB8AC3E}">
-        <p14:creationId xmlns:p14="http://schemas.microsoft.com/office/powerpoint/2010/main" val="4129849682"/>
+        <p14:creationId xmlns:p14="http://schemas.microsoft.com/office/powerpoint/2010/main" val="816906511"/>
       </p:ext>
     </p:extLst>
   </p:cSld>
@@ -17966,14 +19724,7 @@
           <a:p>
             <a:r>
               <a:rPr lang="en-US" dirty="0"/>
-              <a:t>Modules – Sharing Code</a:t>
-            </a:r>
-            <a:br>
-              <a:rPr lang="en-US" dirty="0"/>
-            </a:br>
-            <a:r>
-              <a:rPr lang="en-US" dirty="0"/>
-              <a:t>- from others, to others, with yourself</a:t>
+              <a:t>Classes – Structure – Object Oriented</a:t>
             </a:r>
             <a:endParaRPr lang="en-US" sz="2800" dirty="0"/>
           </a:p>
@@ -18007,43 +19758,49 @@
           </a:bodyPr>
           <a:lstStyle/>
           <a:p>
-            <a:pPr marL="0" indent="0">
-              <a:buNone/>
-            </a:pPr>
-            <a:r>
-              <a:rPr lang="en-US" sz="3400" dirty="0">
-                <a:latin typeface="Courier New" panose="02070309020205020404" pitchFamily="49" charset="0"/>
-                <a:cs typeface="Courier New" panose="02070309020205020404" pitchFamily="49" charset="0"/>
-              </a:rPr>
-              <a:t>import turtle			# Bring in module</a:t>
-            </a:r>
-          </a:p>
-          <a:p>
-            <a:pPr marL="0" indent="0">
-              <a:buNone/>
-            </a:pPr>
-            <a:endParaRPr lang="en-US" sz="3400" dirty="0">
-              <a:latin typeface="Courier New" panose="02070309020205020404" pitchFamily="49" charset="0"/>
-              <a:cs typeface="Courier New" panose="02070309020205020404" pitchFamily="49" charset="0"/>
-            </a:endParaRPr>
-          </a:p>
-          <a:p>
-            <a:pPr marL="0" indent="0">
-              <a:buNone/>
-            </a:pPr>
-            <a:r>
-              <a:rPr lang="en-US" sz="3400" dirty="0">
-                <a:latin typeface="Courier New" panose="02070309020205020404" pitchFamily="49" charset="0"/>
-                <a:cs typeface="Courier New" panose="02070309020205020404" pitchFamily="49" charset="0"/>
-              </a:rPr>
-              <a:t>from turtle import *	# </a:t>
-            </a:r>
-            <a:r>
-              <a:rPr lang="en-US" sz="2000" dirty="0">
-                <a:latin typeface="Courier New" panose="02070309020205020404" pitchFamily="49" charset="0"/>
-                <a:cs typeface="Courier New" panose="02070309020205020404" pitchFamily="49" charset="0"/>
-              </a:rPr>
-              <a:t>Bring in all members</a:t>
+            <a:r>
+              <a:rPr lang="en-US" sz="3600" dirty="0">
+                <a:solidFill>
+                  <a:schemeClr val="accent1"/>
+                </a:solidFill>
+              </a:rPr>
+              <a:t>Object Oriented</a:t>
+            </a:r>
+            <a:r>
+              <a:rPr lang="en-US" sz="3600" dirty="0"/>
+              <a:t> – Helps with objects</a:t>
+            </a:r>
+          </a:p>
+          <a:p>
+            <a:endParaRPr lang="en-US" sz="3600" dirty="0"/>
+          </a:p>
+          <a:p>
+            <a:r>
+              <a:rPr lang="en-US" sz="3600" b="1" dirty="0">
+                <a:solidFill>
+                  <a:schemeClr val="accent1"/>
+                </a:solidFill>
+              </a:rPr>
+              <a:t>Classes</a:t>
+            </a:r>
+            <a:r>
+              <a:rPr lang="en-US" sz="3600" dirty="0"/>
+              <a:t>: define object structure</a:t>
+            </a:r>
+            <a:endParaRPr lang="en-US" sz="3600" b="1" dirty="0"/>
+          </a:p>
+          <a:p>
+            <a:pPr lvl="1"/>
+            <a:r>
+              <a:rPr lang="en-US" sz="3400" dirty="0"/>
+              <a:t>Data – object's state</a:t>
+            </a:r>
+          </a:p>
+          <a:p>
+            <a:pPr lvl="1"/>
+            <a:r>
+              <a:rPr lang="en-US" sz="3400" dirty="0"/>
+              <a:t>Function – object's actions</a:t>
             </a:r>
           </a:p>
         </p:txBody>
@@ -18120,7 +19877,7 @@
                 <a:tabLst/>
                 <a:defRPr/>
               </a:pPr>
-              <a:t>2/27/2022</a:t>
+              <a:t>7/13/2022</a:t>
             </a:fld>
             <a:endParaRPr kumimoji="0" lang="en-US" sz="900" b="0" i="0" u="none" strike="noStrike" kern="1200" cap="none" spc="0" normalizeH="0" baseline="0" noProof="0" dirty="0">
               <a:ln>
@@ -18293,7 +20050,7 @@
     </p:spTree>
     <p:extLst>
       <p:ext uri="{BB962C8B-B14F-4D97-AF65-F5344CB8AC3E}">
-        <p14:creationId xmlns:p14="http://schemas.microsoft.com/office/powerpoint/2010/main" val="1953311570"/>
+        <p14:creationId xmlns:p14="http://schemas.microsoft.com/office/powerpoint/2010/main" val="1860221950"/>
       </p:ext>
     </p:extLst>
   </p:cSld>
@@ -18325,7 +20082,7 @@
           <p:cNvPr id="2" name="Title 1">
             <a:extLst>
               <a:ext uri="{FF2B5EF4-FFF2-40B4-BE49-F238E27FC236}">
-                <a16:creationId xmlns:a16="http://schemas.microsoft.com/office/drawing/2014/main" id="{00C99C45-A655-40FD-BF53-F03EF1F5E416}"/>
+                <a16:creationId xmlns:a16="http://schemas.microsoft.com/office/drawing/2014/main" id="{1DA1856C-C512-459F-3FA4-9410DDD40073}"/>
               </a:ext>
             </a:extLst>
           </p:cNvPr>
@@ -18338,31 +20095,90 @@
         </p:nvSpPr>
         <p:spPr/>
         <p:txBody>
+          <a:bodyPr/>
+          <a:lstStyle/>
+          <a:p>
+            <a:r>
+              <a:rPr lang="en-US" dirty="0"/>
+              <a:t>Some Class Samples</a:t>
+            </a:r>
+          </a:p>
+        </p:txBody>
+      </p:sp>
+      <p:sp>
+        <p:nvSpPr>
+          <p:cNvPr id="3" name="Content Placeholder 2">
+            <a:extLst>
+              <a:ext uri="{FF2B5EF4-FFF2-40B4-BE49-F238E27FC236}">
+                <a16:creationId xmlns:a16="http://schemas.microsoft.com/office/drawing/2014/main" id="{C7627202-EACB-3615-9FEE-1B3C90E6BC1E}"/>
+              </a:ext>
+            </a:extLst>
+          </p:cNvPr>
+          <p:cNvSpPr>
+            <a:spLocks noGrp="1"/>
+          </p:cNvSpPr>
+          <p:nvPr>
+            <p:ph idx="1"/>
+          </p:nvPr>
+        </p:nvSpPr>
+        <p:spPr/>
+        <p:txBody>
           <a:bodyPr>
             <a:normAutofit/>
           </a:bodyPr>
           <a:lstStyle/>
           <a:p>
-            <a:r>
-              <a:rPr lang="en-US" dirty="0"/>
-              <a:t>Bring in module</a:t>
-            </a:r>
-            <a:br>
-              <a:rPr lang="en-US" dirty="0"/>
-            </a:br>
-            <a:r>
-              <a:rPr lang="en-US" sz="2400" dirty="0"/>
-              <a:t>classes/import_turtle.py</a:t>
-            </a:r>
-          </a:p>
-        </p:txBody>
-      </p:sp>
-      <p:sp>
-        <p:nvSpPr>
-          <p:cNvPr id="3" name="Content Placeholder 2">
+            <a:pPr marL="0" indent="0">
+              <a:buNone/>
+            </a:pPr>
+            <a:r>
+              <a:rPr lang="en-US" sz="3600" dirty="0">
+                <a:solidFill>
+                  <a:schemeClr val="accent1"/>
+                </a:solidFill>
+              </a:rPr>
+              <a:t>Static Art – Array of Squares</a:t>
+            </a:r>
+          </a:p>
+          <a:p>
+            <a:pPr marL="0" indent="0" algn="ctr">
+              <a:buNone/>
+            </a:pPr>
+            <a:r>
+              <a:rPr lang="en-US" sz="3600" dirty="0"/>
+              <a:t>presentation/*/square_lattice.py</a:t>
+            </a:r>
+          </a:p>
+          <a:p>
+            <a:pPr marL="0" indent="0">
+              <a:buNone/>
+            </a:pPr>
+            <a:r>
+              <a:rPr lang="en-US" sz="3600" dirty="0">
+                <a:solidFill>
+                  <a:schemeClr val="accent1"/>
+                </a:solidFill>
+              </a:rPr>
+              <a:t>Dynamic Art – changing screen</a:t>
+            </a:r>
+          </a:p>
+          <a:p>
+            <a:pPr marL="0" indent="0" algn="ctr">
+              <a:buNone/>
+            </a:pPr>
+            <a:r>
+              <a:rPr lang="en-US" sz="3200" dirty="0"/>
+              <a:t>presentation/*/square_lattice_varied.py</a:t>
+            </a:r>
+          </a:p>
+        </p:txBody>
+      </p:sp>
+      <p:sp>
+        <p:nvSpPr>
+          <p:cNvPr id="4" name="Date Placeholder 3">
             <a:extLst>
               <a:ext uri="{FF2B5EF4-FFF2-40B4-BE49-F238E27FC236}">
-                <a16:creationId xmlns:a16="http://schemas.microsoft.com/office/drawing/2014/main" id="{AAE989A4-422F-4666-8E03-249076443C19}"/>
+                <a16:creationId xmlns:a16="http://schemas.microsoft.com/office/drawing/2014/main" id="{B8027E96-2FF6-7A28-5EEA-0707145546D6}"/>
               </a:ext>
             </a:extLst>
           </p:cNvPr>
@@ -18370,100 +20186,28 @@
             <a:spLocks noGrp="1"/>
           </p:cNvSpPr>
           <p:nvPr>
-            <p:ph idx="1"/>
-          </p:nvPr>
-        </p:nvSpPr>
-        <p:spPr>
-          <a:xfrm>
-            <a:off x="677333" y="2160589"/>
-            <a:ext cx="9815965" cy="3880773"/>
-          </a:xfrm>
-        </p:spPr>
-        <p:txBody>
-          <a:bodyPr>
-            <a:normAutofit/>
-          </a:bodyPr>
-          <a:lstStyle/>
-          <a:p>
-            <a:pPr marL="0" indent="0">
-              <a:buNone/>
-            </a:pPr>
-            <a:r>
-              <a:rPr lang="en-US" sz="3400" dirty="0">
-                <a:latin typeface="Courier New" panose="02070309020205020404" pitchFamily="49" charset="0"/>
-                <a:cs typeface="Courier New" panose="02070309020205020404" pitchFamily="49" charset="0"/>
-              </a:rPr>
-              <a:t>import turtle			# Bring in module</a:t>
-            </a:r>
-          </a:p>
-          <a:p>
-            <a:pPr marL="0" indent="0">
-              <a:buNone/>
-            </a:pPr>
-            <a:r>
-              <a:rPr lang="en-US" sz="3400" dirty="0">
-                <a:latin typeface="Courier New" panose="02070309020205020404" pitchFamily="49" charset="0"/>
-                <a:cs typeface="Courier New" panose="02070309020205020404" pitchFamily="49" charset="0"/>
-              </a:rPr>
-              <a:t>side = 100</a:t>
-            </a:r>
-          </a:p>
-          <a:p>
-            <a:pPr marL="0" indent="0">
-              <a:buNone/>
-            </a:pPr>
-            <a:r>
-              <a:rPr lang="en-US" sz="3400" dirty="0">
-                <a:latin typeface="Courier New" panose="02070309020205020404" pitchFamily="49" charset="0"/>
-                <a:cs typeface="Courier New" panose="02070309020205020404" pitchFamily="49" charset="0"/>
-              </a:rPr>
-              <a:t>angle = 60</a:t>
-            </a:r>
-          </a:p>
-          <a:p>
-            <a:pPr marL="0" indent="0">
-              <a:buNone/>
-            </a:pPr>
-            <a:r>
-              <a:rPr lang="en-US" sz="3400" dirty="0">
-                <a:latin typeface="Courier New" panose="02070309020205020404" pitchFamily="49" charset="0"/>
-                <a:cs typeface="Courier New" panose="02070309020205020404" pitchFamily="49" charset="0"/>
-              </a:rPr>
-              <a:t>for i in range(6):</a:t>
-            </a:r>
-          </a:p>
-          <a:p>
-            <a:pPr marL="0" indent="0">
-              <a:buNone/>
-            </a:pPr>
-            <a:r>
-              <a:rPr lang="en-US" sz="3400" dirty="0">
-                <a:latin typeface="Courier New" panose="02070309020205020404" pitchFamily="49" charset="0"/>
-                <a:cs typeface="Courier New" panose="02070309020205020404" pitchFamily="49" charset="0"/>
-              </a:rPr>
-              <a:t>    turtle.forward(side)	# Use module</a:t>
-            </a:r>
-          </a:p>
-          <a:p>
-            <a:pPr marL="0" indent="0">
-              <a:buNone/>
-            </a:pPr>
-            <a:r>
-              <a:rPr lang="en-US" sz="3400" dirty="0">
-                <a:latin typeface="Courier New" panose="02070309020205020404" pitchFamily="49" charset="0"/>
-                <a:cs typeface="Courier New" panose="02070309020205020404" pitchFamily="49" charset="0"/>
-              </a:rPr>
-              <a:t>    turtle.right(angle)</a:t>
-            </a:r>
-          </a:p>
-        </p:txBody>
-      </p:sp>
-      <p:sp>
-        <p:nvSpPr>
-          <p:cNvPr id="4" name="Date Placeholder 3">
+            <p:ph type="dt" sz="half" idx="10"/>
+          </p:nvPr>
+        </p:nvSpPr>
+        <p:spPr/>
+        <p:txBody>
+          <a:bodyPr/>
+          <a:lstStyle/>
+          <a:p>
+            <a:fld id="{A7119916-CD40-456D-ABE3-55F8822671F7}" type="datetime1">
+              <a:rPr lang="en-US" smtClean="0"/>
+              <a:t>7/13/2022</a:t>
+            </a:fld>
+            <a:endParaRPr lang="en-US" dirty="0"/>
+          </a:p>
+        </p:txBody>
+      </p:sp>
+      <p:sp>
+        <p:nvSpPr>
+          <p:cNvPr id="5" name="Footer Placeholder 4">
             <a:extLst>
               <a:ext uri="{FF2B5EF4-FFF2-40B4-BE49-F238E27FC236}">
-                <a16:creationId xmlns:a16="http://schemas.microsoft.com/office/drawing/2014/main" id="{D4B58B9C-2101-47C6-B21D-A9C4C0222113}"/>
+                <a16:creationId xmlns:a16="http://schemas.microsoft.com/office/drawing/2014/main" id="{1E2FD8FE-CAA6-C10E-90AA-4CA6BB6A6C85}"/>
               </a:ext>
             </a:extLst>
           </p:cNvPr>
@@ -18471,92 +20215,27 @@
             <a:spLocks noGrp="1"/>
           </p:cNvSpPr>
           <p:nvPr>
-            <p:ph type="dt" sz="half" idx="10"/>
-          </p:nvPr>
-        </p:nvSpPr>
-        <p:spPr/>
-        <p:txBody>
-          <a:bodyPr/>
-          <a:lstStyle/>
-          <a:p>
-            <a:pPr marL="0" marR="0" lvl="0" indent="0" algn="r" defTabSz="457200" rtl="0" eaLnBrk="1" fontAlgn="auto" latinLnBrk="0" hangingPunct="1">
-              <a:lnSpc>
-                <a:spcPct val="100000"/>
-              </a:lnSpc>
-              <a:spcBef>
-                <a:spcPts val="0"/>
-              </a:spcBef>
-              <a:spcAft>
-                <a:spcPts val="0"/>
-              </a:spcAft>
-              <a:buClrTx/>
-              <a:buSzTx/>
-              <a:buFontTx/>
-              <a:buNone/>
-              <a:tabLst/>
-              <a:defRPr/>
-            </a:pPr>
-            <a:fld id="{A7119916-CD40-456D-ABE3-55F8822671F7}" type="datetime1">
-              <a:rPr kumimoji="0" lang="en-US" sz="900" b="0" i="0" u="none" strike="noStrike" kern="1200" cap="none" spc="0" normalizeH="0" baseline="0" noProof="0" smtClean="0">
-                <a:ln>
-                  <a:noFill/>
-                </a:ln>
-                <a:solidFill>
-                  <a:prstClr val="black">
-                    <a:tint val="75000"/>
-                  </a:prstClr>
-                </a:solidFill>
-                <a:effectLst/>
-                <a:uLnTx/>
-                <a:uFillTx/>
-                <a:latin typeface="Trebuchet MS" panose="020B0603020202020204"/>
-                <a:ea typeface="+mn-ea"/>
-                <a:cs typeface="+mn-cs"/>
-              </a:rPr>
-              <a:pPr marL="0" marR="0" lvl="0" indent="0" algn="r" defTabSz="457200" rtl="0" eaLnBrk="1" fontAlgn="auto" latinLnBrk="0" hangingPunct="1">
-                <a:lnSpc>
-                  <a:spcPct val="100000"/>
-                </a:lnSpc>
-                <a:spcBef>
-                  <a:spcPts val="0"/>
-                </a:spcBef>
-                <a:spcAft>
-                  <a:spcPts val="0"/>
-                </a:spcAft>
-                <a:buClrTx/>
-                <a:buSzTx/>
-                <a:buFontTx/>
-                <a:buNone/>
-                <a:tabLst/>
-                <a:defRPr/>
-              </a:pPr>
-              <a:t>2/27/2022</a:t>
-            </a:fld>
-            <a:endParaRPr kumimoji="0" lang="en-US" sz="900" b="0" i="0" u="none" strike="noStrike" kern="1200" cap="none" spc="0" normalizeH="0" baseline="0" noProof="0" dirty="0">
-              <a:ln>
-                <a:noFill/>
-              </a:ln>
-              <a:solidFill>
-                <a:prstClr val="black">
-                  <a:tint val="75000"/>
-                </a:prstClr>
-              </a:solidFill>
-              <a:effectLst/>
-              <a:uLnTx/>
-              <a:uFillTx/>
-              <a:latin typeface="Trebuchet MS" panose="020B0603020202020204"/>
-              <a:ea typeface="+mn-ea"/>
-              <a:cs typeface="+mn-cs"/>
-            </a:endParaRPr>
-          </a:p>
-        </p:txBody>
-      </p:sp>
-      <p:sp>
-        <p:nvSpPr>
-          <p:cNvPr id="5" name="Footer Placeholder 4">
+            <p:ph type="ftr" sz="quarter" idx="11"/>
+          </p:nvPr>
+        </p:nvSpPr>
+        <p:spPr/>
+        <p:txBody>
+          <a:bodyPr/>
+          <a:lstStyle/>
+          <a:p>
+            <a:r>
+              <a:rPr lang="en-US" dirty="0"/>
+              <a:t>raysmith@alum.mit.edu</a:t>
+            </a:r>
+          </a:p>
+        </p:txBody>
+      </p:sp>
+      <p:sp>
+        <p:nvSpPr>
+          <p:cNvPr id="6" name="Slide Number Placeholder 5">
             <a:extLst>
               <a:ext uri="{FF2B5EF4-FFF2-40B4-BE49-F238E27FC236}">
-                <a16:creationId xmlns:a16="http://schemas.microsoft.com/office/drawing/2014/main" id="{EB3CE92E-DA4C-49CE-8437-22304F783D2B}"/>
+                <a16:creationId xmlns:a16="http://schemas.microsoft.com/office/drawing/2014/main" id="{2A017EEA-A9C9-8B89-C606-140F0BA6BED0}"/>
               </a:ext>
             </a:extLst>
           </p:cNvPr>
@@ -18564,66 +20243,6 @@
             <a:spLocks noGrp="1"/>
           </p:cNvSpPr>
           <p:nvPr>
-            <p:ph type="ftr" sz="quarter" idx="11"/>
-          </p:nvPr>
-        </p:nvSpPr>
-        <p:spPr/>
-        <p:txBody>
-          <a:bodyPr/>
-          <a:lstStyle/>
-          <a:p>
-            <a:pPr marL="0" marR="0" lvl="0" indent="0" algn="l" defTabSz="457200" rtl="0" eaLnBrk="1" fontAlgn="auto" latinLnBrk="0" hangingPunct="1">
-              <a:lnSpc>
-                <a:spcPct val="100000"/>
-              </a:lnSpc>
-              <a:spcBef>
-                <a:spcPts val="0"/>
-              </a:spcBef>
-              <a:spcAft>
-                <a:spcPts val="0"/>
-              </a:spcAft>
-              <a:buClrTx/>
-              <a:buSzTx/>
-              <a:buFontTx/>
-              <a:buNone/>
-              <a:tabLst/>
-              <a:defRPr/>
-            </a:pPr>
-            <a:r>
-              <a:rPr kumimoji="0" lang="en-US" sz="900" b="0" i="0" u="none" strike="noStrike" kern="1200" cap="none" spc="0" normalizeH="0" baseline="0" noProof="0" dirty="0">
-                <a:ln>
-                  <a:noFill/>
-                </a:ln>
-                <a:solidFill>
-                  <a:prstClr val="black">
-                    <a:tint val="75000"/>
-                  </a:prstClr>
-                </a:solidFill>
-                <a:effectLst/>
-                <a:uLnTx/>
-                <a:uFillTx/>
-                <a:latin typeface="Trebuchet MS" panose="020B0603020202020204"/>
-                <a:ea typeface="+mn-ea"/>
-                <a:cs typeface="+mn-cs"/>
-              </a:rPr>
-              <a:t>raysmith@alum.mit.edu</a:t>
-            </a:r>
-          </a:p>
-        </p:txBody>
-      </p:sp>
-      <p:sp>
-        <p:nvSpPr>
-          <p:cNvPr id="6" name="Slide Number Placeholder 5">
-            <a:extLst>
-              <a:ext uri="{FF2B5EF4-FFF2-40B4-BE49-F238E27FC236}">
-                <a16:creationId xmlns:a16="http://schemas.microsoft.com/office/drawing/2014/main" id="{B555E688-FCD7-4E06-BD33-DA64AB1C3FA4}"/>
-              </a:ext>
-            </a:extLst>
-          </p:cNvPr>
-          <p:cNvSpPr>
-            <a:spLocks noGrp="1"/>
-          </p:cNvSpPr>
-          <p:nvPr>
             <p:ph type="sldNum" sz="quarter" idx="12"/>
           </p:nvPr>
         </p:nvSpPr>
@@ -18632,78 +20251,18 @@
           <a:bodyPr/>
           <a:lstStyle/>
           <a:p>
-            <a:pPr marL="0" marR="0" lvl="0" indent="0" algn="r" defTabSz="457200" rtl="0" eaLnBrk="1" fontAlgn="auto" latinLnBrk="0" hangingPunct="1">
-              <a:lnSpc>
-                <a:spcPct val="100000"/>
-              </a:lnSpc>
-              <a:spcBef>
-                <a:spcPts val="0"/>
-              </a:spcBef>
-              <a:spcAft>
-                <a:spcPts val="0"/>
-              </a:spcAft>
-              <a:buClrTx/>
-              <a:buSzTx/>
-              <a:buFontTx/>
-              <a:buNone/>
-              <a:tabLst/>
-              <a:defRPr/>
-            </a:pPr>
             <a:fld id="{6D22F896-40B5-4ADD-8801-0D06FADFA095}" type="slidenum">
-              <a:rPr kumimoji="0" lang="en-US" sz="900" b="0" i="0" u="none" strike="noStrike" kern="1200" cap="none" spc="0" normalizeH="0" baseline="0" noProof="0" smtClean="0">
-                <a:ln>
-                  <a:noFill/>
-                </a:ln>
-                <a:solidFill>
-                  <a:srgbClr val="90C226"/>
-                </a:solidFill>
-                <a:effectLst/>
-                <a:uLnTx/>
-                <a:uFillTx/>
-                <a:latin typeface="Trebuchet MS" panose="020B0603020202020204"/>
-                <a:ea typeface="+mn-ea"/>
-                <a:cs typeface="+mn-cs"/>
-              </a:rPr>
-              <a:pPr marL="0" marR="0" lvl="0" indent="0" algn="r" defTabSz="457200" rtl="0" eaLnBrk="1" fontAlgn="auto" latinLnBrk="0" hangingPunct="1">
-                <a:lnSpc>
-                  <a:spcPct val="100000"/>
-                </a:lnSpc>
-                <a:spcBef>
-                  <a:spcPts val="0"/>
-                </a:spcBef>
-                <a:spcAft>
-                  <a:spcPts val="0"/>
-                </a:spcAft>
-                <a:buClrTx/>
-                <a:buSzTx/>
-                <a:buFontTx/>
-                <a:buNone/>
-                <a:tabLst/>
-                <a:defRPr/>
-              </a:pPr>
+              <a:rPr lang="en-US" smtClean="0"/>
               <a:t>5</a:t>
             </a:fld>
-            <a:endParaRPr kumimoji="0" lang="en-US" sz="900" b="0" i="0" u="none" strike="noStrike" kern="1200" cap="none" spc="0" normalizeH="0" baseline="0" noProof="0" dirty="0">
-              <a:ln>
-                <a:noFill/>
-              </a:ln>
-              <a:solidFill>
-                <a:srgbClr val="90C226"/>
-              </a:solidFill>
-              <a:effectLst/>
-              <a:uLnTx/>
-              <a:uFillTx/>
-              <a:latin typeface="Trebuchet MS" panose="020B0603020202020204"/>
-              <a:ea typeface="+mn-ea"/>
-              <a:cs typeface="+mn-cs"/>
-            </a:endParaRPr>
+            <a:endParaRPr lang="en-US" dirty="0"/>
           </a:p>
         </p:txBody>
       </p:sp>
     </p:spTree>
     <p:extLst>
       <p:ext uri="{BB962C8B-B14F-4D97-AF65-F5344CB8AC3E}">
-        <p14:creationId xmlns:p14="http://schemas.microsoft.com/office/powerpoint/2010/main" val="3057881285"/>
+        <p14:creationId xmlns:p14="http://schemas.microsoft.com/office/powerpoint/2010/main" val="4083353492"/>
       </p:ext>
     </p:extLst>
   </p:cSld>
@@ -18755,15 +20314,16 @@
           <a:p>
             <a:r>
               <a:rPr lang="en-US" dirty="0"/>
-              <a:t>Bring in all functions from module</a:t>
+              <a:t>Classes – Examples</a:t>
             </a:r>
             <a:br>
               <a:rPr lang="en-US" dirty="0"/>
             </a:br>
             <a:r>
-              <a:rPr lang="en-US" sz="2400" dirty="0"/>
-              <a:t>classes/from_turtle_import.py</a:t>
-            </a:r>
+              <a:rPr lang="en-US" dirty="0"/>
+              <a:t>Programmer Defined</a:t>
+            </a:r>
+            <a:endParaRPr lang="en-US" sz="2800" dirty="0"/>
           </a:p>
         </p:txBody>
       </p:sp>
@@ -18791,86 +20351,71 @@
         </p:spPr>
         <p:txBody>
           <a:bodyPr>
-            <a:normAutofit fontScale="92500"/>
+            <a:normAutofit lnSpcReduction="10000"/>
           </a:bodyPr>
           <a:lstStyle/>
           <a:p>
-            <a:pPr marL="0" indent="0">
-              <a:buNone/>
-            </a:pPr>
-            <a:r>
-              <a:rPr lang="en-US" sz="3400" dirty="0">
-                <a:latin typeface="Courier New" panose="02070309020205020404" pitchFamily="49" charset="0"/>
-                <a:cs typeface="Courier New" panose="02070309020205020404" pitchFamily="49" charset="0"/>
-              </a:rPr>
-              <a:t>from turtle import *	# Bring in all</a:t>
-            </a:r>
-          </a:p>
-          <a:p>
-            <a:pPr marL="0" indent="0">
-              <a:buNone/>
-            </a:pPr>
-            <a:r>
-              <a:rPr lang="en-US" sz="3400" dirty="0">
-                <a:latin typeface="Courier New" panose="02070309020205020404" pitchFamily="49" charset="0"/>
-                <a:cs typeface="Courier New" panose="02070309020205020404" pitchFamily="49" charset="0"/>
-              </a:rPr>
-              <a:t>side = 100</a:t>
-            </a:r>
-          </a:p>
-          <a:p>
-            <a:pPr marL="0" indent="0">
-              <a:buNone/>
-            </a:pPr>
-            <a:r>
-              <a:rPr lang="en-US" sz="3400" dirty="0">
-                <a:latin typeface="Courier New" panose="02070309020205020404" pitchFamily="49" charset="0"/>
-                <a:cs typeface="Courier New" panose="02070309020205020404" pitchFamily="49" charset="0"/>
-              </a:rPr>
-              <a:t>angle = 60</a:t>
-            </a:r>
-          </a:p>
-          <a:p>
-            <a:pPr marL="0" indent="0">
-              <a:buNone/>
-            </a:pPr>
-            <a:r>
-              <a:rPr lang="en-US" sz="3400" dirty="0">
-                <a:latin typeface="Courier New" panose="02070309020205020404" pitchFamily="49" charset="0"/>
-                <a:cs typeface="Courier New" panose="02070309020205020404" pitchFamily="49" charset="0"/>
-              </a:rPr>
-              <a:t>for i in range(6):</a:t>
-            </a:r>
-          </a:p>
-          <a:p>
-            <a:pPr marL="0" indent="0">
-              <a:buNone/>
-            </a:pPr>
-            <a:r>
-              <a:rPr lang="en-US" sz="3400" dirty="0">
-                <a:latin typeface="Courier New" panose="02070309020205020404" pitchFamily="49" charset="0"/>
-                <a:cs typeface="Courier New" panose="02070309020205020404" pitchFamily="49" charset="0"/>
-              </a:rPr>
-              <a:t>    forward(side)			# </a:t>
-            </a:r>
-            <a:r>
-              <a:rPr lang="en-US" sz="3000" dirty="0">
-                <a:latin typeface="Courier New" panose="02070309020205020404" pitchFamily="49" charset="0"/>
-                <a:cs typeface="Courier New" panose="02070309020205020404" pitchFamily="49" charset="0"/>
-              </a:rPr>
-              <a:t>Use turtle function</a:t>
-            </a:r>
-          </a:p>
-          <a:p>
-            <a:pPr marL="0" indent="0">
-              <a:buNone/>
-            </a:pPr>
-            <a:r>
-              <a:rPr lang="en-US" sz="3400" dirty="0">
-                <a:latin typeface="Courier New" panose="02070309020205020404" pitchFamily="49" charset="0"/>
-                <a:cs typeface="Courier New" panose="02070309020205020404" pitchFamily="49" charset="0"/>
-              </a:rPr>
-              <a:t>    right(angle)</a:t>
+            <a:r>
+              <a:rPr lang="en-US" sz="3600" dirty="0">
+                <a:solidFill>
+                  <a:schemeClr val="accent1"/>
+                </a:solidFill>
+              </a:rPr>
+              <a:t>World Data</a:t>
+            </a:r>
+            <a:r>
+              <a:rPr lang="en-US" sz="3600" dirty="0"/>
+              <a:t> </a:t>
+            </a:r>
+          </a:p>
+          <a:p>
+            <a:pPr lvl="1"/>
+            <a:r>
+              <a:rPr lang="en-US" sz="3200" dirty="0"/>
+              <a:t>Person: name, home_address, work_address</a:t>
+            </a:r>
+          </a:p>
+          <a:p>
+            <a:pPr lvl="1"/>
+            <a:r>
+              <a:rPr lang="en-US" sz="3400" dirty="0"/>
+              <a:t> Address: number, street, state</a:t>
+            </a:r>
+          </a:p>
+          <a:p>
+            <a:r>
+              <a:rPr lang="en-US" sz="3800" dirty="0">
+                <a:solidFill>
+                  <a:schemeClr val="accent1"/>
+                </a:solidFill>
+              </a:rPr>
+              <a:t>World Activity</a:t>
+            </a:r>
+            <a:r>
+              <a:rPr lang="en-US" sz="3800" dirty="0"/>
+              <a:t> / </a:t>
+            </a:r>
+            <a:r>
+              <a:rPr lang="en-US" sz="3800" dirty="0">
+                <a:solidFill>
+                  <a:schemeClr val="accent1"/>
+                </a:solidFill>
+              </a:rPr>
+              <a:t>Process</a:t>
+            </a:r>
+          </a:p>
+          <a:p>
+            <a:pPr lvl="1"/>
+            <a:r>
+              <a:rPr lang="en-US" sz="3600" dirty="0"/>
+              <a:t>AirPort: name, location, runways, status</a:t>
+            </a:r>
+          </a:p>
+          <a:p>
+            <a:pPr lvl="1"/>
+            <a:r>
+              <a:rPr lang="en-US" sz="3600" dirty="0"/>
+              <a:t>Runway: length, location, direction, status</a:t>
             </a:r>
           </a:p>
         </p:txBody>
@@ -18947,7 +20492,7 @@
                 <a:tabLst/>
                 <a:defRPr/>
               </a:pPr>
-              <a:t>2/27/2022</a:t>
+              <a:t>7/13/2022</a:t>
             </a:fld>
             <a:endParaRPr kumimoji="0" lang="en-US" sz="900" b="0" i="0" u="none" strike="noStrike" kern="1200" cap="none" spc="0" normalizeH="0" baseline="0" noProof="0" dirty="0">
               <a:ln>
@@ -19120,7 +20665,7 @@
     </p:spTree>
     <p:extLst>
       <p:ext uri="{BB962C8B-B14F-4D97-AF65-F5344CB8AC3E}">
-        <p14:creationId xmlns:p14="http://schemas.microsoft.com/office/powerpoint/2010/main" val="1348192994"/>
+        <p14:creationId xmlns:p14="http://schemas.microsoft.com/office/powerpoint/2010/main" val="4129849682"/>
       </p:ext>
     </p:extLst>
   </p:cSld>
@@ -19172,16 +20717,36 @@
           <a:p>
             <a:r>
               <a:rPr lang="en-US" dirty="0"/>
-              <a:t>Module Object Example</a:t>
+              <a:t>Modules – Sharing Code</a:t>
             </a:r>
             <a:br>
               <a:rPr lang="en-US" dirty="0"/>
             </a:br>
             <a:r>
               <a:rPr lang="en-US" dirty="0"/>
-              <a:t>- using turtle</a:t>
-            </a:r>
-            <a:endParaRPr lang="en-US" sz="2800" dirty="0"/>
+              <a:t>- </a:t>
+            </a:r>
+            <a:r>
+              <a:rPr lang="en-US" b="1" dirty="0"/>
+              <a:t>from</a:t>
+            </a:r>
+            <a:r>
+              <a:rPr lang="en-US" dirty="0"/>
+              <a:t> others, </a:t>
+            </a:r>
+            <a:r>
+              <a:rPr lang="en-US" b="1" dirty="0"/>
+              <a:t>to</a:t>
+            </a:r>
+            <a:r>
+              <a:rPr lang="en-US" dirty="0"/>
+              <a:t> others, with </a:t>
+            </a:r>
+            <a:r>
+              <a:rPr lang="en-US" b="1" dirty="0"/>
+              <a:t>yourself</a:t>
+            </a:r>
+            <a:endParaRPr lang="en-US" sz="2800" b="1" dirty="0"/>
           </a:p>
         </p:txBody>
       </p:sp>
@@ -19213,57 +20778,22 @@
           </a:bodyPr>
           <a:lstStyle/>
           <a:p>
+            <a:pPr marL="0" indent="0">
+              <a:buNone/>
+            </a:pPr>
             <a:r>
               <a:rPr lang="en-US" sz="3400" dirty="0">
+                <a:latin typeface="Courier New" panose="02070309020205020404" pitchFamily="49" charset="0"/>
                 <a:cs typeface="Courier New" panose="02070309020205020404" pitchFamily="49" charset="0"/>
               </a:rPr>
-              <a:t>exercises/</a:t>
-            </a:r>
-          </a:p>
-          <a:p>
-            <a:pPr lvl="1"/>
-            <a:r>
-              <a:rPr lang="en-US" sz="3200" dirty="0">
+              <a:t>import turtle			# Bring </a:t>
+            </a:r>
+            <a:r>
+              <a:rPr lang="en-US" sz="3400" b="1" dirty="0">
+                <a:latin typeface="Courier New" panose="02070309020205020404" pitchFamily="49" charset="0"/>
                 <a:cs typeface="Courier New" panose="02070309020205020404" pitchFamily="49" charset="0"/>
               </a:rPr>
-              <a:t>turtle/obj_multiple.py</a:t>
-            </a:r>
-          </a:p>
-          <a:p>
-            <a:pPr marL="857250" lvl="2" indent="0">
-              <a:buNone/>
-            </a:pPr>
-            <a:r>
-              <a:rPr lang="en-US" sz="3000" dirty="0">
-                <a:cs typeface="Courier New" panose="02070309020205020404" pitchFamily="49" charset="0"/>
-              </a:rPr>
-              <a:t>several turtles</a:t>
-            </a:r>
-          </a:p>
-          <a:p>
-            <a:endParaRPr lang="en-US" sz="3400" dirty="0">
-              <a:latin typeface="Courier New" panose="02070309020205020404" pitchFamily="49" charset="0"/>
-              <a:cs typeface="Courier New" panose="02070309020205020404" pitchFamily="49" charset="0"/>
-            </a:endParaRPr>
-          </a:p>
-          <a:p>
-            <a:pPr lvl="1"/>
-            <a:r>
-              <a:rPr lang="en-US" sz="3200" dirty="0">
-                <a:cs typeface="Courier New" panose="02070309020205020404" pitchFamily="49" charset="0"/>
-              </a:rPr>
-              <a:t>turtle/obj_multiple_2.py</a:t>
-            </a:r>
-          </a:p>
-          <a:p>
-            <a:pPr marL="0" indent="0">
-              <a:buNone/>
-            </a:pPr>
-            <a:r>
-              <a:rPr lang="en-US" sz="3400" dirty="0">
-                <a:cs typeface="Courier New" panose="02070309020205020404" pitchFamily="49" charset="0"/>
-              </a:rPr>
-              <a:t>		showing object independence</a:t>
+              <a:t>module</a:t>
             </a:r>
           </a:p>
           <a:p>
@@ -19274,6 +20804,32 @@
               <a:latin typeface="Courier New" panose="02070309020205020404" pitchFamily="49" charset="0"/>
               <a:cs typeface="Courier New" panose="02070309020205020404" pitchFamily="49" charset="0"/>
             </a:endParaRPr>
+          </a:p>
+          <a:p>
+            <a:pPr marL="0" indent="0">
+              <a:buNone/>
+            </a:pPr>
+            <a:r>
+              <a:rPr lang="en-US" sz="3400" dirty="0">
+                <a:latin typeface="Courier New" panose="02070309020205020404" pitchFamily="49" charset="0"/>
+                <a:cs typeface="Courier New" panose="02070309020205020404" pitchFamily="49" charset="0"/>
+              </a:rPr>
+              <a:t>from turtle import *	# </a:t>
+            </a:r>
+            <a:r>
+              <a:rPr lang="en-US" sz="3200" dirty="0">
+                <a:latin typeface="Courier New" panose="02070309020205020404" pitchFamily="49" charset="0"/>
+                <a:cs typeface="Courier New" panose="02070309020205020404" pitchFamily="49" charset="0"/>
+              </a:rPr>
+              <a:t>Bring </a:t>
+            </a:r>
+            <a:r>
+              <a:rPr lang="en-US" sz="3200" b="1" dirty="0">
+                <a:latin typeface="Courier New" panose="02070309020205020404" pitchFamily="49" charset="0"/>
+                <a:cs typeface="Courier New" panose="02070309020205020404" pitchFamily="49" charset="0"/>
+              </a:rPr>
+              <a:t>parts</a:t>
+            </a:r>
           </a:p>
         </p:txBody>
       </p:sp>
@@ -19349,7 +20905,7 @@
                 <a:tabLst/>
                 <a:defRPr/>
               </a:pPr>
-              <a:t>2/27/2022</a:t>
+              <a:t>7/13/2022</a:t>
             </a:fld>
             <a:endParaRPr kumimoji="0" lang="en-US" sz="900" b="0" i="0" u="none" strike="noStrike" kern="1200" cap="none" spc="0" normalizeH="0" baseline="0" noProof="0" dirty="0">
               <a:ln>
@@ -19522,7 +21078,7 @@
     </p:spTree>
     <p:extLst>
       <p:ext uri="{BB962C8B-B14F-4D97-AF65-F5344CB8AC3E}">
-        <p14:creationId xmlns:p14="http://schemas.microsoft.com/office/powerpoint/2010/main" val="2355352730"/>
+        <p14:creationId xmlns:p14="http://schemas.microsoft.com/office/powerpoint/2010/main" val="1953311570"/>
       </p:ext>
     </p:extLst>
   </p:cSld>
@@ -19574,9 +21130,15 @@
           <a:p>
             <a:r>
               <a:rPr lang="en-US" dirty="0"/>
-              <a:t>Classes – In action</a:t>
-            </a:r>
-            <a:endParaRPr lang="en-US" sz="2800" dirty="0"/>
+              <a:t>Bring in module</a:t>
+            </a:r>
+            <a:br>
+              <a:rPr lang="en-US" dirty="0"/>
+            </a:br>
+            <a:r>
+              <a:rPr lang="en-US" sz="2400" dirty="0"/>
+              <a:t>classes/import_turtle.py</a:t>
+            </a:r>
           </a:p>
         </p:txBody>
       </p:sp>
@@ -19608,56 +21170,126 @@
           </a:bodyPr>
           <a:lstStyle/>
           <a:p>
-            <a:r>
-              <a:rPr lang="en-US" sz="3600" dirty="0"/>
-              <a:t>Create object:</a:t>
-            </a:r>
-          </a:p>
-          <a:p>
-            <a:pPr lvl="1"/>
-            <a:r>
-              <a:rPr lang="en-US" sz="3400" i="1" dirty="0"/>
-              <a:t>obj</a:t>
-            </a:r>
-            <a:r>
-              <a:rPr lang="en-US" sz="3400" dirty="0"/>
-              <a:t> = </a:t>
-            </a:r>
-            <a:r>
-              <a:rPr lang="en-US" sz="3400" i="1" dirty="0"/>
-              <a:t>ClassName</a:t>
-            </a:r>
-            <a:r>
-              <a:rPr lang="en-US" sz="3400" dirty="0"/>
-              <a:t>(</a:t>
-            </a:r>
-            <a:r>
-              <a:rPr lang="en-US" sz="3400" i="1" dirty="0"/>
-              <a:t>values…</a:t>
-            </a:r>
-            <a:r>
-              <a:rPr lang="en-US" sz="3400" dirty="0"/>
-              <a:t>)</a:t>
-            </a:r>
-          </a:p>
-          <a:p>
-            <a:r>
-              <a:rPr lang="en-US" sz="3600" dirty="0"/>
-              <a:t>Use object:</a:t>
-            </a:r>
-          </a:p>
-          <a:p>
-            <a:pPr lvl="1"/>
-            <a:r>
-              <a:rPr lang="en-US" sz="3400" dirty="0"/>
-              <a:t>obj.list()   # list object</a:t>
-            </a:r>
-          </a:p>
-          <a:p>
-            <a:pPr lvl="1"/>
-            <a:r>
-              <a:rPr lang="en-US" sz="3400" dirty="0"/>
-              <a:t>obj.add(obj2)	# add obj2 to object</a:t>
+            <a:pPr marL="0" indent="0">
+              <a:buNone/>
+            </a:pPr>
+            <a:r>
+              <a:rPr lang="en-US" sz="3400" dirty="0">
+                <a:latin typeface="Courier New" panose="02070309020205020404" pitchFamily="49" charset="0"/>
+                <a:cs typeface="Courier New" panose="02070309020205020404" pitchFamily="49" charset="0"/>
+              </a:rPr>
+              <a:t>import </a:t>
+            </a:r>
+            <a:r>
+              <a:rPr lang="en-US" sz="3400" dirty="0">
+                <a:solidFill>
+                  <a:srgbClr val="00B0F0"/>
+                </a:solidFill>
+                <a:latin typeface="Courier New" panose="02070309020205020404" pitchFamily="49" charset="0"/>
+                <a:cs typeface="Courier New" panose="02070309020205020404" pitchFamily="49" charset="0"/>
+              </a:rPr>
+              <a:t>turtle</a:t>
+            </a:r>
+            <a:r>
+              <a:rPr lang="en-US" sz="3400" dirty="0">
+                <a:latin typeface="Courier New" panose="02070309020205020404" pitchFamily="49" charset="0"/>
+                <a:cs typeface="Courier New" panose="02070309020205020404" pitchFamily="49" charset="0"/>
+              </a:rPr>
+              <a:t>			# Bring in module</a:t>
+            </a:r>
+          </a:p>
+          <a:p>
+            <a:pPr marL="0" indent="0">
+              <a:buNone/>
+            </a:pPr>
+            <a:r>
+              <a:rPr lang="en-US" sz="3400" dirty="0">
+                <a:latin typeface="Courier New" panose="02070309020205020404" pitchFamily="49" charset="0"/>
+                <a:cs typeface="Courier New" panose="02070309020205020404" pitchFamily="49" charset="0"/>
+              </a:rPr>
+              <a:t>side = 100</a:t>
+            </a:r>
+          </a:p>
+          <a:p>
+            <a:pPr marL="0" indent="0">
+              <a:buNone/>
+            </a:pPr>
+            <a:r>
+              <a:rPr lang="en-US" sz="3400" dirty="0">
+                <a:latin typeface="Courier New" panose="02070309020205020404" pitchFamily="49" charset="0"/>
+                <a:cs typeface="Courier New" panose="02070309020205020404" pitchFamily="49" charset="0"/>
+              </a:rPr>
+              <a:t>angle = 60</a:t>
+            </a:r>
+          </a:p>
+          <a:p>
+            <a:pPr marL="0" indent="0">
+              <a:buNone/>
+            </a:pPr>
+            <a:r>
+              <a:rPr lang="en-US" sz="3400" dirty="0">
+                <a:latin typeface="Courier New" panose="02070309020205020404" pitchFamily="49" charset="0"/>
+                <a:cs typeface="Courier New" panose="02070309020205020404" pitchFamily="49" charset="0"/>
+              </a:rPr>
+              <a:t>for i in range(6):</a:t>
+            </a:r>
+          </a:p>
+          <a:p>
+            <a:pPr marL="0" indent="0">
+              <a:buNone/>
+            </a:pPr>
+            <a:r>
+              <a:rPr lang="en-US" sz="3400" dirty="0">
+                <a:latin typeface="Courier New" panose="02070309020205020404" pitchFamily="49" charset="0"/>
+                <a:cs typeface="Courier New" panose="02070309020205020404" pitchFamily="49" charset="0"/>
+              </a:rPr>
+              <a:t>    </a:t>
+            </a:r>
+            <a:r>
+              <a:rPr lang="en-US" sz="3400" dirty="0">
+                <a:solidFill>
+                  <a:srgbClr val="00B0F0"/>
+                </a:solidFill>
+                <a:latin typeface="Courier New" panose="02070309020205020404" pitchFamily="49" charset="0"/>
+                <a:cs typeface="Courier New" panose="02070309020205020404" pitchFamily="49" charset="0"/>
+              </a:rPr>
+              <a:t>turtle</a:t>
+            </a:r>
+            <a:r>
+              <a:rPr lang="en-US" sz="3400" dirty="0">
+                <a:latin typeface="Courier New" panose="02070309020205020404" pitchFamily="49" charset="0"/>
+                <a:cs typeface="Courier New" panose="02070309020205020404" pitchFamily="49" charset="0"/>
+              </a:rPr>
+              <a:t>.forward(side)	# Use module</a:t>
+            </a:r>
+          </a:p>
+          <a:p>
+            <a:pPr marL="0" indent="0">
+              <a:buNone/>
+            </a:pPr>
+            <a:r>
+              <a:rPr lang="en-US" sz="3400" dirty="0">
+                <a:latin typeface="Courier New" panose="02070309020205020404" pitchFamily="49" charset="0"/>
+                <a:cs typeface="Courier New" panose="02070309020205020404" pitchFamily="49" charset="0"/>
+              </a:rPr>
+              <a:t>    </a:t>
+            </a:r>
+            <a:r>
+              <a:rPr lang="en-US" sz="3400" dirty="0">
+                <a:solidFill>
+                  <a:srgbClr val="00B0F0"/>
+                </a:solidFill>
+                <a:latin typeface="Courier New" panose="02070309020205020404" pitchFamily="49" charset="0"/>
+                <a:cs typeface="Courier New" panose="02070309020205020404" pitchFamily="49" charset="0"/>
+              </a:rPr>
+              <a:t>turtle</a:t>
+            </a:r>
+            <a:r>
+              <a:rPr lang="en-US" sz="3400" dirty="0">
+                <a:latin typeface="Courier New" panose="02070309020205020404" pitchFamily="49" charset="0"/>
+                <a:cs typeface="Courier New" panose="02070309020205020404" pitchFamily="49" charset="0"/>
+              </a:rPr>
+              <a:t>.right(angle)</a:t>
             </a:r>
           </a:p>
         </p:txBody>
@@ -19734,7 +21366,7 @@
                 <a:tabLst/>
                 <a:defRPr/>
               </a:pPr>
-              <a:t>2/27/2022</a:t>
+              <a:t>7/13/2022</a:t>
             </a:fld>
             <a:endParaRPr kumimoji="0" lang="en-US" sz="900" b="0" i="0" u="none" strike="noStrike" kern="1200" cap="none" spc="0" normalizeH="0" baseline="0" noProof="0" dirty="0">
               <a:ln>
@@ -19907,7 +21539,7 @@
     </p:spTree>
     <p:extLst>
       <p:ext uri="{BB962C8B-B14F-4D97-AF65-F5344CB8AC3E}">
-        <p14:creationId xmlns:p14="http://schemas.microsoft.com/office/powerpoint/2010/main" val="3738358300"/>
+        <p14:creationId xmlns:p14="http://schemas.microsoft.com/office/powerpoint/2010/main" val="3057881285"/>
       </p:ext>
     </p:extLst>
   </p:cSld>
@@ -19939,7 +21571,7 @@
           <p:cNvPr id="2" name="Title 1">
             <a:extLst>
               <a:ext uri="{FF2B5EF4-FFF2-40B4-BE49-F238E27FC236}">
-                <a16:creationId xmlns:a16="http://schemas.microsoft.com/office/drawing/2014/main" id="{38E976DE-37DD-4E01-A276-BDE269D30524}"/>
+                <a16:creationId xmlns:a16="http://schemas.microsoft.com/office/drawing/2014/main" id="{00C99C45-A655-40FD-BF53-F03EF1F5E416}"/>
               </a:ext>
             </a:extLst>
           </p:cNvPr>
@@ -19952,12 +21584,21 @@
         </p:nvSpPr>
         <p:spPr/>
         <p:txBody>
-          <a:bodyPr/>
+          <a:bodyPr>
+            <a:normAutofit/>
+          </a:bodyPr>
           <a:lstStyle/>
           <a:p>
             <a:r>
               <a:rPr lang="en-US" dirty="0"/>
-              <a:t>Writing a Class Definition</a:t>
+              <a:t>All parts from module</a:t>
+            </a:r>
+            <a:br>
+              <a:rPr lang="en-US" dirty="0"/>
+            </a:br>
+            <a:r>
+              <a:rPr lang="en-US" sz="2400" dirty="0"/>
+              <a:t>classes/from_turtle_import.py</a:t>
             </a:r>
           </a:p>
         </p:txBody>
@@ -19967,7 +21608,7 @@
           <p:cNvPr id="3" name="Content Placeholder 2">
             <a:extLst>
               <a:ext uri="{FF2B5EF4-FFF2-40B4-BE49-F238E27FC236}">
-                <a16:creationId xmlns:a16="http://schemas.microsoft.com/office/drawing/2014/main" id="{34D38A03-BAB6-41D4-8C8D-A87703DBBD7D}"/>
+                <a16:creationId xmlns:a16="http://schemas.microsoft.com/office/drawing/2014/main" id="{AAE989A4-422F-4666-8E03-249076443C19}"/>
               </a:ext>
             </a:extLst>
           </p:cNvPr>
@@ -19978,79 +21619,156 @@
             <p:ph idx="1"/>
           </p:nvPr>
         </p:nvSpPr>
-        <p:spPr/>
-        <p:txBody>
-          <a:bodyPr/>
+        <p:spPr>
+          <a:xfrm>
+            <a:off x="677333" y="2160589"/>
+            <a:ext cx="9815965" cy="3880773"/>
+          </a:xfrm>
+        </p:spPr>
+        <p:txBody>
+          <a:bodyPr>
+            <a:normAutofit fontScale="92500"/>
+          </a:bodyPr>
           <a:lstStyle/>
           <a:p>
             <a:pPr marL="0" indent="0">
               <a:buNone/>
             </a:pPr>
             <a:r>
-              <a:rPr lang="en-US" sz="3600" b="1" dirty="0">
+              <a:rPr lang="en-US" sz="3400" dirty="0">
                 <a:latin typeface="Courier New" panose="02070309020205020404" pitchFamily="49" charset="0"/>
                 <a:cs typeface="Courier New" panose="02070309020205020404" pitchFamily="49" charset="0"/>
               </a:rPr>
-              <a:t>class</a:t>
-            </a:r>
-            <a:r>
-              <a:rPr lang="en-US" sz="3600" dirty="0">
+              <a:t>from turtle import </a:t>
+            </a:r>
+            <a:r>
+              <a:rPr lang="en-US" sz="3400" dirty="0">
+                <a:solidFill>
+                  <a:srgbClr val="00B0F0"/>
+                </a:solidFill>
                 <a:latin typeface="Courier New" panose="02070309020205020404" pitchFamily="49" charset="0"/>
                 <a:cs typeface="Courier New" panose="02070309020205020404" pitchFamily="49" charset="0"/>
               </a:rPr>
-              <a:t> </a:t>
-            </a:r>
-            <a:r>
-              <a:rPr lang="en-US" sz="3600" i="1" dirty="0">
+              <a:t>*</a:t>
+            </a:r>
+            <a:r>
+              <a:rPr lang="en-US" sz="3400" dirty="0">
                 <a:latin typeface="Courier New" panose="02070309020205020404" pitchFamily="49" charset="0"/>
                 <a:cs typeface="Courier New" panose="02070309020205020404" pitchFamily="49" charset="0"/>
               </a:rPr>
-              <a:t>Name</a:t>
-            </a:r>
-            <a:r>
-              <a:rPr lang="en-US" sz="3600" dirty="0">
+              <a:t>	# Bring in </a:t>
+            </a:r>
+            <a:r>
+              <a:rPr lang="en-US" sz="3400" dirty="0">
+                <a:solidFill>
+                  <a:srgbClr val="00B0F0"/>
+                </a:solidFill>
                 <a:latin typeface="Courier New" panose="02070309020205020404" pitchFamily="49" charset="0"/>
                 <a:cs typeface="Courier New" panose="02070309020205020404" pitchFamily="49" charset="0"/>
               </a:rPr>
-              <a:t>():</a:t>
-            </a:r>
-          </a:p>
-          <a:p>
-            <a:pPr marL="457200" lvl="1" indent="0">
+              <a:t>all</a:t>
+            </a:r>
+          </a:p>
+          <a:p>
+            <a:pPr marL="0" indent="0">
               <a:buNone/>
             </a:pPr>
             <a:r>
-              <a:rPr lang="en-US" sz="3600" dirty="0"/>
-              <a:t>""" </a:t>
-            </a:r>
-            <a:r>
-              <a:rPr lang="en-US" sz="3600" i="1" dirty="0"/>
-              <a:t>comments</a:t>
-            </a:r>
-          </a:p>
-          <a:p>
-            <a:pPr marL="457200" lvl="1" indent="0">
+              <a:rPr lang="en-US" sz="3400" dirty="0">
+                <a:latin typeface="Courier New" panose="02070309020205020404" pitchFamily="49" charset="0"/>
+                <a:cs typeface="Courier New" panose="02070309020205020404" pitchFamily="49" charset="0"/>
+              </a:rPr>
+              <a:t>side = 100</a:t>
+            </a:r>
+          </a:p>
+          <a:p>
+            <a:pPr marL="0" indent="0">
               <a:buNone/>
             </a:pPr>
             <a:r>
-              <a:rPr lang="en-US" sz="3600" dirty="0"/>
-              <a:t>"""</a:t>
-            </a:r>
-          </a:p>
-          <a:p>
-            <a:pPr marL="457200" lvl="1" indent="0">
+              <a:rPr lang="en-US" sz="3400" dirty="0">
+                <a:latin typeface="Courier New" panose="02070309020205020404" pitchFamily="49" charset="0"/>
+                <a:cs typeface="Courier New" panose="02070309020205020404" pitchFamily="49" charset="0"/>
+              </a:rPr>
+              <a:t>angle = 60</a:t>
+            </a:r>
+          </a:p>
+          <a:p>
+            <a:pPr marL="0" indent="0">
               <a:buNone/>
             </a:pPr>
             <a:r>
-              <a:rPr lang="en-US" sz="3600" i="1" dirty="0"/>
-              <a:t>data / functions</a:t>
-            </a:r>
-          </a:p>
-          <a:p>
-            <a:pPr marL="457200" lvl="1" indent="0">
+              <a:rPr lang="en-US" sz="3400" dirty="0">
+                <a:latin typeface="Courier New" panose="02070309020205020404" pitchFamily="49" charset="0"/>
+                <a:cs typeface="Courier New" panose="02070309020205020404" pitchFamily="49" charset="0"/>
+              </a:rPr>
+              <a:t>for i in range(6):</a:t>
+            </a:r>
+          </a:p>
+          <a:p>
+            <a:pPr marL="0" indent="0">
               <a:buNone/>
             </a:pPr>
-            <a:endParaRPr lang="en-US" dirty="0"/>
+            <a:r>
+              <a:rPr lang="en-US" sz="3400" dirty="0">
+                <a:latin typeface="Courier New" panose="02070309020205020404" pitchFamily="49" charset="0"/>
+                <a:cs typeface="Courier New" panose="02070309020205020404" pitchFamily="49" charset="0"/>
+              </a:rPr>
+              <a:t>    </a:t>
+            </a:r>
+            <a:r>
+              <a:rPr lang="en-US" sz="3400" dirty="0">
+                <a:solidFill>
+                  <a:srgbClr val="00B0F0"/>
+                </a:solidFill>
+                <a:latin typeface="Courier New" panose="02070309020205020404" pitchFamily="49" charset="0"/>
+                <a:cs typeface="Courier New" panose="02070309020205020404" pitchFamily="49" charset="0"/>
+              </a:rPr>
+              <a:t>forward</a:t>
+            </a:r>
+            <a:r>
+              <a:rPr lang="en-US" sz="3400" dirty="0">
+                <a:latin typeface="Courier New" panose="02070309020205020404" pitchFamily="49" charset="0"/>
+                <a:cs typeface="Courier New" panose="02070309020205020404" pitchFamily="49" charset="0"/>
+              </a:rPr>
+              <a:t>(side)		# </a:t>
+            </a:r>
+            <a:r>
+              <a:rPr lang="en-US" sz="3500" dirty="0">
+                <a:latin typeface="Courier New" panose="02070309020205020404" pitchFamily="49" charset="0"/>
+                <a:cs typeface="Courier New" panose="02070309020205020404" pitchFamily="49" charset="0"/>
+              </a:rPr>
+              <a:t>function in turtle</a:t>
+            </a:r>
+          </a:p>
+          <a:p>
+            <a:pPr marL="0" indent="0">
+              <a:buNone/>
+            </a:pPr>
+            <a:r>
+              <a:rPr lang="en-US" sz="3400" dirty="0">
+                <a:latin typeface="Courier New" panose="02070309020205020404" pitchFamily="49" charset="0"/>
+                <a:cs typeface="Courier New" panose="02070309020205020404" pitchFamily="49" charset="0"/>
+              </a:rPr>
+              <a:t>    </a:t>
+            </a:r>
+            <a:r>
+              <a:rPr lang="en-US" sz="3400" dirty="0">
+                <a:solidFill>
+                  <a:srgbClr val="00B0F0"/>
+                </a:solidFill>
+                <a:latin typeface="Courier New" panose="02070309020205020404" pitchFamily="49" charset="0"/>
+                <a:cs typeface="Courier New" panose="02070309020205020404" pitchFamily="49" charset="0"/>
+              </a:rPr>
+              <a:t>right</a:t>
+            </a:r>
+            <a:r>
+              <a:rPr lang="en-US" sz="3400" dirty="0">
+                <a:latin typeface="Courier New" panose="02070309020205020404" pitchFamily="49" charset="0"/>
+                <a:cs typeface="Courier New" panose="02070309020205020404" pitchFamily="49" charset="0"/>
+              </a:rPr>
+              <a:t>(angle)</a:t>
+            </a:r>
           </a:p>
         </p:txBody>
       </p:sp>
@@ -20059,7 +21777,7 @@
           <p:cNvPr id="4" name="Date Placeholder 3">
             <a:extLst>
               <a:ext uri="{FF2B5EF4-FFF2-40B4-BE49-F238E27FC236}">
-                <a16:creationId xmlns:a16="http://schemas.microsoft.com/office/drawing/2014/main" id="{A6E3689C-2A10-4164-8BD9-DFAC07180BCE}"/>
+                <a16:creationId xmlns:a16="http://schemas.microsoft.com/office/drawing/2014/main" id="{D4B58B9C-2101-47C6-B21D-A9C4C0222113}"/>
               </a:ext>
             </a:extLst>
           </p:cNvPr>
@@ -20075,11 +21793,75 @@
           <a:bodyPr/>
           <a:lstStyle/>
           <a:p>
+            <a:pPr marL="0" marR="0" lvl="0" indent="0" algn="r" defTabSz="457200" rtl="0" eaLnBrk="1" fontAlgn="auto" latinLnBrk="0" hangingPunct="1">
+              <a:lnSpc>
+                <a:spcPct val="100000"/>
+              </a:lnSpc>
+              <a:spcBef>
+                <a:spcPts val="0"/>
+              </a:spcBef>
+              <a:spcAft>
+                <a:spcPts val="0"/>
+              </a:spcAft>
+              <a:buClrTx/>
+              <a:buSzTx/>
+              <a:buFontTx/>
+              <a:buNone/>
+              <a:tabLst/>
+              <a:defRPr/>
+            </a:pPr>
             <a:fld id="{A7119916-CD40-456D-ABE3-55F8822671F7}" type="datetime1">
-              <a:rPr lang="en-US" smtClean="0"/>
-              <a:t>2/27/2022</a:t>
+              <a:rPr kumimoji="0" lang="en-US" sz="900" b="0" i="0" u="none" strike="noStrike" kern="1200" cap="none" spc="0" normalizeH="0" baseline="0" noProof="0" smtClean="0">
+                <a:ln>
+                  <a:noFill/>
+                </a:ln>
+                <a:solidFill>
+                  <a:prstClr val="black">
+                    <a:tint val="75000"/>
+                  </a:prstClr>
+                </a:solidFill>
+                <a:effectLst/>
+                <a:uLnTx/>
+                <a:uFillTx/>
+                <a:latin typeface="Trebuchet MS" panose="020B0603020202020204"/>
+                <a:ea typeface="+mn-ea"/>
+                <a:cs typeface="+mn-cs"/>
+              </a:rPr>
+              <a:pPr marL="0" marR="0" lvl="0" indent="0" algn="r" defTabSz="457200" rtl="0" eaLnBrk="1" fontAlgn="auto" latinLnBrk="0" hangingPunct="1">
+                <a:lnSpc>
+                  <a:spcPct val="100000"/>
+                </a:lnSpc>
+                <a:spcBef>
+                  <a:spcPts val="0"/>
+                </a:spcBef>
+                <a:spcAft>
+                  <a:spcPts val="0"/>
+                </a:spcAft>
+                <a:buClrTx/>
+                <a:buSzTx/>
+                <a:buFontTx/>
+                <a:buNone/>
+                <a:tabLst/>
+                <a:defRPr/>
+              </a:pPr>
+              <a:t>7/13/2022</a:t>
             </a:fld>
-            <a:endParaRPr lang="en-US" dirty="0"/>
+            <a:endParaRPr kumimoji="0" lang="en-US" sz="900" b="0" i="0" u="none" strike="noStrike" kern="1200" cap="none" spc="0" normalizeH="0" baseline="0" noProof="0" dirty="0">
+              <a:ln>
+                <a:noFill/>
+              </a:ln>
+              <a:solidFill>
+                <a:prstClr val="black">
+                  <a:tint val="75000"/>
+                </a:prstClr>
+              </a:solidFill>
+              <a:effectLst/>
+              <a:uLnTx/>
+              <a:uFillTx/>
+              <a:latin typeface="Trebuchet MS" panose="020B0603020202020204"/>
+              <a:ea typeface="+mn-ea"/>
+              <a:cs typeface="+mn-cs"/>
+            </a:endParaRPr>
           </a:p>
         </p:txBody>
       </p:sp>
@@ -20088,7 +21870,7 @@
           <p:cNvPr id="5" name="Footer Placeholder 4">
             <a:extLst>
               <a:ext uri="{FF2B5EF4-FFF2-40B4-BE49-F238E27FC236}">
-                <a16:creationId xmlns:a16="http://schemas.microsoft.com/office/drawing/2014/main" id="{84856060-9556-4193-BA8E-CB5515200B71}"/>
+                <a16:creationId xmlns:a16="http://schemas.microsoft.com/office/drawing/2014/main" id="{EB3CE92E-DA4C-49CE-8437-22304F783D2B}"/>
               </a:ext>
             </a:extLst>
           </p:cNvPr>
@@ -20104,11 +21886,42 @@
           <a:bodyPr/>
           <a:lstStyle/>
           <a:p>
-            <a:r>
-              <a:rPr lang="en-US"/>
+            <a:pPr marL="0" marR="0" lvl="0" indent="0" algn="l" defTabSz="457200" rtl="0" eaLnBrk="1" fontAlgn="auto" latinLnBrk="0" hangingPunct="1">
+              <a:lnSpc>
+                <a:spcPct val="100000"/>
+              </a:lnSpc>
+              <a:spcBef>
+                <a:spcPts val="0"/>
+              </a:spcBef>
+              <a:spcAft>
+                <a:spcPts val="0"/>
+              </a:spcAft>
+              <a:buClrTx/>
+              <a:buSzTx/>
+              <a:buFontTx/>
+              <a:buNone/>
+              <a:tabLst/>
+              <a:defRPr/>
+            </a:pPr>
+            <a:r>
+              <a:rPr kumimoji="0" lang="en-US" sz="900" b="0" i="0" u="none" strike="noStrike" kern="1200" cap="none" spc="0" normalizeH="0" baseline="0" noProof="0" dirty="0">
+                <a:ln>
+                  <a:noFill/>
+                </a:ln>
+                <a:solidFill>
+                  <a:prstClr val="black">
+                    <a:tint val="75000"/>
+                  </a:prstClr>
+                </a:solidFill>
+                <a:effectLst/>
+                <a:uLnTx/>
+                <a:uFillTx/>
+                <a:latin typeface="Trebuchet MS" panose="020B0603020202020204"/>
+                <a:ea typeface="+mn-ea"/>
+                <a:cs typeface="+mn-cs"/>
+              </a:rPr>
               <a:t>raysmith@alum.mit.edu</a:t>
             </a:r>
-            <a:endParaRPr lang="en-US" dirty="0"/>
           </a:p>
         </p:txBody>
       </p:sp>
@@ -20117,7 +21930,7 @@
           <p:cNvPr id="6" name="Slide Number Placeholder 5">
             <a:extLst>
               <a:ext uri="{FF2B5EF4-FFF2-40B4-BE49-F238E27FC236}">
-                <a16:creationId xmlns:a16="http://schemas.microsoft.com/office/drawing/2014/main" id="{4164F0ED-AC6F-4096-A5FB-AD5BE407DD61}"/>
+                <a16:creationId xmlns:a16="http://schemas.microsoft.com/office/drawing/2014/main" id="{B555E688-FCD7-4E06-BD33-DA64AB1C3FA4}"/>
               </a:ext>
             </a:extLst>
           </p:cNvPr>
@@ -20133,18 +21946,78 @@
           <a:bodyPr/>
           <a:lstStyle/>
           <a:p>
+            <a:pPr marL="0" marR="0" lvl="0" indent="0" algn="r" defTabSz="457200" rtl="0" eaLnBrk="1" fontAlgn="auto" latinLnBrk="0" hangingPunct="1">
+              <a:lnSpc>
+                <a:spcPct val="100000"/>
+              </a:lnSpc>
+              <a:spcBef>
+                <a:spcPts val="0"/>
+              </a:spcBef>
+              <a:spcAft>
+                <a:spcPts val="0"/>
+              </a:spcAft>
+              <a:buClrTx/>
+              <a:buSzTx/>
+              <a:buFontTx/>
+              <a:buNone/>
+              <a:tabLst/>
+              <a:defRPr/>
+            </a:pPr>
             <a:fld id="{6D22F896-40B5-4ADD-8801-0D06FADFA095}" type="slidenum">
-              <a:rPr lang="en-US" smtClean="0"/>
+              <a:rPr kumimoji="0" lang="en-US" sz="900" b="0" i="0" u="none" strike="noStrike" kern="1200" cap="none" spc="0" normalizeH="0" baseline="0" noProof="0" smtClean="0">
+                <a:ln>
+                  <a:noFill/>
+                </a:ln>
+                <a:solidFill>
+                  <a:srgbClr val="90C226"/>
+                </a:solidFill>
+                <a:effectLst/>
+                <a:uLnTx/>
+                <a:uFillTx/>
+                <a:latin typeface="Trebuchet MS" panose="020B0603020202020204"/>
+                <a:ea typeface="+mn-ea"/>
+                <a:cs typeface="+mn-cs"/>
+              </a:rPr>
+              <a:pPr marL="0" marR="0" lvl="0" indent="0" algn="r" defTabSz="457200" rtl="0" eaLnBrk="1" fontAlgn="auto" latinLnBrk="0" hangingPunct="1">
+                <a:lnSpc>
+                  <a:spcPct val="100000"/>
+                </a:lnSpc>
+                <a:spcBef>
+                  <a:spcPts val="0"/>
+                </a:spcBef>
+                <a:spcAft>
+                  <a:spcPts val="0"/>
+                </a:spcAft>
+                <a:buClrTx/>
+                <a:buSzTx/>
+                <a:buFontTx/>
+                <a:buNone/>
+                <a:tabLst/>
+                <a:defRPr/>
+              </a:pPr>
               <a:t>9</a:t>
             </a:fld>
-            <a:endParaRPr lang="en-US" dirty="0"/>
+            <a:endParaRPr kumimoji="0" lang="en-US" sz="900" b="0" i="0" u="none" strike="noStrike" kern="1200" cap="none" spc="0" normalizeH="0" baseline="0" noProof="0" dirty="0">
+              <a:ln>
+                <a:noFill/>
+              </a:ln>
+              <a:solidFill>
+                <a:srgbClr val="90C226"/>
+              </a:solidFill>
+              <a:effectLst/>
+              <a:uLnTx/>
+              <a:uFillTx/>
+              <a:latin typeface="Trebuchet MS" panose="020B0603020202020204"/>
+              <a:ea typeface="+mn-ea"/>
+              <a:cs typeface="+mn-cs"/>
+            </a:endParaRPr>
           </a:p>
         </p:txBody>
       </p:sp>
     </p:spTree>
     <p:extLst>
       <p:ext uri="{BB962C8B-B14F-4D97-AF65-F5344CB8AC3E}">
-        <p14:creationId xmlns:p14="http://schemas.microsoft.com/office/powerpoint/2010/main" val="3191356822"/>
+        <p14:creationId xmlns:p14="http://schemas.microsoft.com/office/powerpoint/2010/main" val="1348192994"/>
       </p:ext>
     </p:extLst>
   </p:cSld>

--- a/presentation/Class_5_Classes/Class_5_Classes.pptx
+++ b/presentation/Class_5_Classes/Class_5_Classes.pptx
@@ -5,14 +5,14 @@
     <p:sldMasterId id="2147483660" r:id="rId1"/>
   </p:sldMasterIdLst>
   <p:notesMasterIdLst>
-    <p:notesMasterId r:id="rId25"/>
+    <p:notesMasterId r:id="rId31"/>
   </p:notesMasterIdLst>
   <p:sldIdLst>
     <p:sldId id="400" r:id="rId2"/>
-    <p:sldId id="384" r:id="rId3"/>
-    <p:sldId id="423" r:id="rId4"/>
-    <p:sldId id="422" r:id="rId5"/>
-    <p:sldId id="421" r:id="rId6"/>
+    <p:sldId id="424" r:id="rId3"/>
+    <p:sldId id="384" r:id="rId4"/>
+    <p:sldId id="423" r:id="rId5"/>
+    <p:sldId id="422" r:id="rId6"/>
     <p:sldId id="391" r:id="rId7"/>
     <p:sldId id="414" r:id="rId8"/>
     <p:sldId id="419" r:id="rId9"/>
@@ -27,10 +27,16 @@
     <p:sldId id="407" r:id="rId18"/>
     <p:sldId id="387" r:id="rId19"/>
     <p:sldId id="408" r:id="rId20"/>
-    <p:sldId id="411" r:id="rId21"/>
-    <p:sldId id="413" r:id="rId22"/>
-    <p:sldId id="412" r:id="rId23"/>
-    <p:sldId id="403" r:id="rId24"/>
+    <p:sldId id="426" r:id="rId21"/>
+    <p:sldId id="427" r:id="rId22"/>
+    <p:sldId id="411" r:id="rId23"/>
+    <p:sldId id="428" r:id="rId24"/>
+    <p:sldId id="430" r:id="rId25"/>
+    <p:sldId id="429" r:id="rId26"/>
+    <p:sldId id="432" r:id="rId27"/>
+    <p:sldId id="431" r:id="rId28"/>
+    <p:sldId id="425" r:id="rId29"/>
+    <p:sldId id="403" r:id="rId30"/>
   </p:sldIdLst>
   <p:sldSz cx="12192000" cy="6858000"/>
   <p:notesSz cx="6858000" cy="9144000"/>
@@ -219,7 +225,7 @@
           <a:p>
             <a:fld id="{7E78E4E2-C2CB-4D43-84EF-9F4E3E0E651C}" type="datetimeFigureOut">
               <a:rPr lang="en-US" smtClean="0"/>
-              <a:t>7/13/2022</a:t>
+              <a:t>8/9/2022</a:t>
             </a:fld>
             <a:endParaRPr lang="en-US"/>
           </a:p>
@@ -530,24 +536,6 @@
           <a:bodyPr/>
           <a:lstStyle/>
           <a:p>
-            <a:r>
-              <a:rPr lang="en-US" dirty="0"/>
-              <a:t>Use the previous iteration as a start to the next.</a:t>
-            </a:r>
-          </a:p>
-          <a:p>
-            <a:r>
-              <a:rPr lang="en-US" dirty="0"/>
-              <a:t>I'll go around and watch.</a:t>
-            </a:r>
-          </a:p>
-          <a:p>
-            <a:r>
-              <a:rPr lang="en-US" dirty="0"/>
-              <a:t>Raise had if a question.</a:t>
-            </a:r>
-          </a:p>
-          <a:p>
             <a:endParaRPr lang="en-US" dirty="0"/>
           </a:p>
         </p:txBody>
@@ -668,7 +656,7 @@
                 <a:tabLst/>
                 <a:defRPr/>
               </a:pPr>
-              <a:t>7/13/2022</a:t>
+              <a:t>8/9/2022</a:t>
             </a:fld>
             <a:endParaRPr kumimoji="0" lang="en-US" sz="1200" b="0" i="0" u="none" strike="noStrike" kern="1200" cap="none" spc="0" normalizeH="0" baseline="0" noProof="0" dirty="0">
               <a:ln>
@@ -999,7 +987,7 @@
                 <a:tabLst/>
                 <a:defRPr/>
               </a:pPr>
-              <a:t>7/13/2022</a:t>
+              <a:t>8/9/2022</a:t>
             </a:fld>
             <a:endParaRPr kumimoji="0" lang="en-US" sz="1200" b="0" i="0" u="none" strike="noStrike" kern="1200" cap="none" spc="0" normalizeH="0" baseline="0" noProof="0" dirty="0">
               <a:ln>
@@ -1337,7 +1325,7 @@
                 <a:tabLst/>
                 <a:defRPr/>
               </a:pPr>
-              <a:t>7/13/2022</a:t>
+              <a:t>8/9/2022</a:t>
             </a:fld>
             <a:endParaRPr kumimoji="0" lang="en-US" sz="1200" b="0" i="0" u="none" strike="noStrike" kern="1200" cap="none" spc="0" normalizeH="0" baseline="0" noProof="0" dirty="0">
               <a:ln>
@@ -1675,7 +1663,7 @@
                 <a:tabLst/>
                 <a:defRPr/>
               </a:pPr>
-              <a:t>7/13/2022</a:t>
+              <a:t>8/9/2022</a:t>
             </a:fld>
             <a:endParaRPr kumimoji="0" lang="en-US" sz="1200" b="0" i="0" u="none" strike="noStrike" kern="1200" cap="none" spc="0" normalizeH="0" baseline="0" noProof="0" dirty="0">
               <a:ln>
@@ -2059,7 +2047,7 @@
                 <a:tabLst/>
                 <a:defRPr/>
               </a:pPr>
-              <a:t>7/13/2022</a:t>
+              <a:t>8/9/2022</a:t>
             </a:fld>
             <a:endParaRPr kumimoji="0" lang="en-US" sz="1200" b="0" i="0" u="none" strike="noStrike" kern="1200" cap="none" spc="0" normalizeH="0" baseline="0" noProof="0" dirty="0">
               <a:ln>
@@ -2390,7 +2378,7 @@
                 <a:tabLst/>
                 <a:defRPr/>
               </a:pPr>
-              <a:t>7/13/2022</a:t>
+              <a:t>8/9/2022</a:t>
             </a:fld>
             <a:endParaRPr kumimoji="0" lang="en-US" sz="1200" b="0" i="0" u="none" strike="noStrike" kern="1200" cap="none" spc="0" normalizeH="0" baseline="0" noProof="0" dirty="0">
               <a:ln>
@@ -2721,7 +2709,7 @@
                 <a:tabLst/>
                 <a:defRPr/>
               </a:pPr>
-              <a:t>7/13/2022</a:t>
+              <a:t>8/9/2022</a:t>
             </a:fld>
             <a:endParaRPr kumimoji="0" lang="en-US" sz="1200" b="0" i="0" u="none" strike="noStrike" kern="1200" cap="none" spc="0" normalizeH="0" baseline="0" noProof="0" dirty="0">
               <a:ln>
@@ -3052,7 +3040,7 @@
                 <a:tabLst/>
                 <a:defRPr/>
               </a:pPr>
-              <a:t>7/13/2022</a:t>
+              <a:t>8/9/2022</a:t>
             </a:fld>
             <a:endParaRPr kumimoji="0" lang="en-US" sz="1200" b="0" i="0" u="none" strike="noStrike" kern="1200" cap="none" spc="0" normalizeH="0" baseline="0" noProof="0" dirty="0">
               <a:ln>
@@ -3383,7 +3371,7 @@
                 <a:tabLst/>
                 <a:defRPr/>
               </a:pPr>
-              <a:t>7/13/2022</a:t>
+              <a:t>8/9/2022</a:t>
             </a:fld>
             <a:endParaRPr kumimoji="0" lang="en-US" sz="1200" b="0" i="0" u="none" strike="noStrike" kern="1200" cap="none" spc="0" normalizeH="0" baseline="0" noProof="0" dirty="0">
               <a:ln>
@@ -3594,7 +3582,16 @@
           <a:bodyPr/>
           <a:lstStyle/>
           <a:p>
-            <a:endParaRPr lang="en-US" dirty="0"/>
+            <a:r>
+              <a:rPr lang="en-US" dirty="0"/>
+              <a:t>Physical: Ball, Table, Edge</a:t>
+            </a:r>
+          </a:p>
+          <a:p>
+            <a:r>
+              <a:rPr lang="en-US" dirty="0"/>
+              <a:t>Computational: Collision</a:t>
+            </a:r>
           </a:p>
         </p:txBody>
       </p:sp>
@@ -3714,1000 +3711,7 @@
                 <a:tabLst/>
                 <a:defRPr/>
               </a:pPr>
-              <a:t>7/13/2022</a:t>
-            </a:fld>
-            <a:endParaRPr kumimoji="0" lang="en-US" sz="1200" b="0" i="0" u="none" strike="noStrike" kern="1200" cap="none" spc="0" normalizeH="0" baseline="0" noProof="0" dirty="0">
-              <a:ln>
-                <a:noFill/>
-              </a:ln>
-              <a:solidFill>
-                <a:prstClr val="black"/>
-              </a:solidFill>
-              <a:effectLst/>
-              <a:uLnTx/>
-              <a:uFillTx/>
-              <a:latin typeface="Calibri" panose="020F0502020204030204"/>
-              <a:ea typeface="+mn-ea"/>
-              <a:cs typeface="+mn-cs"/>
-            </a:endParaRPr>
-          </a:p>
-        </p:txBody>
-      </p:sp>
-      <p:sp>
-        <p:nvSpPr>
-          <p:cNvPr id="6" name="Footer Placeholder 5"/>
-          <p:cNvSpPr>
-            <a:spLocks noGrp="1"/>
-          </p:cNvSpPr>
-          <p:nvPr>
-            <p:ph type="ftr" sz="quarter" idx="4"/>
-          </p:nvPr>
-        </p:nvSpPr>
-        <p:spPr/>
-        <p:txBody>
-          <a:bodyPr/>
-          <a:lstStyle/>
-          <a:p>
-            <a:pPr marL="0" marR="0" lvl="0" indent="0" algn="l" defTabSz="457200" rtl="0" eaLnBrk="1" fontAlgn="auto" latinLnBrk="0" hangingPunct="1">
-              <a:lnSpc>
-                <a:spcPct val="100000"/>
-              </a:lnSpc>
-              <a:spcBef>
-                <a:spcPts val="0"/>
-              </a:spcBef>
-              <a:spcAft>
-                <a:spcPts val="0"/>
-              </a:spcAft>
-              <a:buClrTx/>
-              <a:buSzTx/>
-              <a:buFontTx/>
-              <a:buNone/>
-              <a:tabLst/>
-              <a:defRPr/>
-            </a:pPr>
-            <a:r>
-              <a:rPr kumimoji="0" lang="en-US" sz="1200" b="0" i="0" u="none" strike="noStrike" kern="1200" cap="none" spc="0" normalizeH="0" baseline="0" noProof="0" dirty="0">
-                <a:ln>
-                  <a:noFill/>
-                </a:ln>
-                <a:solidFill>
-                  <a:prstClr val="black"/>
-                </a:solidFill>
-                <a:effectLst/>
-                <a:uLnTx/>
-                <a:uFillTx/>
-                <a:latin typeface="Calibri" panose="020F0502020204030204"/>
-                <a:ea typeface="+mn-ea"/>
-                <a:cs typeface="+mn-cs"/>
-              </a:rPr>
-              <a:t>raysmith@alum.mit.edu</a:t>
-            </a:r>
-          </a:p>
-        </p:txBody>
-      </p:sp>
-      <p:sp>
-        <p:nvSpPr>
-          <p:cNvPr id="7" name="Slide Number Placeholder 6"/>
-          <p:cNvSpPr>
-            <a:spLocks noGrp="1"/>
-          </p:cNvSpPr>
-          <p:nvPr>
-            <p:ph type="sldNum" sz="quarter" idx="5"/>
-          </p:nvPr>
-        </p:nvSpPr>
-        <p:spPr/>
-        <p:txBody>
-          <a:bodyPr/>
-          <a:lstStyle/>
-          <a:p>
-            <a:pPr marL="0" marR="0" lvl="0" indent="0" algn="r" defTabSz="457200" rtl="0" eaLnBrk="1" fontAlgn="auto" latinLnBrk="0" hangingPunct="1">
-              <a:lnSpc>
-                <a:spcPct val="100000"/>
-              </a:lnSpc>
-              <a:spcBef>
-                <a:spcPts val="0"/>
-              </a:spcBef>
-              <a:spcAft>
-                <a:spcPts val="0"/>
-              </a:spcAft>
-              <a:buClrTx/>
-              <a:buSzTx/>
-              <a:buFontTx/>
-              <a:buNone/>
-              <a:tabLst/>
-              <a:defRPr/>
-            </a:pPr>
-            <a:fld id="{BA791329-992B-4F83-8435-C33B0EC26DB3}" type="slidenum">
-              <a:rPr kumimoji="0" lang="en-US" sz="1200" b="0" i="0" u="none" strike="noStrike" kern="1200" cap="none" spc="0" normalizeH="0" baseline="0" noProof="0" smtClean="0">
-                <a:ln>
-                  <a:noFill/>
-                </a:ln>
-                <a:solidFill>
-                  <a:prstClr val="black"/>
-                </a:solidFill>
-                <a:effectLst/>
-                <a:uLnTx/>
-                <a:uFillTx/>
-                <a:latin typeface="Calibri" panose="020F0502020204030204"/>
-                <a:ea typeface="+mn-ea"/>
-                <a:cs typeface="+mn-cs"/>
-              </a:rPr>
-              <a:pPr marL="0" marR="0" lvl="0" indent="0" algn="r" defTabSz="457200" rtl="0" eaLnBrk="1" fontAlgn="auto" latinLnBrk="0" hangingPunct="1">
-                <a:lnSpc>
-                  <a:spcPct val="100000"/>
-                </a:lnSpc>
-                <a:spcBef>
-                  <a:spcPts val="0"/>
-                </a:spcBef>
-                <a:spcAft>
-                  <a:spcPts val="0"/>
-                </a:spcAft>
-                <a:buClrTx/>
-                <a:buSzTx/>
-                <a:buFontTx/>
-                <a:buNone/>
-                <a:tabLst/>
-                <a:defRPr/>
-              </a:pPr>
-              <a:t>20</a:t>
-            </a:fld>
-            <a:endParaRPr kumimoji="0" lang="en-US" sz="1200" b="0" i="0" u="none" strike="noStrike" kern="1200" cap="none" spc="0" normalizeH="0" baseline="0" noProof="0" dirty="0">
-              <a:ln>
-                <a:noFill/>
-              </a:ln>
-              <a:solidFill>
-                <a:prstClr val="black"/>
-              </a:solidFill>
-              <a:effectLst/>
-              <a:uLnTx/>
-              <a:uFillTx/>
-              <a:latin typeface="Calibri" panose="020F0502020204030204"/>
-              <a:ea typeface="+mn-ea"/>
-              <a:cs typeface="+mn-cs"/>
-            </a:endParaRPr>
-          </a:p>
-        </p:txBody>
-      </p:sp>
-    </p:spTree>
-    <p:extLst>
-      <p:ext uri="{BB962C8B-B14F-4D97-AF65-F5344CB8AC3E}">
-        <p14:creationId xmlns:p14="http://schemas.microsoft.com/office/powerpoint/2010/main" val="2254318825"/>
-      </p:ext>
-    </p:extLst>
-  </p:cSld>
-  <p:clrMapOvr>
-    <a:masterClrMapping/>
-  </p:clrMapOvr>
-</p:notes>
-</file>
-
-<file path=ppt/notesSlides/notesSlide19.xml><?xml version="1.0" encoding="utf-8"?>
-<p:notes xmlns:a="http://schemas.openxmlformats.org/drawingml/2006/main" xmlns:r="http://schemas.openxmlformats.org/officeDocument/2006/relationships" xmlns:p="http://schemas.openxmlformats.org/presentationml/2006/main">
-  <p:cSld>
-    <p:spTree>
-      <p:nvGrpSpPr>
-        <p:cNvPr id="1" name=""/>
-        <p:cNvGrpSpPr/>
-        <p:nvPr/>
-      </p:nvGrpSpPr>
-      <p:grpSpPr>
-        <a:xfrm>
-          <a:off x="0" y="0"/>
-          <a:ext cx="0" cy="0"/>
-          <a:chOff x="0" y="0"/>
-          <a:chExt cx="0" cy="0"/>
-        </a:xfrm>
-      </p:grpSpPr>
-      <p:sp>
-        <p:nvSpPr>
-          <p:cNvPr id="2" name="Slide Image Placeholder 1"/>
-          <p:cNvSpPr>
-            <a:spLocks noGrp="1" noRot="1" noChangeAspect="1"/>
-          </p:cNvSpPr>
-          <p:nvPr>
-            <p:ph type="sldImg"/>
-          </p:nvPr>
-        </p:nvSpPr>
-        <p:spPr/>
-      </p:sp>
-      <p:sp>
-        <p:nvSpPr>
-          <p:cNvPr id="3" name="Notes Placeholder 2"/>
-          <p:cNvSpPr>
-            <a:spLocks noGrp="1"/>
-          </p:cNvSpPr>
-          <p:nvPr>
-            <p:ph type="body" idx="1"/>
-          </p:nvPr>
-        </p:nvSpPr>
-        <p:spPr/>
-        <p:txBody>
-          <a:bodyPr/>
-          <a:lstStyle/>
-          <a:p>
-            <a:endParaRPr lang="en-US" dirty="0"/>
-          </a:p>
-        </p:txBody>
-      </p:sp>
-      <p:sp>
-        <p:nvSpPr>
-          <p:cNvPr id="4" name="Header Placeholder 3"/>
-          <p:cNvSpPr>
-            <a:spLocks noGrp="1"/>
-          </p:cNvSpPr>
-          <p:nvPr>
-            <p:ph type="hdr" sz="quarter"/>
-          </p:nvPr>
-        </p:nvSpPr>
-        <p:spPr/>
-        <p:txBody>
-          <a:bodyPr/>
-          <a:lstStyle/>
-          <a:p>
-            <a:pPr marL="0" marR="0" lvl="0" indent="0" algn="l" defTabSz="457200" rtl="0" eaLnBrk="1" fontAlgn="auto" latinLnBrk="0" hangingPunct="1">
-              <a:lnSpc>
-                <a:spcPct val="100000"/>
-              </a:lnSpc>
-              <a:spcBef>
-                <a:spcPts val="0"/>
-              </a:spcBef>
-              <a:spcAft>
-                <a:spcPts val="0"/>
-              </a:spcAft>
-              <a:buClrTx/>
-              <a:buSzTx/>
-              <a:buFontTx/>
-              <a:buNone/>
-              <a:tabLst/>
-              <a:defRPr/>
-            </a:pPr>
-            <a:r>
-              <a:rPr kumimoji="0" lang="en-US" sz="1200" b="0" i="0" u="none" strike="noStrike" kern="1200" cap="none" spc="0" normalizeH="0" baseline="0" noProof="0" dirty="0">
-                <a:ln>
-                  <a:noFill/>
-                </a:ln>
-                <a:solidFill>
-                  <a:prstClr val="black"/>
-                </a:solidFill>
-                <a:effectLst/>
-                <a:uLnTx/>
-                <a:uFillTx/>
-                <a:latin typeface="Calibri" panose="020F0502020204030204"/>
-                <a:ea typeface="+mn-ea"/>
-                <a:cs typeface="+mn-cs"/>
-              </a:rPr>
-              <a:t>Introduction to Programming using Python</a:t>
-            </a:r>
-          </a:p>
-        </p:txBody>
-      </p:sp>
-      <p:sp>
-        <p:nvSpPr>
-          <p:cNvPr id="5" name="Date Placeholder 4"/>
-          <p:cNvSpPr>
-            <a:spLocks noGrp="1"/>
-          </p:cNvSpPr>
-          <p:nvPr>
-            <p:ph type="dt" idx="1"/>
-          </p:nvPr>
-        </p:nvSpPr>
-        <p:spPr/>
-        <p:txBody>
-          <a:bodyPr/>
-          <a:lstStyle/>
-          <a:p>
-            <a:pPr marL="0" marR="0" lvl="0" indent="0" algn="r" defTabSz="457200" rtl="0" eaLnBrk="1" fontAlgn="auto" latinLnBrk="0" hangingPunct="1">
-              <a:lnSpc>
-                <a:spcPct val="100000"/>
-              </a:lnSpc>
-              <a:spcBef>
-                <a:spcPts val="0"/>
-              </a:spcBef>
-              <a:spcAft>
-                <a:spcPts val="0"/>
-              </a:spcAft>
-              <a:buClrTx/>
-              <a:buSzTx/>
-              <a:buFontTx/>
-              <a:buNone/>
-              <a:tabLst/>
-              <a:defRPr/>
-            </a:pPr>
-            <a:fld id="{A596092B-28C7-44D1-B902-5437B333DFB7}" type="datetime1">
-              <a:rPr kumimoji="0" lang="en-US" sz="1200" b="0" i="0" u="none" strike="noStrike" kern="1200" cap="none" spc="0" normalizeH="0" baseline="0" noProof="0" smtClean="0">
-                <a:ln>
-                  <a:noFill/>
-                </a:ln>
-                <a:solidFill>
-                  <a:prstClr val="black"/>
-                </a:solidFill>
-                <a:effectLst/>
-                <a:uLnTx/>
-                <a:uFillTx/>
-                <a:latin typeface="Calibri" panose="020F0502020204030204"/>
-                <a:ea typeface="+mn-ea"/>
-                <a:cs typeface="+mn-cs"/>
-              </a:rPr>
-              <a:pPr marL="0" marR="0" lvl="0" indent="0" algn="r" defTabSz="457200" rtl="0" eaLnBrk="1" fontAlgn="auto" latinLnBrk="0" hangingPunct="1">
-                <a:lnSpc>
-                  <a:spcPct val="100000"/>
-                </a:lnSpc>
-                <a:spcBef>
-                  <a:spcPts val="0"/>
-                </a:spcBef>
-                <a:spcAft>
-                  <a:spcPts val="0"/>
-                </a:spcAft>
-                <a:buClrTx/>
-                <a:buSzTx/>
-                <a:buFontTx/>
-                <a:buNone/>
-                <a:tabLst/>
-                <a:defRPr/>
-              </a:pPr>
-              <a:t>7/13/2022</a:t>
-            </a:fld>
-            <a:endParaRPr kumimoji="0" lang="en-US" sz="1200" b="0" i="0" u="none" strike="noStrike" kern="1200" cap="none" spc="0" normalizeH="0" baseline="0" noProof="0" dirty="0">
-              <a:ln>
-                <a:noFill/>
-              </a:ln>
-              <a:solidFill>
-                <a:prstClr val="black"/>
-              </a:solidFill>
-              <a:effectLst/>
-              <a:uLnTx/>
-              <a:uFillTx/>
-              <a:latin typeface="Calibri" panose="020F0502020204030204"/>
-              <a:ea typeface="+mn-ea"/>
-              <a:cs typeface="+mn-cs"/>
-            </a:endParaRPr>
-          </a:p>
-        </p:txBody>
-      </p:sp>
-      <p:sp>
-        <p:nvSpPr>
-          <p:cNvPr id="6" name="Footer Placeholder 5"/>
-          <p:cNvSpPr>
-            <a:spLocks noGrp="1"/>
-          </p:cNvSpPr>
-          <p:nvPr>
-            <p:ph type="ftr" sz="quarter" idx="4"/>
-          </p:nvPr>
-        </p:nvSpPr>
-        <p:spPr/>
-        <p:txBody>
-          <a:bodyPr/>
-          <a:lstStyle/>
-          <a:p>
-            <a:pPr marL="0" marR="0" lvl="0" indent="0" algn="l" defTabSz="457200" rtl="0" eaLnBrk="1" fontAlgn="auto" latinLnBrk="0" hangingPunct="1">
-              <a:lnSpc>
-                <a:spcPct val="100000"/>
-              </a:lnSpc>
-              <a:spcBef>
-                <a:spcPts val="0"/>
-              </a:spcBef>
-              <a:spcAft>
-                <a:spcPts val="0"/>
-              </a:spcAft>
-              <a:buClrTx/>
-              <a:buSzTx/>
-              <a:buFontTx/>
-              <a:buNone/>
-              <a:tabLst/>
-              <a:defRPr/>
-            </a:pPr>
-            <a:r>
-              <a:rPr kumimoji="0" lang="en-US" sz="1200" b="0" i="0" u="none" strike="noStrike" kern="1200" cap="none" spc="0" normalizeH="0" baseline="0" noProof="0" dirty="0">
-                <a:ln>
-                  <a:noFill/>
-                </a:ln>
-                <a:solidFill>
-                  <a:prstClr val="black"/>
-                </a:solidFill>
-                <a:effectLst/>
-                <a:uLnTx/>
-                <a:uFillTx/>
-                <a:latin typeface="Calibri" panose="020F0502020204030204"/>
-                <a:ea typeface="+mn-ea"/>
-                <a:cs typeface="+mn-cs"/>
-              </a:rPr>
-              <a:t>raysmith@alum.mit.edu</a:t>
-            </a:r>
-          </a:p>
-        </p:txBody>
-      </p:sp>
-      <p:sp>
-        <p:nvSpPr>
-          <p:cNvPr id="7" name="Slide Number Placeholder 6"/>
-          <p:cNvSpPr>
-            <a:spLocks noGrp="1"/>
-          </p:cNvSpPr>
-          <p:nvPr>
-            <p:ph type="sldNum" sz="quarter" idx="5"/>
-          </p:nvPr>
-        </p:nvSpPr>
-        <p:spPr/>
-        <p:txBody>
-          <a:bodyPr/>
-          <a:lstStyle/>
-          <a:p>
-            <a:pPr marL="0" marR="0" lvl="0" indent="0" algn="r" defTabSz="457200" rtl="0" eaLnBrk="1" fontAlgn="auto" latinLnBrk="0" hangingPunct="1">
-              <a:lnSpc>
-                <a:spcPct val="100000"/>
-              </a:lnSpc>
-              <a:spcBef>
-                <a:spcPts val="0"/>
-              </a:spcBef>
-              <a:spcAft>
-                <a:spcPts val="0"/>
-              </a:spcAft>
-              <a:buClrTx/>
-              <a:buSzTx/>
-              <a:buFontTx/>
-              <a:buNone/>
-              <a:tabLst/>
-              <a:defRPr/>
-            </a:pPr>
-            <a:fld id="{BA791329-992B-4F83-8435-C33B0EC26DB3}" type="slidenum">
-              <a:rPr kumimoji="0" lang="en-US" sz="1200" b="0" i="0" u="none" strike="noStrike" kern="1200" cap="none" spc="0" normalizeH="0" baseline="0" noProof="0" smtClean="0">
-                <a:ln>
-                  <a:noFill/>
-                </a:ln>
-                <a:solidFill>
-                  <a:prstClr val="black"/>
-                </a:solidFill>
-                <a:effectLst/>
-                <a:uLnTx/>
-                <a:uFillTx/>
-                <a:latin typeface="Calibri" panose="020F0502020204030204"/>
-                <a:ea typeface="+mn-ea"/>
-                <a:cs typeface="+mn-cs"/>
-              </a:rPr>
-              <a:pPr marL="0" marR="0" lvl="0" indent="0" algn="r" defTabSz="457200" rtl="0" eaLnBrk="1" fontAlgn="auto" latinLnBrk="0" hangingPunct="1">
-                <a:lnSpc>
-                  <a:spcPct val="100000"/>
-                </a:lnSpc>
-                <a:spcBef>
-                  <a:spcPts val="0"/>
-                </a:spcBef>
-                <a:spcAft>
-                  <a:spcPts val="0"/>
-                </a:spcAft>
-                <a:buClrTx/>
-                <a:buSzTx/>
-                <a:buFontTx/>
-                <a:buNone/>
-                <a:tabLst/>
-                <a:defRPr/>
-              </a:pPr>
-              <a:t>21</a:t>
-            </a:fld>
-            <a:endParaRPr kumimoji="0" lang="en-US" sz="1200" b="0" i="0" u="none" strike="noStrike" kern="1200" cap="none" spc="0" normalizeH="0" baseline="0" noProof="0" dirty="0">
-              <a:ln>
-                <a:noFill/>
-              </a:ln>
-              <a:solidFill>
-                <a:prstClr val="black"/>
-              </a:solidFill>
-              <a:effectLst/>
-              <a:uLnTx/>
-              <a:uFillTx/>
-              <a:latin typeface="Calibri" panose="020F0502020204030204"/>
-              <a:ea typeface="+mn-ea"/>
-              <a:cs typeface="+mn-cs"/>
-            </a:endParaRPr>
-          </a:p>
-        </p:txBody>
-      </p:sp>
-    </p:spTree>
-    <p:extLst>
-      <p:ext uri="{BB962C8B-B14F-4D97-AF65-F5344CB8AC3E}">
-        <p14:creationId xmlns:p14="http://schemas.microsoft.com/office/powerpoint/2010/main" val="936666378"/>
-      </p:ext>
-    </p:extLst>
-  </p:cSld>
-  <p:clrMapOvr>
-    <a:masterClrMapping/>
-  </p:clrMapOvr>
-</p:notes>
-</file>
-
-<file path=ppt/notesSlides/notesSlide2.xml><?xml version="1.0" encoding="utf-8"?>
-<p:notes xmlns:a="http://schemas.openxmlformats.org/drawingml/2006/main" xmlns:r="http://schemas.openxmlformats.org/officeDocument/2006/relationships" xmlns:p="http://schemas.openxmlformats.org/presentationml/2006/main">
-  <p:cSld>
-    <p:spTree>
-      <p:nvGrpSpPr>
-        <p:cNvPr id="1" name=""/>
-        <p:cNvGrpSpPr/>
-        <p:nvPr/>
-      </p:nvGrpSpPr>
-      <p:grpSpPr>
-        <a:xfrm>
-          <a:off x="0" y="0"/>
-          <a:ext cx="0" cy="0"/>
-          <a:chOff x="0" y="0"/>
-          <a:chExt cx="0" cy="0"/>
-        </a:xfrm>
-      </p:grpSpPr>
-      <p:sp>
-        <p:nvSpPr>
-          <p:cNvPr id="2" name="Slide Image Placeholder 1"/>
-          <p:cNvSpPr>
-            <a:spLocks noGrp="1" noRot="1" noChangeAspect="1"/>
-          </p:cNvSpPr>
-          <p:nvPr>
-            <p:ph type="sldImg"/>
-          </p:nvPr>
-        </p:nvSpPr>
-        <p:spPr/>
-      </p:sp>
-      <p:sp>
-        <p:nvSpPr>
-          <p:cNvPr id="3" name="Notes Placeholder 2"/>
-          <p:cNvSpPr>
-            <a:spLocks noGrp="1"/>
-          </p:cNvSpPr>
-          <p:nvPr>
-            <p:ph type="body" idx="1"/>
-          </p:nvPr>
-        </p:nvSpPr>
-        <p:spPr/>
-        <p:txBody>
-          <a:bodyPr/>
-          <a:lstStyle/>
-          <a:p>
-            <a:endParaRPr lang="en-US" dirty="0"/>
-          </a:p>
-        </p:txBody>
-      </p:sp>
-      <p:sp>
-        <p:nvSpPr>
-          <p:cNvPr id="4" name="Header Placeholder 3"/>
-          <p:cNvSpPr>
-            <a:spLocks noGrp="1"/>
-          </p:cNvSpPr>
-          <p:nvPr>
-            <p:ph type="hdr" sz="quarter"/>
-          </p:nvPr>
-        </p:nvSpPr>
-        <p:spPr/>
-        <p:txBody>
-          <a:bodyPr/>
-          <a:lstStyle/>
-          <a:p>
-            <a:pPr marL="0" marR="0" lvl="0" indent="0" algn="l" defTabSz="457200" rtl="0" eaLnBrk="1" fontAlgn="auto" latinLnBrk="0" hangingPunct="1">
-              <a:lnSpc>
-                <a:spcPct val="100000"/>
-              </a:lnSpc>
-              <a:spcBef>
-                <a:spcPts val="0"/>
-              </a:spcBef>
-              <a:spcAft>
-                <a:spcPts val="0"/>
-              </a:spcAft>
-              <a:buClrTx/>
-              <a:buSzTx/>
-              <a:buFontTx/>
-              <a:buNone/>
-              <a:tabLst/>
-              <a:defRPr/>
-            </a:pPr>
-            <a:r>
-              <a:rPr kumimoji="0" lang="en-US" sz="1200" b="0" i="0" u="none" strike="noStrike" kern="1200" cap="none" spc="0" normalizeH="0" baseline="0" noProof="0" dirty="0">
-                <a:ln>
-                  <a:noFill/>
-                </a:ln>
-                <a:solidFill>
-                  <a:prstClr val="black"/>
-                </a:solidFill>
-                <a:effectLst/>
-                <a:uLnTx/>
-                <a:uFillTx/>
-                <a:latin typeface="Calibri" panose="020F0502020204030204"/>
-                <a:ea typeface="+mn-ea"/>
-                <a:cs typeface="+mn-cs"/>
-              </a:rPr>
-              <a:t>Introduction to Programming using Python</a:t>
-            </a:r>
-          </a:p>
-        </p:txBody>
-      </p:sp>
-      <p:sp>
-        <p:nvSpPr>
-          <p:cNvPr id="5" name="Date Placeholder 4"/>
-          <p:cNvSpPr>
-            <a:spLocks noGrp="1"/>
-          </p:cNvSpPr>
-          <p:nvPr>
-            <p:ph type="dt" idx="1"/>
-          </p:nvPr>
-        </p:nvSpPr>
-        <p:spPr/>
-        <p:txBody>
-          <a:bodyPr/>
-          <a:lstStyle/>
-          <a:p>
-            <a:pPr marL="0" marR="0" lvl="0" indent="0" algn="r" defTabSz="457200" rtl="0" eaLnBrk="1" fontAlgn="auto" latinLnBrk="0" hangingPunct="1">
-              <a:lnSpc>
-                <a:spcPct val="100000"/>
-              </a:lnSpc>
-              <a:spcBef>
-                <a:spcPts val="0"/>
-              </a:spcBef>
-              <a:spcAft>
-                <a:spcPts val="0"/>
-              </a:spcAft>
-              <a:buClrTx/>
-              <a:buSzTx/>
-              <a:buFontTx/>
-              <a:buNone/>
-              <a:tabLst/>
-              <a:defRPr/>
-            </a:pPr>
-            <a:fld id="{A596092B-28C7-44D1-B902-5437B333DFB7}" type="datetime1">
-              <a:rPr kumimoji="0" lang="en-US" sz="1200" b="0" i="0" u="none" strike="noStrike" kern="1200" cap="none" spc="0" normalizeH="0" baseline="0" noProof="0" smtClean="0">
-                <a:ln>
-                  <a:noFill/>
-                </a:ln>
-                <a:solidFill>
-                  <a:prstClr val="black"/>
-                </a:solidFill>
-                <a:effectLst/>
-                <a:uLnTx/>
-                <a:uFillTx/>
-                <a:latin typeface="Calibri" panose="020F0502020204030204"/>
-                <a:ea typeface="+mn-ea"/>
-                <a:cs typeface="+mn-cs"/>
-              </a:rPr>
-              <a:pPr marL="0" marR="0" lvl="0" indent="0" algn="r" defTabSz="457200" rtl="0" eaLnBrk="1" fontAlgn="auto" latinLnBrk="0" hangingPunct="1">
-                <a:lnSpc>
-                  <a:spcPct val="100000"/>
-                </a:lnSpc>
-                <a:spcBef>
-                  <a:spcPts val="0"/>
-                </a:spcBef>
-                <a:spcAft>
-                  <a:spcPts val="0"/>
-                </a:spcAft>
-                <a:buClrTx/>
-                <a:buSzTx/>
-                <a:buFontTx/>
-                <a:buNone/>
-                <a:tabLst/>
-                <a:defRPr/>
-              </a:pPr>
-              <a:t>7/13/2022</a:t>
-            </a:fld>
-            <a:endParaRPr kumimoji="0" lang="en-US" sz="1200" b="0" i="0" u="none" strike="noStrike" kern="1200" cap="none" spc="0" normalizeH="0" baseline="0" noProof="0" dirty="0">
-              <a:ln>
-                <a:noFill/>
-              </a:ln>
-              <a:solidFill>
-                <a:prstClr val="black"/>
-              </a:solidFill>
-              <a:effectLst/>
-              <a:uLnTx/>
-              <a:uFillTx/>
-              <a:latin typeface="Calibri" panose="020F0502020204030204"/>
-              <a:ea typeface="+mn-ea"/>
-              <a:cs typeface="+mn-cs"/>
-            </a:endParaRPr>
-          </a:p>
-        </p:txBody>
-      </p:sp>
-      <p:sp>
-        <p:nvSpPr>
-          <p:cNvPr id="6" name="Footer Placeholder 5"/>
-          <p:cNvSpPr>
-            <a:spLocks noGrp="1"/>
-          </p:cNvSpPr>
-          <p:nvPr>
-            <p:ph type="ftr" sz="quarter" idx="4"/>
-          </p:nvPr>
-        </p:nvSpPr>
-        <p:spPr/>
-        <p:txBody>
-          <a:bodyPr/>
-          <a:lstStyle/>
-          <a:p>
-            <a:pPr marL="0" marR="0" lvl="0" indent="0" algn="l" defTabSz="457200" rtl="0" eaLnBrk="1" fontAlgn="auto" latinLnBrk="0" hangingPunct="1">
-              <a:lnSpc>
-                <a:spcPct val="100000"/>
-              </a:lnSpc>
-              <a:spcBef>
-                <a:spcPts val="0"/>
-              </a:spcBef>
-              <a:spcAft>
-                <a:spcPts val="0"/>
-              </a:spcAft>
-              <a:buClrTx/>
-              <a:buSzTx/>
-              <a:buFontTx/>
-              <a:buNone/>
-              <a:tabLst/>
-              <a:defRPr/>
-            </a:pPr>
-            <a:r>
-              <a:rPr kumimoji="0" lang="en-US" sz="1200" b="0" i="0" u="none" strike="noStrike" kern="1200" cap="none" spc="0" normalizeH="0" baseline="0" noProof="0" dirty="0">
-                <a:ln>
-                  <a:noFill/>
-                </a:ln>
-                <a:solidFill>
-                  <a:prstClr val="black"/>
-                </a:solidFill>
-                <a:effectLst/>
-                <a:uLnTx/>
-                <a:uFillTx/>
-                <a:latin typeface="Calibri" panose="020F0502020204030204"/>
-                <a:ea typeface="+mn-ea"/>
-                <a:cs typeface="+mn-cs"/>
-              </a:rPr>
-              <a:t>raysmith@alum.mit.edu</a:t>
-            </a:r>
-          </a:p>
-        </p:txBody>
-      </p:sp>
-      <p:sp>
-        <p:nvSpPr>
-          <p:cNvPr id="7" name="Slide Number Placeholder 6"/>
-          <p:cNvSpPr>
-            <a:spLocks noGrp="1"/>
-          </p:cNvSpPr>
-          <p:nvPr>
-            <p:ph type="sldNum" sz="quarter" idx="5"/>
-          </p:nvPr>
-        </p:nvSpPr>
-        <p:spPr/>
-        <p:txBody>
-          <a:bodyPr/>
-          <a:lstStyle/>
-          <a:p>
-            <a:pPr marL="0" marR="0" lvl="0" indent="0" algn="r" defTabSz="457200" rtl="0" eaLnBrk="1" fontAlgn="auto" latinLnBrk="0" hangingPunct="1">
-              <a:lnSpc>
-                <a:spcPct val="100000"/>
-              </a:lnSpc>
-              <a:spcBef>
-                <a:spcPts val="0"/>
-              </a:spcBef>
-              <a:spcAft>
-                <a:spcPts val="0"/>
-              </a:spcAft>
-              <a:buClrTx/>
-              <a:buSzTx/>
-              <a:buFontTx/>
-              <a:buNone/>
-              <a:tabLst/>
-              <a:defRPr/>
-            </a:pPr>
-            <a:fld id="{BA791329-992B-4F83-8435-C33B0EC26DB3}" type="slidenum">
-              <a:rPr kumimoji="0" lang="en-US" sz="1200" b="0" i="0" u="none" strike="noStrike" kern="1200" cap="none" spc="0" normalizeH="0" baseline="0" noProof="0" smtClean="0">
-                <a:ln>
-                  <a:noFill/>
-                </a:ln>
-                <a:solidFill>
-                  <a:prstClr val="black"/>
-                </a:solidFill>
-                <a:effectLst/>
-                <a:uLnTx/>
-                <a:uFillTx/>
-                <a:latin typeface="Calibri" panose="020F0502020204030204"/>
-                <a:ea typeface="+mn-ea"/>
-                <a:cs typeface="+mn-cs"/>
-              </a:rPr>
-              <a:pPr marL="0" marR="0" lvl="0" indent="0" algn="r" defTabSz="457200" rtl="0" eaLnBrk="1" fontAlgn="auto" latinLnBrk="0" hangingPunct="1">
-                <a:lnSpc>
-                  <a:spcPct val="100000"/>
-                </a:lnSpc>
-                <a:spcBef>
-                  <a:spcPts val="0"/>
-                </a:spcBef>
-                <a:spcAft>
-                  <a:spcPts val="0"/>
-                </a:spcAft>
-                <a:buClrTx/>
-                <a:buSzTx/>
-                <a:buFontTx/>
-                <a:buNone/>
-                <a:tabLst/>
-                <a:defRPr/>
-              </a:pPr>
-              <a:t>2</a:t>
-            </a:fld>
-            <a:endParaRPr kumimoji="0" lang="en-US" sz="1200" b="0" i="0" u="none" strike="noStrike" kern="1200" cap="none" spc="0" normalizeH="0" baseline="0" noProof="0" dirty="0">
-              <a:ln>
-                <a:noFill/>
-              </a:ln>
-              <a:solidFill>
-                <a:prstClr val="black"/>
-              </a:solidFill>
-              <a:effectLst/>
-              <a:uLnTx/>
-              <a:uFillTx/>
-              <a:latin typeface="Calibri" panose="020F0502020204030204"/>
-              <a:ea typeface="+mn-ea"/>
-              <a:cs typeface="+mn-cs"/>
-            </a:endParaRPr>
-          </a:p>
-        </p:txBody>
-      </p:sp>
-    </p:spTree>
-    <p:extLst>
-      <p:ext uri="{BB962C8B-B14F-4D97-AF65-F5344CB8AC3E}">
-        <p14:creationId xmlns:p14="http://schemas.microsoft.com/office/powerpoint/2010/main" val="1115598003"/>
-      </p:ext>
-    </p:extLst>
-  </p:cSld>
-  <p:clrMapOvr>
-    <a:masterClrMapping/>
-  </p:clrMapOvr>
-</p:notes>
-</file>
-
-<file path=ppt/notesSlides/notesSlide20.xml><?xml version="1.0" encoding="utf-8"?>
-<p:notes xmlns:a="http://schemas.openxmlformats.org/drawingml/2006/main" xmlns:r="http://schemas.openxmlformats.org/officeDocument/2006/relationships" xmlns:p="http://schemas.openxmlformats.org/presentationml/2006/main">
-  <p:cSld>
-    <p:spTree>
-      <p:nvGrpSpPr>
-        <p:cNvPr id="1" name=""/>
-        <p:cNvGrpSpPr/>
-        <p:nvPr/>
-      </p:nvGrpSpPr>
-      <p:grpSpPr>
-        <a:xfrm>
-          <a:off x="0" y="0"/>
-          <a:ext cx="0" cy="0"/>
-          <a:chOff x="0" y="0"/>
-          <a:chExt cx="0" cy="0"/>
-        </a:xfrm>
-      </p:grpSpPr>
-      <p:sp>
-        <p:nvSpPr>
-          <p:cNvPr id="2" name="Slide Image Placeholder 1"/>
-          <p:cNvSpPr>
-            <a:spLocks noGrp="1" noRot="1" noChangeAspect="1"/>
-          </p:cNvSpPr>
-          <p:nvPr>
-            <p:ph type="sldImg"/>
-          </p:nvPr>
-        </p:nvSpPr>
-        <p:spPr/>
-      </p:sp>
-      <p:sp>
-        <p:nvSpPr>
-          <p:cNvPr id="3" name="Notes Placeholder 2"/>
-          <p:cNvSpPr>
-            <a:spLocks noGrp="1"/>
-          </p:cNvSpPr>
-          <p:nvPr>
-            <p:ph type="body" idx="1"/>
-          </p:nvPr>
-        </p:nvSpPr>
-        <p:spPr/>
-        <p:txBody>
-          <a:bodyPr/>
-          <a:lstStyle/>
-          <a:p>
-            <a:endParaRPr lang="en-US" dirty="0"/>
-          </a:p>
-        </p:txBody>
-      </p:sp>
-      <p:sp>
-        <p:nvSpPr>
-          <p:cNvPr id="4" name="Header Placeholder 3"/>
-          <p:cNvSpPr>
-            <a:spLocks noGrp="1"/>
-          </p:cNvSpPr>
-          <p:nvPr>
-            <p:ph type="hdr" sz="quarter"/>
-          </p:nvPr>
-        </p:nvSpPr>
-        <p:spPr/>
-        <p:txBody>
-          <a:bodyPr/>
-          <a:lstStyle/>
-          <a:p>
-            <a:pPr marL="0" marR="0" lvl="0" indent="0" algn="l" defTabSz="457200" rtl="0" eaLnBrk="1" fontAlgn="auto" latinLnBrk="0" hangingPunct="1">
-              <a:lnSpc>
-                <a:spcPct val="100000"/>
-              </a:lnSpc>
-              <a:spcBef>
-                <a:spcPts val="0"/>
-              </a:spcBef>
-              <a:spcAft>
-                <a:spcPts val="0"/>
-              </a:spcAft>
-              <a:buClrTx/>
-              <a:buSzTx/>
-              <a:buFontTx/>
-              <a:buNone/>
-              <a:tabLst/>
-              <a:defRPr/>
-            </a:pPr>
-            <a:r>
-              <a:rPr kumimoji="0" lang="en-US" sz="1200" b="0" i="0" u="none" strike="noStrike" kern="1200" cap="none" spc="0" normalizeH="0" baseline="0" noProof="0" dirty="0">
-                <a:ln>
-                  <a:noFill/>
-                </a:ln>
-                <a:solidFill>
-                  <a:prstClr val="black"/>
-                </a:solidFill>
-                <a:effectLst/>
-                <a:uLnTx/>
-                <a:uFillTx/>
-                <a:latin typeface="Calibri" panose="020F0502020204030204"/>
-                <a:ea typeface="+mn-ea"/>
-                <a:cs typeface="+mn-cs"/>
-              </a:rPr>
-              <a:t>Introduction to Programming using Python</a:t>
-            </a:r>
-          </a:p>
-        </p:txBody>
-      </p:sp>
-      <p:sp>
-        <p:nvSpPr>
-          <p:cNvPr id="5" name="Date Placeholder 4"/>
-          <p:cNvSpPr>
-            <a:spLocks noGrp="1"/>
-          </p:cNvSpPr>
-          <p:nvPr>
-            <p:ph type="dt" idx="1"/>
-          </p:nvPr>
-        </p:nvSpPr>
-        <p:spPr/>
-        <p:txBody>
-          <a:bodyPr/>
-          <a:lstStyle/>
-          <a:p>
-            <a:pPr marL="0" marR="0" lvl="0" indent="0" algn="r" defTabSz="457200" rtl="0" eaLnBrk="1" fontAlgn="auto" latinLnBrk="0" hangingPunct="1">
-              <a:lnSpc>
-                <a:spcPct val="100000"/>
-              </a:lnSpc>
-              <a:spcBef>
-                <a:spcPts val="0"/>
-              </a:spcBef>
-              <a:spcAft>
-                <a:spcPts val="0"/>
-              </a:spcAft>
-              <a:buClrTx/>
-              <a:buSzTx/>
-              <a:buFontTx/>
-              <a:buNone/>
-              <a:tabLst/>
-              <a:defRPr/>
-            </a:pPr>
-            <a:fld id="{A596092B-28C7-44D1-B902-5437B333DFB7}" type="datetime1">
-              <a:rPr kumimoji="0" lang="en-US" sz="1200" b="0" i="0" u="none" strike="noStrike" kern="1200" cap="none" spc="0" normalizeH="0" baseline="0" noProof="0" smtClean="0">
-                <a:ln>
-                  <a:noFill/>
-                </a:ln>
-                <a:solidFill>
-                  <a:prstClr val="black"/>
-                </a:solidFill>
-                <a:effectLst/>
-                <a:uLnTx/>
-                <a:uFillTx/>
-                <a:latin typeface="Calibri" panose="020F0502020204030204"/>
-                <a:ea typeface="+mn-ea"/>
-                <a:cs typeface="+mn-cs"/>
-              </a:rPr>
-              <a:pPr marL="0" marR="0" lvl="0" indent="0" algn="r" defTabSz="457200" rtl="0" eaLnBrk="1" fontAlgn="auto" latinLnBrk="0" hangingPunct="1">
-                <a:lnSpc>
-                  <a:spcPct val="100000"/>
-                </a:lnSpc>
-                <a:spcBef>
-                  <a:spcPts val="0"/>
-                </a:spcBef>
-                <a:spcAft>
-                  <a:spcPts val="0"/>
-                </a:spcAft>
-                <a:buClrTx/>
-                <a:buSzTx/>
-                <a:buFontTx/>
-                <a:buNone/>
-                <a:tabLst/>
-                <a:defRPr/>
-              </a:pPr>
-              <a:t>7/13/2022</a:t>
+              <a:t>8/9/2022</a:t>
             </a:fld>
             <a:endParaRPr kumimoji="0" lang="en-US" sz="1200" b="0" i="0" u="none" strike="noStrike" kern="1200" cap="none" spc="0" normalizeH="0" baseline="0" noProof="0" dirty="0">
               <a:ln>
@@ -4864,7 +3868,7 @@
     </p:spTree>
     <p:extLst>
       <p:ext uri="{BB962C8B-B14F-4D97-AF65-F5344CB8AC3E}">
-        <p14:creationId xmlns:p14="http://schemas.microsoft.com/office/powerpoint/2010/main" val="4266362203"/>
+        <p14:creationId xmlns:p14="http://schemas.microsoft.com/office/powerpoint/2010/main" val="2254318825"/>
       </p:ext>
     </p:extLst>
   </p:cSld>
@@ -4874,7 +3878,7 @@
 </p:notes>
 </file>
 
-<file path=ppt/notesSlides/notesSlide21.xml><?xml version="1.0" encoding="utf-8"?>
+<file path=ppt/notesSlides/notesSlide19.xml><?xml version="1.0" encoding="utf-8"?>
 <p:notes xmlns:a="http://schemas.openxmlformats.org/drawingml/2006/main" xmlns:r="http://schemas.openxmlformats.org/officeDocument/2006/relationships" xmlns:p="http://schemas.openxmlformats.org/presentationml/2006/main">
   <p:cSld>
     <p:spTree>
@@ -4920,120 +3924,46 @@
           <a:p>
             <a:r>
               <a:rPr lang="en-US" dirty="0"/>
-              <a:t>Use the previous iteration as a start to the next.</a:t>
-            </a:r>
-          </a:p>
-          <a:p>
+              <a:t>Should have at least a </a:t>
+            </a:r>
+            <a:r>
+              <a:rPr lang="en-US" dirty="0" err="1"/>
+              <a:t>builtin</a:t>
+            </a:r>
             <a:r>
               <a:rPr lang="en-US" dirty="0"/>
-              <a:t>I'll go around and watch.</a:t>
-            </a:r>
-          </a:p>
-          <a:p>
-            <a:r>
-              <a:rPr lang="en-US" dirty="0"/>
-              <a:t>Raise had if a question.</a:t>
-            </a:r>
-          </a:p>
-          <a:p>
-            <a:endParaRPr lang="en-US" dirty="0"/>
-          </a:p>
-        </p:txBody>
-      </p:sp>
-      <p:sp>
-        <p:nvSpPr>
-          <p:cNvPr id="4" name="Header Placeholder 3"/>
-          <p:cNvSpPr>
-            <a:spLocks noGrp="1"/>
-          </p:cNvSpPr>
-          <p:nvPr>
-            <p:ph type="hdr" sz="quarter" idx="10"/>
-          </p:nvPr>
-        </p:nvSpPr>
-        <p:spPr/>
-        <p:txBody>
-          <a:bodyPr/>
-          <a:lstStyle/>
-          <a:p>
-            <a:r>
-              <a:rPr lang="en-US" dirty="0"/>
-              <a:t>Introduction to Programming using Python</a:t>
-            </a:r>
-          </a:p>
-        </p:txBody>
-      </p:sp>
-      <p:sp>
-        <p:nvSpPr>
-          <p:cNvPr id="5" name="Date Placeholder 4"/>
-          <p:cNvSpPr>
-            <a:spLocks noGrp="1"/>
-          </p:cNvSpPr>
-          <p:nvPr>
-            <p:ph type="dt" idx="11"/>
-          </p:nvPr>
-        </p:nvSpPr>
-        <p:spPr/>
-        <p:txBody>
-          <a:bodyPr/>
-          <a:lstStyle/>
-          <a:p>
-            <a:fld id="{A596092B-28C7-44D1-B902-5437B333DFB7}" type="datetime1">
+              <a:t> test for every class</a:t>
+            </a:r>
+          </a:p>
+        </p:txBody>
+      </p:sp>
+      <p:sp>
+        <p:nvSpPr>
+          <p:cNvPr id="4" name="Slide Number Placeholder 3"/>
+          <p:cNvSpPr>
+            <a:spLocks noGrp="1"/>
+          </p:cNvSpPr>
+          <p:nvPr>
+            <p:ph type="sldNum" sz="quarter" idx="5"/>
+          </p:nvPr>
+        </p:nvSpPr>
+        <p:spPr/>
+        <p:txBody>
+          <a:bodyPr/>
+          <a:lstStyle/>
+          <a:p>
+            <a:fld id="{A20FB4F7-CA49-4658-8FE4-1DA0B86FB73F}" type="slidenum">
               <a:rPr lang="en-US" smtClean="0"/>
-              <a:t>7/13/2022</a:t>
+              <a:t>24</a:t>
             </a:fld>
-            <a:endParaRPr lang="en-US" dirty="0"/>
-          </a:p>
-        </p:txBody>
-      </p:sp>
-      <p:sp>
-        <p:nvSpPr>
-          <p:cNvPr id="6" name="Footer Placeholder 5"/>
-          <p:cNvSpPr>
-            <a:spLocks noGrp="1"/>
-          </p:cNvSpPr>
-          <p:nvPr>
-            <p:ph type="ftr" sz="quarter" idx="12"/>
-          </p:nvPr>
-        </p:nvSpPr>
-        <p:spPr/>
-        <p:txBody>
-          <a:bodyPr/>
-          <a:lstStyle/>
-          <a:p>
-            <a:r>
-              <a:rPr lang="en-US" dirty="0"/>
-              <a:t>raysmith@alum.mit.edu</a:t>
-            </a:r>
-          </a:p>
-        </p:txBody>
-      </p:sp>
-      <p:sp>
-        <p:nvSpPr>
-          <p:cNvPr id="7" name="Slide Number Placeholder 6"/>
-          <p:cNvSpPr>
-            <a:spLocks noGrp="1"/>
-          </p:cNvSpPr>
-          <p:nvPr>
-            <p:ph type="sldNum" sz="quarter" idx="13"/>
-          </p:nvPr>
-        </p:nvSpPr>
-        <p:spPr/>
-        <p:txBody>
-          <a:bodyPr/>
-          <a:lstStyle/>
-          <a:p>
-            <a:fld id="{BA791329-992B-4F83-8435-C33B0EC26DB3}" type="slidenum">
-              <a:rPr lang="en-US" smtClean="0"/>
-              <a:t>23</a:t>
-            </a:fld>
-            <a:endParaRPr lang="en-US" dirty="0"/>
+            <a:endParaRPr lang="en-US"/>
           </a:p>
         </p:txBody>
       </p:sp>
     </p:spTree>
     <p:extLst>
       <p:ext uri="{BB962C8B-B14F-4D97-AF65-F5344CB8AC3E}">
-        <p14:creationId xmlns:p14="http://schemas.microsoft.com/office/powerpoint/2010/main" val="130976200"/>
+        <p14:creationId xmlns:p14="http://schemas.microsoft.com/office/powerpoint/2010/main" val="2776008598"/>
       </p:ext>
     </p:extLst>
   </p:cSld>
@@ -5043,7 +3973,7 @@
 </p:notes>
 </file>
 
-<file path=ppt/notesSlides/notesSlide3.xml><?xml version="1.0" encoding="utf-8"?>
+<file path=ppt/notesSlides/notesSlide2.xml><?xml version="1.0" encoding="utf-8"?>
 <p:notes xmlns:a="http://schemas.openxmlformats.org/drawingml/2006/main" xmlns:r="http://schemas.openxmlformats.org/officeDocument/2006/relationships" xmlns:p="http://schemas.openxmlformats.org/presentationml/2006/main">
   <p:cSld>
     <p:spTree>
@@ -5207,7 +4137,7 @@
                 <a:tabLst/>
                 <a:defRPr/>
               </a:pPr>
-              <a:t>7/13/2022</a:t>
+              <a:t>8/9/2022</a:t>
             </a:fld>
             <a:endParaRPr kumimoji="0" lang="en-US" sz="1200" b="0" i="0" u="none" strike="noStrike" kern="1200" cap="none" spc="0" normalizeH="0" baseline="0" noProof="0" dirty="0">
               <a:ln>
@@ -5364,7 +4294,7 @@
     </p:spTree>
     <p:extLst>
       <p:ext uri="{BB962C8B-B14F-4D97-AF65-F5344CB8AC3E}">
-        <p14:creationId xmlns:p14="http://schemas.microsoft.com/office/powerpoint/2010/main" val="3290664453"/>
+        <p14:creationId xmlns:p14="http://schemas.microsoft.com/office/powerpoint/2010/main" val="1115598003"/>
       </p:ext>
     </p:extLst>
   </p:cSld>
@@ -5374,7 +4304,176 @@
 </p:notes>
 </file>
 
-<file path=ppt/notesSlides/notesSlide4.xml><?xml version="1.0" encoding="utf-8"?>
+<file path=ppt/notesSlides/notesSlide20.xml><?xml version="1.0" encoding="utf-8"?>
+<p:notes xmlns:a="http://schemas.openxmlformats.org/drawingml/2006/main" xmlns:r="http://schemas.openxmlformats.org/officeDocument/2006/relationships" xmlns:p="http://schemas.openxmlformats.org/presentationml/2006/main">
+  <p:cSld>
+    <p:spTree>
+      <p:nvGrpSpPr>
+        <p:cNvPr id="1" name=""/>
+        <p:cNvGrpSpPr/>
+        <p:nvPr/>
+      </p:nvGrpSpPr>
+      <p:grpSpPr>
+        <a:xfrm>
+          <a:off x="0" y="0"/>
+          <a:ext cx="0" cy="0"/>
+          <a:chOff x="0" y="0"/>
+          <a:chExt cx="0" cy="0"/>
+        </a:xfrm>
+      </p:grpSpPr>
+      <p:sp>
+        <p:nvSpPr>
+          <p:cNvPr id="2" name="Slide Image Placeholder 1"/>
+          <p:cNvSpPr>
+            <a:spLocks noGrp="1" noRot="1" noChangeAspect="1"/>
+          </p:cNvSpPr>
+          <p:nvPr>
+            <p:ph type="sldImg"/>
+          </p:nvPr>
+        </p:nvSpPr>
+        <p:spPr/>
+      </p:sp>
+      <p:sp>
+        <p:nvSpPr>
+          <p:cNvPr id="3" name="Notes Placeholder 2"/>
+          <p:cNvSpPr>
+            <a:spLocks noGrp="1"/>
+          </p:cNvSpPr>
+          <p:nvPr>
+            <p:ph type="body" idx="1"/>
+          </p:nvPr>
+        </p:nvSpPr>
+        <p:spPr/>
+        <p:txBody>
+          <a:bodyPr/>
+          <a:lstStyle/>
+          <a:p>
+            <a:r>
+              <a:rPr lang="en-US" dirty="0"/>
+              <a:t>Use the previous iteration as a start to the next.</a:t>
+            </a:r>
+          </a:p>
+          <a:p>
+            <a:r>
+              <a:rPr lang="en-US" dirty="0"/>
+              <a:t>I'll go around and watch.</a:t>
+            </a:r>
+          </a:p>
+          <a:p>
+            <a:r>
+              <a:rPr lang="en-US" dirty="0"/>
+              <a:t>Raise had if a question.</a:t>
+            </a:r>
+          </a:p>
+          <a:p>
+            <a:endParaRPr lang="en-US" dirty="0"/>
+          </a:p>
+        </p:txBody>
+      </p:sp>
+      <p:sp>
+        <p:nvSpPr>
+          <p:cNvPr id="4" name="Header Placeholder 3"/>
+          <p:cNvSpPr>
+            <a:spLocks noGrp="1"/>
+          </p:cNvSpPr>
+          <p:nvPr>
+            <p:ph type="hdr" sz="quarter" idx="10"/>
+          </p:nvPr>
+        </p:nvSpPr>
+        <p:spPr/>
+        <p:txBody>
+          <a:bodyPr/>
+          <a:lstStyle/>
+          <a:p>
+            <a:r>
+              <a:rPr lang="en-US" dirty="0"/>
+              <a:t>Introduction to Programming using Python</a:t>
+            </a:r>
+          </a:p>
+        </p:txBody>
+      </p:sp>
+      <p:sp>
+        <p:nvSpPr>
+          <p:cNvPr id="5" name="Date Placeholder 4"/>
+          <p:cNvSpPr>
+            <a:spLocks noGrp="1"/>
+          </p:cNvSpPr>
+          <p:nvPr>
+            <p:ph type="dt" idx="11"/>
+          </p:nvPr>
+        </p:nvSpPr>
+        <p:spPr/>
+        <p:txBody>
+          <a:bodyPr/>
+          <a:lstStyle/>
+          <a:p>
+            <a:fld id="{A596092B-28C7-44D1-B902-5437B333DFB7}" type="datetime1">
+              <a:rPr lang="en-US" smtClean="0"/>
+              <a:t>8/9/2022</a:t>
+            </a:fld>
+            <a:endParaRPr lang="en-US" dirty="0"/>
+          </a:p>
+        </p:txBody>
+      </p:sp>
+      <p:sp>
+        <p:nvSpPr>
+          <p:cNvPr id="6" name="Footer Placeholder 5"/>
+          <p:cNvSpPr>
+            <a:spLocks noGrp="1"/>
+          </p:cNvSpPr>
+          <p:nvPr>
+            <p:ph type="ftr" sz="quarter" idx="12"/>
+          </p:nvPr>
+        </p:nvSpPr>
+        <p:spPr/>
+        <p:txBody>
+          <a:bodyPr/>
+          <a:lstStyle/>
+          <a:p>
+            <a:r>
+              <a:rPr lang="en-US" dirty="0"/>
+              <a:t>raysmith@alum.mit.edu</a:t>
+            </a:r>
+          </a:p>
+        </p:txBody>
+      </p:sp>
+      <p:sp>
+        <p:nvSpPr>
+          <p:cNvPr id="7" name="Slide Number Placeholder 6"/>
+          <p:cNvSpPr>
+            <a:spLocks noGrp="1"/>
+          </p:cNvSpPr>
+          <p:nvPr>
+            <p:ph type="sldNum" sz="quarter" idx="13"/>
+          </p:nvPr>
+        </p:nvSpPr>
+        <p:spPr/>
+        <p:txBody>
+          <a:bodyPr/>
+          <a:lstStyle/>
+          <a:p>
+            <a:fld id="{BA791329-992B-4F83-8435-C33B0EC26DB3}" type="slidenum">
+              <a:rPr lang="en-US" smtClean="0"/>
+              <a:t>29</a:t>
+            </a:fld>
+            <a:endParaRPr lang="en-US" dirty="0"/>
+          </a:p>
+        </p:txBody>
+      </p:sp>
+    </p:spTree>
+    <p:extLst>
+      <p:ext uri="{BB962C8B-B14F-4D97-AF65-F5344CB8AC3E}">
+        <p14:creationId xmlns:p14="http://schemas.microsoft.com/office/powerpoint/2010/main" val="130976200"/>
+      </p:ext>
+    </p:extLst>
+  </p:cSld>
+  <p:clrMapOvr>
+    <a:masterClrMapping/>
+  </p:clrMapOvr>
+</p:notes>
+</file>
+
+<file path=ppt/notesSlides/notesSlide3.xml><?xml version="1.0" encoding="utf-8"?>
 <p:notes xmlns:a="http://schemas.openxmlformats.org/drawingml/2006/main" xmlns:r="http://schemas.openxmlformats.org/officeDocument/2006/relationships" xmlns:p="http://schemas.openxmlformats.org/presentationml/2006/main">
   <p:cSld>
     <p:spTree>
@@ -5538,7 +4637,7 @@
                 <a:tabLst/>
                 <a:defRPr/>
               </a:pPr>
-              <a:t>7/13/2022</a:t>
+              <a:t>8/9/2022</a:t>
             </a:fld>
             <a:endParaRPr kumimoji="0" lang="en-US" sz="1200" b="0" i="0" u="none" strike="noStrike" kern="1200" cap="none" spc="0" normalizeH="0" baseline="0" noProof="0" dirty="0">
               <a:ln>
@@ -5695,6 +4794,337 @@
     </p:spTree>
     <p:extLst>
       <p:ext uri="{BB962C8B-B14F-4D97-AF65-F5344CB8AC3E}">
+        <p14:creationId xmlns:p14="http://schemas.microsoft.com/office/powerpoint/2010/main" val="3290664453"/>
+      </p:ext>
+    </p:extLst>
+  </p:cSld>
+  <p:clrMapOvr>
+    <a:masterClrMapping/>
+  </p:clrMapOvr>
+</p:notes>
+</file>
+
+<file path=ppt/notesSlides/notesSlide4.xml><?xml version="1.0" encoding="utf-8"?>
+<p:notes xmlns:a="http://schemas.openxmlformats.org/drawingml/2006/main" xmlns:r="http://schemas.openxmlformats.org/officeDocument/2006/relationships" xmlns:p="http://schemas.openxmlformats.org/presentationml/2006/main">
+  <p:cSld>
+    <p:spTree>
+      <p:nvGrpSpPr>
+        <p:cNvPr id="1" name=""/>
+        <p:cNvGrpSpPr/>
+        <p:nvPr/>
+      </p:nvGrpSpPr>
+      <p:grpSpPr>
+        <a:xfrm>
+          <a:off x="0" y="0"/>
+          <a:ext cx="0" cy="0"/>
+          <a:chOff x="0" y="0"/>
+          <a:chExt cx="0" cy="0"/>
+        </a:xfrm>
+      </p:grpSpPr>
+      <p:sp>
+        <p:nvSpPr>
+          <p:cNvPr id="2" name="Slide Image Placeholder 1"/>
+          <p:cNvSpPr>
+            <a:spLocks noGrp="1" noRot="1" noChangeAspect="1"/>
+          </p:cNvSpPr>
+          <p:nvPr>
+            <p:ph type="sldImg"/>
+          </p:nvPr>
+        </p:nvSpPr>
+        <p:spPr/>
+      </p:sp>
+      <p:sp>
+        <p:nvSpPr>
+          <p:cNvPr id="3" name="Notes Placeholder 2"/>
+          <p:cNvSpPr>
+            <a:spLocks noGrp="1"/>
+          </p:cNvSpPr>
+          <p:nvPr>
+            <p:ph type="body" idx="1"/>
+          </p:nvPr>
+        </p:nvSpPr>
+        <p:spPr/>
+        <p:txBody>
+          <a:bodyPr/>
+          <a:lstStyle/>
+          <a:p>
+            <a:endParaRPr lang="en-US" dirty="0"/>
+          </a:p>
+        </p:txBody>
+      </p:sp>
+      <p:sp>
+        <p:nvSpPr>
+          <p:cNvPr id="4" name="Header Placeholder 3"/>
+          <p:cNvSpPr>
+            <a:spLocks noGrp="1"/>
+          </p:cNvSpPr>
+          <p:nvPr>
+            <p:ph type="hdr" sz="quarter"/>
+          </p:nvPr>
+        </p:nvSpPr>
+        <p:spPr/>
+        <p:txBody>
+          <a:bodyPr/>
+          <a:lstStyle/>
+          <a:p>
+            <a:pPr marL="0" marR="0" lvl="0" indent="0" algn="l" defTabSz="457200" rtl="0" eaLnBrk="1" fontAlgn="auto" latinLnBrk="0" hangingPunct="1">
+              <a:lnSpc>
+                <a:spcPct val="100000"/>
+              </a:lnSpc>
+              <a:spcBef>
+                <a:spcPts val="0"/>
+              </a:spcBef>
+              <a:spcAft>
+                <a:spcPts val="0"/>
+              </a:spcAft>
+              <a:buClrTx/>
+              <a:buSzTx/>
+              <a:buFontTx/>
+              <a:buNone/>
+              <a:tabLst/>
+              <a:defRPr/>
+            </a:pPr>
+            <a:r>
+              <a:rPr kumimoji="0" lang="en-US" sz="1200" b="0" i="0" u="none" strike="noStrike" kern="1200" cap="none" spc="0" normalizeH="0" baseline="0" noProof="0" dirty="0">
+                <a:ln>
+                  <a:noFill/>
+                </a:ln>
+                <a:solidFill>
+                  <a:prstClr val="black"/>
+                </a:solidFill>
+                <a:effectLst/>
+                <a:uLnTx/>
+                <a:uFillTx/>
+                <a:latin typeface="Calibri" panose="020F0502020204030204"/>
+                <a:ea typeface="+mn-ea"/>
+                <a:cs typeface="+mn-cs"/>
+              </a:rPr>
+              <a:t>Introduction to Programming using Python</a:t>
+            </a:r>
+          </a:p>
+        </p:txBody>
+      </p:sp>
+      <p:sp>
+        <p:nvSpPr>
+          <p:cNvPr id="5" name="Date Placeholder 4"/>
+          <p:cNvSpPr>
+            <a:spLocks noGrp="1"/>
+          </p:cNvSpPr>
+          <p:nvPr>
+            <p:ph type="dt" idx="1"/>
+          </p:nvPr>
+        </p:nvSpPr>
+        <p:spPr/>
+        <p:txBody>
+          <a:bodyPr/>
+          <a:lstStyle/>
+          <a:p>
+            <a:pPr marL="0" marR="0" lvl="0" indent="0" algn="r" defTabSz="457200" rtl="0" eaLnBrk="1" fontAlgn="auto" latinLnBrk="0" hangingPunct="1">
+              <a:lnSpc>
+                <a:spcPct val="100000"/>
+              </a:lnSpc>
+              <a:spcBef>
+                <a:spcPts val="0"/>
+              </a:spcBef>
+              <a:spcAft>
+                <a:spcPts val="0"/>
+              </a:spcAft>
+              <a:buClrTx/>
+              <a:buSzTx/>
+              <a:buFontTx/>
+              <a:buNone/>
+              <a:tabLst/>
+              <a:defRPr/>
+            </a:pPr>
+            <a:fld id="{A596092B-28C7-44D1-B902-5437B333DFB7}" type="datetime1">
+              <a:rPr kumimoji="0" lang="en-US" sz="1200" b="0" i="0" u="none" strike="noStrike" kern="1200" cap="none" spc="0" normalizeH="0" baseline="0" noProof="0" smtClean="0">
+                <a:ln>
+                  <a:noFill/>
+                </a:ln>
+                <a:solidFill>
+                  <a:prstClr val="black"/>
+                </a:solidFill>
+                <a:effectLst/>
+                <a:uLnTx/>
+                <a:uFillTx/>
+                <a:latin typeface="Calibri" panose="020F0502020204030204"/>
+                <a:ea typeface="+mn-ea"/>
+                <a:cs typeface="+mn-cs"/>
+              </a:rPr>
+              <a:pPr marL="0" marR="0" lvl="0" indent="0" algn="r" defTabSz="457200" rtl="0" eaLnBrk="1" fontAlgn="auto" latinLnBrk="0" hangingPunct="1">
+                <a:lnSpc>
+                  <a:spcPct val="100000"/>
+                </a:lnSpc>
+                <a:spcBef>
+                  <a:spcPts val="0"/>
+                </a:spcBef>
+                <a:spcAft>
+                  <a:spcPts val="0"/>
+                </a:spcAft>
+                <a:buClrTx/>
+                <a:buSzTx/>
+                <a:buFontTx/>
+                <a:buNone/>
+                <a:tabLst/>
+                <a:defRPr/>
+              </a:pPr>
+              <a:t>8/9/2022</a:t>
+            </a:fld>
+            <a:endParaRPr kumimoji="0" lang="en-US" sz="1200" b="0" i="0" u="none" strike="noStrike" kern="1200" cap="none" spc="0" normalizeH="0" baseline="0" noProof="0" dirty="0">
+              <a:ln>
+                <a:noFill/>
+              </a:ln>
+              <a:solidFill>
+                <a:prstClr val="black"/>
+              </a:solidFill>
+              <a:effectLst/>
+              <a:uLnTx/>
+              <a:uFillTx/>
+              <a:latin typeface="Calibri" panose="020F0502020204030204"/>
+              <a:ea typeface="+mn-ea"/>
+              <a:cs typeface="+mn-cs"/>
+            </a:endParaRPr>
+          </a:p>
+        </p:txBody>
+      </p:sp>
+      <p:sp>
+        <p:nvSpPr>
+          <p:cNvPr id="6" name="Footer Placeholder 5"/>
+          <p:cNvSpPr>
+            <a:spLocks noGrp="1"/>
+          </p:cNvSpPr>
+          <p:nvPr>
+            <p:ph type="ftr" sz="quarter" idx="4"/>
+          </p:nvPr>
+        </p:nvSpPr>
+        <p:spPr/>
+        <p:txBody>
+          <a:bodyPr/>
+          <a:lstStyle/>
+          <a:p>
+            <a:pPr marL="0" marR="0" lvl="0" indent="0" algn="l" defTabSz="457200" rtl="0" eaLnBrk="1" fontAlgn="auto" latinLnBrk="0" hangingPunct="1">
+              <a:lnSpc>
+                <a:spcPct val="100000"/>
+              </a:lnSpc>
+              <a:spcBef>
+                <a:spcPts val="0"/>
+              </a:spcBef>
+              <a:spcAft>
+                <a:spcPts val="0"/>
+              </a:spcAft>
+              <a:buClrTx/>
+              <a:buSzTx/>
+              <a:buFontTx/>
+              <a:buNone/>
+              <a:tabLst/>
+              <a:defRPr/>
+            </a:pPr>
+            <a:r>
+              <a:rPr kumimoji="0" lang="en-US" sz="1200" b="0" i="0" u="none" strike="noStrike" kern="1200" cap="none" spc="0" normalizeH="0" baseline="0" noProof="0" dirty="0">
+                <a:ln>
+                  <a:noFill/>
+                </a:ln>
+                <a:solidFill>
+                  <a:prstClr val="black"/>
+                </a:solidFill>
+                <a:effectLst/>
+                <a:uLnTx/>
+                <a:uFillTx/>
+                <a:latin typeface="Calibri" panose="020F0502020204030204"/>
+                <a:ea typeface="+mn-ea"/>
+                <a:cs typeface="+mn-cs"/>
+              </a:rPr>
+              <a:t>raysmith@alum.mit.edu</a:t>
+            </a:r>
+          </a:p>
+        </p:txBody>
+      </p:sp>
+      <p:sp>
+        <p:nvSpPr>
+          <p:cNvPr id="7" name="Slide Number Placeholder 6"/>
+          <p:cNvSpPr>
+            <a:spLocks noGrp="1"/>
+          </p:cNvSpPr>
+          <p:nvPr>
+            <p:ph type="sldNum" sz="quarter" idx="5"/>
+          </p:nvPr>
+        </p:nvSpPr>
+        <p:spPr/>
+        <p:txBody>
+          <a:bodyPr/>
+          <a:lstStyle/>
+          <a:p>
+            <a:pPr marL="0" marR="0" lvl="0" indent="0" algn="r" defTabSz="457200" rtl="0" eaLnBrk="1" fontAlgn="auto" latinLnBrk="0" hangingPunct="1">
+              <a:lnSpc>
+                <a:spcPct val="100000"/>
+              </a:lnSpc>
+              <a:spcBef>
+                <a:spcPts val="0"/>
+              </a:spcBef>
+              <a:spcAft>
+                <a:spcPts val="0"/>
+              </a:spcAft>
+              <a:buClrTx/>
+              <a:buSzTx/>
+              <a:buFontTx/>
+              <a:buNone/>
+              <a:tabLst/>
+              <a:defRPr/>
+            </a:pPr>
+            <a:fld id="{BA791329-992B-4F83-8435-C33B0EC26DB3}" type="slidenum">
+              <a:rPr kumimoji="0" lang="en-US" sz="1200" b="0" i="0" u="none" strike="noStrike" kern="1200" cap="none" spc="0" normalizeH="0" baseline="0" noProof="0" smtClean="0">
+                <a:ln>
+                  <a:noFill/>
+                </a:ln>
+                <a:solidFill>
+                  <a:prstClr val="black"/>
+                </a:solidFill>
+                <a:effectLst/>
+                <a:uLnTx/>
+                <a:uFillTx/>
+                <a:latin typeface="Calibri" panose="020F0502020204030204"/>
+                <a:ea typeface="+mn-ea"/>
+                <a:cs typeface="+mn-cs"/>
+              </a:rPr>
+              <a:pPr marL="0" marR="0" lvl="0" indent="0" algn="r" defTabSz="457200" rtl="0" eaLnBrk="1" fontAlgn="auto" latinLnBrk="0" hangingPunct="1">
+                <a:lnSpc>
+                  <a:spcPct val="100000"/>
+                </a:lnSpc>
+                <a:spcBef>
+                  <a:spcPts val="0"/>
+                </a:spcBef>
+                <a:spcAft>
+                  <a:spcPts val="0"/>
+                </a:spcAft>
+                <a:buClrTx/>
+                <a:buSzTx/>
+                <a:buFontTx/>
+                <a:buNone/>
+                <a:tabLst/>
+                <a:defRPr/>
+              </a:pPr>
+              <a:t>5</a:t>
+            </a:fld>
+            <a:endParaRPr kumimoji="0" lang="en-US" sz="1200" b="0" i="0" u="none" strike="noStrike" kern="1200" cap="none" spc="0" normalizeH="0" baseline="0" noProof="0" dirty="0">
+              <a:ln>
+                <a:noFill/>
+              </a:ln>
+              <a:solidFill>
+                <a:prstClr val="black"/>
+              </a:solidFill>
+              <a:effectLst/>
+              <a:uLnTx/>
+              <a:uFillTx/>
+              <a:latin typeface="Calibri" panose="020F0502020204030204"/>
+              <a:ea typeface="+mn-ea"/>
+              <a:cs typeface="+mn-cs"/>
+            </a:endParaRPr>
+          </a:p>
+        </p:txBody>
+      </p:sp>
+    </p:spTree>
+    <p:extLst>
+      <p:ext uri="{BB962C8B-B14F-4D97-AF65-F5344CB8AC3E}">
         <p14:creationId xmlns:p14="http://schemas.microsoft.com/office/powerpoint/2010/main" val="1938476734"/>
       </p:ext>
     </p:extLst>
@@ -5890,7 +5320,7 @@
                 <a:tabLst/>
                 <a:defRPr/>
               </a:pPr>
-              <a:t>7/13/2022</a:t>
+              <a:t>8/9/2022</a:t>
             </a:fld>
             <a:endParaRPr kumimoji="0" lang="en-US" sz="1200" b="0" i="0" u="none" strike="noStrike" kern="1200" cap="none" spc="0" normalizeH="0" baseline="0" noProof="0" dirty="0">
               <a:ln>
@@ -6221,7 +5651,7 @@
                 <a:tabLst/>
                 <a:defRPr/>
               </a:pPr>
-              <a:t>7/13/2022</a:t>
+              <a:t>8/9/2022</a:t>
             </a:fld>
             <a:endParaRPr kumimoji="0" lang="en-US" sz="1200" b="0" i="0" u="none" strike="noStrike" kern="1200" cap="none" spc="0" normalizeH="0" baseline="0" noProof="0" dirty="0">
               <a:ln>
@@ -6552,7 +5982,7 @@
                 <a:tabLst/>
                 <a:defRPr/>
               </a:pPr>
-              <a:t>7/13/2022</a:t>
+              <a:t>8/9/2022</a:t>
             </a:fld>
             <a:endParaRPr kumimoji="0" lang="en-US" sz="1200" b="0" i="0" u="none" strike="noStrike" kern="1200" cap="none" spc="0" normalizeH="0" baseline="0" noProof="0" dirty="0">
               <a:ln>
@@ -6883,7 +6313,7 @@
                 <a:tabLst/>
                 <a:defRPr/>
               </a:pPr>
-              <a:t>7/13/2022</a:t>
+              <a:t>8/9/2022</a:t>
             </a:fld>
             <a:endParaRPr kumimoji="0" lang="en-US" sz="1200" b="0" i="0" u="none" strike="noStrike" kern="1200" cap="none" spc="0" normalizeH="0" baseline="0" noProof="0" dirty="0">
               <a:ln>
@@ -7214,7 +6644,7 @@
                 <a:tabLst/>
                 <a:defRPr/>
               </a:pPr>
-              <a:t>7/13/2022</a:t>
+              <a:t>8/9/2022</a:t>
             </a:fld>
             <a:endParaRPr kumimoji="0" lang="en-US" sz="1200" b="0" i="0" u="none" strike="noStrike" kern="1200" cap="none" spc="0" normalizeH="0" baseline="0" noProof="0" dirty="0">
               <a:ln>
@@ -8103,7 +7533,7 @@
           <a:p>
             <a:fld id="{B1DF5501-EE91-4443-9D3B-24E6F28D34E2}" type="datetime1">
               <a:rPr lang="en-US" smtClean="0"/>
-              <a:t>7/13/2022</a:t>
+              <a:t>8/9/2022</a:t>
             </a:fld>
             <a:endParaRPr lang="en-US" dirty="0"/>
           </a:p>
@@ -8369,7 +7799,7 @@
           <a:p>
             <a:fld id="{E954E1E9-8456-43AD-BA28-861520D256B9}" type="datetime1">
               <a:rPr lang="en-US" smtClean="0"/>
-              <a:t>7/13/2022</a:t>
+              <a:t>8/9/2022</a:t>
             </a:fld>
             <a:endParaRPr lang="en-US" dirty="0"/>
           </a:p>
@@ -8687,7 +8117,7 @@
           <a:p>
             <a:fld id="{FAF31E0C-AAFD-4E63-B3AE-16CD757951F4}" type="datetime1">
               <a:rPr lang="en-US" smtClean="0"/>
-              <a:t>7/13/2022</a:t>
+              <a:t>8/9/2022</a:t>
             </a:fld>
             <a:endParaRPr lang="en-US" dirty="0"/>
           </a:p>
@@ -9032,7 +8462,7 @@
           <a:p>
             <a:fld id="{000084FF-4715-4B6E-BD22-453621E5873F}" type="datetime1">
               <a:rPr lang="en-US" smtClean="0"/>
-              <a:t>7/13/2022</a:t>
+              <a:t>8/9/2022</a:t>
             </a:fld>
             <a:endParaRPr lang="en-US" dirty="0"/>
           </a:p>
@@ -9350,7 +8780,7 @@
           <a:p>
             <a:fld id="{6AC37F8D-4DF5-4AB6-A766-5A84B3D74A3B}" type="datetime1">
               <a:rPr lang="en-US" smtClean="0"/>
-              <a:t>7/13/2022</a:t>
+              <a:t>8/9/2022</a:t>
             </a:fld>
             <a:endParaRPr lang="en-US" dirty="0"/>
           </a:p>
@@ -9747,7 +9177,7 @@
           <a:p>
             <a:fld id="{1BF3CD1A-162D-40B2-9B22-9056F77C27F2}" type="datetime1">
               <a:rPr lang="en-US" smtClean="0"/>
-              <a:t>7/13/2022</a:t>
+              <a:t>8/9/2022</a:t>
             </a:fld>
             <a:endParaRPr lang="en-US" dirty="0"/>
           </a:p>
@@ -9921,7 +9351,7 @@
           <a:p>
             <a:fld id="{D42E4200-B1E5-4E39-8279-05DD69810A37}" type="datetime1">
               <a:rPr lang="en-US" smtClean="0"/>
-              <a:t>7/13/2022</a:t>
+              <a:t>8/9/2022</a:t>
             </a:fld>
             <a:endParaRPr lang="en-US" dirty="0"/>
           </a:p>
@@ -10104,7 +9534,7 @@
           <a:p>
             <a:fld id="{47CF7895-00AC-42E5-9790-7B0E3CE09DF2}" type="datetime1">
               <a:rPr lang="en-US" smtClean="0"/>
-              <a:t>7/13/2022</a:t>
+              <a:t>8/9/2022</a:t>
             </a:fld>
             <a:endParaRPr lang="en-US" dirty="0"/>
           </a:p>
@@ -10283,7 +9713,7 @@
           <a:p>
             <a:fld id="{A7119916-CD40-456D-ABE3-55F8822671F7}" type="datetime1">
               <a:rPr lang="en-US" smtClean="0"/>
-              <a:t>7/13/2022</a:t>
+              <a:t>8/9/2022</a:t>
             </a:fld>
             <a:endParaRPr lang="en-US" dirty="0"/>
           </a:p>
@@ -10533,7 +9963,7 @@
           <a:p>
             <a:fld id="{3F9A13D6-B8C2-463B-B3F7-C62E098B328E}" type="datetime1">
               <a:rPr lang="en-US" smtClean="0"/>
-              <a:t>7/13/2022</a:t>
+              <a:t>8/9/2022</a:t>
             </a:fld>
             <a:endParaRPr lang="en-US" dirty="0"/>
           </a:p>
@@ -10768,7 +10198,7 @@
           <a:p>
             <a:fld id="{D2B63420-31EE-4E4B-911C-2601B14D9FDD}" type="datetime1">
               <a:rPr lang="en-US" smtClean="0"/>
-              <a:t>7/13/2022</a:t>
+              <a:t>8/9/2022</a:t>
             </a:fld>
             <a:endParaRPr lang="en-US" dirty="0"/>
           </a:p>
@@ -11145,7 +10575,7 @@
           <a:p>
             <a:fld id="{2DD8986D-86F8-41E6-8CFF-8C91AEF92622}" type="datetime1">
               <a:rPr lang="en-US" smtClean="0"/>
-              <a:t>7/13/2022</a:t>
+              <a:t>8/9/2022</a:t>
             </a:fld>
             <a:endParaRPr lang="en-US" dirty="0"/>
           </a:p>
@@ -11271,7 +10701,7 @@
           <a:p>
             <a:fld id="{BA885161-032E-4C6A-8EDA-39D168DF18E4}" type="datetime1">
               <a:rPr lang="en-US" smtClean="0"/>
-              <a:t>7/13/2022</a:t>
+              <a:t>8/9/2022</a:t>
             </a:fld>
             <a:endParaRPr lang="en-US" dirty="0"/>
           </a:p>
@@ -11369,7 +10799,7 @@
           <a:p>
             <a:fld id="{958E6740-E523-48D9-9C4E-6F218E87BAF3}" type="datetime1">
               <a:rPr lang="en-US" smtClean="0"/>
-              <a:t>7/13/2022</a:t>
+              <a:t>8/9/2022</a:t>
             </a:fld>
             <a:endParaRPr lang="en-US" dirty="0"/>
           </a:p>
@@ -11627,7 +11057,7 @@
           <a:p>
             <a:fld id="{6121D4CA-FF09-4CB8-8D51-2613D19A0F2E}" type="datetime1">
               <a:rPr lang="en-US" smtClean="0"/>
-              <a:t>7/13/2022</a:t>
+              <a:t>8/9/2022</a:t>
             </a:fld>
             <a:endParaRPr lang="en-US" dirty="0"/>
           </a:p>
@@ -11892,7 +11322,7 @@
           <a:p>
             <a:fld id="{8C4779EA-AEA7-43B3-9B65-A77E9A890421}" type="datetime1">
               <a:rPr lang="en-US" smtClean="0"/>
-              <a:t>7/13/2022</a:t>
+              <a:t>8/9/2022</a:t>
             </a:fld>
             <a:endParaRPr lang="en-US" dirty="0"/>
           </a:p>
@@ -12638,7 +12068,7 @@
           <a:p>
             <a:fld id="{059A67F1-3EA0-4026-BE6A-31EE4E1B1DB5}" type="datetime1">
               <a:rPr lang="en-US" smtClean="0"/>
-              <a:t>7/13/2022</a:t>
+              <a:t>8/9/2022</a:t>
             </a:fld>
             <a:endParaRPr lang="en-US" dirty="0"/>
           </a:p>
@@ -13373,7 +12803,7 @@
                 <a:tabLst/>
                 <a:defRPr/>
               </a:pPr>
-              <a:t>7/13/2022</a:t>
+              <a:t>8/9/2022</a:t>
             </a:fld>
             <a:endParaRPr kumimoji="0" lang="en-US" sz="900" b="0" i="0" u="none" strike="noStrike" kern="1200" cap="none" spc="0" normalizeH="0" baseline="0" noProof="0" dirty="0">
               <a:ln>
@@ -13775,7 +13205,7 @@
                 <a:tabLst/>
                 <a:defRPr/>
               </a:pPr>
-              <a:t>7/13/2022</a:t>
+              <a:t>8/9/2022</a:t>
             </a:fld>
             <a:endParaRPr kumimoji="0" lang="en-US" sz="900" b="0" i="0" u="none" strike="noStrike" kern="1200" cap="none" spc="0" normalizeH="0" baseline="0" noProof="0" dirty="0">
               <a:ln>
@@ -14160,7 +13590,7 @@
                 <a:tabLst/>
                 <a:defRPr/>
               </a:pPr>
-              <a:t>7/13/2022</a:t>
+              <a:t>8/9/2022</a:t>
             </a:fld>
             <a:endParaRPr kumimoji="0" lang="en-US" sz="900" b="0" i="0" u="none" strike="noStrike" kern="1200" cap="none" spc="0" normalizeH="0" baseline="0" noProof="0" dirty="0">
               <a:ln>
@@ -14503,7 +13933,7 @@
           <a:p>
             <a:fld id="{A7119916-CD40-456D-ABE3-55F8822671F7}" type="datetime1">
               <a:rPr lang="en-US" smtClean="0"/>
-              <a:t>7/13/2022</a:t>
+              <a:t>8/9/2022</a:t>
             </a:fld>
             <a:endParaRPr lang="en-US" dirty="0"/>
           </a:p>
@@ -14834,7 +14264,7 @@
                 <a:tabLst/>
                 <a:defRPr/>
               </a:pPr>
-              <a:t>7/13/2022</a:t>
+              <a:t>8/9/2022</a:t>
             </a:fld>
             <a:endParaRPr kumimoji="0" lang="en-US" sz="900" b="0" i="0" u="none" strike="noStrike" kern="1200" cap="none" spc="0" normalizeH="0" baseline="0" noProof="0" dirty="0">
               <a:ln>
@@ -15125,7 +14555,15 @@
             </a:r>
             <a:r>
               <a:rPr lang="en-US" sz="3600" dirty="0"/>
-              <a:t>(…) to setup your object</a:t>
+              <a:t>(…) to </a:t>
+            </a:r>
+            <a:r>
+              <a:rPr lang="en-US" sz="3600" b="1" dirty="0"/>
+              <a:t>init</a:t>
+            </a:r>
+            <a:r>
+              <a:rPr lang="en-US" sz="3600" dirty="0"/>
+              <a:t>ialize your object</a:t>
             </a:r>
           </a:p>
           <a:p>
@@ -15135,7 +14573,15 @@
             </a:r>
             <a:r>
               <a:rPr lang="en-US" sz="3600" dirty="0"/>
-              <a:t>- called when your object is used as a string .e.g., print(</a:t>
+              <a:t>- called when your object is used as a </a:t>
+            </a:r>
+            <a:r>
+              <a:rPr lang="en-US" sz="3600" b="1" dirty="0"/>
+              <a:t>str</a:t>
+            </a:r>
+            <a:r>
+              <a:rPr lang="en-US" sz="3600" dirty="0"/>
+              <a:t>ing .e.g., print(</a:t>
             </a:r>
             <a:r>
               <a:rPr lang="en-US" sz="3600" i="1" dirty="0"/>
@@ -15220,7 +14666,7 @@
                 <a:tabLst/>
                 <a:defRPr/>
               </a:pPr>
-              <a:t>7/13/2022</a:t>
+              <a:t>8/9/2022</a:t>
             </a:fld>
             <a:endParaRPr kumimoji="0" lang="en-US" sz="900" b="0" i="0" u="none" strike="noStrike" kern="1200" cap="none" spc="0" normalizeH="0" baseline="0" noProof="0" dirty="0">
               <a:ln>
@@ -15670,7 +15116,7 @@
                 <a:tabLst/>
                 <a:defRPr/>
               </a:pPr>
-              <a:t>7/13/2022</a:t>
+              <a:t>8/9/2022</a:t>
             </a:fld>
             <a:endParaRPr kumimoji="0" lang="en-US" sz="900" b="0" i="0" u="none" strike="noStrike" kern="1200" cap="none" spc="0" normalizeH="0" baseline="0" noProof="0" dirty="0">
               <a:ln>
@@ -16155,7 +15601,7 @@
                 <a:tabLst/>
                 <a:defRPr/>
               </a:pPr>
-              <a:t>7/13/2022</a:t>
+              <a:t>8/9/2022</a:t>
             </a:fld>
             <a:endParaRPr kumimoji="0" lang="en-US" sz="900" b="0" i="0" u="none" strike="noStrike" kern="1200" cap="none" spc="0" normalizeH="0" baseline="0" noProof="0" dirty="0">
               <a:ln>
@@ -16536,7 +15982,7 @@
                 <a:tabLst/>
                 <a:defRPr/>
               </a:pPr>
-              <a:t>7/13/2022</a:t>
+              <a:t>8/9/2022</a:t>
             </a:fld>
             <a:endParaRPr kumimoji="0" lang="en-US" sz="900" b="0" i="0" u="none" strike="noStrike" kern="1200" cap="none" spc="0" normalizeH="0" baseline="0" noProof="0" dirty="0">
               <a:ln>
@@ -16961,7 +16407,7 @@
                 <a:tabLst/>
                 <a:defRPr/>
               </a:pPr>
-              <a:t>7/13/2022</a:t>
+              <a:t>8/9/2022</a:t>
             </a:fld>
             <a:endParaRPr kumimoji="0" lang="en-US" sz="900" b="0" i="0" u="none" strike="noStrike" kern="1200" cap="none" spc="0" normalizeH="0" baseline="0" noProof="0" dirty="0">
               <a:ln>
@@ -17336,7 +16782,7 @@
                 <a:tabLst/>
                 <a:defRPr/>
               </a:pPr>
-              <a:t>7/13/2022</a:t>
+              <a:t>8/9/2022</a:t>
             </a:fld>
             <a:endParaRPr kumimoji="0" lang="en-US" sz="900" b="0" i="0" u="none" strike="noStrike" kern="1200" cap="none" spc="0" normalizeH="0" baseline="0" noProof="0" dirty="0">
               <a:ln>
@@ -17541,6 +16987,803 @@
           <p:cNvPr id="2" name="Title 1">
             <a:extLst>
               <a:ext uri="{FF2B5EF4-FFF2-40B4-BE49-F238E27FC236}">
+                <a16:creationId xmlns:a16="http://schemas.microsoft.com/office/drawing/2014/main" id="{2949FE2C-1791-E787-BCDB-A36872062F36}"/>
+              </a:ext>
+            </a:extLst>
+          </p:cNvPr>
+          <p:cNvSpPr>
+            <a:spLocks noGrp="1"/>
+          </p:cNvSpPr>
+          <p:nvPr>
+            <p:ph type="title"/>
+          </p:nvPr>
+        </p:nvSpPr>
+        <p:spPr/>
+        <p:txBody>
+          <a:bodyPr/>
+          <a:lstStyle/>
+          <a:p>
+            <a:r>
+              <a:rPr lang="en-US" dirty="0"/>
+              <a:t>Preview Samples</a:t>
+            </a:r>
+          </a:p>
+        </p:txBody>
+      </p:sp>
+      <p:sp>
+        <p:nvSpPr>
+          <p:cNvPr id="3" name="Content Placeholder 2">
+            <a:extLst>
+              <a:ext uri="{FF2B5EF4-FFF2-40B4-BE49-F238E27FC236}">
+                <a16:creationId xmlns:a16="http://schemas.microsoft.com/office/drawing/2014/main" id="{7E527267-1932-3587-E345-8B4C16FC57BF}"/>
+              </a:ext>
+            </a:extLst>
+          </p:cNvPr>
+          <p:cNvSpPr>
+            <a:spLocks noGrp="1"/>
+          </p:cNvSpPr>
+          <p:nvPr>
+            <p:ph idx="1"/>
+          </p:nvPr>
+        </p:nvSpPr>
+        <p:spPr/>
+        <p:txBody>
+          <a:bodyPr>
+            <a:normAutofit/>
+          </a:bodyPr>
+          <a:lstStyle/>
+          <a:p>
+            <a:pPr marL="0" marR="0" lvl="0" indent="0" algn="l" defTabSz="457200" rtl="0" eaLnBrk="1" fontAlgn="auto" latinLnBrk="0" hangingPunct="1">
+              <a:lnSpc>
+                <a:spcPct val="100000"/>
+              </a:lnSpc>
+              <a:spcBef>
+                <a:spcPts val="1000"/>
+              </a:spcBef>
+              <a:spcAft>
+                <a:spcPts val="0"/>
+              </a:spcAft>
+              <a:buClr>
+                <a:srgbClr val="90C226"/>
+              </a:buClr>
+              <a:buSzPct val="80000"/>
+              <a:buFont typeface="Wingdings 3" charset="2"/>
+              <a:buNone/>
+              <a:tabLst/>
+              <a:defRPr/>
+            </a:pPr>
+            <a:r>
+              <a:rPr kumimoji="0" lang="en-US" sz="4400" b="0" i="0" u="none" strike="noStrike" kern="1200" cap="none" spc="0" normalizeH="0" baseline="0" noProof="0" dirty="0">
+                <a:ln>
+                  <a:noFill/>
+                </a:ln>
+                <a:solidFill>
+                  <a:srgbClr val="90C226"/>
+                </a:solidFill>
+                <a:effectLst/>
+                <a:uLnTx/>
+                <a:uFillTx/>
+                <a:latin typeface="Trebuchet MS" panose="020B0603020202020204"/>
+                <a:ea typeface="+mn-ea"/>
+                <a:cs typeface="+mn-cs"/>
+              </a:rPr>
+              <a:t>Static Art – Array of Squares</a:t>
+            </a:r>
+          </a:p>
+          <a:p>
+            <a:pPr marL="0" marR="0" lvl="0" indent="0" algn="ctr" defTabSz="457200" rtl="0" eaLnBrk="1" fontAlgn="auto" latinLnBrk="0" hangingPunct="1">
+              <a:lnSpc>
+                <a:spcPct val="100000"/>
+              </a:lnSpc>
+              <a:spcBef>
+                <a:spcPts val="1000"/>
+              </a:spcBef>
+              <a:spcAft>
+                <a:spcPts val="0"/>
+              </a:spcAft>
+              <a:buClr>
+                <a:srgbClr val="90C226"/>
+              </a:buClr>
+              <a:buSzPct val="80000"/>
+              <a:buFont typeface="Wingdings 3" charset="2"/>
+              <a:buNone/>
+              <a:tabLst/>
+              <a:defRPr/>
+            </a:pPr>
+            <a:r>
+              <a:rPr kumimoji="0" lang="en-US" sz="4400" b="0" i="0" u="none" strike="noStrike" kern="1200" cap="none" spc="0" normalizeH="0" baseline="0" noProof="0" dirty="0">
+                <a:ln>
+                  <a:noFill/>
+                </a:ln>
+                <a:solidFill>
+                  <a:prstClr val="black">
+                    <a:lumMod val="75000"/>
+                    <a:lumOff val="25000"/>
+                  </a:prstClr>
+                </a:solidFill>
+                <a:effectLst/>
+                <a:uLnTx/>
+                <a:uFillTx/>
+                <a:latin typeface="Trebuchet MS" panose="020B0603020202020204"/>
+                <a:ea typeface="+mn-ea"/>
+                <a:cs typeface="+mn-cs"/>
+              </a:rPr>
+              <a:t>square_lattice.py</a:t>
+            </a:r>
+          </a:p>
+          <a:p>
+            <a:pPr marL="0" marR="0" lvl="0" indent="0" algn="l" defTabSz="457200" rtl="0" eaLnBrk="1" fontAlgn="auto" latinLnBrk="0" hangingPunct="1">
+              <a:lnSpc>
+                <a:spcPct val="100000"/>
+              </a:lnSpc>
+              <a:spcBef>
+                <a:spcPts val="1000"/>
+              </a:spcBef>
+              <a:spcAft>
+                <a:spcPts val="0"/>
+              </a:spcAft>
+              <a:buClr>
+                <a:srgbClr val="90C226"/>
+              </a:buClr>
+              <a:buSzPct val="80000"/>
+              <a:buFont typeface="Wingdings 3" charset="2"/>
+              <a:buNone/>
+              <a:tabLst/>
+              <a:defRPr/>
+            </a:pPr>
+            <a:r>
+              <a:rPr kumimoji="0" lang="en-US" sz="4400" b="0" i="0" u="none" strike="noStrike" kern="1200" cap="none" spc="0" normalizeH="0" baseline="0" noProof="0" dirty="0">
+                <a:ln>
+                  <a:noFill/>
+                </a:ln>
+                <a:solidFill>
+                  <a:srgbClr val="90C226"/>
+                </a:solidFill>
+                <a:effectLst/>
+                <a:uLnTx/>
+                <a:uFillTx/>
+                <a:latin typeface="Trebuchet MS" panose="020B0603020202020204"/>
+                <a:ea typeface="+mn-ea"/>
+                <a:cs typeface="+mn-cs"/>
+              </a:rPr>
+              <a:t>Dynamic Art – changing screen</a:t>
+            </a:r>
+          </a:p>
+          <a:p>
+            <a:pPr marL="0" marR="0" lvl="0" indent="0" algn="ctr" defTabSz="457200" rtl="0" eaLnBrk="1" fontAlgn="auto" latinLnBrk="0" hangingPunct="1">
+              <a:lnSpc>
+                <a:spcPct val="100000"/>
+              </a:lnSpc>
+              <a:spcBef>
+                <a:spcPts val="1000"/>
+              </a:spcBef>
+              <a:spcAft>
+                <a:spcPts val="0"/>
+              </a:spcAft>
+              <a:buClr>
+                <a:srgbClr val="90C226"/>
+              </a:buClr>
+              <a:buSzPct val="80000"/>
+              <a:buFont typeface="Wingdings 3" charset="2"/>
+              <a:buNone/>
+              <a:tabLst/>
+              <a:defRPr/>
+            </a:pPr>
+            <a:r>
+              <a:rPr kumimoji="0" lang="en-US" sz="4400" b="0" i="0" u="none" strike="noStrike" kern="1200" cap="none" spc="0" normalizeH="0" baseline="0" noProof="0" dirty="0">
+                <a:ln>
+                  <a:noFill/>
+                </a:ln>
+                <a:solidFill>
+                  <a:prstClr val="black">
+                    <a:lumMod val="75000"/>
+                    <a:lumOff val="25000"/>
+                  </a:prstClr>
+                </a:solidFill>
+                <a:effectLst/>
+                <a:uLnTx/>
+                <a:uFillTx/>
+                <a:latin typeface="Trebuchet MS" panose="020B0603020202020204"/>
+                <a:ea typeface="+mn-ea"/>
+                <a:cs typeface="+mn-cs"/>
+              </a:rPr>
+              <a:t>square_lattice_varied.py</a:t>
+            </a:r>
+          </a:p>
+        </p:txBody>
+      </p:sp>
+      <p:sp>
+        <p:nvSpPr>
+          <p:cNvPr id="4" name="Date Placeholder 3">
+            <a:extLst>
+              <a:ext uri="{FF2B5EF4-FFF2-40B4-BE49-F238E27FC236}">
+                <a16:creationId xmlns:a16="http://schemas.microsoft.com/office/drawing/2014/main" id="{942F41FC-4345-A5C2-0678-470A960E5765}"/>
+              </a:ext>
+            </a:extLst>
+          </p:cNvPr>
+          <p:cNvSpPr>
+            <a:spLocks noGrp="1"/>
+          </p:cNvSpPr>
+          <p:nvPr>
+            <p:ph type="dt" sz="half" idx="10"/>
+          </p:nvPr>
+        </p:nvSpPr>
+        <p:spPr/>
+        <p:txBody>
+          <a:bodyPr/>
+          <a:lstStyle/>
+          <a:p>
+            <a:fld id="{A7119916-CD40-456D-ABE3-55F8822671F7}" type="datetime1">
+              <a:rPr lang="en-US" smtClean="0"/>
+              <a:t>8/9/2022</a:t>
+            </a:fld>
+            <a:endParaRPr lang="en-US" dirty="0"/>
+          </a:p>
+        </p:txBody>
+      </p:sp>
+      <p:sp>
+        <p:nvSpPr>
+          <p:cNvPr id="5" name="Footer Placeholder 4">
+            <a:extLst>
+              <a:ext uri="{FF2B5EF4-FFF2-40B4-BE49-F238E27FC236}">
+                <a16:creationId xmlns:a16="http://schemas.microsoft.com/office/drawing/2014/main" id="{B4B324FF-E437-9758-B943-85641B4E3CF6}"/>
+              </a:ext>
+            </a:extLst>
+          </p:cNvPr>
+          <p:cNvSpPr>
+            <a:spLocks noGrp="1"/>
+          </p:cNvSpPr>
+          <p:nvPr>
+            <p:ph type="ftr" sz="quarter" idx="11"/>
+          </p:nvPr>
+        </p:nvSpPr>
+        <p:spPr/>
+        <p:txBody>
+          <a:bodyPr/>
+          <a:lstStyle/>
+          <a:p>
+            <a:r>
+              <a:rPr lang="en-US"/>
+              <a:t>raysmith@alum.mit.edu</a:t>
+            </a:r>
+            <a:endParaRPr lang="en-US" dirty="0"/>
+          </a:p>
+        </p:txBody>
+      </p:sp>
+      <p:sp>
+        <p:nvSpPr>
+          <p:cNvPr id="6" name="Slide Number Placeholder 5">
+            <a:extLst>
+              <a:ext uri="{FF2B5EF4-FFF2-40B4-BE49-F238E27FC236}">
+                <a16:creationId xmlns:a16="http://schemas.microsoft.com/office/drawing/2014/main" id="{442F5EB7-CCE3-1F6B-9E0C-4110D259AC90}"/>
+              </a:ext>
+            </a:extLst>
+          </p:cNvPr>
+          <p:cNvSpPr>
+            <a:spLocks noGrp="1"/>
+          </p:cNvSpPr>
+          <p:nvPr>
+            <p:ph type="sldNum" sz="quarter" idx="12"/>
+          </p:nvPr>
+        </p:nvSpPr>
+        <p:spPr/>
+        <p:txBody>
+          <a:bodyPr/>
+          <a:lstStyle/>
+          <a:p>
+            <a:fld id="{6D22F896-40B5-4ADD-8801-0D06FADFA095}" type="slidenum">
+              <a:rPr lang="en-US" smtClean="0"/>
+              <a:t>2</a:t>
+            </a:fld>
+            <a:endParaRPr lang="en-US" dirty="0"/>
+          </a:p>
+        </p:txBody>
+      </p:sp>
+    </p:spTree>
+    <p:extLst>
+      <p:ext uri="{BB962C8B-B14F-4D97-AF65-F5344CB8AC3E}">
+        <p14:creationId xmlns:p14="http://schemas.microsoft.com/office/powerpoint/2010/main" val="1142846674"/>
+      </p:ext>
+    </p:extLst>
+  </p:cSld>
+  <p:clrMapOvr>
+    <a:masterClrMapping/>
+  </p:clrMapOvr>
+</p:sld>
+</file>
+
+<file path=ppt/slides/slide20.xml><?xml version="1.0" encoding="utf-8"?>
+<p:sld xmlns:a="http://schemas.openxmlformats.org/drawingml/2006/main" xmlns:r="http://schemas.openxmlformats.org/officeDocument/2006/relationships" xmlns:p="http://schemas.openxmlformats.org/presentationml/2006/main">
+  <p:cSld>
+    <p:spTree>
+      <p:nvGrpSpPr>
+        <p:cNvPr id="1" name=""/>
+        <p:cNvGrpSpPr/>
+        <p:nvPr/>
+      </p:nvGrpSpPr>
+      <p:grpSpPr>
+        <a:xfrm>
+          <a:off x="0" y="0"/>
+          <a:ext cx="0" cy="0"/>
+          <a:chOff x="0" y="0"/>
+          <a:chExt cx="0" cy="0"/>
+        </a:xfrm>
+      </p:grpSpPr>
+      <p:sp>
+        <p:nvSpPr>
+          <p:cNvPr id="2" name="Title 1">
+            <a:extLst>
+              <a:ext uri="{FF2B5EF4-FFF2-40B4-BE49-F238E27FC236}">
+                <a16:creationId xmlns:a16="http://schemas.microsoft.com/office/drawing/2014/main" id="{63E6805B-FCD2-BC2F-E12B-2B7891659030}"/>
+              </a:ext>
+            </a:extLst>
+          </p:cNvPr>
+          <p:cNvSpPr>
+            <a:spLocks noGrp="1"/>
+          </p:cNvSpPr>
+          <p:nvPr>
+            <p:ph type="title"/>
+          </p:nvPr>
+        </p:nvSpPr>
+        <p:spPr/>
+        <p:txBody>
+          <a:bodyPr/>
+          <a:lstStyle/>
+          <a:p>
+            <a:pPr algn="ctr"/>
+            <a:r>
+              <a:rPr lang="en-US" dirty="0"/>
+              <a:t>Billiards/Pool Example</a:t>
+            </a:r>
+            <a:br>
+              <a:rPr lang="en-US" dirty="0"/>
+            </a:br>
+            <a:r>
+              <a:rPr lang="en-US" dirty="0"/>
+              <a:t>2-Dimension </a:t>
+            </a:r>
+          </a:p>
+        </p:txBody>
+      </p:sp>
+      <p:sp>
+        <p:nvSpPr>
+          <p:cNvPr id="3" name="Content Placeholder 2">
+            <a:extLst>
+              <a:ext uri="{FF2B5EF4-FFF2-40B4-BE49-F238E27FC236}">
+                <a16:creationId xmlns:a16="http://schemas.microsoft.com/office/drawing/2014/main" id="{684B853D-942E-486D-7883-5D84865C2B6E}"/>
+              </a:ext>
+            </a:extLst>
+          </p:cNvPr>
+          <p:cNvSpPr>
+            <a:spLocks noGrp="1"/>
+          </p:cNvSpPr>
+          <p:nvPr>
+            <p:ph idx="1"/>
+          </p:nvPr>
+        </p:nvSpPr>
+        <p:spPr/>
+        <p:txBody>
+          <a:bodyPr>
+            <a:normAutofit/>
+          </a:bodyPr>
+          <a:lstStyle/>
+          <a:p>
+            <a:r>
+              <a:rPr lang="en-US" sz="3600" dirty="0">
+                <a:solidFill>
+                  <a:schemeClr val="accent1"/>
+                </a:solidFill>
+              </a:rPr>
+              <a:t>Bouncing Ball</a:t>
+            </a:r>
+          </a:p>
+          <a:p>
+            <a:pPr lvl="1"/>
+            <a:r>
+              <a:rPr lang="en-US" sz="3400" dirty="0">
+                <a:solidFill>
+                  <a:schemeClr val="accent1"/>
+                </a:solidFill>
+              </a:rPr>
+              <a:t>Against Edge</a:t>
+            </a:r>
+          </a:p>
+          <a:p>
+            <a:pPr lvl="1"/>
+            <a:r>
+              <a:rPr lang="en-US" sz="3400" dirty="0">
+                <a:solidFill>
+                  <a:schemeClr val="accent1"/>
+                </a:solidFill>
+              </a:rPr>
+              <a:t>Against Ball</a:t>
+            </a:r>
+          </a:p>
+          <a:p>
+            <a:pPr lvl="1"/>
+            <a:r>
+              <a:rPr lang="en-US" sz="3400" dirty="0">
+                <a:solidFill>
+                  <a:schemeClr val="accent1"/>
+                </a:solidFill>
+              </a:rPr>
+              <a:t>Matches our experience</a:t>
+            </a:r>
+          </a:p>
+          <a:p>
+            <a:pPr lvl="1"/>
+            <a:r>
+              <a:rPr lang="en-US" sz="3400" dirty="0">
+                <a:solidFill>
+                  <a:schemeClr val="accent1"/>
+                </a:solidFill>
+              </a:rPr>
+              <a:t>Not just pool – designs, advertisement</a:t>
+            </a:r>
+          </a:p>
+          <a:p>
+            <a:pPr marL="57150" indent="0">
+              <a:buNone/>
+            </a:pPr>
+            <a:r>
+              <a:rPr lang="en-US" sz="3200" dirty="0">
+                <a:solidFill>
+                  <a:schemeClr val="tx1"/>
+                </a:solidFill>
+              </a:rPr>
+              <a:t>samples/balls_classes/*</a:t>
+            </a:r>
+          </a:p>
+        </p:txBody>
+      </p:sp>
+      <p:sp>
+        <p:nvSpPr>
+          <p:cNvPr id="4" name="Date Placeholder 3">
+            <a:extLst>
+              <a:ext uri="{FF2B5EF4-FFF2-40B4-BE49-F238E27FC236}">
+                <a16:creationId xmlns:a16="http://schemas.microsoft.com/office/drawing/2014/main" id="{F0A84FDF-54A8-CCA5-D6FD-CB1635F2072E}"/>
+              </a:ext>
+            </a:extLst>
+          </p:cNvPr>
+          <p:cNvSpPr>
+            <a:spLocks noGrp="1"/>
+          </p:cNvSpPr>
+          <p:nvPr>
+            <p:ph type="dt" sz="half" idx="10"/>
+          </p:nvPr>
+        </p:nvSpPr>
+        <p:spPr/>
+        <p:txBody>
+          <a:bodyPr/>
+          <a:lstStyle/>
+          <a:p>
+            <a:fld id="{A7119916-CD40-456D-ABE3-55F8822671F7}" type="datetime1">
+              <a:rPr lang="en-US" smtClean="0"/>
+              <a:t>8/9/2022</a:t>
+            </a:fld>
+            <a:endParaRPr lang="en-US" dirty="0"/>
+          </a:p>
+        </p:txBody>
+      </p:sp>
+      <p:sp>
+        <p:nvSpPr>
+          <p:cNvPr id="5" name="Footer Placeholder 4">
+            <a:extLst>
+              <a:ext uri="{FF2B5EF4-FFF2-40B4-BE49-F238E27FC236}">
+                <a16:creationId xmlns:a16="http://schemas.microsoft.com/office/drawing/2014/main" id="{90B134B6-A01D-8618-0D3B-78E358D5B760}"/>
+              </a:ext>
+            </a:extLst>
+          </p:cNvPr>
+          <p:cNvSpPr>
+            <a:spLocks noGrp="1"/>
+          </p:cNvSpPr>
+          <p:nvPr>
+            <p:ph type="ftr" sz="quarter" idx="11"/>
+          </p:nvPr>
+        </p:nvSpPr>
+        <p:spPr/>
+        <p:txBody>
+          <a:bodyPr/>
+          <a:lstStyle/>
+          <a:p>
+            <a:r>
+              <a:rPr lang="en-US"/>
+              <a:t>raysmith@alum.mit.edu</a:t>
+            </a:r>
+            <a:endParaRPr lang="en-US" dirty="0"/>
+          </a:p>
+        </p:txBody>
+      </p:sp>
+      <p:sp>
+        <p:nvSpPr>
+          <p:cNvPr id="6" name="Slide Number Placeholder 5">
+            <a:extLst>
+              <a:ext uri="{FF2B5EF4-FFF2-40B4-BE49-F238E27FC236}">
+                <a16:creationId xmlns:a16="http://schemas.microsoft.com/office/drawing/2014/main" id="{2382424D-3A10-CC6C-9027-64F918B79A85}"/>
+              </a:ext>
+            </a:extLst>
+          </p:cNvPr>
+          <p:cNvSpPr>
+            <a:spLocks noGrp="1"/>
+          </p:cNvSpPr>
+          <p:nvPr>
+            <p:ph type="sldNum" sz="quarter" idx="12"/>
+          </p:nvPr>
+        </p:nvSpPr>
+        <p:spPr/>
+        <p:txBody>
+          <a:bodyPr/>
+          <a:lstStyle/>
+          <a:p>
+            <a:fld id="{6D22F896-40B5-4ADD-8801-0D06FADFA095}" type="slidenum">
+              <a:rPr lang="en-US" smtClean="0"/>
+              <a:t>20</a:t>
+            </a:fld>
+            <a:endParaRPr lang="en-US" dirty="0"/>
+          </a:p>
+        </p:txBody>
+      </p:sp>
+    </p:spTree>
+    <p:extLst>
+      <p:ext uri="{BB962C8B-B14F-4D97-AF65-F5344CB8AC3E}">
+        <p14:creationId xmlns:p14="http://schemas.microsoft.com/office/powerpoint/2010/main" val="2739977332"/>
+      </p:ext>
+    </p:extLst>
+  </p:cSld>
+  <p:clrMapOvr>
+    <a:masterClrMapping/>
+  </p:clrMapOvr>
+</p:sld>
+</file>
+
+<file path=ppt/slides/slide21.xml><?xml version="1.0" encoding="utf-8"?>
+<p:sld xmlns:a="http://schemas.openxmlformats.org/drawingml/2006/main" xmlns:r="http://schemas.openxmlformats.org/officeDocument/2006/relationships" xmlns:p="http://schemas.openxmlformats.org/presentationml/2006/main">
+  <p:cSld>
+    <p:spTree>
+      <p:nvGrpSpPr>
+        <p:cNvPr id="1" name=""/>
+        <p:cNvGrpSpPr/>
+        <p:nvPr/>
+      </p:nvGrpSpPr>
+      <p:grpSpPr>
+        <a:xfrm>
+          <a:off x="0" y="0"/>
+          <a:ext cx="0" cy="0"/>
+          <a:chOff x="0" y="0"/>
+          <a:chExt cx="0" cy="0"/>
+        </a:xfrm>
+      </p:grpSpPr>
+      <p:sp>
+        <p:nvSpPr>
+          <p:cNvPr id="2" name="Title 1">
+            <a:extLst>
+              <a:ext uri="{FF2B5EF4-FFF2-40B4-BE49-F238E27FC236}">
+                <a16:creationId xmlns:a16="http://schemas.microsoft.com/office/drawing/2014/main" id="{AEE25458-A3E2-2EF1-2622-646F05337408}"/>
+              </a:ext>
+            </a:extLst>
+          </p:cNvPr>
+          <p:cNvSpPr>
+            <a:spLocks noGrp="1"/>
+          </p:cNvSpPr>
+          <p:nvPr>
+            <p:ph type="title"/>
+          </p:nvPr>
+        </p:nvSpPr>
+        <p:spPr/>
+        <p:txBody>
+          <a:bodyPr/>
+          <a:lstStyle/>
+          <a:p>
+            <a:r>
+              <a:rPr lang="en-US" dirty="0"/>
+              <a:t>Billiards -  Balls / Table</a:t>
+            </a:r>
+          </a:p>
+        </p:txBody>
+      </p:sp>
+      <p:sp>
+        <p:nvSpPr>
+          <p:cNvPr id="3" name="Content Placeholder 2">
+            <a:extLst>
+              <a:ext uri="{FF2B5EF4-FFF2-40B4-BE49-F238E27FC236}">
+                <a16:creationId xmlns:a16="http://schemas.microsoft.com/office/drawing/2014/main" id="{61B3E870-94C4-7A53-2530-BF39477352E5}"/>
+              </a:ext>
+            </a:extLst>
+          </p:cNvPr>
+          <p:cNvSpPr>
+            <a:spLocks noGrp="1"/>
+          </p:cNvSpPr>
+          <p:nvPr>
+            <p:ph idx="1"/>
+          </p:nvPr>
+        </p:nvSpPr>
+        <p:spPr/>
+        <p:txBody>
+          <a:bodyPr>
+            <a:normAutofit/>
+          </a:bodyPr>
+          <a:lstStyle/>
+          <a:p>
+            <a:r>
+              <a:rPr lang="en-US" sz="3600" dirty="0">
+                <a:solidFill>
+                  <a:schemeClr val="accent1"/>
+                </a:solidFill>
+              </a:rPr>
+              <a:t>Physical Objects?</a:t>
+            </a:r>
+          </a:p>
+          <a:p>
+            <a:r>
+              <a:rPr lang="en-US" sz="3600" dirty="0">
+                <a:solidFill>
+                  <a:schemeClr val="accent1"/>
+                </a:solidFill>
+              </a:rPr>
+              <a:t>Process Objects?</a:t>
+            </a:r>
+          </a:p>
+          <a:p>
+            <a:r>
+              <a:rPr lang="en-US" sz="3600" dirty="0">
+                <a:solidFill>
+                  <a:schemeClr val="accent1"/>
+                </a:solidFill>
+              </a:rPr>
+              <a:t>Order of Importance?</a:t>
+            </a:r>
+          </a:p>
+          <a:p>
+            <a:r>
+              <a:rPr lang="en-US" sz="3600" dirty="0">
+                <a:solidFill>
+                  <a:schemeClr val="accent1"/>
+                </a:solidFill>
+              </a:rPr>
+              <a:t>Order of Difficulty?</a:t>
+            </a:r>
+          </a:p>
+          <a:p>
+            <a:r>
+              <a:rPr lang="en-US" sz="3600" dirty="0">
+                <a:solidFill>
+                  <a:schemeClr val="accent1"/>
+                </a:solidFill>
+              </a:rPr>
+              <a:t>Dependencies?</a:t>
+            </a:r>
+          </a:p>
+          <a:p>
+            <a:endParaRPr lang="en-US" sz="3600" dirty="0">
+              <a:solidFill>
+                <a:schemeClr val="accent1"/>
+              </a:solidFill>
+            </a:endParaRPr>
+          </a:p>
+        </p:txBody>
+      </p:sp>
+      <p:sp>
+        <p:nvSpPr>
+          <p:cNvPr id="4" name="Date Placeholder 3">
+            <a:extLst>
+              <a:ext uri="{FF2B5EF4-FFF2-40B4-BE49-F238E27FC236}">
+                <a16:creationId xmlns:a16="http://schemas.microsoft.com/office/drawing/2014/main" id="{264087DE-F950-0537-8749-29FD9D1E31E0}"/>
+              </a:ext>
+            </a:extLst>
+          </p:cNvPr>
+          <p:cNvSpPr>
+            <a:spLocks noGrp="1"/>
+          </p:cNvSpPr>
+          <p:nvPr>
+            <p:ph type="dt" sz="half" idx="10"/>
+          </p:nvPr>
+        </p:nvSpPr>
+        <p:spPr/>
+        <p:txBody>
+          <a:bodyPr/>
+          <a:lstStyle/>
+          <a:p>
+            <a:fld id="{A7119916-CD40-456D-ABE3-55F8822671F7}" type="datetime1">
+              <a:rPr lang="en-US" smtClean="0"/>
+              <a:t>8/9/2022</a:t>
+            </a:fld>
+            <a:endParaRPr lang="en-US" dirty="0"/>
+          </a:p>
+        </p:txBody>
+      </p:sp>
+      <p:sp>
+        <p:nvSpPr>
+          <p:cNvPr id="5" name="Footer Placeholder 4">
+            <a:extLst>
+              <a:ext uri="{FF2B5EF4-FFF2-40B4-BE49-F238E27FC236}">
+                <a16:creationId xmlns:a16="http://schemas.microsoft.com/office/drawing/2014/main" id="{A1C0128B-1528-5477-3917-5B1FED92824D}"/>
+              </a:ext>
+            </a:extLst>
+          </p:cNvPr>
+          <p:cNvSpPr>
+            <a:spLocks noGrp="1"/>
+          </p:cNvSpPr>
+          <p:nvPr>
+            <p:ph type="ftr" sz="quarter" idx="11"/>
+          </p:nvPr>
+        </p:nvSpPr>
+        <p:spPr/>
+        <p:txBody>
+          <a:bodyPr/>
+          <a:lstStyle/>
+          <a:p>
+            <a:r>
+              <a:rPr lang="en-US"/>
+              <a:t>raysmith@alum.mit.edu</a:t>
+            </a:r>
+            <a:endParaRPr lang="en-US" dirty="0"/>
+          </a:p>
+        </p:txBody>
+      </p:sp>
+      <p:sp>
+        <p:nvSpPr>
+          <p:cNvPr id="6" name="Slide Number Placeholder 5">
+            <a:extLst>
+              <a:ext uri="{FF2B5EF4-FFF2-40B4-BE49-F238E27FC236}">
+                <a16:creationId xmlns:a16="http://schemas.microsoft.com/office/drawing/2014/main" id="{BB726E8F-FC97-8DCC-63E4-F29C3ADA3A45}"/>
+              </a:ext>
+            </a:extLst>
+          </p:cNvPr>
+          <p:cNvSpPr>
+            <a:spLocks noGrp="1"/>
+          </p:cNvSpPr>
+          <p:nvPr>
+            <p:ph type="sldNum" sz="quarter" idx="12"/>
+          </p:nvPr>
+        </p:nvSpPr>
+        <p:spPr/>
+        <p:txBody>
+          <a:bodyPr/>
+          <a:lstStyle/>
+          <a:p>
+            <a:fld id="{6D22F896-40B5-4ADD-8801-0D06FADFA095}" type="slidenum">
+              <a:rPr lang="en-US" smtClean="0"/>
+              <a:t>21</a:t>
+            </a:fld>
+            <a:endParaRPr lang="en-US" dirty="0"/>
+          </a:p>
+        </p:txBody>
+      </p:sp>
+    </p:spTree>
+    <p:extLst>
+      <p:ext uri="{BB962C8B-B14F-4D97-AF65-F5344CB8AC3E}">
+        <p14:creationId xmlns:p14="http://schemas.microsoft.com/office/powerpoint/2010/main" val="4288285051"/>
+      </p:ext>
+    </p:extLst>
+  </p:cSld>
+  <p:clrMapOvr>
+    <a:masterClrMapping/>
+  </p:clrMapOvr>
+</p:sld>
+</file>
+
+<file path=ppt/slides/slide22.xml><?xml version="1.0" encoding="utf-8"?>
+<p:sld xmlns:a="http://schemas.openxmlformats.org/drawingml/2006/main" xmlns:r="http://schemas.openxmlformats.org/officeDocument/2006/relationships" xmlns:p="http://schemas.openxmlformats.org/presentationml/2006/main" showMasterSp="0">
+  <p:cSld>
+    <p:spTree>
+      <p:nvGrpSpPr>
+        <p:cNvPr id="1" name=""/>
+        <p:cNvGrpSpPr/>
+        <p:nvPr/>
+      </p:nvGrpSpPr>
+      <p:grpSpPr>
+        <a:xfrm>
+          <a:off x="0" y="0"/>
+          <a:ext cx="0" cy="0"/>
+          <a:chOff x="0" y="0"/>
+          <a:chExt cx="0" cy="0"/>
+        </a:xfrm>
+      </p:grpSpPr>
+      <p:sp>
+        <p:nvSpPr>
+          <p:cNvPr id="2" name="Title 1">
+            <a:extLst>
+              <a:ext uri="{FF2B5EF4-FFF2-40B4-BE49-F238E27FC236}">
                 <a16:creationId xmlns:a16="http://schemas.microsoft.com/office/drawing/2014/main" id="{00C99C45-A655-40FD-BF53-F03EF1F5E416}"/>
               </a:ext>
             </a:extLst>
@@ -17552,17 +17795,29 @@
             <p:ph type="title"/>
           </p:nvPr>
         </p:nvSpPr>
-        <p:spPr/>
+        <p:spPr>
+          <a:xfrm>
+            <a:off x="677334" y="609600"/>
+            <a:ext cx="8596668" cy="776438"/>
+          </a:xfrm>
+        </p:spPr>
         <p:txBody>
           <a:bodyPr>
-            <a:normAutofit/>
+            <a:normAutofit fontScale="90000"/>
           </a:bodyPr>
           <a:lstStyle/>
           <a:p>
             <a:r>
               <a:rPr lang="en-US" dirty="0"/>
-              <a:t>Classes – Structure – Object Oriented</a:t>
-            </a:r>
+              <a:t>Our Choices – so far…</a:t>
+            </a:r>
+            <a:br>
+              <a:rPr lang="en-US" dirty="0">
+                <a:solidFill>
+                  <a:srgbClr val="00B0F0"/>
+                </a:solidFill>
+              </a:rPr>
+            </a:br>
             <a:endParaRPr lang="en-US" sz="2800" dirty="0"/>
           </a:p>
         </p:txBody>
@@ -17585,8 +17840,8 @@
         </p:nvSpPr>
         <p:spPr>
           <a:xfrm>
-            <a:off x="677333" y="2160589"/>
-            <a:ext cx="9815965" cy="3880773"/>
+            <a:off x="677333" y="1386039"/>
+            <a:ext cx="11013924" cy="4655324"/>
           </a:xfrm>
         </p:spPr>
         <p:txBody>
@@ -17596,41 +17851,120 @@
           <a:lstStyle/>
           <a:p>
             <a:r>
-              <a:rPr lang="en-US" sz="4000" dirty="0">
+              <a:rPr lang="en-US" sz="3600" b="1" i="1" dirty="0">
                 <a:solidFill>
                   <a:schemeClr val="accent1"/>
                 </a:solidFill>
-              </a:rPr>
-              <a:t>World is full of objects</a:t>
-            </a:r>
-            <a:endParaRPr lang="en-US" sz="4000" dirty="0"/>
-          </a:p>
-          <a:p>
-            <a:r>
-              <a:rPr lang="en-US" sz="4000" dirty="0"/>
-              <a:t>Objects can be:</a:t>
+                <a:latin typeface="Courier New" panose="02070309020205020404" pitchFamily="49" charset="0"/>
+                <a:cs typeface="Courier New" panose="02070309020205020404" pitchFamily="49" charset="0"/>
+              </a:rPr>
+              <a:t>Ball</a:t>
+            </a:r>
+            <a:r>
+              <a:rPr lang="en-US" sz="3600" i="1" dirty="0">
+                <a:solidFill>
+                  <a:schemeClr val="accent1"/>
+                </a:solidFill>
+                <a:latin typeface="Courier New" panose="02070309020205020404" pitchFamily="49" charset="0"/>
+                <a:cs typeface="Courier New" panose="02070309020205020404" pitchFamily="49" charset="0"/>
+              </a:rPr>
+              <a:t> – size, position, velocity,…</a:t>
+            </a:r>
+          </a:p>
+          <a:p>
+            <a:r>
+              <a:rPr lang="en-US" sz="3600" b="1" i="1" dirty="0">
+                <a:solidFill>
+                  <a:schemeClr val="accent1"/>
+                </a:solidFill>
+                <a:latin typeface="Courier New" panose="02070309020205020404" pitchFamily="49" charset="0"/>
+                <a:cs typeface="Courier New" panose="02070309020205020404" pitchFamily="49" charset="0"/>
+              </a:rPr>
+              <a:t>Table</a:t>
+            </a:r>
+            <a:r>
+              <a:rPr lang="en-US" sz="3600" i="1" dirty="0">
+                <a:solidFill>
+                  <a:schemeClr val="accent1"/>
+                </a:solidFill>
+                <a:latin typeface="Courier New" panose="02070309020205020404" pitchFamily="49" charset="0"/>
+                <a:cs typeface="Courier New" panose="02070309020205020404" pitchFamily="49" charset="0"/>
+              </a:rPr>
+              <a:t> – size, color,…</a:t>
             </a:r>
           </a:p>
           <a:p>
             <a:pPr lvl="1"/>
             <a:r>
-              <a:rPr lang="en-US" sz="4000" dirty="0"/>
-              <a:t>Held</a:t>
+              <a:rPr lang="en-US" sz="3600" b="1" i="1" dirty="0">
+                <a:solidFill>
+                  <a:schemeClr val="accent1"/>
+                </a:solidFill>
+                <a:latin typeface="Courier New" panose="02070309020205020404" pitchFamily="49" charset="0"/>
+                <a:cs typeface="Courier New" panose="02070309020205020404" pitchFamily="49" charset="0"/>
+              </a:rPr>
+              <a:t>Edge</a:t>
+            </a:r>
+            <a:r>
+              <a:rPr lang="en-US" sz="3600" i="1" dirty="0">
+                <a:solidFill>
+                  <a:schemeClr val="accent1"/>
+                </a:solidFill>
+                <a:latin typeface="Courier New" panose="02070309020205020404" pitchFamily="49" charset="0"/>
+                <a:cs typeface="Courier New" panose="02070309020205020404" pitchFamily="49" charset="0"/>
+              </a:rPr>
+              <a:t>  - start, end</a:t>
+            </a:r>
+          </a:p>
+          <a:p>
+            <a:r>
+              <a:rPr lang="en-US" sz="3600" b="1" i="1" dirty="0">
+                <a:solidFill>
+                  <a:schemeClr val="accent1"/>
+                </a:solidFill>
+                <a:latin typeface="Courier New" panose="02070309020205020404" pitchFamily="49" charset="0"/>
+                <a:cs typeface="Courier New" panose="02070309020205020404" pitchFamily="49" charset="0"/>
+              </a:rPr>
+              <a:t>Collision</a:t>
             </a:r>
           </a:p>
           <a:p>
             <a:pPr lvl="1"/>
             <a:r>
-              <a:rPr lang="en-US" sz="4000" dirty="0"/>
-              <a:t>Used</a:t>
+              <a:rPr lang="en-US" sz="3600" i="1" dirty="0">
+                <a:solidFill>
+                  <a:schemeClr val="accent1"/>
+                </a:solidFill>
+                <a:latin typeface="Courier New" panose="02070309020205020404" pitchFamily="49" charset="0"/>
+                <a:cs typeface="Courier New" panose="02070309020205020404" pitchFamily="49" charset="0"/>
+              </a:rPr>
+              <a:t>Ball to Edge</a:t>
             </a:r>
           </a:p>
           <a:p>
             <a:pPr lvl="1"/>
             <a:r>
-              <a:rPr lang="en-US" sz="4000" dirty="0"/>
-              <a:t>Moved</a:t>
-            </a:r>
+              <a:rPr lang="en-US" sz="3600" i="1" dirty="0">
+                <a:solidFill>
+                  <a:schemeClr val="accent1"/>
+                </a:solidFill>
+                <a:latin typeface="Courier New" panose="02070309020205020404" pitchFamily="49" charset="0"/>
+                <a:cs typeface="Courier New" panose="02070309020205020404" pitchFamily="49" charset="0"/>
+              </a:rPr>
+              <a:t>Ball to Ball</a:t>
+            </a:r>
+          </a:p>
+          <a:p>
+            <a:pPr marL="0" indent="0">
+              <a:buNone/>
+            </a:pPr>
+            <a:endParaRPr lang="en-US" sz="3400" i="1" dirty="0">
+              <a:solidFill>
+                <a:schemeClr val="accent1"/>
+              </a:solidFill>
+              <a:latin typeface="Courier New" panose="02070309020205020404" pitchFamily="49" charset="0"/>
+              <a:cs typeface="Courier New" panose="02070309020205020404" pitchFamily="49" charset="0"/>
+            </a:endParaRPr>
           </a:p>
         </p:txBody>
       </p:sp>
@@ -17706,1259 +18040,7 @@
                 <a:tabLst/>
                 <a:defRPr/>
               </a:pPr>
-              <a:t>7/13/2022</a:t>
-            </a:fld>
-            <a:endParaRPr kumimoji="0" lang="en-US" sz="900" b="0" i="0" u="none" strike="noStrike" kern="1200" cap="none" spc="0" normalizeH="0" baseline="0" noProof="0" dirty="0">
-              <a:ln>
-                <a:noFill/>
-              </a:ln>
-              <a:solidFill>
-                <a:prstClr val="black">
-                  <a:tint val="75000"/>
-                </a:prstClr>
-              </a:solidFill>
-              <a:effectLst/>
-              <a:uLnTx/>
-              <a:uFillTx/>
-              <a:latin typeface="Trebuchet MS" panose="020B0603020202020204"/>
-              <a:ea typeface="+mn-ea"/>
-              <a:cs typeface="+mn-cs"/>
-            </a:endParaRPr>
-          </a:p>
-        </p:txBody>
-      </p:sp>
-      <p:sp>
-        <p:nvSpPr>
-          <p:cNvPr id="5" name="Footer Placeholder 4">
-            <a:extLst>
-              <a:ext uri="{FF2B5EF4-FFF2-40B4-BE49-F238E27FC236}">
-                <a16:creationId xmlns:a16="http://schemas.microsoft.com/office/drawing/2014/main" id="{EB3CE92E-DA4C-49CE-8437-22304F783D2B}"/>
-              </a:ext>
-            </a:extLst>
-          </p:cNvPr>
-          <p:cNvSpPr>
-            <a:spLocks noGrp="1"/>
-          </p:cNvSpPr>
-          <p:nvPr>
-            <p:ph type="ftr" sz="quarter" idx="11"/>
-          </p:nvPr>
-        </p:nvSpPr>
-        <p:spPr/>
-        <p:txBody>
-          <a:bodyPr/>
-          <a:lstStyle/>
-          <a:p>
-            <a:pPr marL="0" marR="0" lvl="0" indent="0" algn="l" defTabSz="457200" rtl="0" eaLnBrk="1" fontAlgn="auto" latinLnBrk="0" hangingPunct="1">
-              <a:lnSpc>
-                <a:spcPct val="100000"/>
-              </a:lnSpc>
-              <a:spcBef>
-                <a:spcPts val="0"/>
-              </a:spcBef>
-              <a:spcAft>
-                <a:spcPts val="0"/>
-              </a:spcAft>
-              <a:buClrTx/>
-              <a:buSzTx/>
-              <a:buFontTx/>
-              <a:buNone/>
-              <a:tabLst/>
-              <a:defRPr/>
-            </a:pPr>
-            <a:r>
-              <a:rPr kumimoji="0" lang="en-US" sz="900" b="0" i="0" u="none" strike="noStrike" kern="1200" cap="none" spc="0" normalizeH="0" baseline="0" noProof="0" dirty="0">
-                <a:ln>
-                  <a:noFill/>
-                </a:ln>
-                <a:solidFill>
-                  <a:prstClr val="black">
-                    <a:tint val="75000"/>
-                  </a:prstClr>
-                </a:solidFill>
-                <a:effectLst/>
-                <a:uLnTx/>
-                <a:uFillTx/>
-                <a:latin typeface="Trebuchet MS" panose="020B0603020202020204"/>
-                <a:ea typeface="+mn-ea"/>
-                <a:cs typeface="+mn-cs"/>
-              </a:rPr>
-              <a:t>raysmith@alum.mit.edu</a:t>
-            </a:r>
-          </a:p>
-        </p:txBody>
-      </p:sp>
-      <p:sp>
-        <p:nvSpPr>
-          <p:cNvPr id="6" name="Slide Number Placeholder 5">
-            <a:extLst>
-              <a:ext uri="{FF2B5EF4-FFF2-40B4-BE49-F238E27FC236}">
-                <a16:creationId xmlns:a16="http://schemas.microsoft.com/office/drawing/2014/main" id="{B555E688-FCD7-4E06-BD33-DA64AB1C3FA4}"/>
-              </a:ext>
-            </a:extLst>
-          </p:cNvPr>
-          <p:cNvSpPr>
-            <a:spLocks noGrp="1"/>
-          </p:cNvSpPr>
-          <p:nvPr>
-            <p:ph type="sldNum" sz="quarter" idx="12"/>
-          </p:nvPr>
-        </p:nvSpPr>
-        <p:spPr/>
-        <p:txBody>
-          <a:bodyPr/>
-          <a:lstStyle/>
-          <a:p>
-            <a:pPr marL="0" marR="0" lvl="0" indent="0" algn="r" defTabSz="457200" rtl="0" eaLnBrk="1" fontAlgn="auto" latinLnBrk="0" hangingPunct="1">
-              <a:lnSpc>
-                <a:spcPct val="100000"/>
-              </a:lnSpc>
-              <a:spcBef>
-                <a:spcPts val="0"/>
-              </a:spcBef>
-              <a:spcAft>
-                <a:spcPts val="0"/>
-              </a:spcAft>
-              <a:buClrTx/>
-              <a:buSzTx/>
-              <a:buFontTx/>
-              <a:buNone/>
-              <a:tabLst/>
-              <a:defRPr/>
-            </a:pPr>
-            <a:fld id="{6D22F896-40B5-4ADD-8801-0D06FADFA095}" type="slidenum">
-              <a:rPr kumimoji="0" lang="en-US" sz="900" b="0" i="0" u="none" strike="noStrike" kern="1200" cap="none" spc="0" normalizeH="0" baseline="0" noProof="0" smtClean="0">
-                <a:ln>
-                  <a:noFill/>
-                </a:ln>
-                <a:solidFill>
-                  <a:srgbClr val="90C226"/>
-                </a:solidFill>
-                <a:effectLst/>
-                <a:uLnTx/>
-                <a:uFillTx/>
-                <a:latin typeface="Trebuchet MS" panose="020B0603020202020204"/>
-                <a:ea typeface="+mn-ea"/>
-                <a:cs typeface="+mn-cs"/>
-              </a:rPr>
-              <a:pPr marL="0" marR="0" lvl="0" indent="0" algn="r" defTabSz="457200" rtl="0" eaLnBrk="1" fontAlgn="auto" latinLnBrk="0" hangingPunct="1">
-                <a:lnSpc>
-                  <a:spcPct val="100000"/>
-                </a:lnSpc>
-                <a:spcBef>
-                  <a:spcPts val="0"/>
-                </a:spcBef>
-                <a:spcAft>
-                  <a:spcPts val="0"/>
-                </a:spcAft>
-                <a:buClrTx/>
-                <a:buSzTx/>
-                <a:buFontTx/>
-                <a:buNone/>
-                <a:tabLst/>
-                <a:defRPr/>
-              </a:pPr>
-              <a:t>2</a:t>
-            </a:fld>
-            <a:endParaRPr kumimoji="0" lang="en-US" sz="900" b="0" i="0" u="none" strike="noStrike" kern="1200" cap="none" spc="0" normalizeH="0" baseline="0" noProof="0" dirty="0">
-              <a:ln>
-                <a:noFill/>
-              </a:ln>
-              <a:solidFill>
-                <a:srgbClr val="90C226"/>
-              </a:solidFill>
-              <a:effectLst/>
-              <a:uLnTx/>
-              <a:uFillTx/>
-              <a:latin typeface="Trebuchet MS" panose="020B0603020202020204"/>
-              <a:ea typeface="+mn-ea"/>
-              <a:cs typeface="+mn-cs"/>
-            </a:endParaRPr>
-          </a:p>
-        </p:txBody>
-      </p:sp>
-    </p:spTree>
-    <p:extLst>
-      <p:ext uri="{BB962C8B-B14F-4D97-AF65-F5344CB8AC3E}">
-        <p14:creationId xmlns:p14="http://schemas.microsoft.com/office/powerpoint/2010/main" val="2678743778"/>
-      </p:ext>
-    </p:extLst>
-  </p:cSld>
-  <p:clrMapOvr>
-    <a:masterClrMapping/>
-  </p:clrMapOvr>
-</p:sld>
-</file>
-
-<file path=ppt/slides/slide20.xml><?xml version="1.0" encoding="utf-8"?>
-<p:sld xmlns:a="http://schemas.openxmlformats.org/drawingml/2006/main" xmlns:r="http://schemas.openxmlformats.org/officeDocument/2006/relationships" xmlns:p="http://schemas.openxmlformats.org/presentationml/2006/main" showMasterSp="0">
-  <p:cSld>
-    <p:spTree>
-      <p:nvGrpSpPr>
-        <p:cNvPr id="1" name=""/>
-        <p:cNvGrpSpPr/>
-        <p:nvPr/>
-      </p:nvGrpSpPr>
-      <p:grpSpPr>
-        <a:xfrm>
-          <a:off x="0" y="0"/>
-          <a:ext cx="0" cy="0"/>
-          <a:chOff x="0" y="0"/>
-          <a:chExt cx="0" cy="0"/>
-        </a:xfrm>
-      </p:grpSpPr>
-      <p:sp>
-        <p:nvSpPr>
-          <p:cNvPr id="2" name="Title 1">
-            <a:extLst>
-              <a:ext uri="{FF2B5EF4-FFF2-40B4-BE49-F238E27FC236}">
-                <a16:creationId xmlns:a16="http://schemas.microsoft.com/office/drawing/2014/main" id="{00C99C45-A655-40FD-BF53-F03EF1F5E416}"/>
-              </a:ext>
-            </a:extLst>
-          </p:cNvPr>
-          <p:cNvSpPr>
-            <a:spLocks noGrp="1"/>
-          </p:cNvSpPr>
-          <p:nvPr>
-            <p:ph type="title"/>
-          </p:nvPr>
-        </p:nvSpPr>
-        <p:spPr>
-          <a:xfrm>
-            <a:off x="677334" y="609600"/>
-            <a:ext cx="8596668" cy="776438"/>
-          </a:xfrm>
-        </p:spPr>
-        <p:txBody>
-          <a:bodyPr>
-            <a:normAutofit fontScale="90000"/>
-          </a:bodyPr>
-          <a:lstStyle/>
-          <a:p>
-            <a:r>
-              <a:rPr lang="en-US" dirty="0"/>
-              <a:t>Classes – </a:t>
-            </a:r>
-            <a:r>
-              <a:rPr lang="en-US" sz="2800" dirty="0"/>
-              <a:t>Example: </a:t>
-            </a:r>
-            <a:r>
-              <a:rPr lang="en-US" sz="2800" b="1" dirty="0">
-                <a:solidFill>
-                  <a:srgbClr val="00B0F0"/>
-                </a:solidFill>
-              </a:rPr>
-              <a:t>Ball2d</a:t>
-            </a:r>
-            <a:br>
-              <a:rPr lang="en-US" dirty="0">
-                <a:solidFill>
-                  <a:srgbClr val="00B0F0"/>
-                </a:solidFill>
-              </a:rPr>
-            </a:br>
-            <a:endParaRPr lang="en-US" sz="2800" dirty="0"/>
-          </a:p>
-        </p:txBody>
-      </p:sp>
-      <p:sp>
-        <p:nvSpPr>
-          <p:cNvPr id="3" name="Content Placeholder 2">
-            <a:extLst>
-              <a:ext uri="{FF2B5EF4-FFF2-40B4-BE49-F238E27FC236}">
-                <a16:creationId xmlns:a16="http://schemas.microsoft.com/office/drawing/2014/main" id="{AAE989A4-422F-4666-8E03-249076443C19}"/>
-              </a:ext>
-            </a:extLst>
-          </p:cNvPr>
-          <p:cNvSpPr>
-            <a:spLocks noGrp="1"/>
-          </p:cNvSpPr>
-          <p:nvPr>
-            <p:ph idx="1"/>
-          </p:nvPr>
-        </p:nvSpPr>
-        <p:spPr>
-          <a:xfrm>
-            <a:off x="677333" y="1386039"/>
-            <a:ext cx="11013924" cy="4655324"/>
-          </a:xfrm>
-        </p:spPr>
-        <p:txBody>
-          <a:bodyPr>
-            <a:normAutofit/>
-          </a:bodyPr>
-          <a:lstStyle/>
-          <a:p>
-            <a:pPr marL="0" indent="0">
-              <a:buNone/>
-            </a:pPr>
-            <a:r>
-              <a:rPr lang="en-US" sz="3400" i="1" dirty="0">
-                <a:solidFill>
-                  <a:srgbClr val="0070C0"/>
-                </a:solidFill>
-                <a:latin typeface="Courier New" panose="02070309020205020404" pitchFamily="49" charset="0"/>
-                <a:cs typeface="Courier New" panose="02070309020205020404" pitchFamily="49" charset="0"/>
-              </a:rPr>
-              <a:t>exercises/classes/ball_classes/ball2d.py</a:t>
-            </a:r>
-          </a:p>
-          <a:p>
-            <a:pPr marL="0" indent="0">
-              <a:buNone/>
-            </a:pPr>
-            <a:r>
-              <a:rPr lang="en-US" sz="3400" b="1" i="1" dirty="0">
-                <a:latin typeface="Courier New" panose="02070309020205020404" pitchFamily="49" charset="0"/>
-                <a:cs typeface="Courier New" panose="02070309020205020404" pitchFamily="49" charset="0"/>
-              </a:rPr>
-              <a:t>class</a:t>
-            </a:r>
-            <a:r>
-              <a:rPr lang="en-US" sz="3400" i="1" dirty="0">
-                <a:latin typeface="Courier New" panose="02070309020205020404" pitchFamily="49" charset="0"/>
-                <a:cs typeface="Courier New" panose="02070309020205020404" pitchFamily="49" charset="0"/>
-              </a:rPr>
-              <a:t> </a:t>
-            </a:r>
-            <a:r>
-              <a:rPr lang="en-US" sz="3400" i="1" dirty="0">
-                <a:solidFill>
-                  <a:srgbClr val="00B0F0"/>
-                </a:solidFill>
-                <a:latin typeface="Courier New" panose="02070309020205020404" pitchFamily="49" charset="0"/>
-                <a:cs typeface="Courier New" panose="02070309020205020404" pitchFamily="49" charset="0"/>
-              </a:rPr>
-              <a:t>Ball2d</a:t>
-            </a:r>
-          </a:p>
-          <a:p>
-            <a:pPr lvl="1"/>
-            <a:r>
-              <a:rPr lang="en-US" sz="3200" i="1" dirty="0">
-                <a:latin typeface="Courier New" panose="02070309020205020404" pitchFamily="49" charset="0"/>
-                <a:cs typeface="Courier New" panose="02070309020205020404" pitchFamily="49" charset="0"/>
-              </a:rPr>
-              <a:t>ball's information: size, color, position, velocity</a:t>
-            </a:r>
-          </a:p>
-          <a:p>
-            <a:pPr lvl="1"/>
-            <a:r>
-              <a:rPr lang="en-US" sz="3200" i="1" dirty="0">
-                <a:latin typeface="Courier New" panose="02070309020205020404" pitchFamily="49" charset="0"/>
-                <a:cs typeface="Courier New" panose="02070309020205020404" pitchFamily="49" charset="0"/>
-              </a:rPr>
-              <a:t>ball's setup size, color, …</a:t>
-            </a:r>
-          </a:p>
-          <a:p>
-            <a:pPr lvl="1"/>
-            <a:r>
-              <a:rPr lang="en-US" sz="3200" i="1" dirty="0">
-                <a:latin typeface="Courier New" panose="02070309020205020404" pitchFamily="49" charset="0"/>
-                <a:cs typeface="Courier New" panose="02070309020205020404" pitchFamily="49" charset="0"/>
-              </a:rPr>
-              <a:t>ball's actions: move, bounce, …</a:t>
-            </a:r>
-          </a:p>
-        </p:txBody>
-      </p:sp>
-      <p:sp>
-        <p:nvSpPr>
-          <p:cNvPr id="4" name="Date Placeholder 3">
-            <a:extLst>
-              <a:ext uri="{FF2B5EF4-FFF2-40B4-BE49-F238E27FC236}">
-                <a16:creationId xmlns:a16="http://schemas.microsoft.com/office/drawing/2014/main" id="{D4B58B9C-2101-47C6-B21D-A9C4C0222113}"/>
-              </a:ext>
-            </a:extLst>
-          </p:cNvPr>
-          <p:cNvSpPr>
-            <a:spLocks noGrp="1"/>
-          </p:cNvSpPr>
-          <p:nvPr>
-            <p:ph type="dt" sz="half" idx="10"/>
-          </p:nvPr>
-        </p:nvSpPr>
-        <p:spPr/>
-        <p:txBody>
-          <a:bodyPr/>
-          <a:lstStyle/>
-          <a:p>
-            <a:pPr marL="0" marR="0" lvl="0" indent="0" algn="r" defTabSz="457200" rtl="0" eaLnBrk="1" fontAlgn="auto" latinLnBrk="0" hangingPunct="1">
-              <a:lnSpc>
-                <a:spcPct val="100000"/>
-              </a:lnSpc>
-              <a:spcBef>
-                <a:spcPts val="0"/>
-              </a:spcBef>
-              <a:spcAft>
-                <a:spcPts val="0"/>
-              </a:spcAft>
-              <a:buClrTx/>
-              <a:buSzTx/>
-              <a:buFontTx/>
-              <a:buNone/>
-              <a:tabLst/>
-              <a:defRPr/>
-            </a:pPr>
-            <a:fld id="{A7119916-CD40-456D-ABE3-55F8822671F7}" type="datetime1">
-              <a:rPr kumimoji="0" lang="en-US" sz="900" b="0" i="0" u="none" strike="noStrike" kern="1200" cap="none" spc="0" normalizeH="0" baseline="0" noProof="0" smtClean="0">
-                <a:ln>
-                  <a:noFill/>
-                </a:ln>
-                <a:solidFill>
-                  <a:prstClr val="black">
-                    <a:tint val="75000"/>
-                  </a:prstClr>
-                </a:solidFill>
-                <a:effectLst/>
-                <a:uLnTx/>
-                <a:uFillTx/>
-                <a:latin typeface="Trebuchet MS" panose="020B0603020202020204"/>
-                <a:ea typeface="+mn-ea"/>
-                <a:cs typeface="+mn-cs"/>
-              </a:rPr>
-              <a:pPr marL="0" marR="0" lvl="0" indent="0" algn="r" defTabSz="457200" rtl="0" eaLnBrk="1" fontAlgn="auto" latinLnBrk="0" hangingPunct="1">
-                <a:lnSpc>
-                  <a:spcPct val="100000"/>
-                </a:lnSpc>
-                <a:spcBef>
-                  <a:spcPts val="0"/>
-                </a:spcBef>
-                <a:spcAft>
-                  <a:spcPts val="0"/>
-                </a:spcAft>
-                <a:buClrTx/>
-                <a:buSzTx/>
-                <a:buFontTx/>
-                <a:buNone/>
-                <a:tabLst/>
-                <a:defRPr/>
-              </a:pPr>
-              <a:t>7/13/2022</a:t>
-            </a:fld>
-            <a:endParaRPr kumimoji="0" lang="en-US" sz="900" b="0" i="0" u="none" strike="noStrike" kern="1200" cap="none" spc="0" normalizeH="0" baseline="0" noProof="0" dirty="0">
-              <a:ln>
-                <a:noFill/>
-              </a:ln>
-              <a:solidFill>
-                <a:prstClr val="black">
-                  <a:tint val="75000"/>
-                </a:prstClr>
-              </a:solidFill>
-              <a:effectLst/>
-              <a:uLnTx/>
-              <a:uFillTx/>
-              <a:latin typeface="Trebuchet MS" panose="020B0603020202020204"/>
-              <a:ea typeface="+mn-ea"/>
-              <a:cs typeface="+mn-cs"/>
-            </a:endParaRPr>
-          </a:p>
-        </p:txBody>
-      </p:sp>
-      <p:sp>
-        <p:nvSpPr>
-          <p:cNvPr id="5" name="Footer Placeholder 4">
-            <a:extLst>
-              <a:ext uri="{FF2B5EF4-FFF2-40B4-BE49-F238E27FC236}">
-                <a16:creationId xmlns:a16="http://schemas.microsoft.com/office/drawing/2014/main" id="{EB3CE92E-DA4C-49CE-8437-22304F783D2B}"/>
-              </a:ext>
-            </a:extLst>
-          </p:cNvPr>
-          <p:cNvSpPr>
-            <a:spLocks noGrp="1"/>
-          </p:cNvSpPr>
-          <p:nvPr>
-            <p:ph type="ftr" sz="quarter" idx="11"/>
-          </p:nvPr>
-        </p:nvSpPr>
-        <p:spPr/>
-        <p:txBody>
-          <a:bodyPr/>
-          <a:lstStyle/>
-          <a:p>
-            <a:pPr marL="0" marR="0" lvl="0" indent="0" algn="l" defTabSz="457200" rtl="0" eaLnBrk="1" fontAlgn="auto" latinLnBrk="0" hangingPunct="1">
-              <a:lnSpc>
-                <a:spcPct val="100000"/>
-              </a:lnSpc>
-              <a:spcBef>
-                <a:spcPts val="0"/>
-              </a:spcBef>
-              <a:spcAft>
-                <a:spcPts val="0"/>
-              </a:spcAft>
-              <a:buClrTx/>
-              <a:buSzTx/>
-              <a:buFontTx/>
-              <a:buNone/>
-              <a:tabLst/>
-              <a:defRPr/>
-            </a:pPr>
-            <a:r>
-              <a:rPr kumimoji="0" lang="en-US" sz="900" b="0" i="0" u="none" strike="noStrike" kern="1200" cap="none" spc="0" normalizeH="0" baseline="0" noProof="0" dirty="0">
-                <a:ln>
-                  <a:noFill/>
-                </a:ln>
-                <a:solidFill>
-                  <a:prstClr val="black">
-                    <a:tint val="75000"/>
-                  </a:prstClr>
-                </a:solidFill>
-                <a:effectLst/>
-                <a:uLnTx/>
-                <a:uFillTx/>
-                <a:latin typeface="Trebuchet MS" panose="020B0603020202020204"/>
-                <a:ea typeface="+mn-ea"/>
-                <a:cs typeface="+mn-cs"/>
-              </a:rPr>
-              <a:t>raysmith@alum.mit.edu</a:t>
-            </a:r>
-          </a:p>
-        </p:txBody>
-      </p:sp>
-      <p:sp>
-        <p:nvSpPr>
-          <p:cNvPr id="6" name="Slide Number Placeholder 5">
-            <a:extLst>
-              <a:ext uri="{FF2B5EF4-FFF2-40B4-BE49-F238E27FC236}">
-                <a16:creationId xmlns:a16="http://schemas.microsoft.com/office/drawing/2014/main" id="{B555E688-FCD7-4E06-BD33-DA64AB1C3FA4}"/>
-              </a:ext>
-            </a:extLst>
-          </p:cNvPr>
-          <p:cNvSpPr>
-            <a:spLocks noGrp="1"/>
-          </p:cNvSpPr>
-          <p:nvPr>
-            <p:ph type="sldNum" sz="quarter" idx="12"/>
-          </p:nvPr>
-        </p:nvSpPr>
-        <p:spPr/>
-        <p:txBody>
-          <a:bodyPr/>
-          <a:lstStyle/>
-          <a:p>
-            <a:pPr marL="0" marR="0" lvl="0" indent="0" algn="r" defTabSz="457200" rtl="0" eaLnBrk="1" fontAlgn="auto" latinLnBrk="0" hangingPunct="1">
-              <a:lnSpc>
-                <a:spcPct val="100000"/>
-              </a:lnSpc>
-              <a:spcBef>
-                <a:spcPts val="0"/>
-              </a:spcBef>
-              <a:spcAft>
-                <a:spcPts val="0"/>
-              </a:spcAft>
-              <a:buClrTx/>
-              <a:buSzTx/>
-              <a:buFontTx/>
-              <a:buNone/>
-              <a:tabLst/>
-              <a:defRPr/>
-            </a:pPr>
-            <a:fld id="{6D22F896-40B5-4ADD-8801-0D06FADFA095}" type="slidenum">
-              <a:rPr kumimoji="0" lang="en-US" sz="900" b="0" i="0" u="none" strike="noStrike" kern="1200" cap="none" spc="0" normalizeH="0" baseline="0" noProof="0" smtClean="0">
-                <a:ln>
-                  <a:noFill/>
-                </a:ln>
-                <a:solidFill>
-                  <a:srgbClr val="90C226"/>
-                </a:solidFill>
-                <a:effectLst/>
-                <a:uLnTx/>
-                <a:uFillTx/>
-                <a:latin typeface="Trebuchet MS" panose="020B0603020202020204"/>
-                <a:ea typeface="+mn-ea"/>
-                <a:cs typeface="+mn-cs"/>
-              </a:rPr>
-              <a:pPr marL="0" marR="0" lvl="0" indent="0" algn="r" defTabSz="457200" rtl="0" eaLnBrk="1" fontAlgn="auto" latinLnBrk="0" hangingPunct="1">
-                <a:lnSpc>
-                  <a:spcPct val="100000"/>
-                </a:lnSpc>
-                <a:spcBef>
-                  <a:spcPts val="0"/>
-                </a:spcBef>
-                <a:spcAft>
-                  <a:spcPts val="0"/>
-                </a:spcAft>
-                <a:buClrTx/>
-                <a:buSzTx/>
-                <a:buFontTx/>
-                <a:buNone/>
-                <a:tabLst/>
-                <a:defRPr/>
-              </a:pPr>
-              <a:t>20</a:t>
-            </a:fld>
-            <a:endParaRPr kumimoji="0" lang="en-US" sz="900" b="0" i="0" u="none" strike="noStrike" kern="1200" cap="none" spc="0" normalizeH="0" baseline="0" noProof="0" dirty="0">
-              <a:ln>
-                <a:noFill/>
-              </a:ln>
-              <a:solidFill>
-                <a:srgbClr val="90C226"/>
-              </a:solidFill>
-              <a:effectLst/>
-              <a:uLnTx/>
-              <a:uFillTx/>
-              <a:latin typeface="Trebuchet MS" panose="020B0603020202020204"/>
-              <a:ea typeface="+mn-ea"/>
-              <a:cs typeface="+mn-cs"/>
-            </a:endParaRPr>
-          </a:p>
-        </p:txBody>
-      </p:sp>
-    </p:spTree>
-    <p:extLst>
-      <p:ext uri="{BB962C8B-B14F-4D97-AF65-F5344CB8AC3E}">
-        <p14:creationId xmlns:p14="http://schemas.microsoft.com/office/powerpoint/2010/main" val="2561158165"/>
-      </p:ext>
-    </p:extLst>
-  </p:cSld>
-  <p:clrMapOvr>
-    <a:masterClrMapping/>
-  </p:clrMapOvr>
-</p:sld>
-</file>
-
-<file path=ppt/slides/slide21.xml><?xml version="1.0" encoding="utf-8"?>
-<p:sld xmlns:a="http://schemas.openxmlformats.org/drawingml/2006/main" xmlns:r="http://schemas.openxmlformats.org/officeDocument/2006/relationships" xmlns:p="http://schemas.openxmlformats.org/presentationml/2006/main">
-  <p:cSld>
-    <p:bg>
-      <p:bgPr>
-        <a:pattFill prst="smConfetti">
-          <a:fgClr>
-            <a:schemeClr val="accent1"/>
-          </a:fgClr>
-          <a:bgClr>
-            <a:schemeClr val="bg1"/>
-          </a:bgClr>
-        </a:pattFill>
-        <a:effectLst/>
-      </p:bgPr>
-    </p:bg>
-    <p:spTree>
-      <p:nvGrpSpPr>
-        <p:cNvPr id="1" name=""/>
-        <p:cNvGrpSpPr/>
-        <p:nvPr/>
-      </p:nvGrpSpPr>
-      <p:grpSpPr>
-        <a:xfrm>
-          <a:off x="0" y="0"/>
-          <a:ext cx="0" cy="0"/>
-          <a:chOff x="0" y="0"/>
-          <a:chExt cx="0" cy="0"/>
-        </a:xfrm>
-      </p:grpSpPr>
-      <p:sp>
-        <p:nvSpPr>
-          <p:cNvPr id="2" name="Title 1">
-            <a:extLst>
-              <a:ext uri="{FF2B5EF4-FFF2-40B4-BE49-F238E27FC236}">
-                <a16:creationId xmlns:a16="http://schemas.microsoft.com/office/drawing/2014/main" id="{00C99C45-A655-40FD-BF53-F03EF1F5E416}"/>
-              </a:ext>
-            </a:extLst>
-          </p:cNvPr>
-          <p:cNvSpPr>
-            <a:spLocks noGrp="1"/>
-          </p:cNvSpPr>
-          <p:nvPr>
-            <p:ph type="title"/>
-          </p:nvPr>
-        </p:nvSpPr>
-        <p:spPr/>
-        <p:txBody>
-          <a:bodyPr>
-            <a:normAutofit/>
-          </a:bodyPr>
-          <a:lstStyle/>
-          <a:p>
-            <a:r>
-              <a:rPr lang="en-US" dirty="0"/>
-              <a:t>Classes – Exercise – Add to class</a:t>
-            </a:r>
-            <a:endParaRPr lang="en-US" sz="2800" dirty="0"/>
-          </a:p>
-        </p:txBody>
-      </p:sp>
-      <p:sp>
-        <p:nvSpPr>
-          <p:cNvPr id="3" name="Content Placeholder 2">
-            <a:extLst>
-              <a:ext uri="{FF2B5EF4-FFF2-40B4-BE49-F238E27FC236}">
-                <a16:creationId xmlns:a16="http://schemas.microsoft.com/office/drawing/2014/main" id="{AAE989A4-422F-4666-8E03-249076443C19}"/>
-              </a:ext>
-            </a:extLst>
-          </p:cNvPr>
-          <p:cNvSpPr>
-            <a:spLocks noGrp="1"/>
-          </p:cNvSpPr>
-          <p:nvPr>
-            <p:ph idx="1"/>
-          </p:nvPr>
-        </p:nvSpPr>
-        <p:spPr>
-          <a:xfrm>
-            <a:off x="677333" y="2160589"/>
-            <a:ext cx="9263621" cy="3880773"/>
-          </a:xfrm>
-        </p:spPr>
-        <p:txBody>
-          <a:bodyPr>
-            <a:normAutofit/>
-          </a:bodyPr>
-          <a:lstStyle/>
-          <a:p>
-            <a:r>
-              <a:rPr lang="en-US" sz="3400" i="1" dirty="0">
-                <a:latin typeface="Courier New" panose="02070309020205020404" pitchFamily="49" charset="0"/>
-                <a:cs typeface="Courier New" panose="02070309020205020404" pitchFamily="49" charset="0"/>
-              </a:rPr>
-              <a:t>Make a new class Ball2dN</a:t>
-            </a:r>
-          </a:p>
-          <a:p>
-            <a:r>
-              <a:rPr lang="en-US" sz="3400" i="1" dirty="0">
-                <a:latin typeface="Courier New" panose="02070309020205020404" pitchFamily="49" charset="0"/>
-                <a:cs typeface="Courier New" panose="02070309020205020404" pitchFamily="49" charset="0"/>
-              </a:rPr>
-              <a:t>Same as Ball2d but ball has a number</a:t>
-            </a:r>
-          </a:p>
-          <a:p>
-            <a:r>
-              <a:rPr lang="en-US" sz="3400" i="1" dirty="0">
-                <a:latin typeface="Courier New" panose="02070309020205020404" pitchFamily="49" charset="0"/>
-                <a:cs typeface="Courier New" panose="02070309020205020404" pitchFamily="49" charset="0"/>
-              </a:rPr>
-              <a:t>New file ball_2d_n.py</a:t>
-            </a:r>
-          </a:p>
-          <a:p>
-            <a:r>
-              <a:rPr lang="en-US" sz="3400" i="1" dirty="0">
-                <a:latin typeface="Courier New" panose="02070309020205020404" pitchFamily="49" charset="0"/>
-                <a:cs typeface="Courier New" panose="02070309020205020404" pitchFamily="49" charset="0"/>
-              </a:rPr>
-              <a:t>Start with ball_2d.py </a:t>
-            </a:r>
-            <a:r>
-              <a:rPr lang="en-US" sz="3400" i="1" dirty="0">
-                <a:latin typeface="Courier New" panose="02070309020205020404" pitchFamily="49" charset="0"/>
-                <a:cs typeface="Courier New" panose="02070309020205020404" pitchFamily="49" charset="0"/>
-                <a:sym typeface="Wingdings" panose="05000000000000000000" pitchFamily="2" charset="2"/>
-              </a:rPr>
-              <a:t> </a:t>
-            </a:r>
-            <a:r>
-              <a:rPr lang="en-US" sz="3400" i="1" dirty="0" err="1">
-                <a:latin typeface="Courier New" panose="02070309020205020404" pitchFamily="49" charset="0"/>
-                <a:cs typeface="Courier New" panose="02070309020205020404" pitchFamily="49" charset="0"/>
-                <a:sym typeface="Wingdings" panose="05000000000000000000" pitchFamily="2" charset="2"/>
-              </a:rPr>
-              <a:t>SaveAs</a:t>
-            </a:r>
-            <a:r>
-              <a:rPr lang="en-US" sz="3400" i="1" dirty="0">
-                <a:latin typeface="Courier New" panose="02070309020205020404" pitchFamily="49" charset="0"/>
-                <a:cs typeface="Courier New" panose="02070309020205020404" pitchFamily="49" charset="0"/>
-                <a:sym typeface="Wingdings" panose="05000000000000000000" pitchFamily="2" charset="2"/>
-              </a:rPr>
-              <a:t> </a:t>
-            </a:r>
-            <a:r>
-              <a:rPr lang="en-US" sz="3400" b="1" i="1" dirty="0">
-                <a:latin typeface="Courier New" panose="02070309020205020404" pitchFamily="49" charset="0"/>
-                <a:cs typeface="Courier New" panose="02070309020205020404" pitchFamily="49" charset="0"/>
-                <a:sym typeface="Wingdings" panose="05000000000000000000" pitchFamily="2" charset="2"/>
-              </a:rPr>
-              <a:t>ball_2d_n.py</a:t>
-            </a:r>
-            <a:endParaRPr lang="en-US" sz="3200" b="1" i="1" dirty="0">
-              <a:latin typeface="Courier New" panose="02070309020205020404" pitchFamily="49" charset="0"/>
-              <a:cs typeface="Courier New" panose="02070309020205020404" pitchFamily="49" charset="0"/>
-            </a:endParaRPr>
-          </a:p>
-        </p:txBody>
-      </p:sp>
-      <p:sp>
-        <p:nvSpPr>
-          <p:cNvPr id="4" name="Date Placeholder 3">
-            <a:extLst>
-              <a:ext uri="{FF2B5EF4-FFF2-40B4-BE49-F238E27FC236}">
-                <a16:creationId xmlns:a16="http://schemas.microsoft.com/office/drawing/2014/main" id="{D4B58B9C-2101-47C6-B21D-A9C4C0222113}"/>
-              </a:ext>
-            </a:extLst>
-          </p:cNvPr>
-          <p:cNvSpPr>
-            <a:spLocks noGrp="1"/>
-          </p:cNvSpPr>
-          <p:nvPr>
-            <p:ph type="dt" sz="half" idx="10"/>
-          </p:nvPr>
-        </p:nvSpPr>
-        <p:spPr/>
-        <p:txBody>
-          <a:bodyPr/>
-          <a:lstStyle/>
-          <a:p>
-            <a:pPr marL="0" marR="0" lvl="0" indent="0" algn="r" defTabSz="457200" rtl="0" eaLnBrk="1" fontAlgn="auto" latinLnBrk="0" hangingPunct="1">
-              <a:lnSpc>
-                <a:spcPct val="100000"/>
-              </a:lnSpc>
-              <a:spcBef>
-                <a:spcPts val="0"/>
-              </a:spcBef>
-              <a:spcAft>
-                <a:spcPts val="0"/>
-              </a:spcAft>
-              <a:buClrTx/>
-              <a:buSzTx/>
-              <a:buFontTx/>
-              <a:buNone/>
-              <a:tabLst/>
-              <a:defRPr/>
-            </a:pPr>
-            <a:fld id="{A7119916-CD40-456D-ABE3-55F8822671F7}" type="datetime1">
-              <a:rPr kumimoji="0" lang="en-US" sz="900" b="0" i="0" u="none" strike="noStrike" kern="1200" cap="none" spc="0" normalizeH="0" baseline="0" noProof="0" smtClean="0">
-                <a:ln>
-                  <a:noFill/>
-                </a:ln>
-                <a:solidFill>
-                  <a:prstClr val="black">
-                    <a:tint val="75000"/>
-                  </a:prstClr>
-                </a:solidFill>
-                <a:effectLst/>
-                <a:uLnTx/>
-                <a:uFillTx/>
-                <a:latin typeface="Trebuchet MS" panose="020B0603020202020204"/>
-                <a:ea typeface="+mn-ea"/>
-                <a:cs typeface="+mn-cs"/>
-              </a:rPr>
-              <a:pPr marL="0" marR="0" lvl="0" indent="0" algn="r" defTabSz="457200" rtl="0" eaLnBrk="1" fontAlgn="auto" latinLnBrk="0" hangingPunct="1">
-                <a:lnSpc>
-                  <a:spcPct val="100000"/>
-                </a:lnSpc>
-                <a:spcBef>
-                  <a:spcPts val="0"/>
-                </a:spcBef>
-                <a:spcAft>
-                  <a:spcPts val="0"/>
-                </a:spcAft>
-                <a:buClrTx/>
-                <a:buSzTx/>
-                <a:buFontTx/>
-                <a:buNone/>
-                <a:tabLst/>
-                <a:defRPr/>
-              </a:pPr>
-              <a:t>7/13/2022</a:t>
-            </a:fld>
-            <a:endParaRPr kumimoji="0" lang="en-US" sz="900" b="0" i="0" u="none" strike="noStrike" kern="1200" cap="none" spc="0" normalizeH="0" baseline="0" noProof="0" dirty="0">
-              <a:ln>
-                <a:noFill/>
-              </a:ln>
-              <a:solidFill>
-                <a:prstClr val="black">
-                  <a:tint val="75000"/>
-                </a:prstClr>
-              </a:solidFill>
-              <a:effectLst/>
-              <a:uLnTx/>
-              <a:uFillTx/>
-              <a:latin typeface="Trebuchet MS" panose="020B0603020202020204"/>
-              <a:ea typeface="+mn-ea"/>
-              <a:cs typeface="+mn-cs"/>
-            </a:endParaRPr>
-          </a:p>
-        </p:txBody>
-      </p:sp>
-      <p:sp>
-        <p:nvSpPr>
-          <p:cNvPr id="5" name="Footer Placeholder 4">
-            <a:extLst>
-              <a:ext uri="{FF2B5EF4-FFF2-40B4-BE49-F238E27FC236}">
-                <a16:creationId xmlns:a16="http://schemas.microsoft.com/office/drawing/2014/main" id="{EB3CE92E-DA4C-49CE-8437-22304F783D2B}"/>
-              </a:ext>
-            </a:extLst>
-          </p:cNvPr>
-          <p:cNvSpPr>
-            <a:spLocks noGrp="1"/>
-          </p:cNvSpPr>
-          <p:nvPr>
-            <p:ph type="ftr" sz="quarter" idx="11"/>
-          </p:nvPr>
-        </p:nvSpPr>
-        <p:spPr/>
-        <p:txBody>
-          <a:bodyPr/>
-          <a:lstStyle/>
-          <a:p>
-            <a:pPr marL="0" marR="0" lvl="0" indent="0" algn="l" defTabSz="457200" rtl="0" eaLnBrk="1" fontAlgn="auto" latinLnBrk="0" hangingPunct="1">
-              <a:lnSpc>
-                <a:spcPct val="100000"/>
-              </a:lnSpc>
-              <a:spcBef>
-                <a:spcPts val="0"/>
-              </a:spcBef>
-              <a:spcAft>
-                <a:spcPts val="0"/>
-              </a:spcAft>
-              <a:buClrTx/>
-              <a:buSzTx/>
-              <a:buFontTx/>
-              <a:buNone/>
-              <a:tabLst/>
-              <a:defRPr/>
-            </a:pPr>
-            <a:r>
-              <a:rPr kumimoji="0" lang="en-US" sz="900" b="0" i="0" u="none" strike="noStrike" kern="1200" cap="none" spc="0" normalizeH="0" baseline="0" noProof="0" dirty="0">
-                <a:ln>
-                  <a:noFill/>
-                </a:ln>
-                <a:solidFill>
-                  <a:prstClr val="black">
-                    <a:tint val="75000"/>
-                  </a:prstClr>
-                </a:solidFill>
-                <a:effectLst/>
-                <a:uLnTx/>
-                <a:uFillTx/>
-                <a:latin typeface="Trebuchet MS" panose="020B0603020202020204"/>
-                <a:ea typeface="+mn-ea"/>
-                <a:cs typeface="+mn-cs"/>
-              </a:rPr>
-              <a:t>raysmith@alum.mit.edu</a:t>
-            </a:r>
-          </a:p>
-        </p:txBody>
-      </p:sp>
-      <p:sp>
-        <p:nvSpPr>
-          <p:cNvPr id="6" name="Slide Number Placeholder 5">
-            <a:extLst>
-              <a:ext uri="{FF2B5EF4-FFF2-40B4-BE49-F238E27FC236}">
-                <a16:creationId xmlns:a16="http://schemas.microsoft.com/office/drawing/2014/main" id="{B555E688-FCD7-4E06-BD33-DA64AB1C3FA4}"/>
-              </a:ext>
-            </a:extLst>
-          </p:cNvPr>
-          <p:cNvSpPr>
-            <a:spLocks noGrp="1"/>
-          </p:cNvSpPr>
-          <p:nvPr>
-            <p:ph type="sldNum" sz="quarter" idx="12"/>
-          </p:nvPr>
-        </p:nvSpPr>
-        <p:spPr/>
-        <p:txBody>
-          <a:bodyPr/>
-          <a:lstStyle/>
-          <a:p>
-            <a:pPr marL="0" marR="0" lvl="0" indent="0" algn="r" defTabSz="457200" rtl="0" eaLnBrk="1" fontAlgn="auto" latinLnBrk="0" hangingPunct="1">
-              <a:lnSpc>
-                <a:spcPct val="100000"/>
-              </a:lnSpc>
-              <a:spcBef>
-                <a:spcPts val="0"/>
-              </a:spcBef>
-              <a:spcAft>
-                <a:spcPts val="0"/>
-              </a:spcAft>
-              <a:buClrTx/>
-              <a:buSzTx/>
-              <a:buFontTx/>
-              <a:buNone/>
-              <a:tabLst/>
-              <a:defRPr/>
-            </a:pPr>
-            <a:fld id="{6D22F896-40B5-4ADD-8801-0D06FADFA095}" type="slidenum">
-              <a:rPr kumimoji="0" lang="en-US" sz="900" b="0" i="0" u="none" strike="noStrike" kern="1200" cap="none" spc="0" normalizeH="0" baseline="0" noProof="0" smtClean="0">
-                <a:ln>
-                  <a:noFill/>
-                </a:ln>
-                <a:solidFill>
-                  <a:srgbClr val="90C226"/>
-                </a:solidFill>
-                <a:effectLst/>
-                <a:uLnTx/>
-                <a:uFillTx/>
-                <a:latin typeface="Trebuchet MS" panose="020B0603020202020204"/>
-                <a:ea typeface="+mn-ea"/>
-                <a:cs typeface="+mn-cs"/>
-              </a:rPr>
-              <a:pPr marL="0" marR="0" lvl="0" indent="0" algn="r" defTabSz="457200" rtl="0" eaLnBrk="1" fontAlgn="auto" latinLnBrk="0" hangingPunct="1">
-                <a:lnSpc>
-                  <a:spcPct val="100000"/>
-                </a:lnSpc>
-                <a:spcBef>
-                  <a:spcPts val="0"/>
-                </a:spcBef>
-                <a:spcAft>
-                  <a:spcPts val="0"/>
-                </a:spcAft>
-                <a:buClrTx/>
-                <a:buSzTx/>
-                <a:buFontTx/>
-                <a:buNone/>
-                <a:tabLst/>
-                <a:defRPr/>
-              </a:pPr>
-              <a:t>21</a:t>
-            </a:fld>
-            <a:endParaRPr kumimoji="0" lang="en-US" sz="900" b="0" i="0" u="none" strike="noStrike" kern="1200" cap="none" spc="0" normalizeH="0" baseline="0" noProof="0" dirty="0">
-              <a:ln>
-                <a:noFill/>
-              </a:ln>
-              <a:solidFill>
-                <a:srgbClr val="90C226"/>
-              </a:solidFill>
-              <a:effectLst/>
-              <a:uLnTx/>
-              <a:uFillTx/>
-              <a:latin typeface="Trebuchet MS" panose="020B0603020202020204"/>
-              <a:ea typeface="+mn-ea"/>
-              <a:cs typeface="+mn-cs"/>
-            </a:endParaRPr>
-          </a:p>
-        </p:txBody>
-      </p:sp>
-    </p:spTree>
-    <p:extLst>
-      <p:ext uri="{BB962C8B-B14F-4D97-AF65-F5344CB8AC3E}">
-        <p14:creationId xmlns:p14="http://schemas.microsoft.com/office/powerpoint/2010/main" val="4038173884"/>
-      </p:ext>
-    </p:extLst>
-  </p:cSld>
-  <p:clrMapOvr>
-    <a:masterClrMapping/>
-  </p:clrMapOvr>
-</p:sld>
-</file>
-
-<file path=ppt/slides/slide22.xml><?xml version="1.0" encoding="utf-8"?>
-<p:sld xmlns:a="http://schemas.openxmlformats.org/drawingml/2006/main" xmlns:r="http://schemas.openxmlformats.org/officeDocument/2006/relationships" xmlns:p="http://schemas.openxmlformats.org/presentationml/2006/main">
-  <p:cSld>
-    <p:spTree>
-      <p:nvGrpSpPr>
-        <p:cNvPr id="1" name=""/>
-        <p:cNvGrpSpPr/>
-        <p:nvPr/>
-      </p:nvGrpSpPr>
-      <p:grpSpPr>
-        <a:xfrm>
-          <a:off x="0" y="0"/>
-          <a:ext cx="0" cy="0"/>
-          <a:chOff x="0" y="0"/>
-          <a:chExt cx="0" cy="0"/>
-        </a:xfrm>
-      </p:grpSpPr>
-      <p:sp>
-        <p:nvSpPr>
-          <p:cNvPr id="2" name="Title 1">
-            <a:extLst>
-              <a:ext uri="{FF2B5EF4-FFF2-40B4-BE49-F238E27FC236}">
-                <a16:creationId xmlns:a16="http://schemas.microsoft.com/office/drawing/2014/main" id="{00C99C45-A655-40FD-BF53-F03EF1F5E416}"/>
-              </a:ext>
-            </a:extLst>
-          </p:cNvPr>
-          <p:cNvSpPr>
-            <a:spLocks noGrp="1"/>
-          </p:cNvSpPr>
-          <p:nvPr>
-            <p:ph type="title"/>
-          </p:nvPr>
-        </p:nvSpPr>
-        <p:spPr>
-          <a:xfrm>
-            <a:off x="677334" y="609600"/>
-            <a:ext cx="8596668" cy="776438"/>
-          </a:xfrm>
-        </p:spPr>
-        <p:txBody>
-          <a:bodyPr>
-            <a:normAutofit/>
-          </a:bodyPr>
-          <a:lstStyle/>
-          <a:p>
-            <a:r>
-              <a:rPr lang="en-US" dirty="0"/>
-              <a:t>Classes – </a:t>
-            </a:r>
-            <a:r>
-              <a:rPr lang="en-US" sz="2800" dirty="0"/>
-              <a:t>Ball2dTable</a:t>
-            </a:r>
-          </a:p>
-        </p:txBody>
-      </p:sp>
-      <p:sp>
-        <p:nvSpPr>
-          <p:cNvPr id="3" name="Content Placeholder 2">
-            <a:extLst>
-              <a:ext uri="{FF2B5EF4-FFF2-40B4-BE49-F238E27FC236}">
-                <a16:creationId xmlns:a16="http://schemas.microsoft.com/office/drawing/2014/main" id="{AAE989A4-422F-4666-8E03-249076443C19}"/>
-              </a:ext>
-            </a:extLst>
-          </p:cNvPr>
-          <p:cNvSpPr>
-            <a:spLocks noGrp="1"/>
-          </p:cNvSpPr>
-          <p:nvPr>
-            <p:ph idx="1"/>
-          </p:nvPr>
-        </p:nvSpPr>
-        <p:spPr>
-          <a:xfrm>
-            <a:off x="677333" y="1386039"/>
-            <a:ext cx="9361189" cy="4655324"/>
-          </a:xfrm>
-        </p:spPr>
-        <p:txBody>
-          <a:bodyPr>
-            <a:normAutofit/>
-          </a:bodyPr>
-          <a:lstStyle/>
-          <a:p>
-            <a:r>
-              <a:rPr lang="en-US" sz="3200" i="1" dirty="0">
-                <a:latin typeface="Courier New" panose="02070309020205020404" pitchFamily="49" charset="0"/>
-                <a:cs typeface="Courier New" panose="02070309020205020404" pitchFamily="49" charset="0"/>
-              </a:rPr>
-              <a:t>How would we extend our "ball world" to create a "billiard table" ?</a:t>
-            </a:r>
-          </a:p>
-          <a:p>
-            <a:pPr lvl="1"/>
-            <a:r>
-              <a:rPr lang="en-US" sz="3000" i="1" dirty="0">
-                <a:latin typeface="Courier New" panose="02070309020205020404" pitchFamily="49" charset="0"/>
-                <a:cs typeface="Courier New" panose="02070309020205020404" pitchFamily="49" charset="0"/>
-              </a:rPr>
-              <a:t>Ball2dTable features / attributes</a:t>
-            </a:r>
-          </a:p>
-          <a:p>
-            <a:pPr lvl="2"/>
-            <a:r>
-              <a:rPr lang="en-US" sz="2800" i="1" dirty="0">
-                <a:latin typeface="Courier New" panose="02070309020205020404" pitchFamily="49" charset="0"/>
-                <a:cs typeface="Courier New" panose="02070309020205020404" pitchFamily="49" charset="0"/>
-              </a:rPr>
-              <a:t>width, length, balls (on table) </a:t>
-            </a:r>
-          </a:p>
-          <a:p>
-            <a:pPr lvl="1"/>
-            <a:r>
-              <a:rPr lang="en-US" sz="3000" i="1" dirty="0">
-                <a:latin typeface="Courier New" panose="02070309020205020404" pitchFamily="49" charset="0"/>
-                <a:cs typeface="Courier New" panose="02070309020205020404" pitchFamily="49" charset="0"/>
-              </a:rPr>
-              <a:t>Ball2D features / attributes</a:t>
-            </a:r>
-          </a:p>
-          <a:p>
-            <a:pPr lvl="2"/>
-            <a:r>
-              <a:rPr lang="en-US" sz="2800" i="1" dirty="0">
-                <a:latin typeface="Courier New" panose="02070309020205020404" pitchFamily="49" charset="0"/>
-                <a:cs typeface="Courier New" panose="02070309020205020404" pitchFamily="49" charset="0"/>
-              </a:rPr>
-              <a:t>Collision with table edge, another ball</a:t>
-            </a:r>
-          </a:p>
-          <a:p>
-            <a:pPr lvl="2"/>
-            <a:endParaRPr lang="en-US" sz="2800" i="1" dirty="0">
-              <a:latin typeface="Courier New" panose="02070309020205020404" pitchFamily="49" charset="0"/>
-              <a:cs typeface="Courier New" panose="02070309020205020404" pitchFamily="49" charset="0"/>
-            </a:endParaRPr>
-          </a:p>
-          <a:p>
-            <a:pPr marL="0" indent="0">
-              <a:buNone/>
-            </a:pPr>
-            <a:endParaRPr lang="en-US" sz="3200" i="1" dirty="0">
-              <a:latin typeface="Courier New" panose="02070309020205020404" pitchFamily="49" charset="0"/>
-              <a:cs typeface="Courier New" panose="02070309020205020404" pitchFamily="49" charset="0"/>
-            </a:endParaRPr>
-          </a:p>
-        </p:txBody>
-      </p:sp>
-      <p:sp>
-        <p:nvSpPr>
-          <p:cNvPr id="4" name="Date Placeholder 3">
-            <a:extLst>
-              <a:ext uri="{FF2B5EF4-FFF2-40B4-BE49-F238E27FC236}">
-                <a16:creationId xmlns:a16="http://schemas.microsoft.com/office/drawing/2014/main" id="{D4B58B9C-2101-47C6-B21D-A9C4C0222113}"/>
-              </a:ext>
-            </a:extLst>
-          </p:cNvPr>
-          <p:cNvSpPr>
-            <a:spLocks noGrp="1"/>
-          </p:cNvSpPr>
-          <p:nvPr>
-            <p:ph type="dt" sz="half" idx="10"/>
-          </p:nvPr>
-        </p:nvSpPr>
-        <p:spPr/>
-        <p:txBody>
-          <a:bodyPr/>
-          <a:lstStyle/>
-          <a:p>
-            <a:pPr marL="0" marR="0" lvl="0" indent="0" algn="r" defTabSz="457200" rtl="0" eaLnBrk="1" fontAlgn="auto" latinLnBrk="0" hangingPunct="1">
-              <a:lnSpc>
-                <a:spcPct val="100000"/>
-              </a:lnSpc>
-              <a:spcBef>
-                <a:spcPts val="0"/>
-              </a:spcBef>
-              <a:spcAft>
-                <a:spcPts val="0"/>
-              </a:spcAft>
-              <a:buClrTx/>
-              <a:buSzTx/>
-              <a:buFontTx/>
-              <a:buNone/>
-              <a:tabLst/>
-              <a:defRPr/>
-            </a:pPr>
-            <a:fld id="{A7119916-CD40-456D-ABE3-55F8822671F7}" type="datetime1">
-              <a:rPr kumimoji="0" lang="en-US" sz="900" b="0" i="0" u="none" strike="noStrike" kern="1200" cap="none" spc="0" normalizeH="0" baseline="0" noProof="0" smtClean="0">
-                <a:ln>
-                  <a:noFill/>
-                </a:ln>
-                <a:solidFill>
-                  <a:prstClr val="black">
-                    <a:tint val="75000"/>
-                  </a:prstClr>
-                </a:solidFill>
-                <a:effectLst/>
-                <a:uLnTx/>
-                <a:uFillTx/>
-                <a:latin typeface="Trebuchet MS" panose="020B0603020202020204"/>
-                <a:ea typeface="+mn-ea"/>
-                <a:cs typeface="+mn-cs"/>
-              </a:rPr>
-              <a:pPr marL="0" marR="0" lvl="0" indent="0" algn="r" defTabSz="457200" rtl="0" eaLnBrk="1" fontAlgn="auto" latinLnBrk="0" hangingPunct="1">
-                <a:lnSpc>
-                  <a:spcPct val="100000"/>
-                </a:lnSpc>
-                <a:spcBef>
-                  <a:spcPts val="0"/>
-                </a:spcBef>
-                <a:spcAft>
-                  <a:spcPts val="0"/>
-                </a:spcAft>
-                <a:buClrTx/>
-                <a:buSzTx/>
-                <a:buFontTx/>
-                <a:buNone/>
-                <a:tabLst/>
-                <a:defRPr/>
-              </a:pPr>
-              <a:t>7/13/2022</a:t>
+              <a:t>8/9/2022</a:t>
             </a:fld>
             <a:endParaRPr kumimoji="0" lang="en-US" sz="900" b="0" i="0" u="none" strike="noStrike" kern="1200" cap="none" spc="0" normalizeH="0" baseline="0" noProof="0" dirty="0">
               <a:ln>
@@ -19131,7 +18213,7 @@
     </p:spTree>
     <p:extLst>
       <p:ext uri="{BB962C8B-B14F-4D97-AF65-F5344CB8AC3E}">
-        <p14:creationId xmlns:p14="http://schemas.microsoft.com/office/powerpoint/2010/main" val="237766102"/>
+        <p14:creationId xmlns:p14="http://schemas.microsoft.com/office/powerpoint/2010/main" val="2561158165"/>
       </p:ext>
     </p:extLst>
   </p:cSld>
@@ -19163,6 +18245,1463 @@
           <p:cNvPr id="2" name="Title 1">
             <a:extLst>
               <a:ext uri="{FF2B5EF4-FFF2-40B4-BE49-F238E27FC236}">
+                <a16:creationId xmlns:a16="http://schemas.microsoft.com/office/drawing/2014/main" id="{12EA92A8-A7E0-2DA1-67EF-9C62DD3E6695}"/>
+              </a:ext>
+            </a:extLst>
+          </p:cNvPr>
+          <p:cNvSpPr>
+            <a:spLocks noGrp="1"/>
+          </p:cNvSpPr>
+          <p:nvPr>
+            <p:ph type="title"/>
+          </p:nvPr>
+        </p:nvSpPr>
+        <p:spPr/>
+        <p:txBody>
+          <a:bodyPr>
+            <a:normAutofit/>
+          </a:bodyPr>
+          <a:lstStyle/>
+          <a:p>
+            <a:r>
+              <a:rPr lang="en-US" dirty="0"/>
+              <a:t>Class </a:t>
+            </a:r>
+            <a:r>
+              <a:rPr lang="en-US" b="1" dirty="0"/>
+              <a:t>Ball2D</a:t>
+            </a:r>
+            <a:br>
+              <a:rPr lang="en-US" dirty="0"/>
+            </a:br>
+            <a:r>
+              <a:rPr lang="en-US" sz="2800" dirty="0"/>
+              <a:t>2-dimensional billiard ball</a:t>
+            </a:r>
+            <a:endParaRPr lang="en-US" sz="2800" dirty="0">
+              <a:solidFill>
+                <a:schemeClr val="tx1"/>
+              </a:solidFill>
+            </a:endParaRPr>
+          </a:p>
+        </p:txBody>
+      </p:sp>
+      <p:sp>
+        <p:nvSpPr>
+          <p:cNvPr id="3" name="Content Placeholder 2">
+            <a:extLst>
+              <a:ext uri="{FF2B5EF4-FFF2-40B4-BE49-F238E27FC236}">
+                <a16:creationId xmlns:a16="http://schemas.microsoft.com/office/drawing/2014/main" id="{86E7F3B2-C9C3-D2D2-16CA-89DBF3005C94}"/>
+              </a:ext>
+            </a:extLst>
+          </p:cNvPr>
+          <p:cNvSpPr>
+            <a:spLocks noGrp="1"/>
+          </p:cNvSpPr>
+          <p:nvPr>
+            <p:ph idx="1"/>
+          </p:nvPr>
+        </p:nvSpPr>
+        <p:spPr/>
+        <p:txBody>
+          <a:bodyPr>
+            <a:normAutofit/>
+          </a:bodyPr>
+          <a:lstStyle/>
+          <a:p>
+            <a:pPr marL="0" indent="0">
+              <a:buNone/>
+            </a:pPr>
+            <a:r>
+              <a:rPr kumimoji="0" lang="en-US" sz="2800" b="0" i="0" u="none" strike="noStrike" kern="1200" cap="none" spc="0" normalizeH="0" baseline="0" noProof="0" dirty="0">
+                <a:ln>
+                  <a:noFill/>
+                </a:ln>
+                <a:solidFill>
+                  <a:prstClr val="black"/>
+                </a:solidFill>
+                <a:effectLst/>
+                <a:uLnTx/>
+                <a:uFillTx/>
+                <a:latin typeface="Trebuchet MS" panose="020B0603020202020204"/>
+                <a:ea typeface="+mj-ea"/>
+                <a:cs typeface="+mj-cs"/>
+              </a:rPr>
+              <a:t>samples/balls_classes/ball_2d.py</a:t>
+            </a:r>
+            <a:endParaRPr lang="en-US" sz="2800" dirty="0">
+              <a:solidFill>
+                <a:schemeClr val="accent1"/>
+              </a:solidFill>
+            </a:endParaRPr>
+          </a:p>
+          <a:p>
+            <a:r>
+              <a:rPr lang="en-US" sz="4000" dirty="0">
+                <a:solidFill>
+                  <a:schemeClr val="accent1"/>
+                </a:solidFill>
+              </a:rPr>
+              <a:t>Location</a:t>
+            </a:r>
+          </a:p>
+          <a:p>
+            <a:r>
+              <a:rPr lang="en-US" sz="4000" dirty="0">
+                <a:solidFill>
+                  <a:schemeClr val="accent1"/>
+                </a:solidFill>
+              </a:rPr>
+              <a:t>Movement</a:t>
+            </a:r>
+          </a:p>
+          <a:p>
+            <a:r>
+              <a:rPr lang="en-US" sz="4000" dirty="0">
+                <a:solidFill>
+                  <a:schemeClr val="accent1"/>
+                </a:solidFill>
+              </a:rPr>
+              <a:t>Display</a:t>
+            </a:r>
+          </a:p>
+          <a:p>
+            <a:endParaRPr lang="en-US" sz="3600" dirty="0">
+              <a:solidFill>
+                <a:schemeClr val="accent1"/>
+              </a:solidFill>
+            </a:endParaRPr>
+          </a:p>
+          <a:p>
+            <a:endParaRPr lang="en-US" sz="3200" dirty="0"/>
+          </a:p>
+        </p:txBody>
+      </p:sp>
+      <p:sp>
+        <p:nvSpPr>
+          <p:cNvPr id="4" name="Date Placeholder 3">
+            <a:extLst>
+              <a:ext uri="{FF2B5EF4-FFF2-40B4-BE49-F238E27FC236}">
+                <a16:creationId xmlns:a16="http://schemas.microsoft.com/office/drawing/2014/main" id="{01784C4E-427E-213B-CFE7-2F875B98508E}"/>
+              </a:ext>
+            </a:extLst>
+          </p:cNvPr>
+          <p:cNvSpPr>
+            <a:spLocks noGrp="1"/>
+          </p:cNvSpPr>
+          <p:nvPr>
+            <p:ph type="dt" sz="half" idx="10"/>
+          </p:nvPr>
+        </p:nvSpPr>
+        <p:spPr/>
+        <p:txBody>
+          <a:bodyPr/>
+          <a:lstStyle/>
+          <a:p>
+            <a:fld id="{A7119916-CD40-456D-ABE3-55F8822671F7}" type="datetime1">
+              <a:rPr lang="en-US" smtClean="0"/>
+              <a:t>8/9/2022</a:t>
+            </a:fld>
+            <a:endParaRPr lang="en-US" dirty="0"/>
+          </a:p>
+        </p:txBody>
+      </p:sp>
+      <p:sp>
+        <p:nvSpPr>
+          <p:cNvPr id="5" name="Footer Placeholder 4">
+            <a:extLst>
+              <a:ext uri="{FF2B5EF4-FFF2-40B4-BE49-F238E27FC236}">
+                <a16:creationId xmlns:a16="http://schemas.microsoft.com/office/drawing/2014/main" id="{98234564-C36C-0932-F204-20E23916BFD5}"/>
+              </a:ext>
+            </a:extLst>
+          </p:cNvPr>
+          <p:cNvSpPr>
+            <a:spLocks noGrp="1"/>
+          </p:cNvSpPr>
+          <p:nvPr>
+            <p:ph type="ftr" sz="quarter" idx="11"/>
+          </p:nvPr>
+        </p:nvSpPr>
+        <p:spPr/>
+        <p:txBody>
+          <a:bodyPr/>
+          <a:lstStyle/>
+          <a:p>
+            <a:r>
+              <a:rPr lang="en-US"/>
+              <a:t>raysmith@alum.mit.edu</a:t>
+            </a:r>
+            <a:endParaRPr lang="en-US" dirty="0"/>
+          </a:p>
+        </p:txBody>
+      </p:sp>
+      <p:sp>
+        <p:nvSpPr>
+          <p:cNvPr id="6" name="Slide Number Placeholder 5">
+            <a:extLst>
+              <a:ext uri="{FF2B5EF4-FFF2-40B4-BE49-F238E27FC236}">
+                <a16:creationId xmlns:a16="http://schemas.microsoft.com/office/drawing/2014/main" id="{FC5BF6AD-EAB4-C6BA-0833-B6CC4BF4A266}"/>
+              </a:ext>
+            </a:extLst>
+          </p:cNvPr>
+          <p:cNvSpPr>
+            <a:spLocks noGrp="1"/>
+          </p:cNvSpPr>
+          <p:nvPr>
+            <p:ph type="sldNum" sz="quarter" idx="12"/>
+          </p:nvPr>
+        </p:nvSpPr>
+        <p:spPr/>
+        <p:txBody>
+          <a:bodyPr/>
+          <a:lstStyle/>
+          <a:p>
+            <a:fld id="{6D22F896-40B5-4ADD-8801-0D06FADFA095}" type="slidenum">
+              <a:rPr lang="en-US" smtClean="0"/>
+              <a:t>23</a:t>
+            </a:fld>
+            <a:endParaRPr lang="en-US" dirty="0"/>
+          </a:p>
+        </p:txBody>
+      </p:sp>
+    </p:spTree>
+    <p:extLst>
+      <p:ext uri="{BB962C8B-B14F-4D97-AF65-F5344CB8AC3E}">
+        <p14:creationId xmlns:p14="http://schemas.microsoft.com/office/powerpoint/2010/main" val="3892679641"/>
+      </p:ext>
+    </p:extLst>
+  </p:cSld>
+  <p:clrMapOvr>
+    <a:masterClrMapping/>
+  </p:clrMapOvr>
+</p:sld>
+</file>
+
+<file path=ppt/slides/slide24.xml><?xml version="1.0" encoding="utf-8"?>
+<p:sld xmlns:a="http://schemas.openxmlformats.org/drawingml/2006/main" xmlns:r="http://schemas.openxmlformats.org/officeDocument/2006/relationships" xmlns:p="http://schemas.openxmlformats.org/presentationml/2006/main">
+  <p:cSld>
+    <p:spTree>
+      <p:nvGrpSpPr>
+        <p:cNvPr id="1" name=""/>
+        <p:cNvGrpSpPr/>
+        <p:nvPr/>
+      </p:nvGrpSpPr>
+      <p:grpSpPr>
+        <a:xfrm>
+          <a:off x="0" y="0"/>
+          <a:ext cx="0" cy="0"/>
+          <a:chOff x="0" y="0"/>
+          <a:chExt cx="0" cy="0"/>
+        </a:xfrm>
+      </p:grpSpPr>
+      <p:sp>
+        <p:nvSpPr>
+          <p:cNvPr id="2" name="Title 1">
+            <a:extLst>
+              <a:ext uri="{FF2B5EF4-FFF2-40B4-BE49-F238E27FC236}">
+                <a16:creationId xmlns:a16="http://schemas.microsoft.com/office/drawing/2014/main" id="{513381A3-89F2-0448-18E9-6CFEA4D92FB4}"/>
+              </a:ext>
+            </a:extLst>
+          </p:cNvPr>
+          <p:cNvSpPr>
+            <a:spLocks noGrp="1"/>
+          </p:cNvSpPr>
+          <p:nvPr>
+            <p:ph type="title"/>
+          </p:nvPr>
+        </p:nvSpPr>
+        <p:spPr/>
+        <p:txBody>
+          <a:bodyPr/>
+          <a:lstStyle/>
+          <a:p>
+            <a:r>
+              <a:rPr lang="en-US" dirty="0"/>
+              <a:t>Class BallCollision2D</a:t>
+            </a:r>
+            <a:br>
+              <a:rPr lang="en-US" dirty="0"/>
+            </a:br>
+            <a:r>
+              <a:rPr lang="en-US" dirty="0"/>
+              <a:t>2-Dimensional Ball Collision Calculations</a:t>
+            </a:r>
+          </a:p>
+        </p:txBody>
+      </p:sp>
+      <p:sp>
+        <p:nvSpPr>
+          <p:cNvPr id="3" name="Content Placeholder 2">
+            <a:extLst>
+              <a:ext uri="{FF2B5EF4-FFF2-40B4-BE49-F238E27FC236}">
+                <a16:creationId xmlns:a16="http://schemas.microsoft.com/office/drawing/2014/main" id="{91496431-D486-0AF9-3884-E8796CB0E62E}"/>
+              </a:ext>
+            </a:extLst>
+          </p:cNvPr>
+          <p:cNvSpPr>
+            <a:spLocks noGrp="1"/>
+          </p:cNvSpPr>
+          <p:nvPr>
+            <p:ph idx="1"/>
+          </p:nvPr>
+        </p:nvSpPr>
+        <p:spPr/>
+        <p:txBody>
+          <a:bodyPr>
+            <a:normAutofit/>
+          </a:bodyPr>
+          <a:lstStyle/>
+          <a:p>
+            <a:pPr marL="0" marR="0" lvl="0" indent="0" algn="l" defTabSz="457200" rtl="0" eaLnBrk="1" fontAlgn="auto" latinLnBrk="0" hangingPunct="1">
+              <a:lnSpc>
+                <a:spcPct val="100000"/>
+              </a:lnSpc>
+              <a:spcBef>
+                <a:spcPts val="1000"/>
+              </a:spcBef>
+              <a:spcAft>
+                <a:spcPts val="0"/>
+              </a:spcAft>
+              <a:buClr>
+                <a:srgbClr val="90C226"/>
+              </a:buClr>
+              <a:buSzPct val="80000"/>
+              <a:buFont typeface="Wingdings 3" charset="2"/>
+              <a:buNone/>
+              <a:tabLst/>
+              <a:defRPr/>
+            </a:pPr>
+            <a:r>
+              <a:rPr kumimoji="0" lang="en-US" sz="2400" b="0" i="0" u="none" strike="noStrike" kern="1200" cap="none" spc="0" normalizeH="0" baseline="0" noProof="0" dirty="0">
+                <a:ln>
+                  <a:noFill/>
+                </a:ln>
+                <a:solidFill>
+                  <a:prstClr val="black"/>
+                </a:solidFill>
+                <a:effectLst/>
+                <a:uLnTx/>
+                <a:uFillTx/>
+                <a:latin typeface="Trebuchet MS" panose="020B0603020202020204"/>
+                <a:ea typeface="+mn-ea"/>
+                <a:cs typeface="+mn-cs"/>
+              </a:rPr>
+              <a:t>samples/balls_classes/ball_collision_2d.py</a:t>
+            </a:r>
+          </a:p>
+          <a:p>
+            <a:endParaRPr lang="en-US" sz="3600" dirty="0">
+              <a:solidFill>
+                <a:schemeClr val="accent1"/>
+              </a:solidFill>
+            </a:endParaRPr>
+          </a:p>
+          <a:p>
+            <a:r>
+              <a:rPr lang="en-US" sz="4000" dirty="0">
+                <a:solidFill>
+                  <a:schemeClr val="accent1"/>
+                </a:solidFill>
+              </a:rPr>
+              <a:t>Ball-to-Ball Collision</a:t>
+            </a:r>
+          </a:p>
+          <a:p>
+            <a:r>
+              <a:rPr lang="en-US" sz="4000" dirty="0">
+                <a:solidFill>
+                  <a:schemeClr val="accent1"/>
+                </a:solidFill>
+              </a:rPr>
+              <a:t>Collision Detection</a:t>
+            </a:r>
+          </a:p>
+          <a:p>
+            <a:r>
+              <a:rPr lang="en-US" sz="4000" dirty="0">
+                <a:solidFill>
+                  <a:schemeClr val="accent1"/>
+                </a:solidFill>
+              </a:rPr>
+              <a:t>Multiple Ball Collision</a:t>
+            </a:r>
+          </a:p>
+        </p:txBody>
+      </p:sp>
+      <p:sp>
+        <p:nvSpPr>
+          <p:cNvPr id="4" name="Date Placeholder 3">
+            <a:extLst>
+              <a:ext uri="{FF2B5EF4-FFF2-40B4-BE49-F238E27FC236}">
+                <a16:creationId xmlns:a16="http://schemas.microsoft.com/office/drawing/2014/main" id="{877BCE5F-0667-ECC3-9F1C-7158E04B01FC}"/>
+              </a:ext>
+            </a:extLst>
+          </p:cNvPr>
+          <p:cNvSpPr>
+            <a:spLocks noGrp="1"/>
+          </p:cNvSpPr>
+          <p:nvPr>
+            <p:ph type="dt" sz="half" idx="10"/>
+          </p:nvPr>
+        </p:nvSpPr>
+        <p:spPr/>
+        <p:txBody>
+          <a:bodyPr/>
+          <a:lstStyle/>
+          <a:p>
+            <a:fld id="{A7119916-CD40-456D-ABE3-55F8822671F7}" type="datetime1">
+              <a:rPr lang="en-US" smtClean="0"/>
+              <a:t>8/9/2022</a:t>
+            </a:fld>
+            <a:endParaRPr lang="en-US" dirty="0"/>
+          </a:p>
+        </p:txBody>
+      </p:sp>
+      <p:sp>
+        <p:nvSpPr>
+          <p:cNvPr id="5" name="Footer Placeholder 4">
+            <a:extLst>
+              <a:ext uri="{FF2B5EF4-FFF2-40B4-BE49-F238E27FC236}">
+                <a16:creationId xmlns:a16="http://schemas.microsoft.com/office/drawing/2014/main" id="{D61A23C9-48E3-72C3-EA4E-180DBDC2374E}"/>
+              </a:ext>
+            </a:extLst>
+          </p:cNvPr>
+          <p:cNvSpPr>
+            <a:spLocks noGrp="1"/>
+          </p:cNvSpPr>
+          <p:nvPr>
+            <p:ph type="ftr" sz="quarter" idx="11"/>
+          </p:nvPr>
+        </p:nvSpPr>
+        <p:spPr/>
+        <p:txBody>
+          <a:bodyPr/>
+          <a:lstStyle/>
+          <a:p>
+            <a:r>
+              <a:rPr lang="en-US"/>
+              <a:t>raysmith@alum.mit.edu</a:t>
+            </a:r>
+            <a:endParaRPr lang="en-US" dirty="0"/>
+          </a:p>
+        </p:txBody>
+      </p:sp>
+      <p:sp>
+        <p:nvSpPr>
+          <p:cNvPr id="6" name="Slide Number Placeholder 5">
+            <a:extLst>
+              <a:ext uri="{FF2B5EF4-FFF2-40B4-BE49-F238E27FC236}">
+                <a16:creationId xmlns:a16="http://schemas.microsoft.com/office/drawing/2014/main" id="{0E86803C-32DF-BD69-4EDD-A69E2CA379EE}"/>
+              </a:ext>
+            </a:extLst>
+          </p:cNvPr>
+          <p:cNvSpPr>
+            <a:spLocks noGrp="1"/>
+          </p:cNvSpPr>
+          <p:nvPr>
+            <p:ph type="sldNum" sz="quarter" idx="12"/>
+          </p:nvPr>
+        </p:nvSpPr>
+        <p:spPr/>
+        <p:txBody>
+          <a:bodyPr/>
+          <a:lstStyle/>
+          <a:p>
+            <a:fld id="{6D22F896-40B5-4ADD-8801-0D06FADFA095}" type="slidenum">
+              <a:rPr lang="en-US" smtClean="0"/>
+              <a:t>24</a:t>
+            </a:fld>
+            <a:endParaRPr lang="en-US" dirty="0"/>
+          </a:p>
+        </p:txBody>
+      </p:sp>
+    </p:spTree>
+    <p:extLst>
+      <p:ext uri="{BB962C8B-B14F-4D97-AF65-F5344CB8AC3E}">
+        <p14:creationId xmlns:p14="http://schemas.microsoft.com/office/powerpoint/2010/main" val="3615571245"/>
+      </p:ext>
+    </p:extLst>
+  </p:cSld>
+  <p:clrMapOvr>
+    <a:masterClrMapping/>
+  </p:clrMapOvr>
+</p:sld>
+</file>
+
+<file path=ppt/slides/slide25.xml><?xml version="1.0" encoding="utf-8"?>
+<p:sld xmlns:a="http://schemas.openxmlformats.org/drawingml/2006/main" xmlns:r="http://schemas.openxmlformats.org/officeDocument/2006/relationships" xmlns:p="http://schemas.openxmlformats.org/presentationml/2006/main">
+  <p:cSld>
+    <p:spTree>
+      <p:nvGrpSpPr>
+        <p:cNvPr id="1" name=""/>
+        <p:cNvGrpSpPr/>
+        <p:nvPr/>
+      </p:nvGrpSpPr>
+      <p:grpSpPr>
+        <a:xfrm>
+          <a:off x="0" y="0"/>
+          <a:ext cx="0" cy="0"/>
+          <a:chOff x="0" y="0"/>
+          <a:chExt cx="0" cy="0"/>
+        </a:xfrm>
+      </p:grpSpPr>
+      <p:sp>
+        <p:nvSpPr>
+          <p:cNvPr id="2" name="Title 1">
+            <a:extLst>
+              <a:ext uri="{FF2B5EF4-FFF2-40B4-BE49-F238E27FC236}">
+                <a16:creationId xmlns:a16="http://schemas.microsoft.com/office/drawing/2014/main" id="{8CC7552A-E7C4-F7E9-900E-CE69D88ED578}"/>
+              </a:ext>
+            </a:extLst>
+          </p:cNvPr>
+          <p:cNvSpPr>
+            <a:spLocks noGrp="1"/>
+          </p:cNvSpPr>
+          <p:nvPr>
+            <p:ph type="title"/>
+          </p:nvPr>
+        </p:nvSpPr>
+        <p:spPr/>
+        <p:txBody>
+          <a:bodyPr>
+            <a:normAutofit fontScale="90000"/>
+          </a:bodyPr>
+          <a:lstStyle/>
+          <a:p>
+            <a:pPr marR="0" lvl="0" algn="l" defTabSz="457200" rtl="0" eaLnBrk="1" fontAlgn="auto" latinLnBrk="0" hangingPunct="1">
+              <a:lnSpc>
+                <a:spcPct val="100000"/>
+              </a:lnSpc>
+              <a:spcBef>
+                <a:spcPts val="1000"/>
+              </a:spcBef>
+              <a:spcAft>
+                <a:spcPts val="0"/>
+              </a:spcAft>
+              <a:buClr>
+                <a:srgbClr val="90C226"/>
+              </a:buClr>
+              <a:buSzPct val="80000"/>
+              <a:tabLst/>
+              <a:defRPr/>
+            </a:pPr>
+            <a:r>
+              <a:rPr lang="en-US" dirty="0"/>
+              <a:t>Class </a:t>
+            </a:r>
+            <a:r>
+              <a:rPr lang="en-US" b="1" dirty="0"/>
+              <a:t>BallTable2D</a:t>
+            </a:r>
+            <a:br>
+              <a:rPr lang="en-US" b="1" dirty="0"/>
+            </a:br>
+            <a:r>
+              <a:rPr kumimoji="0" lang="en-US" sz="3600" b="0" i="0" u="none" strike="noStrike" kern="1200" cap="none" spc="0" normalizeH="0" baseline="0" noProof="0" dirty="0">
+                <a:ln>
+                  <a:noFill/>
+                </a:ln>
+                <a:solidFill>
+                  <a:srgbClr val="90C226"/>
+                </a:solidFill>
+                <a:effectLst/>
+                <a:uLnTx/>
+                <a:uFillTx/>
+                <a:latin typeface="Trebuchet MS" panose="020B0603020202020204"/>
+                <a:ea typeface="+mn-ea"/>
+                <a:cs typeface="+mn-cs"/>
+              </a:rPr>
+              <a:t>2-dimensional Billiard Table</a:t>
+            </a:r>
+            <a:br>
+              <a:rPr kumimoji="0" lang="en-US" sz="3600" b="0" i="0" u="none" strike="noStrike" kern="1200" cap="none" spc="0" normalizeH="0" baseline="0" noProof="0" dirty="0">
+                <a:ln>
+                  <a:noFill/>
+                </a:ln>
+                <a:solidFill>
+                  <a:srgbClr val="90C226"/>
+                </a:solidFill>
+                <a:effectLst/>
+                <a:uLnTx/>
+                <a:uFillTx/>
+                <a:latin typeface="Trebuchet MS" panose="020B0603020202020204"/>
+                <a:ea typeface="+mn-ea"/>
+                <a:cs typeface="+mn-cs"/>
+              </a:rPr>
+            </a:br>
+            <a:endParaRPr lang="en-US" dirty="0"/>
+          </a:p>
+        </p:txBody>
+      </p:sp>
+      <p:sp>
+        <p:nvSpPr>
+          <p:cNvPr id="3" name="Content Placeholder 2">
+            <a:extLst>
+              <a:ext uri="{FF2B5EF4-FFF2-40B4-BE49-F238E27FC236}">
+                <a16:creationId xmlns:a16="http://schemas.microsoft.com/office/drawing/2014/main" id="{037AD4FD-B542-4026-3EF3-A17777010966}"/>
+              </a:ext>
+            </a:extLst>
+          </p:cNvPr>
+          <p:cNvSpPr>
+            <a:spLocks noGrp="1"/>
+          </p:cNvSpPr>
+          <p:nvPr>
+            <p:ph idx="1"/>
+          </p:nvPr>
+        </p:nvSpPr>
+        <p:spPr/>
+        <p:txBody>
+          <a:bodyPr>
+            <a:normAutofit/>
+          </a:bodyPr>
+          <a:lstStyle/>
+          <a:p>
+            <a:pPr marL="0" marR="0" lvl="0" indent="0" algn="l" defTabSz="457200" rtl="0" eaLnBrk="1" fontAlgn="auto" latinLnBrk="0" hangingPunct="1">
+              <a:lnSpc>
+                <a:spcPct val="100000"/>
+              </a:lnSpc>
+              <a:spcBef>
+                <a:spcPts val="1000"/>
+              </a:spcBef>
+              <a:spcAft>
+                <a:spcPts val="0"/>
+              </a:spcAft>
+              <a:buClr>
+                <a:srgbClr val="90C226"/>
+              </a:buClr>
+              <a:buSzPct val="80000"/>
+              <a:buFont typeface="Wingdings 3" charset="2"/>
+              <a:buNone/>
+              <a:tabLst/>
+              <a:defRPr/>
+            </a:pPr>
+            <a:r>
+              <a:rPr kumimoji="0" lang="en-US" sz="2400" b="0" i="0" u="none" strike="noStrike" kern="1200" cap="none" spc="0" normalizeH="0" baseline="0" noProof="0" dirty="0">
+                <a:ln>
+                  <a:noFill/>
+                </a:ln>
+                <a:solidFill>
+                  <a:prstClr val="black"/>
+                </a:solidFill>
+                <a:effectLst/>
+                <a:uLnTx/>
+                <a:uFillTx/>
+                <a:latin typeface="Trebuchet MS" panose="020B0603020202020204"/>
+                <a:ea typeface="+mn-ea"/>
+                <a:cs typeface="+mn-cs"/>
+              </a:rPr>
+              <a:t>samples/balls_classes/ball_table_2d.py</a:t>
+            </a:r>
+          </a:p>
+          <a:p>
+            <a:pPr>
+              <a:buClr>
+                <a:srgbClr val="90C226"/>
+              </a:buClr>
+              <a:defRPr/>
+            </a:pPr>
+            <a:r>
+              <a:rPr lang="en-US" sz="3600" dirty="0">
+                <a:solidFill>
+                  <a:schemeClr val="accent1"/>
+                </a:solidFill>
+              </a:rPr>
+              <a:t>Size / Dimensions, Color</a:t>
+            </a:r>
+          </a:p>
+          <a:p>
+            <a:pPr>
+              <a:buClr>
+                <a:srgbClr val="90C226"/>
+              </a:buClr>
+              <a:defRPr/>
+            </a:pPr>
+            <a:r>
+              <a:rPr lang="en-US" sz="3600" dirty="0">
+                <a:solidFill>
+                  <a:schemeClr val="accent1"/>
+                </a:solidFill>
+              </a:rPr>
+              <a:t>Balls</a:t>
+            </a:r>
+          </a:p>
+          <a:p>
+            <a:pPr>
+              <a:buClr>
+                <a:srgbClr val="90C226"/>
+              </a:buClr>
+              <a:defRPr/>
+            </a:pPr>
+            <a:r>
+              <a:rPr lang="en-US" sz="3600" dirty="0">
+                <a:solidFill>
+                  <a:schemeClr val="accent1"/>
+                </a:solidFill>
+              </a:rPr>
+              <a:t>Collisions</a:t>
+            </a:r>
+          </a:p>
+          <a:p>
+            <a:pPr>
+              <a:buClr>
+                <a:srgbClr val="90C226"/>
+              </a:buClr>
+              <a:defRPr/>
+            </a:pPr>
+            <a:endParaRPr lang="en-US" sz="3600" dirty="0">
+              <a:solidFill>
+                <a:schemeClr val="accent1"/>
+              </a:solidFill>
+            </a:endParaRPr>
+          </a:p>
+        </p:txBody>
+      </p:sp>
+      <p:sp>
+        <p:nvSpPr>
+          <p:cNvPr id="4" name="Date Placeholder 3">
+            <a:extLst>
+              <a:ext uri="{FF2B5EF4-FFF2-40B4-BE49-F238E27FC236}">
+                <a16:creationId xmlns:a16="http://schemas.microsoft.com/office/drawing/2014/main" id="{C9EA9901-9D5F-46C3-34EE-950451096C34}"/>
+              </a:ext>
+            </a:extLst>
+          </p:cNvPr>
+          <p:cNvSpPr>
+            <a:spLocks noGrp="1"/>
+          </p:cNvSpPr>
+          <p:nvPr>
+            <p:ph type="dt" sz="half" idx="10"/>
+          </p:nvPr>
+        </p:nvSpPr>
+        <p:spPr/>
+        <p:txBody>
+          <a:bodyPr/>
+          <a:lstStyle/>
+          <a:p>
+            <a:fld id="{A7119916-CD40-456D-ABE3-55F8822671F7}" type="datetime1">
+              <a:rPr lang="en-US" smtClean="0"/>
+              <a:t>8/9/2022</a:t>
+            </a:fld>
+            <a:endParaRPr lang="en-US" dirty="0"/>
+          </a:p>
+        </p:txBody>
+      </p:sp>
+      <p:sp>
+        <p:nvSpPr>
+          <p:cNvPr id="5" name="Footer Placeholder 4">
+            <a:extLst>
+              <a:ext uri="{FF2B5EF4-FFF2-40B4-BE49-F238E27FC236}">
+                <a16:creationId xmlns:a16="http://schemas.microsoft.com/office/drawing/2014/main" id="{E7A9FEB7-305E-3013-E224-659DEBFCE3A7}"/>
+              </a:ext>
+            </a:extLst>
+          </p:cNvPr>
+          <p:cNvSpPr>
+            <a:spLocks noGrp="1"/>
+          </p:cNvSpPr>
+          <p:nvPr>
+            <p:ph type="ftr" sz="quarter" idx="11"/>
+          </p:nvPr>
+        </p:nvSpPr>
+        <p:spPr/>
+        <p:txBody>
+          <a:bodyPr/>
+          <a:lstStyle/>
+          <a:p>
+            <a:r>
+              <a:rPr lang="en-US"/>
+              <a:t>raysmith@alum.mit.edu</a:t>
+            </a:r>
+            <a:endParaRPr lang="en-US" dirty="0"/>
+          </a:p>
+        </p:txBody>
+      </p:sp>
+      <p:sp>
+        <p:nvSpPr>
+          <p:cNvPr id="6" name="Slide Number Placeholder 5">
+            <a:extLst>
+              <a:ext uri="{FF2B5EF4-FFF2-40B4-BE49-F238E27FC236}">
+                <a16:creationId xmlns:a16="http://schemas.microsoft.com/office/drawing/2014/main" id="{2F642067-7C6B-8DD4-D91E-DD33A81DC2A1}"/>
+              </a:ext>
+            </a:extLst>
+          </p:cNvPr>
+          <p:cNvSpPr>
+            <a:spLocks noGrp="1"/>
+          </p:cNvSpPr>
+          <p:nvPr>
+            <p:ph type="sldNum" sz="quarter" idx="12"/>
+          </p:nvPr>
+        </p:nvSpPr>
+        <p:spPr/>
+        <p:txBody>
+          <a:bodyPr/>
+          <a:lstStyle/>
+          <a:p>
+            <a:fld id="{6D22F896-40B5-4ADD-8801-0D06FADFA095}" type="slidenum">
+              <a:rPr lang="en-US" smtClean="0"/>
+              <a:t>25</a:t>
+            </a:fld>
+            <a:endParaRPr lang="en-US" dirty="0"/>
+          </a:p>
+        </p:txBody>
+      </p:sp>
+    </p:spTree>
+    <p:extLst>
+      <p:ext uri="{BB962C8B-B14F-4D97-AF65-F5344CB8AC3E}">
+        <p14:creationId xmlns:p14="http://schemas.microsoft.com/office/powerpoint/2010/main" val="1562574882"/>
+      </p:ext>
+    </p:extLst>
+  </p:cSld>
+  <p:clrMapOvr>
+    <a:masterClrMapping/>
+  </p:clrMapOvr>
+</p:sld>
+</file>
+
+<file path=ppt/slides/slide26.xml><?xml version="1.0" encoding="utf-8"?>
+<p:sld xmlns:a="http://schemas.openxmlformats.org/drawingml/2006/main" xmlns:r="http://schemas.openxmlformats.org/officeDocument/2006/relationships" xmlns:p="http://schemas.openxmlformats.org/presentationml/2006/main">
+  <p:cSld>
+    <p:spTree>
+      <p:nvGrpSpPr>
+        <p:cNvPr id="1" name=""/>
+        <p:cNvGrpSpPr/>
+        <p:nvPr/>
+      </p:nvGrpSpPr>
+      <p:grpSpPr>
+        <a:xfrm>
+          <a:off x="0" y="0"/>
+          <a:ext cx="0" cy="0"/>
+          <a:chOff x="0" y="0"/>
+          <a:chExt cx="0" cy="0"/>
+        </a:xfrm>
+      </p:grpSpPr>
+      <p:sp>
+        <p:nvSpPr>
+          <p:cNvPr id="2" name="Title 1">
+            <a:extLst>
+              <a:ext uri="{FF2B5EF4-FFF2-40B4-BE49-F238E27FC236}">
+                <a16:creationId xmlns:a16="http://schemas.microsoft.com/office/drawing/2014/main" id="{60089BD4-EC35-E612-A02D-306F6B4179B3}"/>
+              </a:ext>
+            </a:extLst>
+          </p:cNvPr>
+          <p:cNvSpPr>
+            <a:spLocks noGrp="1"/>
+          </p:cNvSpPr>
+          <p:nvPr>
+            <p:ph type="title"/>
+          </p:nvPr>
+        </p:nvSpPr>
+        <p:spPr/>
+        <p:txBody>
+          <a:bodyPr/>
+          <a:lstStyle/>
+          <a:p>
+            <a:r>
+              <a:rPr lang="en-US" dirty="0"/>
+              <a:t>Classes – More Examples</a:t>
+            </a:r>
+          </a:p>
+        </p:txBody>
+      </p:sp>
+      <p:sp>
+        <p:nvSpPr>
+          <p:cNvPr id="3" name="Content Placeholder 2">
+            <a:extLst>
+              <a:ext uri="{FF2B5EF4-FFF2-40B4-BE49-F238E27FC236}">
+                <a16:creationId xmlns:a16="http://schemas.microsoft.com/office/drawing/2014/main" id="{8E5DD8F2-83AD-BBA2-F5BA-9A4B5C3F9A14}"/>
+              </a:ext>
+            </a:extLst>
+          </p:cNvPr>
+          <p:cNvSpPr>
+            <a:spLocks noGrp="1"/>
+          </p:cNvSpPr>
+          <p:nvPr>
+            <p:ph idx="1"/>
+          </p:nvPr>
+        </p:nvSpPr>
+        <p:spPr/>
+        <p:txBody>
+          <a:bodyPr>
+            <a:normAutofit/>
+          </a:bodyPr>
+          <a:lstStyle/>
+          <a:p>
+            <a:r>
+              <a:rPr lang="en-US" sz="2800" dirty="0"/>
+              <a:t>samples/firework.py, firework_group.py</a:t>
+            </a:r>
+          </a:p>
+        </p:txBody>
+      </p:sp>
+      <p:sp>
+        <p:nvSpPr>
+          <p:cNvPr id="4" name="Date Placeholder 3">
+            <a:extLst>
+              <a:ext uri="{FF2B5EF4-FFF2-40B4-BE49-F238E27FC236}">
+                <a16:creationId xmlns:a16="http://schemas.microsoft.com/office/drawing/2014/main" id="{387EB4C4-2EA3-3300-8D6D-24D887528753}"/>
+              </a:ext>
+            </a:extLst>
+          </p:cNvPr>
+          <p:cNvSpPr>
+            <a:spLocks noGrp="1"/>
+          </p:cNvSpPr>
+          <p:nvPr>
+            <p:ph type="dt" sz="half" idx="10"/>
+          </p:nvPr>
+        </p:nvSpPr>
+        <p:spPr/>
+        <p:txBody>
+          <a:bodyPr/>
+          <a:lstStyle/>
+          <a:p>
+            <a:fld id="{A7119916-CD40-456D-ABE3-55F8822671F7}" type="datetime1">
+              <a:rPr lang="en-US" smtClean="0"/>
+              <a:t>8/9/2022</a:t>
+            </a:fld>
+            <a:endParaRPr lang="en-US" dirty="0"/>
+          </a:p>
+        </p:txBody>
+      </p:sp>
+      <p:sp>
+        <p:nvSpPr>
+          <p:cNvPr id="5" name="Footer Placeholder 4">
+            <a:extLst>
+              <a:ext uri="{FF2B5EF4-FFF2-40B4-BE49-F238E27FC236}">
+                <a16:creationId xmlns:a16="http://schemas.microsoft.com/office/drawing/2014/main" id="{AB986DD6-8BA7-4FAB-6494-C427ED85728D}"/>
+              </a:ext>
+            </a:extLst>
+          </p:cNvPr>
+          <p:cNvSpPr>
+            <a:spLocks noGrp="1"/>
+          </p:cNvSpPr>
+          <p:nvPr>
+            <p:ph type="ftr" sz="quarter" idx="11"/>
+          </p:nvPr>
+        </p:nvSpPr>
+        <p:spPr/>
+        <p:txBody>
+          <a:bodyPr/>
+          <a:lstStyle/>
+          <a:p>
+            <a:r>
+              <a:rPr lang="en-US"/>
+              <a:t>raysmith@alum.mit.edu</a:t>
+            </a:r>
+            <a:endParaRPr lang="en-US" dirty="0"/>
+          </a:p>
+        </p:txBody>
+      </p:sp>
+      <p:sp>
+        <p:nvSpPr>
+          <p:cNvPr id="6" name="Slide Number Placeholder 5">
+            <a:extLst>
+              <a:ext uri="{FF2B5EF4-FFF2-40B4-BE49-F238E27FC236}">
+                <a16:creationId xmlns:a16="http://schemas.microsoft.com/office/drawing/2014/main" id="{A41D2C9E-91D5-3E90-9AC8-712B0AC761C0}"/>
+              </a:ext>
+            </a:extLst>
+          </p:cNvPr>
+          <p:cNvSpPr>
+            <a:spLocks noGrp="1"/>
+          </p:cNvSpPr>
+          <p:nvPr>
+            <p:ph type="sldNum" sz="quarter" idx="12"/>
+          </p:nvPr>
+        </p:nvSpPr>
+        <p:spPr/>
+        <p:txBody>
+          <a:bodyPr/>
+          <a:lstStyle/>
+          <a:p>
+            <a:fld id="{6D22F896-40B5-4ADD-8801-0D06FADFA095}" type="slidenum">
+              <a:rPr lang="en-US" smtClean="0"/>
+              <a:t>26</a:t>
+            </a:fld>
+            <a:endParaRPr lang="en-US" dirty="0"/>
+          </a:p>
+        </p:txBody>
+      </p:sp>
+    </p:spTree>
+    <p:extLst>
+      <p:ext uri="{BB962C8B-B14F-4D97-AF65-F5344CB8AC3E}">
+        <p14:creationId xmlns:p14="http://schemas.microsoft.com/office/powerpoint/2010/main" val="2052418084"/>
+      </p:ext>
+    </p:extLst>
+  </p:cSld>
+  <p:clrMapOvr>
+    <a:masterClrMapping/>
+  </p:clrMapOvr>
+</p:sld>
+</file>
+
+<file path=ppt/slides/slide27.xml><?xml version="1.0" encoding="utf-8"?>
+<p:sld xmlns:a="http://schemas.openxmlformats.org/drawingml/2006/main" xmlns:r="http://schemas.openxmlformats.org/officeDocument/2006/relationships" xmlns:p="http://schemas.openxmlformats.org/presentationml/2006/main">
+  <p:cSld>
+    <p:spTree>
+      <p:nvGrpSpPr>
+        <p:cNvPr id="1" name=""/>
+        <p:cNvGrpSpPr/>
+        <p:nvPr/>
+      </p:nvGrpSpPr>
+      <p:grpSpPr>
+        <a:xfrm>
+          <a:off x="0" y="0"/>
+          <a:ext cx="0" cy="0"/>
+          <a:chOff x="0" y="0"/>
+          <a:chExt cx="0" cy="0"/>
+        </a:xfrm>
+      </p:grpSpPr>
+      <p:sp>
+        <p:nvSpPr>
+          <p:cNvPr id="2" name="Title 1">
+            <a:extLst>
+              <a:ext uri="{FF2B5EF4-FFF2-40B4-BE49-F238E27FC236}">
+                <a16:creationId xmlns:a16="http://schemas.microsoft.com/office/drawing/2014/main" id="{29BC321A-1F45-6944-6838-693382115A3D}"/>
+              </a:ext>
+            </a:extLst>
+          </p:cNvPr>
+          <p:cNvSpPr>
+            <a:spLocks noGrp="1"/>
+          </p:cNvSpPr>
+          <p:nvPr>
+            <p:ph type="title"/>
+          </p:nvPr>
+        </p:nvSpPr>
+        <p:spPr/>
+        <p:txBody>
+          <a:bodyPr/>
+          <a:lstStyle/>
+          <a:p>
+            <a:r>
+              <a:rPr lang="en-US" dirty="0"/>
+              <a:t>Classes – Based on Classes</a:t>
+            </a:r>
+          </a:p>
+        </p:txBody>
+      </p:sp>
+      <p:sp>
+        <p:nvSpPr>
+          <p:cNvPr id="3" name="Content Placeholder 2">
+            <a:extLst>
+              <a:ext uri="{FF2B5EF4-FFF2-40B4-BE49-F238E27FC236}">
+                <a16:creationId xmlns:a16="http://schemas.microsoft.com/office/drawing/2014/main" id="{A18A244E-7A74-3ECA-F2F8-361498B1030C}"/>
+              </a:ext>
+            </a:extLst>
+          </p:cNvPr>
+          <p:cNvSpPr>
+            <a:spLocks noGrp="1"/>
+          </p:cNvSpPr>
+          <p:nvPr>
+            <p:ph idx="1"/>
+          </p:nvPr>
+        </p:nvSpPr>
+        <p:spPr/>
+        <p:txBody>
+          <a:bodyPr/>
+          <a:lstStyle/>
+          <a:p>
+            <a:pPr marL="0" indent="0">
+              <a:buNone/>
+            </a:pPr>
+            <a:r>
+              <a:rPr lang="en-US" sz="2800" dirty="0"/>
+              <a:t>rectangles/</a:t>
+            </a:r>
+          </a:p>
+          <a:p>
+            <a:pPr marL="457200" lvl="1" indent="0">
+              <a:buNone/>
+            </a:pPr>
+            <a:r>
+              <a:rPr lang="en-US" sz="2800" dirty="0"/>
+              <a:t>rectangle_simp.py, square_simp.py</a:t>
+            </a:r>
+          </a:p>
+          <a:p>
+            <a:pPr marL="457200" lvl="1" indent="0">
+              <a:buNone/>
+            </a:pPr>
+            <a:r>
+              <a:rPr lang="en-US" sz="2800" dirty="0"/>
+              <a:t>rectangle.py, square.py</a:t>
+            </a:r>
+          </a:p>
+          <a:p>
+            <a:endParaRPr lang="en-US" dirty="0"/>
+          </a:p>
+        </p:txBody>
+      </p:sp>
+      <p:sp>
+        <p:nvSpPr>
+          <p:cNvPr id="4" name="Date Placeholder 3">
+            <a:extLst>
+              <a:ext uri="{FF2B5EF4-FFF2-40B4-BE49-F238E27FC236}">
+                <a16:creationId xmlns:a16="http://schemas.microsoft.com/office/drawing/2014/main" id="{22C993E4-7CFE-FE95-71C8-56C038ECA672}"/>
+              </a:ext>
+            </a:extLst>
+          </p:cNvPr>
+          <p:cNvSpPr>
+            <a:spLocks noGrp="1"/>
+          </p:cNvSpPr>
+          <p:nvPr>
+            <p:ph type="dt" sz="half" idx="10"/>
+          </p:nvPr>
+        </p:nvSpPr>
+        <p:spPr/>
+        <p:txBody>
+          <a:bodyPr/>
+          <a:lstStyle/>
+          <a:p>
+            <a:fld id="{A7119916-CD40-456D-ABE3-55F8822671F7}" type="datetime1">
+              <a:rPr lang="en-US" smtClean="0"/>
+              <a:t>8/9/2022</a:t>
+            </a:fld>
+            <a:endParaRPr lang="en-US" dirty="0"/>
+          </a:p>
+        </p:txBody>
+      </p:sp>
+      <p:sp>
+        <p:nvSpPr>
+          <p:cNvPr id="5" name="Footer Placeholder 4">
+            <a:extLst>
+              <a:ext uri="{FF2B5EF4-FFF2-40B4-BE49-F238E27FC236}">
+                <a16:creationId xmlns:a16="http://schemas.microsoft.com/office/drawing/2014/main" id="{0F7086EB-A614-0F42-8A50-1080D7A444E8}"/>
+              </a:ext>
+            </a:extLst>
+          </p:cNvPr>
+          <p:cNvSpPr>
+            <a:spLocks noGrp="1"/>
+          </p:cNvSpPr>
+          <p:nvPr>
+            <p:ph type="ftr" sz="quarter" idx="11"/>
+          </p:nvPr>
+        </p:nvSpPr>
+        <p:spPr/>
+        <p:txBody>
+          <a:bodyPr/>
+          <a:lstStyle/>
+          <a:p>
+            <a:r>
+              <a:rPr lang="en-US"/>
+              <a:t>raysmith@alum.mit.edu</a:t>
+            </a:r>
+            <a:endParaRPr lang="en-US" dirty="0"/>
+          </a:p>
+        </p:txBody>
+      </p:sp>
+      <p:sp>
+        <p:nvSpPr>
+          <p:cNvPr id="6" name="Slide Number Placeholder 5">
+            <a:extLst>
+              <a:ext uri="{FF2B5EF4-FFF2-40B4-BE49-F238E27FC236}">
+                <a16:creationId xmlns:a16="http://schemas.microsoft.com/office/drawing/2014/main" id="{5D5AA899-4D09-CC28-228E-DE139824F6D0}"/>
+              </a:ext>
+            </a:extLst>
+          </p:cNvPr>
+          <p:cNvSpPr>
+            <a:spLocks noGrp="1"/>
+          </p:cNvSpPr>
+          <p:nvPr>
+            <p:ph type="sldNum" sz="quarter" idx="12"/>
+          </p:nvPr>
+        </p:nvSpPr>
+        <p:spPr/>
+        <p:txBody>
+          <a:bodyPr/>
+          <a:lstStyle/>
+          <a:p>
+            <a:fld id="{6D22F896-40B5-4ADD-8801-0D06FADFA095}" type="slidenum">
+              <a:rPr lang="en-US" smtClean="0"/>
+              <a:t>27</a:t>
+            </a:fld>
+            <a:endParaRPr lang="en-US" dirty="0"/>
+          </a:p>
+        </p:txBody>
+      </p:sp>
+    </p:spTree>
+    <p:extLst>
+      <p:ext uri="{BB962C8B-B14F-4D97-AF65-F5344CB8AC3E}">
+        <p14:creationId xmlns:p14="http://schemas.microsoft.com/office/powerpoint/2010/main" val="4264530350"/>
+      </p:ext>
+    </p:extLst>
+  </p:cSld>
+  <p:clrMapOvr>
+    <a:masterClrMapping/>
+  </p:clrMapOvr>
+</p:sld>
+</file>
+
+<file path=ppt/slides/slide28.xml><?xml version="1.0" encoding="utf-8"?>
+<p:sld xmlns:a="http://schemas.openxmlformats.org/drawingml/2006/main" xmlns:r="http://schemas.openxmlformats.org/officeDocument/2006/relationships" xmlns:p="http://schemas.openxmlformats.org/presentationml/2006/main">
+  <p:cSld>
+    <p:spTree>
+      <p:nvGrpSpPr>
+        <p:cNvPr id="1" name=""/>
+        <p:cNvGrpSpPr/>
+        <p:nvPr/>
+      </p:nvGrpSpPr>
+      <p:grpSpPr>
+        <a:xfrm>
+          <a:off x="0" y="0"/>
+          <a:ext cx="0" cy="0"/>
+          <a:chOff x="0" y="0"/>
+          <a:chExt cx="0" cy="0"/>
+        </a:xfrm>
+      </p:grpSpPr>
+      <p:sp>
+        <p:nvSpPr>
+          <p:cNvPr id="2" name="Title 1">
+            <a:extLst>
+              <a:ext uri="{FF2B5EF4-FFF2-40B4-BE49-F238E27FC236}">
+                <a16:creationId xmlns:a16="http://schemas.microsoft.com/office/drawing/2014/main" id="{DA5CD210-BB05-0F04-5EB7-FF05E386A4A7}"/>
+              </a:ext>
+            </a:extLst>
+          </p:cNvPr>
+          <p:cNvSpPr>
+            <a:spLocks noGrp="1"/>
+          </p:cNvSpPr>
+          <p:nvPr>
+            <p:ph type="title"/>
+          </p:nvPr>
+        </p:nvSpPr>
+        <p:spPr/>
+        <p:txBody>
+          <a:bodyPr/>
+          <a:lstStyle/>
+          <a:p>
+            <a:r>
+              <a:rPr lang="en-US" dirty="0"/>
+              <a:t>Review Samples</a:t>
+            </a:r>
+          </a:p>
+        </p:txBody>
+      </p:sp>
+      <p:sp>
+        <p:nvSpPr>
+          <p:cNvPr id="3" name="Content Placeholder 2">
+            <a:extLst>
+              <a:ext uri="{FF2B5EF4-FFF2-40B4-BE49-F238E27FC236}">
+                <a16:creationId xmlns:a16="http://schemas.microsoft.com/office/drawing/2014/main" id="{A63EBAD4-E5F0-A12A-3F1B-C22A4D0C2275}"/>
+              </a:ext>
+            </a:extLst>
+          </p:cNvPr>
+          <p:cNvSpPr>
+            <a:spLocks noGrp="1"/>
+          </p:cNvSpPr>
+          <p:nvPr>
+            <p:ph idx="1"/>
+          </p:nvPr>
+        </p:nvSpPr>
+        <p:spPr/>
+        <p:txBody>
+          <a:bodyPr/>
+          <a:lstStyle/>
+          <a:p>
+            <a:pPr marL="342900" marR="0" lvl="0" indent="-342900" algn="l" defTabSz="457200" rtl="0" eaLnBrk="1" fontAlgn="auto" latinLnBrk="0" hangingPunct="1">
+              <a:lnSpc>
+                <a:spcPct val="100000"/>
+              </a:lnSpc>
+              <a:spcBef>
+                <a:spcPts val="1000"/>
+              </a:spcBef>
+              <a:spcAft>
+                <a:spcPts val="0"/>
+              </a:spcAft>
+              <a:buClr>
+                <a:srgbClr val="90C226"/>
+              </a:buClr>
+              <a:buSzPct val="80000"/>
+              <a:buFont typeface="Wingdings 3" charset="2"/>
+              <a:buChar char=""/>
+              <a:tabLst/>
+              <a:defRPr/>
+            </a:pPr>
+            <a:r>
+              <a:rPr kumimoji="0" lang="en-US" sz="4400" b="0" i="0" u="none" strike="noStrike" kern="1200" cap="none" spc="0" normalizeH="0" baseline="0" noProof="0" dirty="0">
+                <a:ln>
+                  <a:noFill/>
+                </a:ln>
+                <a:solidFill>
+                  <a:prstClr val="black">
+                    <a:lumMod val="75000"/>
+                    <a:lumOff val="25000"/>
+                  </a:prstClr>
+                </a:solidFill>
+                <a:effectLst/>
+                <a:uLnTx/>
+                <a:uFillTx/>
+                <a:latin typeface="Trebuchet MS" panose="020B0603020202020204"/>
+                <a:ea typeface="+mn-ea"/>
+                <a:cs typeface="+mn-cs"/>
+              </a:rPr>
+              <a:t>square_lattice.py</a:t>
+            </a:r>
+          </a:p>
+          <a:p>
+            <a:pPr marL="342900" marR="0" lvl="0" indent="-342900" algn="l" defTabSz="457200" rtl="0" eaLnBrk="1" fontAlgn="auto" latinLnBrk="0" hangingPunct="1">
+              <a:lnSpc>
+                <a:spcPct val="100000"/>
+              </a:lnSpc>
+              <a:spcBef>
+                <a:spcPts val="1000"/>
+              </a:spcBef>
+              <a:spcAft>
+                <a:spcPts val="0"/>
+              </a:spcAft>
+              <a:buClr>
+                <a:srgbClr val="90C226"/>
+              </a:buClr>
+              <a:buSzPct val="80000"/>
+              <a:buFont typeface="Wingdings 3" charset="2"/>
+              <a:buChar char=""/>
+              <a:tabLst/>
+              <a:defRPr/>
+            </a:pPr>
+            <a:r>
+              <a:rPr kumimoji="0" lang="en-US" sz="4400" b="0" i="0" u="none" strike="noStrike" kern="1200" cap="none" spc="0" normalizeH="0" baseline="0" noProof="0" dirty="0">
+                <a:ln>
+                  <a:noFill/>
+                </a:ln>
+                <a:solidFill>
+                  <a:prstClr val="black">
+                    <a:lumMod val="75000"/>
+                    <a:lumOff val="25000"/>
+                  </a:prstClr>
+                </a:solidFill>
+                <a:effectLst/>
+                <a:uLnTx/>
+                <a:uFillTx/>
+                <a:latin typeface="Trebuchet MS" panose="020B0603020202020204"/>
+                <a:ea typeface="+mn-ea"/>
+                <a:cs typeface="+mn-cs"/>
+              </a:rPr>
+              <a:t>square_lattice_varied.py</a:t>
+            </a:r>
+          </a:p>
+          <a:p>
+            <a:endParaRPr lang="en-US" dirty="0"/>
+          </a:p>
+        </p:txBody>
+      </p:sp>
+      <p:sp>
+        <p:nvSpPr>
+          <p:cNvPr id="4" name="Date Placeholder 3">
+            <a:extLst>
+              <a:ext uri="{FF2B5EF4-FFF2-40B4-BE49-F238E27FC236}">
+                <a16:creationId xmlns:a16="http://schemas.microsoft.com/office/drawing/2014/main" id="{C9B520DC-6842-EFD0-A4AC-061088EBE92B}"/>
+              </a:ext>
+            </a:extLst>
+          </p:cNvPr>
+          <p:cNvSpPr>
+            <a:spLocks noGrp="1"/>
+          </p:cNvSpPr>
+          <p:nvPr>
+            <p:ph type="dt" sz="half" idx="10"/>
+          </p:nvPr>
+        </p:nvSpPr>
+        <p:spPr/>
+        <p:txBody>
+          <a:bodyPr/>
+          <a:lstStyle/>
+          <a:p>
+            <a:fld id="{A7119916-CD40-456D-ABE3-55F8822671F7}" type="datetime1">
+              <a:rPr lang="en-US" smtClean="0"/>
+              <a:t>8/9/2022</a:t>
+            </a:fld>
+            <a:endParaRPr lang="en-US" dirty="0"/>
+          </a:p>
+        </p:txBody>
+      </p:sp>
+      <p:sp>
+        <p:nvSpPr>
+          <p:cNvPr id="5" name="Footer Placeholder 4">
+            <a:extLst>
+              <a:ext uri="{FF2B5EF4-FFF2-40B4-BE49-F238E27FC236}">
+                <a16:creationId xmlns:a16="http://schemas.microsoft.com/office/drawing/2014/main" id="{9114569C-0621-D55B-A0BF-4C487D3CAC0B}"/>
+              </a:ext>
+            </a:extLst>
+          </p:cNvPr>
+          <p:cNvSpPr>
+            <a:spLocks noGrp="1"/>
+          </p:cNvSpPr>
+          <p:nvPr>
+            <p:ph type="ftr" sz="quarter" idx="11"/>
+          </p:nvPr>
+        </p:nvSpPr>
+        <p:spPr/>
+        <p:txBody>
+          <a:bodyPr/>
+          <a:lstStyle/>
+          <a:p>
+            <a:r>
+              <a:rPr lang="en-US"/>
+              <a:t>raysmith@alum.mit.edu</a:t>
+            </a:r>
+            <a:endParaRPr lang="en-US" dirty="0"/>
+          </a:p>
+        </p:txBody>
+      </p:sp>
+      <p:sp>
+        <p:nvSpPr>
+          <p:cNvPr id="6" name="Slide Number Placeholder 5">
+            <a:extLst>
+              <a:ext uri="{FF2B5EF4-FFF2-40B4-BE49-F238E27FC236}">
+                <a16:creationId xmlns:a16="http://schemas.microsoft.com/office/drawing/2014/main" id="{71BF3181-D816-5DB7-EE6E-05DDD4CBC6CF}"/>
+              </a:ext>
+            </a:extLst>
+          </p:cNvPr>
+          <p:cNvSpPr>
+            <a:spLocks noGrp="1"/>
+          </p:cNvSpPr>
+          <p:nvPr>
+            <p:ph type="sldNum" sz="quarter" idx="12"/>
+          </p:nvPr>
+        </p:nvSpPr>
+        <p:spPr/>
+        <p:txBody>
+          <a:bodyPr/>
+          <a:lstStyle/>
+          <a:p>
+            <a:fld id="{6D22F896-40B5-4ADD-8801-0D06FADFA095}" type="slidenum">
+              <a:rPr lang="en-US" smtClean="0"/>
+              <a:t>28</a:t>
+            </a:fld>
+            <a:endParaRPr lang="en-US" dirty="0"/>
+          </a:p>
+        </p:txBody>
+      </p:sp>
+    </p:spTree>
+    <p:extLst>
+      <p:ext uri="{BB962C8B-B14F-4D97-AF65-F5344CB8AC3E}">
+        <p14:creationId xmlns:p14="http://schemas.microsoft.com/office/powerpoint/2010/main" val="2133147255"/>
+      </p:ext>
+    </p:extLst>
+  </p:cSld>
+  <p:clrMapOvr>
+    <a:masterClrMapping/>
+  </p:clrMapOvr>
+</p:sld>
+</file>
+
+<file path=ppt/slides/slide29.xml><?xml version="1.0" encoding="utf-8"?>
+<p:sld xmlns:a="http://schemas.openxmlformats.org/drawingml/2006/main" xmlns:r="http://schemas.openxmlformats.org/officeDocument/2006/relationships" xmlns:p="http://schemas.openxmlformats.org/presentationml/2006/main">
+  <p:cSld>
+    <p:spTree>
+      <p:nvGrpSpPr>
+        <p:cNvPr id="1" name=""/>
+        <p:cNvGrpSpPr/>
+        <p:nvPr/>
+      </p:nvGrpSpPr>
+      <p:grpSpPr>
+        <a:xfrm>
+          <a:off x="0" y="0"/>
+          <a:ext cx="0" cy="0"/>
+          <a:chOff x="0" y="0"/>
+          <a:chExt cx="0" cy="0"/>
+        </a:xfrm>
+      </p:grpSpPr>
+      <p:sp>
+        <p:nvSpPr>
+          <p:cNvPr id="2" name="Title 1">
+            <a:extLst>
+              <a:ext uri="{FF2B5EF4-FFF2-40B4-BE49-F238E27FC236}">
                 <a16:creationId xmlns:a16="http://schemas.microsoft.com/office/drawing/2014/main" id="{F7E90694-AA7F-451B-A875-1D23D1FDBA32}"/>
               </a:ext>
             </a:extLst>
@@ -19216,7 +19755,7 @@
           <a:p>
             <a:fld id="{A7119916-CD40-456D-ABE3-55F8822671F7}" type="datetime1">
               <a:rPr lang="en-US" smtClean="0"/>
-              <a:t>7/13/2022</a:t>
+              <a:t>8/9/2022</a:t>
             </a:fld>
             <a:endParaRPr lang="en-US" dirty="0"/>
           </a:p>
@@ -19273,7 +19812,7 @@
           <a:p>
             <a:fld id="{6D22F896-40B5-4ADD-8801-0D06FADFA095}" type="slidenum">
               <a:rPr lang="en-US" smtClean="0"/>
-              <a:t>23</a:t>
+              <a:t>29</a:t>
             </a:fld>
             <a:endParaRPr lang="en-US" dirty="0"/>
           </a:p>
@@ -19368,62 +19907,42 @@
           </a:bodyPr>
           <a:lstStyle/>
           <a:p>
-            <a:pPr marL="0" indent="0">
-              <a:buNone/>
-            </a:pPr>
             <a:r>
               <a:rPr lang="en-US" sz="4000" dirty="0">
                 <a:solidFill>
                   <a:schemeClr val="accent1"/>
                 </a:solidFill>
               </a:rPr>
-              <a:t>Software Objects  </a:t>
-            </a:r>
-            <a:r>
-              <a:rPr lang="en-US" sz="4000" dirty="0">
-                <a:solidFill>
-                  <a:schemeClr val="accent1"/>
-                </a:solidFill>
-                <a:sym typeface="Wingdings" panose="05000000000000000000" pitchFamily="2" charset="2"/>
-              </a:rPr>
-              <a:t> World Objects</a:t>
-            </a:r>
-            <a:endParaRPr lang="en-US" sz="4000" dirty="0">
-              <a:solidFill>
-                <a:schemeClr val="accent1"/>
-              </a:solidFill>
-            </a:endParaRPr>
-          </a:p>
-          <a:p>
-            <a:r>
-              <a:rPr lang="en-US" sz="4000" dirty="0">
-                <a:solidFill>
-                  <a:schemeClr val="accent1"/>
-                </a:solidFill>
-              </a:rPr>
-              <a:t>Record</a:t>
-            </a:r>
-          </a:p>
-          <a:p>
-            <a:r>
-              <a:rPr lang="en-US" sz="4000" dirty="0">
-                <a:solidFill>
-                  <a:schemeClr val="accent1"/>
-                </a:solidFill>
-              </a:rPr>
-              <a:t>Model</a:t>
-            </a:r>
-          </a:p>
-          <a:p>
-            <a:r>
-              <a:rPr lang="en-US" sz="4000" dirty="0">
-                <a:solidFill>
-                  <a:schemeClr val="accent1"/>
-                </a:solidFill>
-              </a:rPr>
-              <a:t>Control</a:t>
+              <a:t>World is full of objects</a:t>
             </a:r>
             <a:endParaRPr lang="en-US" sz="4000" dirty="0"/>
+          </a:p>
+          <a:p>
+            <a:r>
+              <a:rPr lang="en-US" sz="4000" dirty="0"/>
+              <a:t>Objects can be:</a:t>
+            </a:r>
+          </a:p>
+          <a:p>
+            <a:pPr lvl="1"/>
+            <a:r>
+              <a:rPr lang="en-US" sz="4000" dirty="0"/>
+              <a:t>Held</a:t>
+            </a:r>
+          </a:p>
+          <a:p>
+            <a:pPr lvl="1"/>
+            <a:r>
+              <a:rPr lang="en-US" sz="4000" dirty="0"/>
+              <a:t>Used</a:t>
+            </a:r>
+          </a:p>
+          <a:p>
+            <a:pPr lvl="1"/>
+            <a:r>
+              <a:rPr lang="en-US" sz="4000" dirty="0"/>
+              <a:t>Moved</a:t>
+            </a:r>
           </a:p>
         </p:txBody>
       </p:sp>
@@ -19499,7 +20018,7 @@
                 <a:tabLst/>
                 <a:defRPr/>
               </a:pPr>
-              <a:t>7/13/2022</a:t>
+              <a:t>8/9/2022</a:t>
             </a:fld>
             <a:endParaRPr kumimoji="0" lang="en-US" sz="900" b="0" i="0" u="none" strike="noStrike" kern="1200" cap="none" spc="0" normalizeH="0" baseline="0" noProof="0" dirty="0">
               <a:ln>
@@ -19672,7 +20191,7 @@
     </p:spTree>
     <p:extLst>
       <p:ext uri="{BB962C8B-B14F-4D97-AF65-F5344CB8AC3E}">
-        <p14:creationId xmlns:p14="http://schemas.microsoft.com/office/powerpoint/2010/main" val="816906511"/>
+        <p14:creationId xmlns:p14="http://schemas.microsoft.com/office/powerpoint/2010/main" val="2678743778"/>
       </p:ext>
     </p:extLst>
   </p:cSld>
@@ -19758,50 +20277,62 @@
           </a:bodyPr>
           <a:lstStyle/>
           <a:p>
-            <a:r>
-              <a:rPr lang="en-US" sz="3600" dirty="0">
+            <a:pPr marL="0" indent="0">
+              <a:buNone/>
+            </a:pPr>
+            <a:r>
+              <a:rPr lang="en-US" sz="4000" dirty="0">
                 <a:solidFill>
                   <a:schemeClr val="accent1"/>
                 </a:solidFill>
               </a:rPr>
-              <a:t>Object Oriented</a:t>
-            </a:r>
-            <a:r>
-              <a:rPr lang="en-US" sz="3600" dirty="0"/>
-              <a:t> – Helps with objects</a:t>
-            </a:r>
-          </a:p>
-          <a:p>
-            <a:endParaRPr lang="en-US" sz="3600" dirty="0"/>
-          </a:p>
-          <a:p>
-            <a:r>
-              <a:rPr lang="en-US" sz="3600" b="1" dirty="0">
+              <a:t>Software Objects  </a:t>
+            </a:r>
+            <a:r>
+              <a:rPr lang="en-US" sz="4000" dirty="0">
                 <a:solidFill>
                   <a:schemeClr val="accent1"/>
                 </a:solidFill>
-              </a:rPr>
-              <a:t>Classes</a:t>
-            </a:r>
-            <a:r>
-              <a:rPr lang="en-US" sz="3600" dirty="0"/>
-              <a:t>: define object structure</a:t>
-            </a:r>
-            <a:endParaRPr lang="en-US" sz="3600" b="1" dirty="0"/>
-          </a:p>
-          <a:p>
-            <a:pPr lvl="1"/>
-            <a:r>
-              <a:rPr lang="en-US" sz="3400" dirty="0"/>
-              <a:t>Data – object's state</a:t>
-            </a:r>
-          </a:p>
-          <a:p>
-            <a:pPr lvl="1"/>
-            <a:r>
-              <a:rPr lang="en-US" sz="3400" dirty="0"/>
-              <a:t>Function – object's actions</a:t>
-            </a:r>
+                <a:sym typeface="Wingdings" panose="05000000000000000000" pitchFamily="2" charset="2"/>
+              </a:rPr>
+              <a:t> World Objects</a:t>
+            </a:r>
+            <a:endParaRPr lang="en-US" sz="4000" dirty="0">
+              <a:solidFill>
+                <a:schemeClr val="accent1"/>
+              </a:solidFill>
+            </a:endParaRPr>
+          </a:p>
+          <a:p>
+            <a:r>
+              <a:rPr lang="en-US" sz="4000" dirty="0">
+                <a:solidFill>
+                  <a:schemeClr val="accent1"/>
+                </a:solidFill>
+              </a:rPr>
+              <a:t>Record</a:t>
+            </a:r>
+          </a:p>
+          <a:p>
+            <a:r>
+              <a:rPr lang="en-US" sz="4000" dirty="0">
+                <a:solidFill>
+                  <a:schemeClr val="accent1"/>
+                </a:solidFill>
+              </a:rPr>
+              <a:t>Model</a:t>
+            </a:r>
+          </a:p>
+          <a:p>
+            <a:r>
+              <a:rPr lang="en-US" sz="4000" dirty="0">
+                <a:solidFill>
+                  <a:schemeClr val="accent1"/>
+                </a:solidFill>
+              </a:rPr>
+              <a:t>Control</a:t>
+            </a:r>
+            <a:endParaRPr lang="en-US" sz="4000" dirty="0"/>
           </a:p>
         </p:txBody>
       </p:sp>
@@ -19877,7 +20408,7 @@
                 <a:tabLst/>
                 <a:defRPr/>
               </a:pPr>
-              <a:t>7/13/2022</a:t>
+              <a:t>8/9/2022</a:t>
             </a:fld>
             <a:endParaRPr kumimoji="0" lang="en-US" sz="900" b="0" i="0" u="none" strike="noStrike" kern="1200" cap="none" spc="0" normalizeH="0" baseline="0" noProof="0" dirty="0">
               <a:ln>
@@ -20050,7 +20581,7 @@
     </p:spTree>
     <p:extLst>
       <p:ext uri="{BB962C8B-B14F-4D97-AF65-F5344CB8AC3E}">
-        <p14:creationId xmlns:p14="http://schemas.microsoft.com/office/powerpoint/2010/main" val="1860221950"/>
+        <p14:creationId xmlns:p14="http://schemas.microsoft.com/office/powerpoint/2010/main" val="816906511"/>
       </p:ext>
     </p:extLst>
   </p:cSld>
@@ -20082,7 +20613,7 @@
           <p:cNvPr id="2" name="Title 1">
             <a:extLst>
               <a:ext uri="{FF2B5EF4-FFF2-40B4-BE49-F238E27FC236}">
-                <a16:creationId xmlns:a16="http://schemas.microsoft.com/office/drawing/2014/main" id="{1DA1856C-C512-459F-3FA4-9410DDD40073}"/>
+                <a16:creationId xmlns:a16="http://schemas.microsoft.com/office/drawing/2014/main" id="{00C99C45-A655-40FD-BF53-F03EF1F5E416}"/>
               </a:ext>
             </a:extLst>
           </p:cNvPr>
@@ -20095,13 +20626,16 @@
         </p:nvSpPr>
         <p:spPr/>
         <p:txBody>
-          <a:bodyPr/>
+          <a:bodyPr>
+            <a:normAutofit/>
+          </a:bodyPr>
           <a:lstStyle/>
           <a:p>
             <a:r>
               <a:rPr lang="en-US" dirty="0"/>
-              <a:t>Some Class Samples</a:t>
-            </a:r>
+              <a:t>Classes – Structure – Object Oriented</a:t>
+            </a:r>
+            <a:endParaRPr lang="en-US" sz="2800" dirty="0"/>
           </a:p>
         </p:txBody>
       </p:sp>
@@ -20110,7 +20644,7 @@
           <p:cNvPr id="3" name="Content Placeholder 2">
             <a:extLst>
               <a:ext uri="{FF2B5EF4-FFF2-40B4-BE49-F238E27FC236}">
-                <a16:creationId xmlns:a16="http://schemas.microsoft.com/office/drawing/2014/main" id="{C7627202-EACB-3615-9FEE-1B3C90E6BC1E}"/>
+                <a16:creationId xmlns:a16="http://schemas.microsoft.com/office/drawing/2014/main" id="{AAE989A4-422F-4666-8E03-249076443C19}"/>
               </a:ext>
             </a:extLst>
           </p:cNvPr>
@@ -20121,54 +20655,89 @@
             <p:ph idx="1"/>
           </p:nvPr>
         </p:nvSpPr>
-        <p:spPr/>
+        <p:spPr>
+          <a:xfrm>
+            <a:off x="677333" y="2160589"/>
+            <a:ext cx="9815965" cy="3880773"/>
+          </a:xfrm>
+        </p:spPr>
         <p:txBody>
           <a:bodyPr>
             <a:normAutofit/>
           </a:bodyPr>
           <a:lstStyle/>
           <a:p>
-            <a:pPr marL="0" indent="0">
-              <a:buNone/>
-            </a:pPr>
             <a:r>
               <a:rPr lang="en-US" sz="3600" dirty="0">
                 <a:solidFill>
                   <a:schemeClr val="accent1"/>
                 </a:solidFill>
               </a:rPr>
-              <a:t>Static Art – Array of Squares</a:t>
-            </a:r>
-          </a:p>
-          <a:p>
-            <a:pPr marL="0" indent="0" algn="ctr">
-              <a:buNone/>
-            </a:pPr>
+              <a:t>Object Oriented</a:t>
+            </a:r>
             <a:r>
               <a:rPr lang="en-US" sz="3600" dirty="0"/>
-              <a:t>presentation/*/square_lattice.py</a:t>
-            </a:r>
-          </a:p>
-          <a:p>
-            <a:pPr marL="0" indent="0">
-              <a:buNone/>
-            </a:pPr>
+              <a:t> </a:t>
+            </a:r>
             <a:r>
               <a:rPr lang="en-US" sz="3600" dirty="0">
                 <a:solidFill>
                   <a:schemeClr val="accent1"/>
                 </a:solidFill>
               </a:rPr>
-              <a:t>Dynamic Art – changing screen</a:t>
-            </a:r>
-          </a:p>
-          <a:p>
-            <a:pPr marL="0" indent="0" algn="ctr">
-              <a:buNone/>
-            </a:pPr>
-            <a:r>
-              <a:rPr lang="en-US" sz="3200" dirty="0"/>
-              <a:t>presentation/*/square_lattice_varied.py</a:t>
+              <a:t>– Helps with objects</a:t>
+            </a:r>
+          </a:p>
+          <a:p>
+            <a:endParaRPr lang="en-US" sz="3600" dirty="0">
+              <a:solidFill>
+                <a:schemeClr val="accent1"/>
+              </a:solidFill>
+            </a:endParaRPr>
+          </a:p>
+          <a:p>
+            <a:r>
+              <a:rPr lang="en-US" sz="3600" b="1" dirty="0">
+                <a:solidFill>
+                  <a:schemeClr val="accent1"/>
+                </a:solidFill>
+              </a:rPr>
+              <a:t>Classes</a:t>
+            </a:r>
+            <a:r>
+              <a:rPr lang="en-US" sz="3600" dirty="0">
+                <a:solidFill>
+                  <a:schemeClr val="accent1"/>
+                </a:solidFill>
+              </a:rPr>
+              <a:t>: define object structure</a:t>
+            </a:r>
+            <a:endParaRPr lang="en-US" sz="3600" b="1" dirty="0">
+              <a:solidFill>
+                <a:schemeClr val="accent1"/>
+              </a:solidFill>
+            </a:endParaRPr>
+          </a:p>
+          <a:p>
+            <a:pPr lvl="1"/>
+            <a:r>
+              <a:rPr lang="en-US" sz="3400" dirty="0">
+                <a:solidFill>
+                  <a:schemeClr val="accent1"/>
+                </a:solidFill>
+              </a:rPr>
+              <a:t>Data – object's state</a:t>
+            </a:r>
+          </a:p>
+          <a:p>
+            <a:pPr lvl="1"/>
+            <a:r>
+              <a:rPr lang="en-US" sz="3400" dirty="0">
+                <a:solidFill>
+                  <a:schemeClr val="accent1"/>
+                </a:solidFill>
+              </a:rPr>
+              <a:t>Function – object's actions</a:t>
             </a:r>
           </a:p>
         </p:txBody>
@@ -20178,7 +20747,7 @@
           <p:cNvPr id="4" name="Date Placeholder 3">
             <a:extLst>
               <a:ext uri="{FF2B5EF4-FFF2-40B4-BE49-F238E27FC236}">
-                <a16:creationId xmlns:a16="http://schemas.microsoft.com/office/drawing/2014/main" id="{B8027E96-2FF6-7A28-5EEA-0707145546D6}"/>
+                <a16:creationId xmlns:a16="http://schemas.microsoft.com/office/drawing/2014/main" id="{D4B58B9C-2101-47C6-B21D-A9C4C0222113}"/>
               </a:ext>
             </a:extLst>
           </p:cNvPr>
@@ -20194,11 +20763,75 @@
           <a:bodyPr/>
           <a:lstStyle/>
           <a:p>
+            <a:pPr marL="0" marR="0" lvl="0" indent="0" algn="r" defTabSz="457200" rtl="0" eaLnBrk="1" fontAlgn="auto" latinLnBrk="0" hangingPunct="1">
+              <a:lnSpc>
+                <a:spcPct val="100000"/>
+              </a:lnSpc>
+              <a:spcBef>
+                <a:spcPts val="0"/>
+              </a:spcBef>
+              <a:spcAft>
+                <a:spcPts val="0"/>
+              </a:spcAft>
+              <a:buClrTx/>
+              <a:buSzTx/>
+              <a:buFontTx/>
+              <a:buNone/>
+              <a:tabLst/>
+              <a:defRPr/>
+            </a:pPr>
             <a:fld id="{A7119916-CD40-456D-ABE3-55F8822671F7}" type="datetime1">
-              <a:rPr lang="en-US" smtClean="0"/>
-              <a:t>7/13/2022</a:t>
+              <a:rPr kumimoji="0" lang="en-US" sz="900" b="0" i="0" u="none" strike="noStrike" kern="1200" cap="none" spc="0" normalizeH="0" baseline="0" noProof="0" smtClean="0">
+                <a:ln>
+                  <a:noFill/>
+                </a:ln>
+                <a:solidFill>
+                  <a:prstClr val="black">
+                    <a:tint val="75000"/>
+                  </a:prstClr>
+                </a:solidFill>
+                <a:effectLst/>
+                <a:uLnTx/>
+                <a:uFillTx/>
+                <a:latin typeface="Trebuchet MS" panose="020B0603020202020204"/>
+                <a:ea typeface="+mn-ea"/>
+                <a:cs typeface="+mn-cs"/>
+              </a:rPr>
+              <a:pPr marL="0" marR="0" lvl="0" indent="0" algn="r" defTabSz="457200" rtl="0" eaLnBrk="1" fontAlgn="auto" latinLnBrk="0" hangingPunct="1">
+                <a:lnSpc>
+                  <a:spcPct val="100000"/>
+                </a:lnSpc>
+                <a:spcBef>
+                  <a:spcPts val="0"/>
+                </a:spcBef>
+                <a:spcAft>
+                  <a:spcPts val="0"/>
+                </a:spcAft>
+                <a:buClrTx/>
+                <a:buSzTx/>
+                <a:buFontTx/>
+                <a:buNone/>
+                <a:tabLst/>
+                <a:defRPr/>
+              </a:pPr>
+              <a:t>8/9/2022</a:t>
             </a:fld>
-            <a:endParaRPr lang="en-US" dirty="0"/>
+            <a:endParaRPr kumimoji="0" lang="en-US" sz="900" b="0" i="0" u="none" strike="noStrike" kern="1200" cap="none" spc="0" normalizeH="0" baseline="0" noProof="0" dirty="0">
+              <a:ln>
+                <a:noFill/>
+              </a:ln>
+              <a:solidFill>
+                <a:prstClr val="black">
+                  <a:tint val="75000"/>
+                </a:prstClr>
+              </a:solidFill>
+              <a:effectLst/>
+              <a:uLnTx/>
+              <a:uFillTx/>
+              <a:latin typeface="Trebuchet MS" panose="020B0603020202020204"/>
+              <a:ea typeface="+mn-ea"/>
+              <a:cs typeface="+mn-cs"/>
+            </a:endParaRPr>
           </a:p>
         </p:txBody>
       </p:sp>
@@ -20207,7 +20840,7 @@
           <p:cNvPr id="5" name="Footer Placeholder 4">
             <a:extLst>
               <a:ext uri="{FF2B5EF4-FFF2-40B4-BE49-F238E27FC236}">
-                <a16:creationId xmlns:a16="http://schemas.microsoft.com/office/drawing/2014/main" id="{1E2FD8FE-CAA6-C10E-90AA-4CA6BB6A6C85}"/>
+                <a16:creationId xmlns:a16="http://schemas.microsoft.com/office/drawing/2014/main" id="{EB3CE92E-DA4C-49CE-8437-22304F783D2B}"/>
               </a:ext>
             </a:extLst>
           </p:cNvPr>
@@ -20223,8 +20856,40 @@
           <a:bodyPr/>
           <a:lstStyle/>
           <a:p>
-            <a:r>
-              <a:rPr lang="en-US" dirty="0"/>
+            <a:pPr marL="0" marR="0" lvl="0" indent="0" algn="l" defTabSz="457200" rtl="0" eaLnBrk="1" fontAlgn="auto" latinLnBrk="0" hangingPunct="1">
+              <a:lnSpc>
+                <a:spcPct val="100000"/>
+              </a:lnSpc>
+              <a:spcBef>
+                <a:spcPts val="0"/>
+              </a:spcBef>
+              <a:spcAft>
+                <a:spcPts val="0"/>
+              </a:spcAft>
+              <a:buClrTx/>
+              <a:buSzTx/>
+              <a:buFontTx/>
+              <a:buNone/>
+              <a:tabLst/>
+              <a:defRPr/>
+            </a:pPr>
+            <a:r>
+              <a:rPr kumimoji="0" lang="en-US" sz="900" b="0" i="0" u="none" strike="noStrike" kern="1200" cap="none" spc="0" normalizeH="0" baseline="0" noProof="0" dirty="0">
+                <a:ln>
+                  <a:noFill/>
+                </a:ln>
+                <a:solidFill>
+                  <a:prstClr val="black">
+                    <a:tint val="75000"/>
+                  </a:prstClr>
+                </a:solidFill>
+                <a:effectLst/>
+                <a:uLnTx/>
+                <a:uFillTx/>
+                <a:latin typeface="Trebuchet MS" panose="020B0603020202020204"/>
+                <a:ea typeface="+mn-ea"/>
+                <a:cs typeface="+mn-cs"/>
+              </a:rPr>
               <a:t>raysmith@alum.mit.edu</a:t>
             </a:r>
           </a:p>
@@ -20235,7 +20900,7 @@
           <p:cNvPr id="6" name="Slide Number Placeholder 5">
             <a:extLst>
               <a:ext uri="{FF2B5EF4-FFF2-40B4-BE49-F238E27FC236}">
-                <a16:creationId xmlns:a16="http://schemas.microsoft.com/office/drawing/2014/main" id="{2A017EEA-A9C9-8B89-C606-140F0BA6BED0}"/>
+                <a16:creationId xmlns:a16="http://schemas.microsoft.com/office/drawing/2014/main" id="{B555E688-FCD7-4E06-BD33-DA64AB1C3FA4}"/>
               </a:ext>
             </a:extLst>
           </p:cNvPr>
@@ -20251,18 +20916,78 @@
           <a:bodyPr/>
           <a:lstStyle/>
           <a:p>
+            <a:pPr marL="0" marR="0" lvl="0" indent="0" algn="r" defTabSz="457200" rtl="0" eaLnBrk="1" fontAlgn="auto" latinLnBrk="0" hangingPunct="1">
+              <a:lnSpc>
+                <a:spcPct val="100000"/>
+              </a:lnSpc>
+              <a:spcBef>
+                <a:spcPts val="0"/>
+              </a:spcBef>
+              <a:spcAft>
+                <a:spcPts val="0"/>
+              </a:spcAft>
+              <a:buClrTx/>
+              <a:buSzTx/>
+              <a:buFontTx/>
+              <a:buNone/>
+              <a:tabLst/>
+              <a:defRPr/>
+            </a:pPr>
             <a:fld id="{6D22F896-40B5-4ADD-8801-0D06FADFA095}" type="slidenum">
-              <a:rPr lang="en-US" smtClean="0"/>
+              <a:rPr kumimoji="0" lang="en-US" sz="900" b="0" i="0" u="none" strike="noStrike" kern="1200" cap="none" spc="0" normalizeH="0" baseline="0" noProof="0" smtClean="0">
+                <a:ln>
+                  <a:noFill/>
+                </a:ln>
+                <a:solidFill>
+                  <a:srgbClr val="90C226"/>
+                </a:solidFill>
+                <a:effectLst/>
+                <a:uLnTx/>
+                <a:uFillTx/>
+                <a:latin typeface="Trebuchet MS" panose="020B0603020202020204"/>
+                <a:ea typeface="+mn-ea"/>
+                <a:cs typeface="+mn-cs"/>
+              </a:rPr>
+              <a:pPr marL="0" marR="0" lvl="0" indent="0" algn="r" defTabSz="457200" rtl="0" eaLnBrk="1" fontAlgn="auto" latinLnBrk="0" hangingPunct="1">
+                <a:lnSpc>
+                  <a:spcPct val="100000"/>
+                </a:lnSpc>
+                <a:spcBef>
+                  <a:spcPts val="0"/>
+                </a:spcBef>
+                <a:spcAft>
+                  <a:spcPts val="0"/>
+                </a:spcAft>
+                <a:buClrTx/>
+                <a:buSzTx/>
+                <a:buFontTx/>
+                <a:buNone/>
+                <a:tabLst/>
+                <a:defRPr/>
+              </a:pPr>
               <a:t>5</a:t>
             </a:fld>
-            <a:endParaRPr lang="en-US" dirty="0"/>
+            <a:endParaRPr kumimoji="0" lang="en-US" sz="900" b="0" i="0" u="none" strike="noStrike" kern="1200" cap="none" spc="0" normalizeH="0" baseline="0" noProof="0" dirty="0">
+              <a:ln>
+                <a:noFill/>
+              </a:ln>
+              <a:solidFill>
+                <a:srgbClr val="90C226"/>
+              </a:solidFill>
+              <a:effectLst/>
+              <a:uLnTx/>
+              <a:uFillTx/>
+              <a:latin typeface="Trebuchet MS" panose="020B0603020202020204"/>
+              <a:ea typeface="+mn-ea"/>
+              <a:cs typeface="+mn-cs"/>
+            </a:endParaRPr>
           </a:p>
         </p:txBody>
       </p:sp>
     </p:spTree>
     <p:extLst>
       <p:ext uri="{BB962C8B-B14F-4D97-AF65-F5344CB8AC3E}">
-        <p14:creationId xmlns:p14="http://schemas.microsoft.com/office/powerpoint/2010/main" val="4083353492"/>
+        <p14:creationId xmlns:p14="http://schemas.microsoft.com/office/powerpoint/2010/main" val="1860221950"/>
       </p:ext>
     </p:extLst>
   </p:cSld>
@@ -20314,14 +21039,7 @@
           <a:p>
             <a:r>
               <a:rPr lang="en-US" dirty="0"/>
-              <a:t>Classes – Examples</a:t>
-            </a:r>
-            <a:br>
-              <a:rPr lang="en-US" dirty="0"/>
-            </a:br>
-            <a:r>
-              <a:rPr lang="en-US" dirty="0"/>
-              <a:t>Programmer Defined</a:t>
+              <a:t>Objects – Examples</a:t>
             </a:r>
             <a:endParaRPr lang="en-US" sz="2800" dirty="0"/>
           </a:p>
@@ -20371,14 +21089,22 @@
           <a:p>
             <a:pPr lvl="1"/>
             <a:r>
-              <a:rPr lang="en-US" sz="3200" dirty="0"/>
+              <a:rPr lang="en-US" sz="3200" dirty="0">
+                <a:solidFill>
+                  <a:schemeClr val="accent2"/>
+                </a:solidFill>
+              </a:rPr>
               <a:t>Person: name, home_address, work_address</a:t>
             </a:r>
           </a:p>
           <a:p>
             <a:pPr lvl="1"/>
             <a:r>
-              <a:rPr lang="en-US" sz="3400" dirty="0"/>
+              <a:rPr lang="en-US" sz="3400" dirty="0">
+                <a:solidFill>
+                  <a:schemeClr val="accent2"/>
+                </a:solidFill>
+              </a:rPr>
               <a:t> Address: number, street, state</a:t>
             </a:r>
           </a:p>
@@ -20407,14 +21133,22 @@
           <a:p>
             <a:pPr lvl="1"/>
             <a:r>
-              <a:rPr lang="en-US" sz="3600" dirty="0"/>
+              <a:rPr lang="en-US" sz="3600" dirty="0">
+                <a:solidFill>
+                  <a:schemeClr val="accent2"/>
+                </a:solidFill>
+              </a:rPr>
               <a:t>AirPort: name, location, runways, status</a:t>
             </a:r>
           </a:p>
           <a:p>
             <a:pPr lvl="1"/>
             <a:r>
-              <a:rPr lang="en-US" sz="3600" dirty="0"/>
+              <a:rPr lang="en-US" sz="3600" dirty="0">
+                <a:solidFill>
+                  <a:schemeClr val="accent2"/>
+                </a:solidFill>
+              </a:rPr>
               <a:t>Runway: length, location, direction, status</a:t>
             </a:r>
           </a:p>
@@ -20492,7 +21226,7 @@
                 <a:tabLst/>
                 <a:defRPr/>
               </a:pPr>
-              <a:t>7/13/2022</a:t>
+              <a:t>8/9/2022</a:t>
             </a:fld>
             <a:endParaRPr kumimoji="0" lang="en-US" sz="900" b="0" i="0" u="none" strike="noStrike" kern="1200" cap="none" spc="0" normalizeH="0" baseline="0" noProof="0" dirty="0">
               <a:ln>
@@ -20786,7 +21520,21 @@
                 <a:latin typeface="Courier New" panose="02070309020205020404" pitchFamily="49" charset="0"/>
                 <a:cs typeface="Courier New" panose="02070309020205020404" pitchFamily="49" charset="0"/>
               </a:rPr>
-              <a:t>import turtle			# Bring </a:t>
+              <a:t>import turtle	# Bring </a:t>
+            </a:r>
+            <a:r>
+              <a:rPr lang="en-US" sz="3400" b="1" dirty="0">
+                <a:latin typeface="Courier New" panose="02070309020205020404" pitchFamily="49" charset="0"/>
+                <a:cs typeface="Courier New" panose="02070309020205020404" pitchFamily="49" charset="0"/>
+              </a:rPr>
+              <a:t>entire</a:t>
+            </a:r>
+            <a:r>
+              <a:rPr lang="en-US" sz="3400" dirty="0">
+                <a:latin typeface="Courier New" panose="02070309020205020404" pitchFamily="49" charset="0"/>
+                <a:cs typeface="Courier New" panose="02070309020205020404" pitchFamily="49" charset="0"/>
+              </a:rPr>
+              <a:t> </a:t>
             </a:r>
             <a:r>
               <a:rPr lang="en-US" sz="3400" b="1" dirty="0">
@@ -20905,7 +21653,7 @@
                 <a:tabLst/>
                 <a:defRPr/>
               </a:pPr>
-              <a:t>7/13/2022</a:t>
+              <a:t>8/9/2022</a:t>
             </a:fld>
             <a:endParaRPr kumimoji="0" lang="en-US" sz="900" b="0" i="0" u="none" strike="noStrike" kern="1200" cap="none" spc="0" normalizeH="0" baseline="0" noProof="0" dirty="0">
               <a:ln>
@@ -21136,8 +21884,12 @@
               <a:rPr lang="en-US" dirty="0"/>
             </a:br>
             <a:r>
-              <a:rPr lang="en-US" sz="2400" dirty="0"/>
-              <a:t>classes/import_turtle.py</a:t>
+              <a:rPr lang="en-US" sz="2400" dirty="0">
+                <a:solidFill>
+                  <a:schemeClr val="tx1"/>
+                </a:solidFill>
+              </a:rPr>
+              <a:t>exercises/classes/import_turtle.py</a:t>
             </a:r>
           </a:p>
         </p:txBody>
@@ -21366,7 +22118,7 @@
                 <a:tabLst/>
                 <a:defRPr/>
               </a:pPr>
-              <a:t>7/13/2022</a:t>
+              <a:t>8/9/2022</a:t>
             </a:fld>
             <a:endParaRPr kumimoji="0" lang="en-US" sz="900" b="0" i="0" u="none" strike="noStrike" kern="1200" cap="none" spc="0" normalizeH="0" baseline="0" noProof="0" dirty="0">
               <a:ln>
@@ -21582,7 +22334,12 @@
             <p:ph type="title"/>
           </p:nvPr>
         </p:nvSpPr>
-        <p:spPr/>
+        <p:spPr>
+          <a:xfrm>
+            <a:off x="677334" y="640423"/>
+            <a:ext cx="8596668" cy="1320800"/>
+          </a:xfrm>
+        </p:spPr>
         <p:txBody>
           <a:bodyPr>
             <a:normAutofit/>
@@ -21597,8 +22354,12 @@
               <a:rPr lang="en-US" dirty="0"/>
             </a:br>
             <a:r>
-              <a:rPr lang="en-US" sz="2400" dirty="0"/>
-              <a:t>classes/from_turtle_import.py</a:t>
+              <a:rPr lang="en-US" sz="2400" dirty="0">
+                <a:solidFill>
+                  <a:schemeClr val="tx1"/>
+                </a:solidFill>
+              </a:rPr>
+              <a:t>exercises/classes/from_turtle_import.py</a:t>
             </a:r>
           </a:p>
         </p:txBody>
@@ -21844,7 +22605,7 @@
                 <a:tabLst/>
                 <a:defRPr/>
               </a:pPr>
-              <a:t>7/13/2022</a:t>
+              <a:t>8/9/2022</a:t>
             </a:fld>
             <a:endParaRPr kumimoji="0" lang="en-US" sz="900" b="0" i="0" u="none" strike="noStrike" kern="1200" cap="none" spc="0" normalizeH="0" baseline="0" noProof="0" dirty="0">
               <a:ln>

--- a/presentation/Class_5_Classes/Class_5_Classes.pptx
+++ b/presentation/Class_5_Classes/Class_5_Classes.pptx
@@ -225,7 +225,7 @@
           <a:p>
             <a:fld id="{7E78E4E2-C2CB-4D43-84EF-9F4E3E0E651C}" type="datetimeFigureOut">
               <a:rPr lang="en-US" smtClean="0"/>
-              <a:t>8/9/2022</a:t>
+              <a:t>10/13/2022</a:t>
             </a:fld>
             <a:endParaRPr lang="en-US"/>
           </a:p>
@@ -656,7 +656,7 @@
                 <a:tabLst/>
                 <a:defRPr/>
               </a:pPr>
-              <a:t>8/9/2022</a:t>
+              <a:t>10/13/2022</a:t>
             </a:fld>
             <a:endParaRPr kumimoji="0" lang="en-US" sz="1200" b="0" i="0" u="none" strike="noStrike" kern="1200" cap="none" spc="0" normalizeH="0" baseline="0" noProof="0" dirty="0">
               <a:ln>
@@ -987,7 +987,7 @@
                 <a:tabLst/>
                 <a:defRPr/>
               </a:pPr>
-              <a:t>8/9/2022</a:t>
+              <a:t>10/13/2022</a:t>
             </a:fld>
             <a:endParaRPr kumimoji="0" lang="en-US" sz="1200" b="0" i="0" u="none" strike="noStrike" kern="1200" cap="none" spc="0" normalizeH="0" baseline="0" noProof="0" dirty="0">
               <a:ln>
@@ -1325,7 +1325,7 @@
                 <a:tabLst/>
                 <a:defRPr/>
               </a:pPr>
-              <a:t>8/9/2022</a:t>
+              <a:t>10/13/2022</a:t>
             </a:fld>
             <a:endParaRPr kumimoji="0" lang="en-US" sz="1200" b="0" i="0" u="none" strike="noStrike" kern="1200" cap="none" spc="0" normalizeH="0" baseline="0" noProof="0" dirty="0">
               <a:ln>
@@ -1663,7 +1663,7 @@
                 <a:tabLst/>
                 <a:defRPr/>
               </a:pPr>
-              <a:t>8/9/2022</a:t>
+              <a:t>10/13/2022</a:t>
             </a:fld>
             <a:endParaRPr kumimoji="0" lang="en-US" sz="1200" b="0" i="0" u="none" strike="noStrike" kern="1200" cap="none" spc="0" normalizeH="0" baseline="0" noProof="0" dirty="0">
               <a:ln>
@@ -2047,7 +2047,7 @@
                 <a:tabLst/>
                 <a:defRPr/>
               </a:pPr>
-              <a:t>8/9/2022</a:t>
+              <a:t>10/13/2022</a:t>
             </a:fld>
             <a:endParaRPr kumimoji="0" lang="en-US" sz="1200" b="0" i="0" u="none" strike="noStrike" kern="1200" cap="none" spc="0" normalizeH="0" baseline="0" noProof="0" dirty="0">
               <a:ln>
@@ -2378,7 +2378,7 @@
                 <a:tabLst/>
                 <a:defRPr/>
               </a:pPr>
-              <a:t>8/9/2022</a:t>
+              <a:t>10/13/2022</a:t>
             </a:fld>
             <a:endParaRPr kumimoji="0" lang="en-US" sz="1200" b="0" i="0" u="none" strike="noStrike" kern="1200" cap="none" spc="0" normalizeH="0" baseline="0" noProof="0" dirty="0">
               <a:ln>
@@ -2709,7 +2709,7 @@
                 <a:tabLst/>
                 <a:defRPr/>
               </a:pPr>
-              <a:t>8/9/2022</a:t>
+              <a:t>10/13/2022</a:t>
             </a:fld>
             <a:endParaRPr kumimoji="0" lang="en-US" sz="1200" b="0" i="0" u="none" strike="noStrike" kern="1200" cap="none" spc="0" normalizeH="0" baseline="0" noProof="0" dirty="0">
               <a:ln>
@@ -3040,7 +3040,7 @@
                 <a:tabLst/>
                 <a:defRPr/>
               </a:pPr>
-              <a:t>8/9/2022</a:t>
+              <a:t>10/13/2022</a:t>
             </a:fld>
             <a:endParaRPr kumimoji="0" lang="en-US" sz="1200" b="0" i="0" u="none" strike="noStrike" kern="1200" cap="none" spc="0" normalizeH="0" baseline="0" noProof="0" dirty="0">
               <a:ln>
@@ -3371,7 +3371,7 @@
                 <a:tabLst/>
                 <a:defRPr/>
               </a:pPr>
-              <a:t>8/9/2022</a:t>
+              <a:t>10/13/2022</a:t>
             </a:fld>
             <a:endParaRPr kumimoji="0" lang="en-US" sz="1200" b="0" i="0" u="none" strike="noStrike" kern="1200" cap="none" spc="0" normalizeH="0" baseline="0" noProof="0" dirty="0">
               <a:ln>
@@ -3711,7 +3711,7 @@
                 <a:tabLst/>
                 <a:defRPr/>
               </a:pPr>
-              <a:t>8/9/2022</a:t>
+              <a:t>10/13/2022</a:t>
             </a:fld>
             <a:endParaRPr kumimoji="0" lang="en-US" sz="1200" b="0" i="0" u="none" strike="noStrike" kern="1200" cap="none" spc="0" normalizeH="0" baseline="0" noProof="0" dirty="0">
               <a:ln>
@@ -4137,7 +4137,7 @@
                 <a:tabLst/>
                 <a:defRPr/>
               </a:pPr>
-              <a:t>8/9/2022</a:t>
+              <a:t>10/13/2022</a:t>
             </a:fld>
             <a:endParaRPr kumimoji="0" lang="en-US" sz="1200" b="0" i="0" u="none" strike="noStrike" kern="1200" cap="none" spc="0" normalizeH="0" baseline="0" noProof="0" dirty="0">
               <a:ln>
@@ -4409,7 +4409,7 @@
           <a:p>
             <a:fld id="{A596092B-28C7-44D1-B902-5437B333DFB7}" type="datetime1">
               <a:rPr lang="en-US" smtClean="0"/>
-              <a:t>8/9/2022</a:t>
+              <a:t>10/13/2022</a:t>
             </a:fld>
             <a:endParaRPr lang="en-US" dirty="0"/>
           </a:p>
@@ -4637,7 +4637,7 @@
                 <a:tabLst/>
                 <a:defRPr/>
               </a:pPr>
-              <a:t>8/9/2022</a:t>
+              <a:t>10/13/2022</a:t>
             </a:fld>
             <a:endParaRPr kumimoji="0" lang="en-US" sz="1200" b="0" i="0" u="none" strike="noStrike" kern="1200" cap="none" spc="0" normalizeH="0" baseline="0" noProof="0" dirty="0">
               <a:ln>
@@ -4968,7 +4968,7 @@
                 <a:tabLst/>
                 <a:defRPr/>
               </a:pPr>
-              <a:t>8/9/2022</a:t>
+              <a:t>10/13/2022</a:t>
             </a:fld>
             <a:endParaRPr kumimoji="0" lang="en-US" sz="1200" b="0" i="0" u="none" strike="noStrike" kern="1200" cap="none" spc="0" normalizeH="0" baseline="0" noProof="0" dirty="0">
               <a:ln>
@@ -5320,7 +5320,7 @@
                 <a:tabLst/>
                 <a:defRPr/>
               </a:pPr>
-              <a:t>8/9/2022</a:t>
+              <a:t>10/13/2022</a:t>
             </a:fld>
             <a:endParaRPr kumimoji="0" lang="en-US" sz="1200" b="0" i="0" u="none" strike="noStrike" kern="1200" cap="none" spc="0" normalizeH="0" baseline="0" noProof="0" dirty="0">
               <a:ln>
@@ -5651,7 +5651,7 @@
                 <a:tabLst/>
                 <a:defRPr/>
               </a:pPr>
-              <a:t>8/9/2022</a:t>
+              <a:t>10/13/2022</a:t>
             </a:fld>
             <a:endParaRPr kumimoji="0" lang="en-US" sz="1200" b="0" i="0" u="none" strike="noStrike" kern="1200" cap="none" spc="0" normalizeH="0" baseline="0" noProof="0" dirty="0">
               <a:ln>
@@ -5982,7 +5982,7 @@
                 <a:tabLst/>
                 <a:defRPr/>
               </a:pPr>
-              <a:t>8/9/2022</a:t>
+              <a:t>10/13/2022</a:t>
             </a:fld>
             <a:endParaRPr kumimoji="0" lang="en-US" sz="1200" b="0" i="0" u="none" strike="noStrike" kern="1200" cap="none" spc="0" normalizeH="0" baseline="0" noProof="0" dirty="0">
               <a:ln>
@@ -6313,7 +6313,7 @@
                 <a:tabLst/>
                 <a:defRPr/>
               </a:pPr>
-              <a:t>8/9/2022</a:t>
+              <a:t>10/13/2022</a:t>
             </a:fld>
             <a:endParaRPr kumimoji="0" lang="en-US" sz="1200" b="0" i="0" u="none" strike="noStrike" kern="1200" cap="none" spc="0" normalizeH="0" baseline="0" noProof="0" dirty="0">
               <a:ln>
@@ -6644,7 +6644,7 @@
                 <a:tabLst/>
                 <a:defRPr/>
               </a:pPr>
-              <a:t>8/9/2022</a:t>
+              <a:t>10/13/2022</a:t>
             </a:fld>
             <a:endParaRPr kumimoji="0" lang="en-US" sz="1200" b="0" i="0" u="none" strike="noStrike" kern="1200" cap="none" spc="0" normalizeH="0" baseline="0" noProof="0" dirty="0">
               <a:ln>
@@ -7533,7 +7533,7 @@
           <a:p>
             <a:fld id="{B1DF5501-EE91-4443-9D3B-24E6F28D34E2}" type="datetime1">
               <a:rPr lang="en-US" smtClean="0"/>
-              <a:t>8/9/2022</a:t>
+              <a:t>10/13/2022</a:t>
             </a:fld>
             <a:endParaRPr lang="en-US" dirty="0"/>
           </a:p>
@@ -7799,7 +7799,7 @@
           <a:p>
             <a:fld id="{E954E1E9-8456-43AD-BA28-861520D256B9}" type="datetime1">
               <a:rPr lang="en-US" smtClean="0"/>
-              <a:t>8/9/2022</a:t>
+              <a:t>10/13/2022</a:t>
             </a:fld>
             <a:endParaRPr lang="en-US" dirty="0"/>
           </a:p>
@@ -8117,7 +8117,7 @@
           <a:p>
             <a:fld id="{FAF31E0C-AAFD-4E63-B3AE-16CD757951F4}" type="datetime1">
               <a:rPr lang="en-US" smtClean="0"/>
-              <a:t>8/9/2022</a:t>
+              <a:t>10/13/2022</a:t>
             </a:fld>
             <a:endParaRPr lang="en-US" dirty="0"/>
           </a:p>
@@ -8462,7 +8462,7 @@
           <a:p>
             <a:fld id="{000084FF-4715-4B6E-BD22-453621E5873F}" type="datetime1">
               <a:rPr lang="en-US" smtClean="0"/>
-              <a:t>8/9/2022</a:t>
+              <a:t>10/13/2022</a:t>
             </a:fld>
             <a:endParaRPr lang="en-US" dirty="0"/>
           </a:p>
@@ -8780,7 +8780,7 @@
           <a:p>
             <a:fld id="{6AC37F8D-4DF5-4AB6-A766-5A84B3D74A3B}" type="datetime1">
               <a:rPr lang="en-US" smtClean="0"/>
-              <a:t>8/9/2022</a:t>
+              <a:t>10/13/2022</a:t>
             </a:fld>
             <a:endParaRPr lang="en-US" dirty="0"/>
           </a:p>
@@ -9177,7 +9177,7 @@
           <a:p>
             <a:fld id="{1BF3CD1A-162D-40B2-9B22-9056F77C27F2}" type="datetime1">
               <a:rPr lang="en-US" smtClean="0"/>
-              <a:t>8/9/2022</a:t>
+              <a:t>10/13/2022</a:t>
             </a:fld>
             <a:endParaRPr lang="en-US" dirty="0"/>
           </a:p>
@@ -9351,7 +9351,7 @@
           <a:p>
             <a:fld id="{D42E4200-B1E5-4E39-8279-05DD69810A37}" type="datetime1">
               <a:rPr lang="en-US" smtClean="0"/>
-              <a:t>8/9/2022</a:t>
+              <a:t>10/13/2022</a:t>
             </a:fld>
             <a:endParaRPr lang="en-US" dirty="0"/>
           </a:p>
@@ -9534,7 +9534,7 @@
           <a:p>
             <a:fld id="{47CF7895-00AC-42E5-9790-7B0E3CE09DF2}" type="datetime1">
               <a:rPr lang="en-US" smtClean="0"/>
-              <a:t>8/9/2022</a:t>
+              <a:t>10/13/2022</a:t>
             </a:fld>
             <a:endParaRPr lang="en-US" dirty="0"/>
           </a:p>
@@ -9713,7 +9713,7 @@
           <a:p>
             <a:fld id="{A7119916-CD40-456D-ABE3-55F8822671F7}" type="datetime1">
               <a:rPr lang="en-US" smtClean="0"/>
-              <a:t>8/9/2022</a:t>
+              <a:t>10/13/2022</a:t>
             </a:fld>
             <a:endParaRPr lang="en-US" dirty="0"/>
           </a:p>
@@ -9963,7 +9963,7 @@
           <a:p>
             <a:fld id="{3F9A13D6-B8C2-463B-B3F7-C62E098B328E}" type="datetime1">
               <a:rPr lang="en-US" smtClean="0"/>
-              <a:t>8/9/2022</a:t>
+              <a:t>10/13/2022</a:t>
             </a:fld>
             <a:endParaRPr lang="en-US" dirty="0"/>
           </a:p>
@@ -10198,7 +10198,7 @@
           <a:p>
             <a:fld id="{D2B63420-31EE-4E4B-911C-2601B14D9FDD}" type="datetime1">
               <a:rPr lang="en-US" smtClean="0"/>
-              <a:t>8/9/2022</a:t>
+              <a:t>10/13/2022</a:t>
             </a:fld>
             <a:endParaRPr lang="en-US" dirty="0"/>
           </a:p>
@@ -10575,7 +10575,7 @@
           <a:p>
             <a:fld id="{2DD8986D-86F8-41E6-8CFF-8C91AEF92622}" type="datetime1">
               <a:rPr lang="en-US" smtClean="0"/>
-              <a:t>8/9/2022</a:t>
+              <a:t>10/13/2022</a:t>
             </a:fld>
             <a:endParaRPr lang="en-US" dirty="0"/>
           </a:p>
@@ -10701,7 +10701,7 @@
           <a:p>
             <a:fld id="{BA885161-032E-4C6A-8EDA-39D168DF18E4}" type="datetime1">
               <a:rPr lang="en-US" smtClean="0"/>
-              <a:t>8/9/2022</a:t>
+              <a:t>10/13/2022</a:t>
             </a:fld>
             <a:endParaRPr lang="en-US" dirty="0"/>
           </a:p>
@@ -10799,7 +10799,7 @@
           <a:p>
             <a:fld id="{958E6740-E523-48D9-9C4E-6F218E87BAF3}" type="datetime1">
               <a:rPr lang="en-US" smtClean="0"/>
-              <a:t>8/9/2022</a:t>
+              <a:t>10/13/2022</a:t>
             </a:fld>
             <a:endParaRPr lang="en-US" dirty="0"/>
           </a:p>
@@ -11057,7 +11057,7 @@
           <a:p>
             <a:fld id="{6121D4CA-FF09-4CB8-8D51-2613D19A0F2E}" type="datetime1">
               <a:rPr lang="en-US" smtClean="0"/>
-              <a:t>8/9/2022</a:t>
+              <a:t>10/13/2022</a:t>
             </a:fld>
             <a:endParaRPr lang="en-US" dirty="0"/>
           </a:p>
@@ -11322,7 +11322,7 @@
           <a:p>
             <a:fld id="{8C4779EA-AEA7-43B3-9B65-A77E9A890421}" type="datetime1">
               <a:rPr lang="en-US" smtClean="0"/>
-              <a:t>8/9/2022</a:t>
+              <a:t>10/13/2022</a:t>
             </a:fld>
             <a:endParaRPr lang="en-US" dirty="0"/>
           </a:p>
@@ -12068,7 +12068,7 @@
           <a:p>
             <a:fld id="{059A67F1-3EA0-4026-BE6A-31EE4E1B1DB5}" type="datetime1">
               <a:rPr lang="en-US" smtClean="0"/>
-              <a:t>8/9/2022</a:t>
+              <a:t>10/13/2022</a:t>
             </a:fld>
             <a:endParaRPr lang="en-US" dirty="0"/>
           </a:p>
@@ -12803,7 +12803,7 @@
                 <a:tabLst/>
                 <a:defRPr/>
               </a:pPr>
-              <a:t>8/9/2022</a:t>
+              <a:t>10/13/2022</a:t>
             </a:fld>
             <a:endParaRPr kumimoji="0" lang="en-US" sz="900" b="0" i="0" u="none" strike="noStrike" kern="1200" cap="none" spc="0" normalizeH="0" baseline="0" noProof="0" dirty="0">
               <a:ln>
@@ -13205,7 +13205,7 @@
                 <a:tabLst/>
                 <a:defRPr/>
               </a:pPr>
-              <a:t>8/9/2022</a:t>
+              <a:t>10/13/2022</a:t>
             </a:fld>
             <a:endParaRPr kumimoji="0" lang="en-US" sz="900" b="0" i="0" u="none" strike="noStrike" kern="1200" cap="none" spc="0" normalizeH="0" baseline="0" noProof="0" dirty="0">
               <a:ln>
@@ -13590,7 +13590,7 @@
                 <a:tabLst/>
                 <a:defRPr/>
               </a:pPr>
-              <a:t>8/9/2022</a:t>
+              <a:t>10/13/2022</a:t>
             </a:fld>
             <a:endParaRPr kumimoji="0" lang="en-US" sz="900" b="0" i="0" u="none" strike="noStrike" kern="1200" cap="none" spc="0" normalizeH="0" baseline="0" noProof="0" dirty="0">
               <a:ln>
@@ -13933,7 +13933,7 @@
           <a:p>
             <a:fld id="{A7119916-CD40-456D-ABE3-55F8822671F7}" type="datetime1">
               <a:rPr lang="en-US" smtClean="0"/>
-              <a:t>8/9/2022</a:t>
+              <a:t>10/13/2022</a:t>
             </a:fld>
             <a:endParaRPr lang="en-US" dirty="0"/>
           </a:p>
@@ -14264,7 +14264,7 @@
                 <a:tabLst/>
                 <a:defRPr/>
               </a:pPr>
-              <a:t>8/9/2022</a:t>
+              <a:t>10/13/2022</a:t>
             </a:fld>
             <a:endParaRPr kumimoji="0" lang="en-US" sz="900" b="0" i="0" u="none" strike="noStrike" kern="1200" cap="none" spc="0" normalizeH="0" baseline="0" noProof="0" dirty="0">
               <a:ln>
@@ -14666,7 +14666,7 @@
                 <a:tabLst/>
                 <a:defRPr/>
               </a:pPr>
-              <a:t>8/9/2022</a:t>
+              <a:t>10/13/2022</a:t>
             </a:fld>
             <a:endParaRPr kumimoji="0" lang="en-US" sz="900" b="0" i="0" u="none" strike="noStrike" kern="1200" cap="none" spc="0" normalizeH="0" baseline="0" noProof="0" dirty="0">
               <a:ln>
@@ -15116,7 +15116,7 @@
                 <a:tabLst/>
                 <a:defRPr/>
               </a:pPr>
-              <a:t>8/9/2022</a:t>
+              <a:t>10/13/2022</a:t>
             </a:fld>
             <a:endParaRPr kumimoji="0" lang="en-US" sz="900" b="0" i="0" u="none" strike="noStrike" kern="1200" cap="none" spc="0" normalizeH="0" baseline="0" noProof="0" dirty="0">
               <a:ln>
@@ -15601,7 +15601,7 @@
                 <a:tabLst/>
                 <a:defRPr/>
               </a:pPr>
-              <a:t>8/9/2022</a:t>
+              <a:t>10/13/2022</a:t>
             </a:fld>
             <a:endParaRPr kumimoji="0" lang="en-US" sz="900" b="0" i="0" u="none" strike="noStrike" kern="1200" cap="none" spc="0" normalizeH="0" baseline="0" noProof="0" dirty="0">
               <a:ln>
@@ -15982,7 +15982,7 @@
                 <a:tabLst/>
                 <a:defRPr/>
               </a:pPr>
-              <a:t>8/9/2022</a:t>
+              <a:t>10/13/2022</a:t>
             </a:fld>
             <a:endParaRPr kumimoji="0" lang="en-US" sz="900" b="0" i="0" u="none" strike="noStrike" kern="1200" cap="none" spc="0" normalizeH="0" baseline="0" noProof="0" dirty="0">
               <a:ln>
@@ -16407,7 +16407,7 @@
                 <a:tabLst/>
                 <a:defRPr/>
               </a:pPr>
-              <a:t>8/9/2022</a:t>
+              <a:t>10/13/2022</a:t>
             </a:fld>
             <a:endParaRPr kumimoji="0" lang="en-US" sz="900" b="0" i="0" u="none" strike="noStrike" kern="1200" cap="none" spc="0" normalizeH="0" baseline="0" noProof="0" dirty="0">
               <a:ln>
@@ -16782,7 +16782,7 @@
                 <a:tabLst/>
                 <a:defRPr/>
               </a:pPr>
-              <a:t>8/9/2022</a:t>
+              <a:t>10/13/2022</a:t>
             </a:fld>
             <a:endParaRPr kumimoji="0" lang="en-US" sz="900" b="0" i="0" u="none" strike="noStrike" kern="1200" cap="none" spc="0" normalizeH="0" baseline="0" noProof="0" dirty="0">
               <a:ln>
@@ -17215,7 +17215,7 @@
           <a:p>
             <a:fld id="{A7119916-CD40-456D-ABE3-55F8822671F7}" type="datetime1">
               <a:rPr lang="en-US" smtClean="0"/>
-              <a:t>8/9/2022</a:t>
+              <a:t>10/13/2022</a:t>
             </a:fld>
             <a:endParaRPr lang="en-US" dirty="0"/>
           </a:p>
@@ -17459,7 +17459,7 @@
           <a:p>
             <a:fld id="{A7119916-CD40-456D-ABE3-55F8822671F7}" type="datetime1">
               <a:rPr lang="en-US" smtClean="0"/>
-              <a:t>8/9/2022</a:t>
+              <a:t>10/13/2022</a:t>
             </a:fld>
             <a:endParaRPr lang="en-US" dirty="0"/>
           </a:p>
@@ -17685,7 +17685,7 @@
           <a:p>
             <a:fld id="{A7119916-CD40-456D-ABE3-55F8822671F7}" type="datetime1">
               <a:rPr lang="en-US" smtClean="0"/>
-              <a:t>8/9/2022</a:t>
+              <a:t>10/13/2022</a:t>
             </a:fld>
             <a:endParaRPr lang="en-US" dirty="0"/>
           </a:p>
@@ -18040,7 +18040,7 @@
                 <a:tabLst/>
                 <a:defRPr/>
               </a:pPr>
-              <a:t>8/9/2022</a:t>
+              <a:t>10/13/2022</a:t>
             </a:fld>
             <a:endParaRPr kumimoji="0" lang="en-US" sz="900" b="0" i="0" u="none" strike="noStrike" kern="1200" cap="none" spc="0" normalizeH="0" baseline="0" noProof="0" dirty="0">
               <a:ln>
@@ -18400,7 +18400,7 @@
           <a:p>
             <a:fld id="{A7119916-CD40-456D-ABE3-55F8822671F7}" type="datetime1">
               <a:rPr lang="en-US" smtClean="0"/>
-              <a:t>8/9/2022</a:t>
+              <a:t>10/13/2022</a:t>
             </a:fld>
             <a:endParaRPr lang="en-US" dirty="0"/>
           </a:p>
@@ -18651,7 +18651,7 @@
           <a:p>
             <a:fld id="{A7119916-CD40-456D-ABE3-55F8822671F7}" type="datetime1">
               <a:rPr lang="en-US" smtClean="0"/>
-              <a:t>8/9/2022</a:t>
+              <a:t>10/13/2022</a:t>
             </a:fld>
             <a:endParaRPr lang="en-US" dirty="0"/>
           </a:p>
@@ -18979,7 +18979,7 @@
           <a:p>
             <a:fld id="{A7119916-CD40-456D-ABE3-55F8822671F7}" type="datetime1">
               <a:rPr lang="en-US" smtClean="0"/>
-              <a:t>8/9/2022</a:t>
+              <a:t>10/13/2022</a:t>
             </a:fld>
             <a:endParaRPr lang="en-US" dirty="0"/>
           </a:p>
@@ -19154,7 +19154,7 @@
           <a:p>
             <a:fld id="{A7119916-CD40-456D-ABE3-55F8822671F7}" type="datetime1">
               <a:rPr lang="en-US" smtClean="0"/>
-              <a:t>8/9/2022</a:t>
+              <a:t>10/13/2022</a:t>
             </a:fld>
             <a:endParaRPr lang="en-US" dirty="0"/>
           </a:p>
@@ -19302,7 +19302,7 @@
             </a:pPr>
             <a:r>
               <a:rPr lang="en-US" sz="2800" dirty="0"/>
-              <a:t>rectangles/</a:t>
+              <a:t>samples/rectangles/</a:t>
             </a:r>
           </a:p>
           <a:p>
@@ -19351,7 +19351,7 @@
           <a:p>
             <a:fld id="{A7119916-CD40-456D-ABE3-55F8822671F7}" type="datetime1">
               <a:rPr lang="en-US" smtClean="0"/>
-              <a:t>8/9/2022</a:t>
+              <a:t>10/13/2022</a:t>
             </a:fld>
             <a:endParaRPr lang="en-US" dirty="0"/>
           </a:p>
@@ -19603,7 +19603,7 @@
           <a:p>
             <a:fld id="{A7119916-CD40-456D-ABE3-55F8822671F7}" type="datetime1">
               <a:rPr lang="en-US" smtClean="0"/>
-              <a:t>8/9/2022</a:t>
+              <a:t>10/13/2022</a:t>
             </a:fld>
             <a:endParaRPr lang="en-US" dirty="0"/>
           </a:p>
@@ -19755,7 +19755,7 @@
           <a:p>
             <a:fld id="{A7119916-CD40-456D-ABE3-55F8822671F7}" type="datetime1">
               <a:rPr lang="en-US" smtClean="0"/>
-              <a:t>8/9/2022</a:t>
+              <a:t>10/13/2022</a:t>
             </a:fld>
             <a:endParaRPr lang="en-US" dirty="0"/>
           </a:p>
@@ -19871,9 +19871,10 @@
           </a:bodyPr>
           <a:lstStyle/>
           <a:p>
+            <a:pPr algn="ctr"/>
             <a:r>
               <a:rPr lang="en-US" dirty="0"/>
-              <a:t>Classes – Structure – Object Oriented</a:t>
+              <a:t>Object Oriented</a:t>
             </a:r>
             <a:endParaRPr lang="en-US" sz="2800" dirty="0"/>
           </a:p>
@@ -20018,7 +20019,7 @@
                 <a:tabLst/>
                 <a:defRPr/>
               </a:pPr>
-              <a:t>8/9/2022</a:t>
+              <a:t>10/13/2022</a:t>
             </a:fld>
             <a:endParaRPr kumimoji="0" lang="en-US" sz="900" b="0" i="0" u="none" strike="noStrike" kern="1200" cap="none" spc="0" normalizeH="0" baseline="0" noProof="0" dirty="0">
               <a:ln>
@@ -20241,9 +20242,10 @@
           </a:bodyPr>
           <a:lstStyle/>
           <a:p>
+            <a:pPr algn="ctr"/>
             <a:r>
               <a:rPr lang="en-US" dirty="0"/>
-              <a:t>Classes – Structure – Object Oriented</a:t>
+              <a:t>Structure – Object Oriented</a:t>
             </a:r>
             <a:endParaRPr lang="en-US" sz="2800" dirty="0"/>
           </a:p>
@@ -20408,7 +20410,7 @@
                 <a:tabLst/>
                 <a:defRPr/>
               </a:pPr>
-              <a:t>8/9/2022</a:t>
+              <a:t>10/13/2022</a:t>
             </a:fld>
             <a:endParaRPr kumimoji="0" lang="en-US" sz="900" b="0" i="0" u="none" strike="noStrike" kern="1200" cap="none" spc="0" normalizeH="0" baseline="0" noProof="0" dirty="0">
               <a:ln>
@@ -20814,7 +20816,7 @@
                 <a:tabLst/>
                 <a:defRPr/>
               </a:pPr>
-              <a:t>8/9/2022</a:t>
+              <a:t>10/13/2022</a:t>
             </a:fld>
             <a:endParaRPr kumimoji="0" lang="en-US" sz="900" b="0" i="0" u="none" strike="noStrike" kern="1200" cap="none" spc="0" normalizeH="0" baseline="0" noProof="0" dirty="0">
               <a:ln>
@@ -21226,7 +21228,7 @@
                 <a:tabLst/>
                 <a:defRPr/>
               </a:pPr>
-              <a:t>8/9/2022</a:t>
+              <a:t>10/13/2022</a:t>
             </a:fld>
             <a:endParaRPr kumimoji="0" lang="en-US" sz="900" b="0" i="0" u="none" strike="noStrike" kern="1200" cap="none" spc="0" normalizeH="0" baseline="0" noProof="0" dirty="0">
               <a:ln>
@@ -21653,7 +21655,7 @@
                 <a:tabLst/>
                 <a:defRPr/>
               </a:pPr>
-              <a:t>8/9/2022</a:t>
+              <a:t>10/13/2022</a:t>
             </a:fld>
             <a:endParaRPr kumimoji="0" lang="en-US" sz="900" b="0" i="0" u="none" strike="noStrike" kern="1200" cap="none" spc="0" normalizeH="0" baseline="0" noProof="0" dirty="0">
               <a:ln>
@@ -22118,7 +22120,7 @@
                 <a:tabLst/>
                 <a:defRPr/>
               </a:pPr>
-              <a:t>8/9/2022</a:t>
+              <a:t>10/13/2022</a:t>
             </a:fld>
             <a:endParaRPr kumimoji="0" lang="en-US" sz="900" b="0" i="0" u="none" strike="noStrike" kern="1200" cap="none" spc="0" normalizeH="0" baseline="0" noProof="0" dirty="0">
               <a:ln>
@@ -22605,7 +22607,7 @@
                 <a:tabLst/>
                 <a:defRPr/>
               </a:pPr>
-              <a:t>8/9/2022</a:t>
+              <a:t>10/13/2022</a:t>
             </a:fld>
             <a:endParaRPr kumimoji="0" lang="en-US" sz="900" b="0" i="0" u="none" strike="noStrike" kern="1200" cap="none" spc="0" normalizeH="0" baseline="0" noProof="0" dirty="0">
               <a:ln>
